--- a/Sep21/DeepGRN_092121.pptx
+++ b/Sep21/DeepGRN_092121.pptx
@@ -5,27 +5,30 @@
     <p:sldMasterId id="2147483648" r:id="rId1"/>
   </p:sldMasterIdLst>
   <p:notesMasterIdLst>
-    <p:notesMasterId r:id="rId20"/>
+    <p:notesMasterId r:id="rId23"/>
   </p:notesMasterIdLst>
   <p:sldIdLst>
     <p:sldId id="256" r:id="rId2"/>
     <p:sldId id="257" r:id="rId3"/>
-    <p:sldId id="258" r:id="rId4"/>
-    <p:sldId id="259" r:id="rId5"/>
+    <p:sldId id="274" r:id="rId4"/>
+    <p:sldId id="258" r:id="rId5"/>
     <p:sldId id="260" r:id="rId6"/>
-    <p:sldId id="261" r:id="rId7"/>
-    <p:sldId id="262" r:id="rId8"/>
-    <p:sldId id="268" r:id="rId9"/>
-    <p:sldId id="269" r:id="rId10"/>
-    <p:sldId id="270" r:id="rId11"/>
-    <p:sldId id="271" r:id="rId12"/>
-    <p:sldId id="263" r:id="rId13"/>
-    <p:sldId id="264" r:id="rId14"/>
-    <p:sldId id="272" r:id="rId15"/>
-    <p:sldId id="265" r:id="rId16"/>
-    <p:sldId id="266" r:id="rId17"/>
-    <p:sldId id="267" r:id="rId18"/>
-    <p:sldId id="273" r:id="rId19"/>
+    <p:sldId id="276" r:id="rId7"/>
+    <p:sldId id="261" r:id="rId8"/>
+    <p:sldId id="259" r:id="rId9"/>
+    <p:sldId id="262" r:id="rId10"/>
+    <p:sldId id="268" r:id="rId11"/>
+    <p:sldId id="269" r:id="rId12"/>
+    <p:sldId id="270" r:id="rId13"/>
+    <p:sldId id="271" r:id="rId14"/>
+    <p:sldId id="263" r:id="rId15"/>
+    <p:sldId id="264" r:id="rId16"/>
+    <p:sldId id="272" r:id="rId17"/>
+    <p:sldId id="265" r:id="rId18"/>
+    <p:sldId id="266" r:id="rId19"/>
+    <p:sldId id="267" r:id="rId20"/>
+    <p:sldId id="273" r:id="rId21"/>
+    <p:sldId id="275" r:id="rId22"/>
   </p:sldIdLst>
   <p:sldSz cx="12192000" cy="6858000"/>
   <p:notesSz cx="6858000" cy="9144000"/>
@@ -498,7 +501,7 @@
           <a:p>
             <a:fld id="{17BB30EC-248D-9548-A149-2237243CDE47}" type="datetimeFigureOut">
               <a:rPr lang="en-US" smtClean="0"/>
-              <a:t>9/10/21</a:t>
+              <a:t>9/13/21</a:t>
             </a:fld>
             <a:endParaRPr lang="en-US"/>
           </a:p>
@@ -898,16 +901,119 @@
           <a:p>
             <a:r>
               <a:rPr lang="en-US" dirty="0"/>
+              <a:t>Figure1: https://</a:t>
+            </a:r>
+            <a:r>
+              <a:rPr lang="en-US" dirty="0" err="1"/>
+              <a:t>slideplayer.com</a:t>
+            </a:r>
+            <a:r>
+              <a:rPr lang="en-US" dirty="0"/>
+              <a:t>/slide/9089748/</a:t>
+            </a:r>
+          </a:p>
+          <a:p>
+            <a:r>
+              <a:rPr lang="en-US" dirty="0"/>
+              <a:t>Figure3: https://</a:t>
+            </a:r>
+            <a:r>
+              <a:rPr lang="en-US" dirty="0" err="1"/>
+              <a:t>www.khanacademy.org</a:t>
+            </a:r>
+            <a:r>
+              <a:rPr lang="en-US" dirty="0"/>
+              <a:t>/science/ap-biology/gene-expression-and-regulation/regulation-of-gene-expression-and-cell-specialization/a/overview-of-eukaryotic-gene-regulation</a:t>
+            </a:r>
+          </a:p>
+          <a:p>
+            <a:endParaRPr lang="en-US" dirty="0"/>
+          </a:p>
+          <a:p>
+            <a:r>
+              <a:rPr lang="en-US" dirty="0"/>
+              <a:t>Same DNA different cell types</a:t>
+            </a:r>
+          </a:p>
+          <a:p>
+            <a:r>
+              <a:rPr lang="en-US" dirty="0"/>
               <a:t>https://</a:t>
             </a:r>
             <a:r>
               <a:rPr lang="en-US" dirty="0" err="1"/>
-              <a:t>machinelearningmastery.com</a:t>
-            </a:r>
-            <a:r>
-              <a:rPr lang="en-US" dirty="0"/>
-              <a:t>/convolutional-layers-for-deep-learning-neural-networks/</a:t>
-            </a:r>
+              <a:t>www.ncbi.nlm.nih.gov</a:t>
+            </a:r>
+            <a:r>
+              <a:rPr lang="en-US" dirty="0"/>
+              <a:t>/Class/</a:t>
+            </a:r>
+            <a:r>
+              <a:rPr lang="en-US" dirty="0" err="1"/>
+              <a:t>MLACourse</a:t>
+            </a:r>
+            <a:r>
+              <a:rPr lang="en-US" dirty="0"/>
+              <a:t>/Original8Hour/Genetics/</a:t>
+            </a:r>
+            <a:r>
+              <a:rPr lang="en-US" dirty="0" err="1"/>
+              <a:t>gene_expression.html</a:t>
+            </a:r>
+            <a:endParaRPr lang="en-US" dirty="0"/>
+          </a:p>
+          <a:p>
+            <a:r>
+              <a:rPr lang="en-US" dirty="0"/>
+              <a:t>https://</a:t>
+            </a:r>
+            <a:r>
+              <a:rPr lang="en-US" dirty="0" err="1"/>
+              <a:t>www.nature.com</a:t>
+            </a:r>
+            <a:r>
+              <a:rPr lang="en-US" dirty="0"/>
+              <a:t>/</a:t>
+            </a:r>
+            <a:r>
+              <a:rPr lang="en-US" dirty="0" err="1"/>
+              <a:t>scitable</a:t>
+            </a:r>
+            <a:r>
+              <a:rPr lang="en-US" dirty="0"/>
+              <a:t>/</a:t>
+            </a:r>
+            <a:r>
+              <a:rPr lang="en-US" dirty="0" err="1"/>
+              <a:t>topicpage</a:t>
+            </a:r>
+            <a:r>
+              <a:rPr lang="en-US" dirty="0"/>
+              <a:t>/gene-expression-regulates-cell-differentiation-931/</a:t>
+            </a:r>
+          </a:p>
+          <a:p>
+            <a:r>
+              <a:rPr lang="en-US" dirty="0"/>
+              <a:t>https://</a:t>
+            </a:r>
+            <a:r>
+              <a:rPr lang="en-US" dirty="0" err="1"/>
+              <a:t>www.nature.com</a:t>
+            </a:r>
+            <a:r>
+              <a:rPr lang="en-US" dirty="0"/>
+              <a:t>/articles/hdy201054</a:t>
+            </a:r>
+          </a:p>
+          <a:p>
+            <a:endParaRPr lang="en-US" dirty="0"/>
+          </a:p>
+          <a:p>
+            <a:endParaRPr lang="en-US" dirty="0"/>
+          </a:p>
+          <a:p>
+            <a:endParaRPr lang="en-US" dirty="0"/>
           </a:p>
         </p:txBody>
       </p:sp>
@@ -928,7 +1034,7 @@
           <a:p>
             <a:fld id="{91A6987C-0916-2242-A9EF-85F33DA03160}" type="slidenum">
               <a:rPr lang="en-US" smtClean="0"/>
-              <a:t>14</a:t>
+              <a:t>2</a:t>
             </a:fld>
             <a:endParaRPr lang="en-US"/>
           </a:p>
@@ -937,7 +1043,7 @@
     </p:spTree>
     <p:extLst>
       <p:ext uri="{BB962C8B-B14F-4D97-AF65-F5344CB8AC3E}">
-        <p14:creationId xmlns:p14="http://schemas.microsoft.com/office/powerpoint/2010/main" val="58297411"/>
+        <p14:creationId xmlns:p14="http://schemas.microsoft.com/office/powerpoint/2010/main" val="779421601"/>
       </p:ext>
     </p:extLst>
   </p:cSld>
@@ -993,28 +1099,104 @@
           <a:p>
             <a:r>
               <a:rPr lang="en-US" dirty="0"/>
+              <a:t>Figure2: http://2013.igem.org/wiki/</a:t>
+            </a:r>
+            <a:r>
+              <a:rPr lang="en-US" dirty="0" err="1"/>
+              <a:t>index.php?title</a:t>
+            </a:r>
+            <a:r>
+              <a:rPr lang="en-US" dirty="0"/>
+              <a:t>=</a:t>
+            </a:r>
+            <a:r>
+              <a:rPr lang="en-US" dirty="0" err="1"/>
+              <a:t>Team:XMU_Software</a:t>
+            </a:r>
+            <a:r>
+              <a:rPr lang="en-US" dirty="0"/>
+              <a:t>/Project/</a:t>
+            </a:r>
+            <a:r>
+              <a:rPr lang="en-US" dirty="0" err="1"/>
+              <a:t>promoter&amp;oldid</a:t>
+            </a:r>
+            <a:r>
+              <a:rPr lang="en-US" dirty="0"/>
+              <a:t>=359507</a:t>
+            </a:r>
+          </a:p>
+          <a:p>
+            <a:endParaRPr lang="en-US" dirty="0"/>
+          </a:p>
+          <a:p>
+            <a:r>
+              <a:rPr lang="en-US" dirty="0"/>
+              <a:t>TF Background</a:t>
+            </a:r>
+          </a:p>
+          <a:p>
+            <a:r>
+              <a:rPr lang="en-US" dirty="0"/>
+              <a:t>Khan Academy: https://</a:t>
+            </a:r>
+            <a:r>
+              <a:rPr lang="en-US" dirty="0" err="1"/>
+              <a:t>www.khanacademy.org</a:t>
+            </a:r>
+            <a:r>
+              <a:rPr lang="en-US" dirty="0"/>
+              <a:t>/science/biology/gene-regulation/gene-regulation-in-eukaryotes/a/eukaryotic-transcription-factors</a:t>
+            </a:r>
+          </a:p>
+          <a:p>
+            <a:r>
+              <a:rPr lang="en-US" dirty="0"/>
+              <a:t>http://2013.igem.org/wiki/</a:t>
+            </a:r>
+            <a:r>
+              <a:rPr lang="en-US" dirty="0" err="1"/>
+              <a:t>index.php?title</a:t>
+            </a:r>
+            <a:r>
+              <a:rPr lang="en-US" dirty="0"/>
+              <a:t>=</a:t>
+            </a:r>
+            <a:r>
+              <a:rPr lang="en-US" dirty="0" err="1"/>
+              <a:t>Team:XMU_Software</a:t>
+            </a:r>
+            <a:r>
+              <a:rPr lang="en-US" dirty="0"/>
+              <a:t>/Project/</a:t>
+            </a:r>
+            <a:r>
+              <a:rPr lang="en-US" dirty="0" err="1"/>
+              <a:t>promoter&amp;oldid</a:t>
+            </a:r>
+            <a:r>
+              <a:rPr lang="en-US" dirty="0"/>
+              <a:t>=359507</a:t>
+            </a:r>
+          </a:p>
+          <a:p>
+            <a:r>
+              <a:rPr lang="en-US" dirty="0"/>
               <a:t>https://</a:t>
             </a:r>
             <a:r>
               <a:rPr lang="en-US" dirty="0" err="1"/>
-              <a:t>stanford.edu</a:t>
-            </a:r>
-            <a:r>
-              <a:rPr lang="en-US" dirty="0"/>
-              <a:t>/~</a:t>
-            </a:r>
-            <a:r>
-              <a:rPr lang="en-US" dirty="0" err="1"/>
-              <a:t>shervine</a:t>
-            </a:r>
-            <a:r>
-              <a:rPr lang="en-US" dirty="0"/>
-              <a:t>/teaching/cs-230/</a:t>
-            </a:r>
-            <a:r>
-              <a:rPr lang="en-US" dirty="0" err="1"/>
-              <a:t>cheatsheet-recurrent-neural-networks#attention</a:t>
-            </a:r>
+              <a:t>www.nature.com</a:t>
+            </a:r>
+            <a:r>
+              <a:rPr lang="en-US" dirty="0"/>
+              <a:t>/articles/nrg3207</a:t>
+            </a:r>
+          </a:p>
+          <a:p>
+            <a:endParaRPr lang="en-US" dirty="0"/>
+          </a:p>
+          <a:p>
             <a:endParaRPr lang="en-US" dirty="0"/>
           </a:p>
         </p:txBody>
@@ -1036,7 +1218,7 @@
           <a:p>
             <a:fld id="{91A6987C-0916-2242-A9EF-85F33DA03160}" type="slidenum">
               <a:rPr lang="en-US" smtClean="0"/>
-              <a:t>15</a:t>
+              <a:t>3</a:t>
             </a:fld>
             <a:endParaRPr lang="en-US"/>
           </a:p>
@@ -1045,7 +1227,7 @@
     </p:spTree>
     <p:extLst>
       <p:ext uri="{BB962C8B-B14F-4D97-AF65-F5344CB8AC3E}">
-        <p14:creationId xmlns:p14="http://schemas.microsoft.com/office/powerpoint/2010/main" val="1581291839"/>
+        <p14:creationId xmlns:p14="http://schemas.microsoft.com/office/powerpoint/2010/main" val="2982352385"/>
       </p:ext>
     </p:extLst>
   </p:cSld>
@@ -1100,17 +1282,128 @@
           <a:lstStyle/>
           <a:p>
             <a:r>
-              <a:rPr lang="en-US" dirty="0"/>
-              <a:t>https://</a:t>
-            </a:r>
-            <a:r>
               <a:rPr lang="en-US" dirty="0" err="1"/>
-              <a:t>towardsdatascience.com</a:t>
-            </a:r>
-            <a:r>
-              <a:rPr lang="en-US" dirty="0"/>
-              <a:t>/intuitive-understanding-of-attention-mechanism-in-deep-learning-6c9482aecf4f</a:t>
-            </a:r>
+              <a:t>DeepBind</a:t>
+            </a:r>
+            <a:r>
+              <a:rPr lang="en-US" dirty="0"/>
+              <a:t>: https://</a:t>
+            </a:r>
+            <a:r>
+              <a:rPr lang="en-US" dirty="0" err="1"/>
+              <a:t>www.ncbi.nlm.nih.gov</a:t>
+            </a:r>
+            <a:r>
+              <a:rPr lang="en-US" dirty="0"/>
+              <a:t>/</a:t>
+            </a:r>
+            <a:r>
+              <a:rPr lang="en-US" dirty="0" err="1"/>
+              <a:t>pmc</a:t>
+            </a:r>
+            <a:r>
+              <a:rPr lang="en-US" dirty="0"/>
+              <a:t>/articles/PMC4908339/</a:t>
+            </a:r>
+          </a:p>
+          <a:p>
+            <a:r>
+              <a:rPr lang="en-US" dirty="0" err="1"/>
+              <a:t>DeepSEA</a:t>
+            </a:r>
+            <a:r>
+              <a:rPr lang="en-US" dirty="0"/>
+              <a:t>: https://</a:t>
+            </a:r>
+            <a:r>
+              <a:rPr lang="en-US" dirty="0" err="1"/>
+              <a:t>www.ncbi.nlm.nih.gov</a:t>
+            </a:r>
+            <a:r>
+              <a:rPr lang="en-US" dirty="0"/>
+              <a:t>/</a:t>
+            </a:r>
+            <a:r>
+              <a:rPr lang="en-US" dirty="0" err="1"/>
+              <a:t>pmc</a:t>
+            </a:r>
+            <a:r>
+              <a:rPr lang="en-US" dirty="0"/>
+              <a:t>/articles/PMC4768299/</a:t>
+            </a:r>
+          </a:p>
+          <a:p>
+            <a:r>
+              <a:rPr lang="en-US" dirty="0" err="1"/>
+              <a:t>DanQ</a:t>
+            </a:r>
+            <a:r>
+              <a:rPr lang="en-US" dirty="0"/>
+              <a:t>: https://</a:t>
+            </a:r>
+            <a:r>
+              <a:rPr lang="en-US" dirty="0" err="1"/>
+              <a:t>www.ncbi.nlm.nih.gov</a:t>
+            </a:r>
+            <a:r>
+              <a:rPr lang="en-US" dirty="0"/>
+              <a:t>/</a:t>
+            </a:r>
+            <a:r>
+              <a:rPr lang="en-US" dirty="0" err="1"/>
+              <a:t>pmc</a:t>
+            </a:r>
+            <a:r>
+              <a:rPr lang="en-US" dirty="0"/>
+              <a:t>/articles/PMC4914104/</a:t>
+            </a:r>
+          </a:p>
+          <a:p>
+            <a:r>
+              <a:rPr lang="en-US" dirty="0" err="1"/>
+              <a:t>DeeperBind</a:t>
+            </a:r>
+            <a:r>
+              <a:rPr lang="en-US" dirty="0"/>
+              <a:t>: https://</a:t>
+            </a:r>
+            <a:r>
+              <a:rPr lang="en-US" dirty="0" err="1"/>
+              <a:t>www.ncbi.nlm.nih.gov</a:t>
+            </a:r>
+            <a:r>
+              <a:rPr lang="en-US" dirty="0"/>
+              <a:t>/</a:t>
+            </a:r>
+            <a:r>
+              <a:rPr lang="en-US" dirty="0" err="1"/>
+              <a:t>pmc</a:t>
+            </a:r>
+            <a:r>
+              <a:rPr lang="en-US" dirty="0"/>
+              <a:t>/articles/PMC7302108/</a:t>
+            </a:r>
+          </a:p>
+          <a:p>
+            <a:r>
+              <a:rPr lang="en-US" dirty="0" err="1"/>
+              <a:t>FactorNet</a:t>
+            </a:r>
+            <a:r>
+              <a:rPr lang="en-US" dirty="0"/>
+              <a:t>: https://</a:t>
+            </a:r>
+            <a:r>
+              <a:rPr lang="en-US" dirty="0" err="1"/>
+              <a:t>pubmed.ncbi.nlm.nih.gov</a:t>
+            </a:r>
+            <a:r>
+              <a:rPr lang="en-US" dirty="0"/>
+              <a:t>/30922998/</a:t>
+            </a:r>
+          </a:p>
+          <a:p>
+            <a:endParaRPr lang="en-US" dirty="0"/>
           </a:p>
         </p:txBody>
       </p:sp>
@@ -1131,7 +1424,7 @@
           <a:p>
             <a:fld id="{91A6987C-0916-2242-A9EF-85F33DA03160}" type="slidenum">
               <a:rPr lang="en-US" smtClean="0"/>
-              <a:t>17</a:t>
+              <a:t>4</a:t>
             </a:fld>
             <a:endParaRPr lang="en-US"/>
           </a:p>
@@ -1140,7 +1433,7 @@
     </p:spTree>
     <p:extLst>
       <p:ext uri="{BB962C8B-B14F-4D97-AF65-F5344CB8AC3E}">
-        <p14:creationId xmlns:p14="http://schemas.microsoft.com/office/powerpoint/2010/main" val="308812898"/>
+        <p14:creationId xmlns:p14="http://schemas.microsoft.com/office/powerpoint/2010/main" val="1988876060"/>
       </p:ext>
     </p:extLst>
   </p:cSld>
@@ -1200,6 +1493,304 @@
             </a:r>
             <a:r>
               <a:rPr lang="en-US" dirty="0" err="1"/>
+              <a:t>machinelearningmastery.com</a:t>
+            </a:r>
+            <a:r>
+              <a:rPr lang="en-US" dirty="0"/>
+              <a:t>/convolutional-layers-for-deep-learning-neural-networks/</a:t>
+            </a:r>
+          </a:p>
+        </p:txBody>
+      </p:sp>
+      <p:sp>
+        <p:nvSpPr>
+          <p:cNvPr id="4" name="Slide Number Placeholder 3"/>
+          <p:cNvSpPr>
+            <a:spLocks noGrp="1"/>
+          </p:cNvSpPr>
+          <p:nvPr>
+            <p:ph type="sldNum" sz="quarter" idx="5"/>
+          </p:nvPr>
+        </p:nvSpPr>
+        <p:spPr/>
+        <p:txBody>
+          <a:bodyPr/>
+          <a:lstStyle/>
+          <a:p>
+            <a:fld id="{91A6987C-0916-2242-A9EF-85F33DA03160}" type="slidenum">
+              <a:rPr lang="en-US" smtClean="0"/>
+              <a:t>16</a:t>
+            </a:fld>
+            <a:endParaRPr lang="en-US"/>
+          </a:p>
+        </p:txBody>
+      </p:sp>
+    </p:spTree>
+    <p:extLst>
+      <p:ext uri="{BB962C8B-B14F-4D97-AF65-F5344CB8AC3E}">
+        <p14:creationId xmlns:p14="http://schemas.microsoft.com/office/powerpoint/2010/main" val="58297411"/>
+      </p:ext>
+    </p:extLst>
+  </p:cSld>
+  <p:clrMapOvr>
+    <a:masterClrMapping/>
+  </p:clrMapOvr>
+</p:notes>
+</file>
+
+<file path=ppt/notesSlides/notesSlide6.xml><?xml version="1.0" encoding="utf-8"?>
+<p:notes xmlns:a="http://schemas.openxmlformats.org/drawingml/2006/main" xmlns:r="http://schemas.openxmlformats.org/officeDocument/2006/relationships" xmlns:p="http://schemas.openxmlformats.org/presentationml/2006/main">
+  <p:cSld>
+    <p:spTree>
+      <p:nvGrpSpPr>
+        <p:cNvPr id="1" name=""/>
+        <p:cNvGrpSpPr/>
+        <p:nvPr/>
+      </p:nvGrpSpPr>
+      <p:grpSpPr>
+        <a:xfrm>
+          <a:off x="0" y="0"/>
+          <a:ext cx="0" cy="0"/>
+          <a:chOff x="0" y="0"/>
+          <a:chExt cx="0" cy="0"/>
+        </a:xfrm>
+      </p:grpSpPr>
+      <p:sp>
+        <p:nvSpPr>
+          <p:cNvPr id="2" name="Slide Image Placeholder 1"/>
+          <p:cNvSpPr>
+            <a:spLocks noGrp="1" noRot="1" noChangeAspect="1"/>
+          </p:cNvSpPr>
+          <p:nvPr>
+            <p:ph type="sldImg"/>
+          </p:nvPr>
+        </p:nvSpPr>
+        <p:spPr/>
+      </p:sp>
+      <p:sp>
+        <p:nvSpPr>
+          <p:cNvPr id="3" name="Notes Placeholder 2"/>
+          <p:cNvSpPr>
+            <a:spLocks noGrp="1"/>
+          </p:cNvSpPr>
+          <p:nvPr>
+            <p:ph type="body" idx="1"/>
+          </p:nvPr>
+        </p:nvSpPr>
+        <p:spPr/>
+        <p:txBody>
+          <a:bodyPr/>
+          <a:lstStyle/>
+          <a:p>
+            <a:r>
+              <a:rPr lang="en-US" dirty="0"/>
+              <a:t>https://</a:t>
+            </a:r>
+            <a:r>
+              <a:rPr lang="en-US" dirty="0" err="1"/>
+              <a:t>stanford.edu</a:t>
+            </a:r>
+            <a:r>
+              <a:rPr lang="en-US" dirty="0"/>
+              <a:t>/~</a:t>
+            </a:r>
+            <a:r>
+              <a:rPr lang="en-US" dirty="0" err="1"/>
+              <a:t>shervine</a:t>
+            </a:r>
+            <a:r>
+              <a:rPr lang="en-US" dirty="0"/>
+              <a:t>/teaching/cs-230/</a:t>
+            </a:r>
+            <a:r>
+              <a:rPr lang="en-US" dirty="0" err="1"/>
+              <a:t>cheatsheet-recurrent-neural-networks#attention</a:t>
+            </a:r>
+            <a:endParaRPr lang="en-US" dirty="0"/>
+          </a:p>
+        </p:txBody>
+      </p:sp>
+      <p:sp>
+        <p:nvSpPr>
+          <p:cNvPr id="4" name="Slide Number Placeholder 3"/>
+          <p:cNvSpPr>
+            <a:spLocks noGrp="1"/>
+          </p:cNvSpPr>
+          <p:nvPr>
+            <p:ph type="sldNum" sz="quarter" idx="5"/>
+          </p:nvPr>
+        </p:nvSpPr>
+        <p:spPr/>
+        <p:txBody>
+          <a:bodyPr/>
+          <a:lstStyle/>
+          <a:p>
+            <a:fld id="{91A6987C-0916-2242-A9EF-85F33DA03160}" type="slidenum">
+              <a:rPr lang="en-US" smtClean="0"/>
+              <a:t>17</a:t>
+            </a:fld>
+            <a:endParaRPr lang="en-US"/>
+          </a:p>
+        </p:txBody>
+      </p:sp>
+    </p:spTree>
+    <p:extLst>
+      <p:ext uri="{BB962C8B-B14F-4D97-AF65-F5344CB8AC3E}">
+        <p14:creationId xmlns:p14="http://schemas.microsoft.com/office/powerpoint/2010/main" val="1581291839"/>
+      </p:ext>
+    </p:extLst>
+  </p:cSld>
+  <p:clrMapOvr>
+    <a:masterClrMapping/>
+  </p:clrMapOvr>
+</p:notes>
+</file>
+
+<file path=ppt/notesSlides/notesSlide7.xml><?xml version="1.0" encoding="utf-8"?>
+<p:notes xmlns:a="http://schemas.openxmlformats.org/drawingml/2006/main" xmlns:r="http://schemas.openxmlformats.org/officeDocument/2006/relationships" xmlns:p="http://schemas.openxmlformats.org/presentationml/2006/main">
+  <p:cSld>
+    <p:spTree>
+      <p:nvGrpSpPr>
+        <p:cNvPr id="1" name=""/>
+        <p:cNvGrpSpPr/>
+        <p:nvPr/>
+      </p:nvGrpSpPr>
+      <p:grpSpPr>
+        <a:xfrm>
+          <a:off x="0" y="0"/>
+          <a:ext cx="0" cy="0"/>
+          <a:chOff x="0" y="0"/>
+          <a:chExt cx="0" cy="0"/>
+        </a:xfrm>
+      </p:grpSpPr>
+      <p:sp>
+        <p:nvSpPr>
+          <p:cNvPr id="2" name="Slide Image Placeholder 1"/>
+          <p:cNvSpPr>
+            <a:spLocks noGrp="1" noRot="1" noChangeAspect="1"/>
+          </p:cNvSpPr>
+          <p:nvPr>
+            <p:ph type="sldImg"/>
+          </p:nvPr>
+        </p:nvSpPr>
+        <p:spPr/>
+      </p:sp>
+      <p:sp>
+        <p:nvSpPr>
+          <p:cNvPr id="3" name="Notes Placeholder 2"/>
+          <p:cNvSpPr>
+            <a:spLocks noGrp="1"/>
+          </p:cNvSpPr>
+          <p:nvPr>
+            <p:ph type="body" idx="1"/>
+          </p:nvPr>
+        </p:nvSpPr>
+        <p:spPr/>
+        <p:txBody>
+          <a:bodyPr/>
+          <a:lstStyle/>
+          <a:p>
+            <a:r>
+              <a:rPr lang="en-US" dirty="0"/>
+              <a:t>https://</a:t>
+            </a:r>
+            <a:r>
+              <a:rPr lang="en-US" dirty="0" err="1"/>
+              <a:t>towardsdatascience.com</a:t>
+            </a:r>
+            <a:r>
+              <a:rPr lang="en-US" dirty="0"/>
+              <a:t>/intuitive-understanding-of-attention-mechanism-in-deep-learning-6c9482aecf4f</a:t>
+            </a:r>
+          </a:p>
+        </p:txBody>
+      </p:sp>
+      <p:sp>
+        <p:nvSpPr>
+          <p:cNvPr id="4" name="Slide Number Placeholder 3"/>
+          <p:cNvSpPr>
+            <a:spLocks noGrp="1"/>
+          </p:cNvSpPr>
+          <p:nvPr>
+            <p:ph type="sldNum" sz="quarter" idx="5"/>
+          </p:nvPr>
+        </p:nvSpPr>
+        <p:spPr/>
+        <p:txBody>
+          <a:bodyPr/>
+          <a:lstStyle/>
+          <a:p>
+            <a:fld id="{91A6987C-0916-2242-A9EF-85F33DA03160}" type="slidenum">
+              <a:rPr lang="en-US" smtClean="0"/>
+              <a:t>19</a:t>
+            </a:fld>
+            <a:endParaRPr lang="en-US"/>
+          </a:p>
+        </p:txBody>
+      </p:sp>
+    </p:spTree>
+    <p:extLst>
+      <p:ext uri="{BB962C8B-B14F-4D97-AF65-F5344CB8AC3E}">
+        <p14:creationId xmlns:p14="http://schemas.microsoft.com/office/powerpoint/2010/main" val="308812898"/>
+      </p:ext>
+    </p:extLst>
+  </p:cSld>
+  <p:clrMapOvr>
+    <a:masterClrMapping/>
+  </p:clrMapOvr>
+</p:notes>
+</file>
+
+<file path=ppt/notesSlides/notesSlide8.xml><?xml version="1.0" encoding="utf-8"?>
+<p:notes xmlns:a="http://schemas.openxmlformats.org/drawingml/2006/main" xmlns:r="http://schemas.openxmlformats.org/officeDocument/2006/relationships" xmlns:p="http://schemas.openxmlformats.org/presentationml/2006/main">
+  <p:cSld>
+    <p:spTree>
+      <p:nvGrpSpPr>
+        <p:cNvPr id="1" name=""/>
+        <p:cNvGrpSpPr/>
+        <p:nvPr/>
+      </p:nvGrpSpPr>
+      <p:grpSpPr>
+        <a:xfrm>
+          <a:off x="0" y="0"/>
+          <a:ext cx="0" cy="0"/>
+          <a:chOff x="0" y="0"/>
+          <a:chExt cx="0" cy="0"/>
+        </a:xfrm>
+      </p:grpSpPr>
+      <p:sp>
+        <p:nvSpPr>
+          <p:cNvPr id="2" name="Slide Image Placeholder 1"/>
+          <p:cNvSpPr>
+            <a:spLocks noGrp="1" noRot="1" noChangeAspect="1"/>
+          </p:cNvSpPr>
+          <p:nvPr>
+            <p:ph type="sldImg"/>
+          </p:nvPr>
+        </p:nvSpPr>
+        <p:spPr/>
+      </p:sp>
+      <p:sp>
+        <p:nvSpPr>
+          <p:cNvPr id="3" name="Notes Placeholder 2"/>
+          <p:cNvSpPr>
+            <a:spLocks noGrp="1"/>
+          </p:cNvSpPr>
+          <p:nvPr>
+            <p:ph type="body" idx="1"/>
+          </p:nvPr>
+        </p:nvSpPr>
+        <p:spPr/>
+        <p:txBody>
+          <a:bodyPr/>
+          <a:lstStyle/>
+          <a:p>
+            <a:r>
+              <a:rPr lang="en-US" dirty="0"/>
+              <a:t>https://</a:t>
+            </a:r>
+            <a:r>
+              <a:rPr lang="en-US" dirty="0" err="1"/>
               <a:t>arxiv.org</a:t>
             </a:r>
             <a:r>
@@ -1243,7 +1834,7 @@
           <a:p>
             <a:fld id="{91A6987C-0916-2242-A9EF-85F33DA03160}" type="slidenum">
               <a:rPr lang="en-US" smtClean="0"/>
-              <a:t>18</a:t>
+              <a:t>20</a:t>
             </a:fld>
             <a:endParaRPr lang="en-US"/>
           </a:p>
@@ -1409,7 +2000,7 @@
           <a:p>
             <a:fld id="{A5A70E47-95CA-DE44-BFD0-A8498F0A5788}" type="datetimeFigureOut">
               <a:rPr lang="en-US" smtClean="0"/>
-              <a:t>9/10/21</a:t>
+              <a:t>9/13/21</a:t>
             </a:fld>
             <a:endParaRPr lang="en-US"/>
           </a:p>
@@ -1607,7 +2198,7 @@
           <a:p>
             <a:fld id="{A5A70E47-95CA-DE44-BFD0-A8498F0A5788}" type="datetimeFigureOut">
               <a:rPr lang="en-US" smtClean="0"/>
-              <a:t>9/10/21</a:t>
+              <a:t>9/13/21</a:t>
             </a:fld>
             <a:endParaRPr lang="en-US"/>
           </a:p>
@@ -1815,7 +2406,7 @@
           <a:p>
             <a:fld id="{A5A70E47-95CA-DE44-BFD0-A8498F0A5788}" type="datetimeFigureOut">
               <a:rPr lang="en-US" smtClean="0"/>
-              <a:t>9/10/21</a:t>
+              <a:t>9/13/21</a:t>
             </a:fld>
             <a:endParaRPr lang="en-US"/>
           </a:p>
@@ -1921,13 +2512,24 @@
             <p:ph type="title"/>
           </p:nvPr>
         </p:nvSpPr>
-        <p:spPr/>
-        <p:txBody>
-          <a:bodyPr/>
-          <a:lstStyle/>
-          <a:p>
-            <a:r>
-              <a:rPr lang="en-US"/>
+        <p:spPr>
+          <a:xfrm>
+            <a:off x="675017" y="358609"/>
+            <a:ext cx="10841966" cy="1325563"/>
+          </a:xfrm>
+        </p:spPr>
+        <p:txBody>
+          <a:bodyPr>
+            <a:normAutofit/>
+          </a:bodyPr>
+          <a:lstStyle>
+            <a:lvl1pPr>
+              <a:defRPr sz="4000"/>
+            </a:lvl1pPr>
+          </a:lstStyle>
+          <a:p>
+            <a:r>
+              <a:rPr lang="en-US" dirty="0"/>
               <a:t>Click to edit Master title style</a:t>
             </a:r>
           </a:p>
@@ -1949,42 +2551,63 @@
             <p:ph idx="1"/>
           </p:nvPr>
         </p:nvSpPr>
-        <p:spPr/>
-        <p:txBody>
-          <a:bodyPr/>
-          <a:lstStyle/>
+        <p:spPr>
+          <a:xfrm>
+            <a:off x="675020" y="1791119"/>
+            <a:ext cx="10841966" cy="4351338"/>
+          </a:xfrm>
+        </p:spPr>
+        <p:txBody>
+          <a:bodyPr/>
+          <a:lstStyle>
+            <a:lvl1pPr>
+              <a:defRPr sz="2400"/>
+            </a:lvl1pPr>
+            <a:lvl2pPr>
+              <a:defRPr sz="2000"/>
+            </a:lvl2pPr>
+            <a:lvl3pPr>
+              <a:defRPr sz="1800"/>
+            </a:lvl3pPr>
+            <a:lvl4pPr>
+              <a:defRPr sz="1600"/>
+            </a:lvl4pPr>
+            <a:lvl5pPr>
+              <a:defRPr sz="1400"/>
+            </a:lvl5pPr>
+          </a:lstStyle>
           <a:p>
             <a:pPr lvl="0"/>
             <a:r>
-              <a:rPr lang="en-US"/>
+              <a:rPr lang="en-US" dirty="0"/>
               <a:t>Click to edit Master text styles</a:t>
             </a:r>
           </a:p>
           <a:p>
             <a:pPr lvl="1"/>
             <a:r>
-              <a:rPr lang="en-US"/>
+              <a:rPr lang="en-US" dirty="0"/>
               <a:t>Second level</a:t>
             </a:r>
           </a:p>
           <a:p>
             <a:pPr lvl="2"/>
             <a:r>
-              <a:rPr lang="en-US"/>
+              <a:rPr lang="en-US" dirty="0"/>
               <a:t>Third level</a:t>
             </a:r>
           </a:p>
           <a:p>
             <a:pPr lvl="3"/>
             <a:r>
-              <a:rPr lang="en-US"/>
+              <a:rPr lang="en-US" dirty="0"/>
               <a:t>Fourth level</a:t>
             </a:r>
           </a:p>
           <a:p>
             <a:pPr lvl="4"/>
             <a:r>
-              <a:rPr lang="en-US"/>
+              <a:rPr lang="en-US" dirty="0"/>
               <a:t>Fifth level</a:t>
             </a:r>
           </a:p>
@@ -2013,7 +2636,7 @@
           <a:p>
             <a:fld id="{A5A70E47-95CA-DE44-BFD0-A8498F0A5788}" type="datetimeFigureOut">
               <a:rPr lang="en-US" smtClean="0"/>
-              <a:t>9/10/21</a:t>
+              <a:t>9/13/21</a:t>
             </a:fld>
             <a:endParaRPr lang="en-US"/>
           </a:p>
@@ -2288,7 +2911,7 @@
           <a:p>
             <a:fld id="{A5A70E47-95CA-DE44-BFD0-A8498F0A5788}" type="datetimeFigureOut">
               <a:rPr lang="en-US" smtClean="0"/>
-              <a:t>9/10/21</a:t>
+              <a:t>9/13/21</a:t>
             </a:fld>
             <a:endParaRPr lang="en-US"/>
           </a:p>
@@ -2553,7 +3176,7 @@
           <a:p>
             <a:fld id="{A5A70E47-95CA-DE44-BFD0-A8498F0A5788}" type="datetimeFigureOut">
               <a:rPr lang="en-US" smtClean="0"/>
-              <a:t>9/10/21</a:t>
+              <a:t>9/13/21</a:t>
             </a:fld>
             <a:endParaRPr lang="en-US"/>
           </a:p>
@@ -2965,7 +3588,7 @@
           <a:p>
             <a:fld id="{A5A70E47-95CA-DE44-BFD0-A8498F0A5788}" type="datetimeFigureOut">
               <a:rPr lang="en-US" smtClean="0"/>
-              <a:t>9/10/21</a:t>
+              <a:t>9/13/21</a:t>
             </a:fld>
             <a:endParaRPr lang="en-US"/>
           </a:p>
@@ -3106,7 +3729,7 @@
           <a:p>
             <a:fld id="{A5A70E47-95CA-DE44-BFD0-A8498F0A5788}" type="datetimeFigureOut">
               <a:rPr lang="en-US" smtClean="0"/>
-              <a:t>9/10/21</a:t>
+              <a:t>9/13/21</a:t>
             </a:fld>
             <a:endParaRPr lang="en-US"/>
           </a:p>
@@ -3219,7 +3842,7 @@
           <a:p>
             <a:fld id="{A5A70E47-95CA-DE44-BFD0-A8498F0A5788}" type="datetimeFigureOut">
               <a:rPr lang="en-US" smtClean="0"/>
-              <a:t>9/10/21</a:t>
+              <a:t>9/13/21</a:t>
             </a:fld>
             <a:endParaRPr lang="en-US"/>
           </a:p>
@@ -3530,7 +4153,7 @@
           <a:p>
             <a:fld id="{A5A70E47-95CA-DE44-BFD0-A8498F0A5788}" type="datetimeFigureOut">
               <a:rPr lang="en-US" smtClean="0"/>
-              <a:t>9/10/21</a:t>
+              <a:t>9/13/21</a:t>
             </a:fld>
             <a:endParaRPr lang="en-US"/>
           </a:p>
@@ -3818,7 +4441,7 @@
           <a:p>
             <a:fld id="{A5A70E47-95CA-DE44-BFD0-A8498F0A5788}" type="datetimeFigureOut">
               <a:rPr lang="en-US" smtClean="0"/>
-              <a:t>9/10/21</a:t>
+              <a:t>9/13/21</a:t>
             </a:fld>
             <a:endParaRPr lang="en-US"/>
           </a:p>
@@ -3945,7 +4568,7 @@
           <a:lstStyle/>
           <a:p>
             <a:r>
-              <a:rPr lang="en-US"/>
+              <a:rPr lang="en-US" dirty="0"/>
               <a:t>Click to edit Master title style</a:t>
             </a:r>
           </a:p>
@@ -4059,7 +4682,7 @@
           <a:p>
             <a:fld id="{A5A70E47-95CA-DE44-BFD0-A8498F0A5788}" type="datetimeFigureOut">
               <a:rPr lang="en-US" smtClean="0"/>
-              <a:t>9/10/21</a:t>
+              <a:t>9/13/21</a:t>
             </a:fld>
             <a:endParaRPr lang="en-US"/>
           </a:p>
@@ -4186,7 +4809,7 @@
           <a:spcPct val="0"/>
         </a:spcBef>
         <a:buNone/>
-        <a:defRPr sz="4400" kern="1200">
+        <a:defRPr sz="4000" kern="1200">
           <a:solidFill>
             <a:schemeClr val="tx1"/>
           </a:solidFill>
@@ -4589,7 +5212,7 @@
           <p:cNvPr id="2" name="Title 1">
             <a:extLst>
               <a:ext uri="{FF2B5EF4-FFF2-40B4-BE49-F238E27FC236}">
-                <a16:creationId xmlns:a16="http://schemas.microsoft.com/office/drawing/2014/main" id="{D0E2D6FC-E5BD-B543-9270-BF682F328639}"/>
+                <a16:creationId xmlns:a16="http://schemas.microsoft.com/office/drawing/2014/main" id="{794F9F2B-A265-6643-BD51-85C0583F89CB}"/>
               </a:ext>
             </a:extLst>
           </p:cNvPr>
@@ -4606,12 +5229,8 @@
           <a:lstStyle/>
           <a:p>
             <a:r>
-              <a:rPr lang="en-US" dirty="0" err="1"/>
-              <a:t>DeepGRN</a:t>
-            </a:r>
-            <a:r>
-              <a:rPr lang="en-US" dirty="0"/>
-              <a:t> w and w/o attention</a:t>
+              <a:rPr lang="en-US" dirty="0"/>
+              <a:t>Dataset and Features</a:t>
             </a:r>
           </a:p>
         </p:txBody>
@@ -4621,7 +5240,7 @@
           <p:cNvPr id="3" name="Content Placeholder 2">
             <a:extLst>
               <a:ext uri="{FF2B5EF4-FFF2-40B4-BE49-F238E27FC236}">
-                <a16:creationId xmlns:a16="http://schemas.microsoft.com/office/drawing/2014/main" id="{9C50A7D8-91C9-844E-8909-399B864A36B4}"/>
+                <a16:creationId xmlns:a16="http://schemas.microsoft.com/office/drawing/2014/main" id="{311D028F-13E4-9145-BCD0-BC8C3176F733}"/>
               </a:ext>
             </a:extLst>
           </p:cNvPr>
@@ -4644,7 +5263,7 @@
     </p:spTree>
     <p:extLst>
       <p:ext uri="{BB962C8B-B14F-4D97-AF65-F5344CB8AC3E}">
-        <p14:creationId xmlns:p14="http://schemas.microsoft.com/office/powerpoint/2010/main" val="1473772075"/>
+        <p14:creationId xmlns:p14="http://schemas.microsoft.com/office/powerpoint/2010/main" val="1976759143"/>
       </p:ext>
     </p:extLst>
   </p:cSld>
@@ -4676,7 +5295,7 @@
           <p:cNvPr id="2" name="Title 1">
             <a:extLst>
               <a:ext uri="{FF2B5EF4-FFF2-40B4-BE49-F238E27FC236}">
-                <a16:creationId xmlns:a16="http://schemas.microsoft.com/office/drawing/2014/main" id="{CCAE8EAA-4C2C-9C43-90EF-2FA73C8B2B07}"/>
+                <a16:creationId xmlns:a16="http://schemas.microsoft.com/office/drawing/2014/main" id="{8C47310E-BBEE-AD43-BCED-6A3B51E3949D}"/>
               </a:ext>
             </a:extLst>
           </p:cNvPr>
@@ -4693,12 +5312,8 @@
           <a:lstStyle/>
           <a:p>
             <a:r>
-              <a:rPr lang="en-US" dirty="0" err="1"/>
-              <a:t>DeepGRN</a:t>
-            </a:r>
-            <a:r>
-              <a:rPr lang="en-US" dirty="0"/>
-              <a:t> interpretation</a:t>
+              <a:rPr lang="en-US" dirty="0"/>
+              <a:t>Model Architecture</a:t>
             </a:r>
           </a:p>
         </p:txBody>
@@ -4708,7 +5323,7 @@
           <p:cNvPr id="3" name="Content Placeholder 2">
             <a:extLst>
               <a:ext uri="{FF2B5EF4-FFF2-40B4-BE49-F238E27FC236}">
-                <a16:creationId xmlns:a16="http://schemas.microsoft.com/office/drawing/2014/main" id="{E48265D6-CC4E-5E42-A6D9-C7469398E8C0}"/>
+                <a16:creationId xmlns:a16="http://schemas.microsoft.com/office/drawing/2014/main" id="{06CAA221-D0B4-F84A-B7BE-F2D1D4608958}"/>
               </a:ext>
             </a:extLst>
           </p:cNvPr>
@@ -4731,7 +5346,7 @@
     </p:spTree>
     <p:extLst>
       <p:ext uri="{BB962C8B-B14F-4D97-AF65-F5344CB8AC3E}">
-        <p14:creationId xmlns:p14="http://schemas.microsoft.com/office/powerpoint/2010/main" val="2582996409"/>
+        <p14:creationId xmlns:p14="http://schemas.microsoft.com/office/powerpoint/2010/main" val="176311535"/>
       </p:ext>
     </p:extLst>
   </p:cSld>
@@ -4763,7 +5378,7 @@
           <p:cNvPr id="2" name="Title 1">
             <a:extLst>
               <a:ext uri="{FF2B5EF4-FFF2-40B4-BE49-F238E27FC236}">
-                <a16:creationId xmlns:a16="http://schemas.microsoft.com/office/drawing/2014/main" id="{26CD450E-121C-4A48-A026-1D3184DD0837}"/>
+                <a16:creationId xmlns:a16="http://schemas.microsoft.com/office/drawing/2014/main" id="{D0E2D6FC-E5BD-B543-9270-BF682F328639}"/>
               </a:ext>
             </a:extLst>
           </p:cNvPr>
@@ -4780,8 +5395,12 @@
           <a:lstStyle/>
           <a:p>
             <a:r>
-              <a:rPr lang="en-US" dirty="0"/>
-              <a:t>Thank you</a:t>
+              <a:rPr lang="en-US" dirty="0" err="1"/>
+              <a:t>DeepGRN</a:t>
+            </a:r>
+            <a:r>
+              <a:rPr lang="en-US" dirty="0"/>
+              <a:t> w and w/o attention</a:t>
             </a:r>
           </a:p>
         </p:txBody>
@@ -4791,7 +5410,7 @@
           <p:cNvPr id="3" name="Content Placeholder 2">
             <a:extLst>
               <a:ext uri="{FF2B5EF4-FFF2-40B4-BE49-F238E27FC236}">
-                <a16:creationId xmlns:a16="http://schemas.microsoft.com/office/drawing/2014/main" id="{550E4D85-0639-FE43-B011-0F321ECAC315}"/>
+                <a16:creationId xmlns:a16="http://schemas.microsoft.com/office/drawing/2014/main" id="{9C50A7D8-91C9-844E-8909-399B864A36B4}"/>
               </a:ext>
             </a:extLst>
           </p:cNvPr>
@@ -4814,7 +5433,7 @@
     </p:spTree>
     <p:extLst>
       <p:ext uri="{BB962C8B-B14F-4D97-AF65-F5344CB8AC3E}">
-        <p14:creationId xmlns:p14="http://schemas.microsoft.com/office/powerpoint/2010/main" val="844203302"/>
+        <p14:creationId xmlns:p14="http://schemas.microsoft.com/office/powerpoint/2010/main" val="1473772075"/>
       </p:ext>
     </p:extLst>
   </p:cSld>
@@ -4846,7 +5465,7 @@
           <p:cNvPr id="2" name="Title 1">
             <a:extLst>
               <a:ext uri="{FF2B5EF4-FFF2-40B4-BE49-F238E27FC236}">
-                <a16:creationId xmlns:a16="http://schemas.microsoft.com/office/drawing/2014/main" id="{A4944F15-95BB-F247-82FF-4410E020AC0D}"/>
+                <a16:creationId xmlns:a16="http://schemas.microsoft.com/office/drawing/2014/main" id="{CCAE8EAA-4C2C-9C43-90EF-2FA73C8B2B07}"/>
               </a:ext>
             </a:extLst>
           </p:cNvPr>
@@ -4863,8 +5482,12 @@
           <a:lstStyle/>
           <a:p>
             <a:r>
-              <a:rPr lang="en-US" dirty="0"/>
-              <a:t>Appendix – MLP Formulation</a:t>
+              <a:rPr lang="en-US" dirty="0" err="1"/>
+              <a:t>DeepGRN</a:t>
+            </a:r>
+            <a:r>
+              <a:rPr lang="en-US" dirty="0"/>
+              <a:t> interpretation</a:t>
             </a:r>
           </a:p>
         </p:txBody>
@@ -4874,7 +5497,7 @@
           <p:cNvPr id="3" name="Content Placeholder 2">
             <a:extLst>
               <a:ext uri="{FF2B5EF4-FFF2-40B4-BE49-F238E27FC236}">
-                <a16:creationId xmlns:a16="http://schemas.microsoft.com/office/drawing/2014/main" id="{BD20E304-92E6-684A-B96A-9DCD07FC2C01}"/>
+                <a16:creationId xmlns:a16="http://schemas.microsoft.com/office/drawing/2014/main" id="{E48265D6-CC4E-5E42-A6D9-C7469398E8C0}"/>
               </a:ext>
             </a:extLst>
           </p:cNvPr>
@@ -4897,7 +5520,7 @@
     </p:spTree>
     <p:extLst>
       <p:ext uri="{BB962C8B-B14F-4D97-AF65-F5344CB8AC3E}">
-        <p14:creationId xmlns:p14="http://schemas.microsoft.com/office/powerpoint/2010/main" val="3321573013"/>
+        <p14:creationId xmlns:p14="http://schemas.microsoft.com/office/powerpoint/2010/main" val="2582996409"/>
       </p:ext>
     </p:extLst>
   </p:cSld>
@@ -4929,7 +5552,7 @@
           <p:cNvPr id="2" name="Title 1">
             <a:extLst>
               <a:ext uri="{FF2B5EF4-FFF2-40B4-BE49-F238E27FC236}">
-                <a16:creationId xmlns:a16="http://schemas.microsoft.com/office/drawing/2014/main" id="{A4944F15-95BB-F247-82FF-4410E020AC0D}"/>
+                <a16:creationId xmlns:a16="http://schemas.microsoft.com/office/drawing/2014/main" id="{26CD450E-121C-4A48-A026-1D3184DD0837}"/>
               </a:ext>
             </a:extLst>
           </p:cNvPr>
@@ -4947,7 +5570,7 @@
           <a:p>
             <a:r>
               <a:rPr lang="en-US" dirty="0"/>
-              <a:t>Appendix – CNN Formulation</a:t>
+              <a:t>Thank you</a:t>
             </a:r>
           </a:p>
         </p:txBody>
@@ -4957,7 +5580,7 @@
           <p:cNvPr id="3" name="Content Placeholder 2">
             <a:extLst>
               <a:ext uri="{FF2B5EF4-FFF2-40B4-BE49-F238E27FC236}">
-                <a16:creationId xmlns:a16="http://schemas.microsoft.com/office/drawing/2014/main" id="{BD20E304-92E6-684A-B96A-9DCD07FC2C01}"/>
+                <a16:creationId xmlns:a16="http://schemas.microsoft.com/office/drawing/2014/main" id="{550E4D85-0639-FE43-B011-0F321ECAC315}"/>
               </a:ext>
             </a:extLst>
           </p:cNvPr>
@@ -4980,7 +5603,7 @@
     </p:spTree>
     <p:extLst>
       <p:ext uri="{BB962C8B-B14F-4D97-AF65-F5344CB8AC3E}">
-        <p14:creationId xmlns:p14="http://schemas.microsoft.com/office/powerpoint/2010/main" val="3392852354"/>
+        <p14:creationId xmlns:p14="http://schemas.microsoft.com/office/powerpoint/2010/main" val="844203302"/>
       </p:ext>
     </p:extLst>
   </p:cSld>
@@ -5012,7 +5635,7 @@
           <p:cNvPr id="2" name="Title 1">
             <a:extLst>
               <a:ext uri="{FF2B5EF4-FFF2-40B4-BE49-F238E27FC236}">
-                <a16:creationId xmlns:a16="http://schemas.microsoft.com/office/drawing/2014/main" id="{695350FA-3885-EE40-BCDC-745345139DAD}"/>
+                <a16:creationId xmlns:a16="http://schemas.microsoft.com/office/drawing/2014/main" id="{A4944F15-95BB-F247-82FF-4410E020AC0D}"/>
               </a:ext>
             </a:extLst>
           </p:cNvPr>
@@ -5030,7 +5653,7 @@
           <a:p>
             <a:r>
               <a:rPr lang="en-US" dirty="0"/>
-              <a:t>Appendix – RNN Formulation</a:t>
+              <a:t>Appendix – MLP Formulation</a:t>
             </a:r>
           </a:p>
         </p:txBody>
@@ -5040,7 +5663,7 @@
           <p:cNvPr id="3" name="Content Placeholder 2">
             <a:extLst>
               <a:ext uri="{FF2B5EF4-FFF2-40B4-BE49-F238E27FC236}">
-                <a16:creationId xmlns:a16="http://schemas.microsoft.com/office/drawing/2014/main" id="{48782F35-0CDA-4041-A63D-57265A06F90C}"/>
+                <a16:creationId xmlns:a16="http://schemas.microsoft.com/office/drawing/2014/main" id="{BD20E304-92E6-684A-B96A-9DCD07FC2C01}"/>
               </a:ext>
             </a:extLst>
           </p:cNvPr>
@@ -5063,7 +5686,7 @@
     </p:spTree>
     <p:extLst>
       <p:ext uri="{BB962C8B-B14F-4D97-AF65-F5344CB8AC3E}">
-        <p14:creationId xmlns:p14="http://schemas.microsoft.com/office/powerpoint/2010/main" val="320255401"/>
+        <p14:creationId xmlns:p14="http://schemas.microsoft.com/office/powerpoint/2010/main" val="3321573013"/>
       </p:ext>
     </p:extLst>
   </p:cSld>
@@ -5095,7 +5718,7 @@
           <p:cNvPr id="2" name="Title 1">
             <a:extLst>
               <a:ext uri="{FF2B5EF4-FFF2-40B4-BE49-F238E27FC236}">
-                <a16:creationId xmlns:a16="http://schemas.microsoft.com/office/drawing/2014/main" id="{31F592F1-51D1-EE42-843D-312BE910798E}"/>
+                <a16:creationId xmlns:a16="http://schemas.microsoft.com/office/drawing/2014/main" id="{A4944F15-95BB-F247-82FF-4410E020AC0D}"/>
               </a:ext>
             </a:extLst>
           </p:cNvPr>
@@ -5113,7 +5736,7 @@
           <a:p>
             <a:r>
               <a:rPr lang="en-US" dirty="0"/>
-              <a:t>Appendix – LSTM formulation</a:t>
+              <a:t>Appendix – CNN Formulation</a:t>
             </a:r>
           </a:p>
         </p:txBody>
@@ -5123,7 +5746,7 @@
           <p:cNvPr id="3" name="Content Placeholder 2">
             <a:extLst>
               <a:ext uri="{FF2B5EF4-FFF2-40B4-BE49-F238E27FC236}">
-                <a16:creationId xmlns:a16="http://schemas.microsoft.com/office/drawing/2014/main" id="{40B27EE9-1614-F642-94EC-474B5DAB9F94}"/>
+                <a16:creationId xmlns:a16="http://schemas.microsoft.com/office/drawing/2014/main" id="{BD20E304-92E6-684A-B96A-9DCD07FC2C01}"/>
               </a:ext>
             </a:extLst>
           </p:cNvPr>
@@ -5146,7 +5769,7 @@
     </p:spTree>
     <p:extLst>
       <p:ext uri="{BB962C8B-B14F-4D97-AF65-F5344CB8AC3E}">
-        <p14:creationId xmlns:p14="http://schemas.microsoft.com/office/powerpoint/2010/main" val="1590013482"/>
+        <p14:creationId xmlns:p14="http://schemas.microsoft.com/office/powerpoint/2010/main" val="3392852354"/>
       </p:ext>
     </p:extLst>
   </p:cSld>
@@ -5178,7 +5801,7 @@
           <p:cNvPr id="2" name="Title 1">
             <a:extLst>
               <a:ext uri="{FF2B5EF4-FFF2-40B4-BE49-F238E27FC236}">
-                <a16:creationId xmlns:a16="http://schemas.microsoft.com/office/drawing/2014/main" id="{31F592F1-51D1-EE42-843D-312BE910798E}"/>
+                <a16:creationId xmlns:a16="http://schemas.microsoft.com/office/drawing/2014/main" id="{695350FA-3885-EE40-BCDC-745345139DAD}"/>
               </a:ext>
             </a:extLst>
           </p:cNvPr>
@@ -5196,7 +5819,7 @@
           <a:p>
             <a:r>
               <a:rPr lang="en-US" dirty="0"/>
-              <a:t>Appendix – Attention formulation</a:t>
+              <a:t>Appendix – RNN Formulation</a:t>
             </a:r>
           </a:p>
         </p:txBody>
@@ -5206,7 +5829,7 @@
           <p:cNvPr id="3" name="Content Placeholder 2">
             <a:extLst>
               <a:ext uri="{FF2B5EF4-FFF2-40B4-BE49-F238E27FC236}">
-                <a16:creationId xmlns:a16="http://schemas.microsoft.com/office/drawing/2014/main" id="{40B27EE9-1614-F642-94EC-474B5DAB9F94}"/>
+                <a16:creationId xmlns:a16="http://schemas.microsoft.com/office/drawing/2014/main" id="{48782F35-0CDA-4041-A63D-57265A06F90C}"/>
               </a:ext>
             </a:extLst>
           </p:cNvPr>
@@ -5229,7 +5852,7 @@
     </p:spTree>
     <p:extLst>
       <p:ext uri="{BB962C8B-B14F-4D97-AF65-F5344CB8AC3E}">
-        <p14:creationId xmlns:p14="http://schemas.microsoft.com/office/powerpoint/2010/main" val="2862041284"/>
+        <p14:creationId xmlns:p14="http://schemas.microsoft.com/office/powerpoint/2010/main" val="320255401"/>
       </p:ext>
     </p:extLst>
   </p:cSld>
@@ -5279,7 +5902,7 @@
           <a:p>
             <a:r>
               <a:rPr lang="en-US" dirty="0"/>
-              <a:t>Appendix – Saliency Features</a:t>
+              <a:t>Appendix – LSTM formulation</a:t>
             </a:r>
           </a:p>
         </p:txBody>
@@ -5312,7 +5935,90 @@
     </p:spTree>
     <p:extLst>
       <p:ext uri="{BB962C8B-B14F-4D97-AF65-F5344CB8AC3E}">
-        <p14:creationId xmlns:p14="http://schemas.microsoft.com/office/powerpoint/2010/main" val="3180347128"/>
+        <p14:creationId xmlns:p14="http://schemas.microsoft.com/office/powerpoint/2010/main" val="1590013482"/>
+      </p:ext>
+    </p:extLst>
+  </p:cSld>
+  <p:clrMapOvr>
+    <a:masterClrMapping/>
+  </p:clrMapOvr>
+</p:sld>
+</file>
+
+<file path=ppt/slides/slide19.xml><?xml version="1.0" encoding="utf-8"?>
+<p:sld xmlns:a="http://schemas.openxmlformats.org/drawingml/2006/main" xmlns:r="http://schemas.openxmlformats.org/officeDocument/2006/relationships" xmlns:p="http://schemas.openxmlformats.org/presentationml/2006/main">
+  <p:cSld>
+    <p:spTree>
+      <p:nvGrpSpPr>
+        <p:cNvPr id="1" name=""/>
+        <p:cNvGrpSpPr/>
+        <p:nvPr/>
+      </p:nvGrpSpPr>
+      <p:grpSpPr>
+        <a:xfrm>
+          <a:off x="0" y="0"/>
+          <a:ext cx="0" cy="0"/>
+          <a:chOff x="0" y="0"/>
+          <a:chExt cx="0" cy="0"/>
+        </a:xfrm>
+      </p:grpSpPr>
+      <p:sp>
+        <p:nvSpPr>
+          <p:cNvPr id="2" name="Title 1">
+            <a:extLst>
+              <a:ext uri="{FF2B5EF4-FFF2-40B4-BE49-F238E27FC236}">
+                <a16:creationId xmlns:a16="http://schemas.microsoft.com/office/drawing/2014/main" id="{31F592F1-51D1-EE42-843D-312BE910798E}"/>
+              </a:ext>
+            </a:extLst>
+          </p:cNvPr>
+          <p:cNvSpPr>
+            <a:spLocks noGrp="1"/>
+          </p:cNvSpPr>
+          <p:nvPr>
+            <p:ph type="title"/>
+          </p:nvPr>
+        </p:nvSpPr>
+        <p:spPr/>
+        <p:txBody>
+          <a:bodyPr/>
+          <a:lstStyle/>
+          <a:p>
+            <a:r>
+              <a:rPr lang="en-US" dirty="0"/>
+              <a:t>Appendix – Attention formulation</a:t>
+            </a:r>
+          </a:p>
+        </p:txBody>
+      </p:sp>
+      <p:sp>
+        <p:nvSpPr>
+          <p:cNvPr id="3" name="Content Placeholder 2">
+            <a:extLst>
+              <a:ext uri="{FF2B5EF4-FFF2-40B4-BE49-F238E27FC236}">
+                <a16:creationId xmlns:a16="http://schemas.microsoft.com/office/drawing/2014/main" id="{40B27EE9-1614-F642-94EC-474B5DAB9F94}"/>
+              </a:ext>
+            </a:extLst>
+          </p:cNvPr>
+          <p:cNvSpPr>
+            <a:spLocks noGrp="1"/>
+          </p:cNvSpPr>
+          <p:nvPr>
+            <p:ph idx="1"/>
+          </p:nvPr>
+        </p:nvSpPr>
+        <p:spPr/>
+        <p:txBody>
+          <a:bodyPr/>
+          <a:lstStyle/>
+          <a:p>
+            <a:endParaRPr lang="en-US"/>
+          </a:p>
+        </p:txBody>
+      </p:sp>
+    </p:spTree>
+    <p:extLst>
+      <p:ext uri="{BB962C8B-B14F-4D97-AF65-F5344CB8AC3E}">
+        <p14:creationId xmlns:p14="http://schemas.microsoft.com/office/powerpoint/2010/main" val="2862041284"/>
       </p:ext>
     </p:extLst>
   </p:cSld>
@@ -5362,33 +6068,137 @@
           <a:p>
             <a:r>
               <a:rPr lang="en-US" dirty="0"/>
-              <a:t>Transcription Factors - Background</a:t>
-            </a:r>
-          </a:p>
-        </p:txBody>
-      </p:sp>
-      <p:sp>
-        <p:nvSpPr>
-          <p:cNvPr id="3" name="Content Placeholder 2">
-            <a:extLst>
-              <a:ext uri="{FF2B5EF4-FFF2-40B4-BE49-F238E27FC236}">
-                <a16:creationId xmlns:a16="http://schemas.microsoft.com/office/drawing/2014/main" id="{0A4E0004-6C10-9B4F-91D6-EED729C4A597}"/>
-              </a:ext>
-            </a:extLst>
-          </p:cNvPr>
-          <p:cNvSpPr>
-            <a:spLocks noGrp="1"/>
-          </p:cNvSpPr>
+              <a:t>Cell types differ due to gene expression differences</a:t>
+            </a:r>
+          </a:p>
+        </p:txBody>
+      </p:sp>
+      <p:pic>
+        <p:nvPicPr>
+          <p:cNvPr id="5" name="Content Placeholder 4" descr="Chart&#10;&#10;Description automatically generated with medium confidence">
+            <a:extLst>
+              <a:ext uri="{FF2B5EF4-FFF2-40B4-BE49-F238E27FC236}">
+                <a16:creationId xmlns:a16="http://schemas.microsoft.com/office/drawing/2014/main" id="{CCF9C7CD-7440-B94F-A5FC-B3B96A6E7F0B}"/>
+              </a:ext>
+            </a:extLst>
+          </p:cNvPr>
+          <p:cNvPicPr>
+            <a:picLocks noGrp="1" noChangeAspect="1"/>
+          </p:cNvPicPr>
           <p:nvPr>
             <p:ph idx="1"/>
           </p:nvPr>
-        </p:nvSpPr>
-        <p:spPr/>
-        <p:txBody>
-          <a:bodyPr/>
-          <a:lstStyle/>
-          <a:p>
-            <a:endParaRPr lang="en-US"/>
+        </p:nvPicPr>
+        <p:blipFill>
+          <a:blip r:embed="rId3"/>
+          <a:stretch>
+            <a:fillRect/>
+          </a:stretch>
+        </p:blipFill>
+        <p:spPr>
+          <a:xfrm>
+            <a:off x="455654" y="2514580"/>
+            <a:ext cx="5854605" cy="3316245"/>
+          </a:xfrm>
+        </p:spPr>
+      </p:pic>
+      <p:pic>
+        <p:nvPicPr>
+          <p:cNvPr id="7" name="Picture 6" descr="Diagram&#10;&#10;Description automatically generated">
+            <a:extLst>
+              <a:ext uri="{FF2B5EF4-FFF2-40B4-BE49-F238E27FC236}">
+                <a16:creationId xmlns:a16="http://schemas.microsoft.com/office/drawing/2014/main" id="{F1E91473-6B3E-0E43-989B-54282F16D993}"/>
+              </a:ext>
+            </a:extLst>
+          </p:cNvPr>
+          <p:cNvPicPr>
+            <a:picLocks noChangeAspect="1"/>
+          </p:cNvPicPr>
+          <p:nvPr/>
+        </p:nvPicPr>
+        <p:blipFill>
+          <a:blip r:embed="rId4"/>
+          <a:stretch>
+            <a:fillRect/>
+          </a:stretch>
+        </p:blipFill>
+        <p:spPr>
+          <a:xfrm>
+            <a:off x="6430354" y="2514579"/>
+            <a:ext cx="5305992" cy="3316245"/>
+          </a:xfrm>
+          <a:prstGeom prst="rect">
+            <a:avLst/>
+          </a:prstGeom>
+        </p:spPr>
+      </p:pic>
+      <p:sp>
+        <p:nvSpPr>
+          <p:cNvPr id="8" name="TextBox 7">
+            <a:extLst>
+              <a:ext uri="{FF2B5EF4-FFF2-40B4-BE49-F238E27FC236}">
+                <a16:creationId xmlns:a16="http://schemas.microsoft.com/office/drawing/2014/main" id="{DF7BD17F-3B2A-CE41-8CB6-826314AC5995}"/>
+              </a:ext>
+            </a:extLst>
+          </p:cNvPr>
+          <p:cNvSpPr txBox="1"/>
+          <p:nvPr/>
+        </p:nvSpPr>
+        <p:spPr>
+          <a:xfrm>
+            <a:off x="1806404" y="1938988"/>
+            <a:ext cx="3153103" cy="369332"/>
+          </a:xfrm>
+          <a:prstGeom prst="rect">
+            <a:avLst/>
+          </a:prstGeom>
+          <a:noFill/>
+        </p:spPr>
+        <p:txBody>
+          <a:bodyPr wrap="square" rtlCol="0">
+            <a:spAutoFit/>
+          </a:bodyPr>
+          <a:lstStyle/>
+          <a:p>
+            <a:r>
+              <a:rPr lang="en-US" dirty="0"/>
+              <a:t>Same DNA – Different functions</a:t>
+            </a:r>
+          </a:p>
+        </p:txBody>
+      </p:sp>
+      <p:sp>
+        <p:nvSpPr>
+          <p:cNvPr id="9" name="TextBox 8">
+            <a:extLst>
+              <a:ext uri="{FF2B5EF4-FFF2-40B4-BE49-F238E27FC236}">
+                <a16:creationId xmlns:a16="http://schemas.microsoft.com/office/drawing/2014/main" id="{E6F8DD97-7EC0-F146-BAEF-57C5D926D0C0}"/>
+              </a:ext>
+            </a:extLst>
+          </p:cNvPr>
+          <p:cNvSpPr txBox="1"/>
+          <p:nvPr/>
+        </p:nvSpPr>
+        <p:spPr>
+          <a:xfrm>
+            <a:off x="7506798" y="1938988"/>
+            <a:ext cx="3360899" cy="369332"/>
+          </a:xfrm>
+          <a:prstGeom prst="rect">
+            <a:avLst/>
+          </a:prstGeom>
+          <a:noFill/>
+        </p:spPr>
+        <p:txBody>
+          <a:bodyPr wrap="square" rtlCol="0">
+            <a:spAutoFit/>
+          </a:bodyPr>
+          <a:lstStyle/>
+          <a:p>
+            <a:r>
+              <a:rPr lang="en-US" dirty="0"/>
+              <a:t>Various stages of Gene Regulation</a:t>
+            </a:r>
           </a:p>
         </p:txBody>
       </p:sp>
@@ -5396,6 +6206,197 @@
     <p:extLst>
       <p:ext uri="{BB962C8B-B14F-4D97-AF65-F5344CB8AC3E}">
         <p14:creationId xmlns:p14="http://schemas.microsoft.com/office/powerpoint/2010/main" val="2583680861"/>
+      </p:ext>
+    </p:extLst>
+  </p:cSld>
+  <p:clrMapOvr>
+    <a:masterClrMapping/>
+  </p:clrMapOvr>
+</p:sld>
+</file>
+
+<file path=ppt/slides/slide20.xml><?xml version="1.0" encoding="utf-8"?>
+<p:sld xmlns:a="http://schemas.openxmlformats.org/drawingml/2006/main" xmlns:r="http://schemas.openxmlformats.org/officeDocument/2006/relationships" xmlns:p="http://schemas.openxmlformats.org/presentationml/2006/main">
+  <p:cSld>
+    <p:spTree>
+      <p:nvGrpSpPr>
+        <p:cNvPr id="1" name=""/>
+        <p:cNvGrpSpPr/>
+        <p:nvPr/>
+      </p:nvGrpSpPr>
+      <p:grpSpPr>
+        <a:xfrm>
+          <a:off x="0" y="0"/>
+          <a:ext cx="0" cy="0"/>
+          <a:chOff x="0" y="0"/>
+          <a:chExt cx="0" cy="0"/>
+        </a:xfrm>
+      </p:grpSpPr>
+      <p:sp>
+        <p:nvSpPr>
+          <p:cNvPr id="2" name="Title 1">
+            <a:extLst>
+              <a:ext uri="{FF2B5EF4-FFF2-40B4-BE49-F238E27FC236}">
+                <a16:creationId xmlns:a16="http://schemas.microsoft.com/office/drawing/2014/main" id="{31F592F1-51D1-EE42-843D-312BE910798E}"/>
+              </a:ext>
+            </a:extLst>
+          </p:cNvPr>
+          <p:cNvSpPr>
+            <a:spLocks noGrp="1"/>
+          </p:cNvSpPr>
+          <p:nvPr>
+            <p:ph type="title"/>
+          </p:nvPr>
+        </p:nvSpPr>
+        <p:spPr/>
+        <p:txBody>
+          <a:bodyPr/>
+          <a:lstStyle/>
+          <a:p>
+            <a:r>
+              <a:rPr lang="en-US" dirty="0"/>
+              <a:t>Appendix – Saliency Features</a:t>
+            </a:r>
+          </a:p>
+        </p:txBody>
+      </p:sp>
+      <p:sp>
+        <p:nvSpPr>
+          <p:cNvPr id="3" name="Content Placeholder 2">
+            <a:extLst>
+              <a:ext uri="{FF2B5EF4-FFF2-40B4-BE49-F238E27FC236}">
+                <a16:creationId xmlns:a16="http://schemas.microsoft.com/office/drawing/2014/main" id="{40B27EE9-1614-F642-94EC-474B5DAB9F94}"/>
+              </a:ext>
+            </a:extLst>
+          </p:cNvPr>
+          <p:cNvSpPr>
+            <a:spLocks noGrp="1"/>
+          </p:cNvSpPr>
+          <p:nvPr>
+            <p:ph idx="1"/>
+          </p:nvPr>
+        </p:nvSpPr>
+        <p:spPr/>
+        <p:txBody>
+          <a:bodyPr/>
+          <a:lstStyle/>
+          <a:p>
+            <a:endParaRPr lang="en-US"/>
+          </a:p>
+        </p:txBody>
+      </p:sp>
+    </p:spTree>
+    <p:extLst>
+      <p:ext uri="{BB962C8B-B14F-4D97-AF65-F5344CB8AC3E}">
+        <p14:creationId xmlns:p14="http://schemas.microsoft.com/office/powerpoint/2010/main" val="3180347128"/>
+      </p:ext>
+    </p:extLst>
+  </p:cSld>
+  <p:clrMapOvr>
+    <a:masterClrMapping/>
+  </p:clrMapOvr>
+</p:sld>
+</file>
+
+<file path=ppt/slides/slide21.xml><?xml version="1.0" encoding="utf-8"?>
+<p:sld xmlns:a="http://schemas.openxmlformats.org/drawingml/2006/main" xmlns:r="http://schemas.openxmlformats.org/officeDocument/2006/relationships" xmlns:p="http://schemas.openxmlformats.org/presentationml/2006/main">
+  <p:cSld>
+    <p:spTree>
+      <p:nvGrpSpPr>
+        <p:cNvPr id="1" name=""/>
+        <p:cNvGrpSpPr/>
+        <p:nvPr/>
+      </p:nvGrpSpPr>
+      <p:grpSpPr>
+        <a:xfrm>
+          <a:off x="0" y="0"/>
+          <a:ext cx="0" cy="0"/>
+          <a:chOff x="0" y="0"/>
+          <a:chExt cx="0" cy="0"/>
+        </a:xfrm>
+      </p:grpSpPr>
+      <p:sp>
+        <p:nvSpPr>
+          <p:cNvPr id="2" name="Title 1">
+            <a:extLst>
+              <a:ext uri="{FF2B5EF4-FFF2-40B4-BE49-F238E27FC236}">
+                <a16:creationId xmlns:a16="http://schemas.microsoft.com/office/drawing/2014/main" id="{9A213C84-2B15-BF45-9E32-ABA28FDB5E86}"/>
+              </a:ext>
+            </a:extLst>
+          </p:cNvPr>
+          <p:cNvSpPr>
+            <a:spLocks noGrp="1"/>
+          </p:cNvSpPr>
+          <p:nvPr>
+            <p:ph type="title"/>
+          </p:nvPr>
+        </p:nvSpPr>
+        <p:spPr/>
+        <p:txBody>
+          <a:bodyPr/>
+          <a:lstStyle/>
+          <a:p>
+            <a:r>
+              <a:rPr lang="en-US" dirty="0"/>
+              <a:t>References</a:t>
+            </a:r>
+          </a:p>
+        </p:txBody>
+      </p:sp>
+      <p:sp>
+        <p:nvSpPr>
+          <p:cNvPr id="3" name="Content Placeholder 2">
+            <a:extLst>
+              <a:ext uri="{FF2B5EF4-FFF2-40B4-BE49-F238E27FC236}">
+                <a16:creationId xmlns:a16="http://schemas.microsoft.com/office/drawing/2014/main" id="{2C96B890-F267-7941-9D25-6BAF227699F4}"/>
+              </a:ext>
+            </a:extLst>
+          </p:cNvPr>
+          <p:cNvSpPr>
+            <a:spLocks noGrp="1"/>
+          </p:cNvSpPr>
+          <p:nvPr>
+            <p:ph idx="1"/>
+          </p:nvPr>
+        </p:nvSpPr>
+        <p:spPr/>
+        <p:txBody>
+          <a:bodyPr>
+            <a:normAutofit/>
+          </a:bodyPr>
+          <a:lstStyle/>
+          <a:p>
+            <a:r>
+              <a:rPr lang="en-US" sz="1200" dirty="0" err="1"/>
+              <a:t>DNaseSeq</a:t>
+            </a:r>
+            <a:r>
+              <a:rPr lang="en-US" sz="1200" dirty="0"/>
+              <a:t> vs </a:t>
+            </a:r>
+            <a:r>
+              <a:rPr lang="en-US" sz="1200" dirty="0" err="1"/>
+              <a:t>ATACSeq</a:t>
+            </a:r>
+            <a:r>
+              <a:rPr lang="en-US" sz="1200" dirty="0"/>
+              <a:t>: https://</a:t>
+            </a:r>
+            <a:r>
+              <a:rPr lang="en-US" sz="1200" dirty="0" err="1"/>
+              <a:t>genomebiology.biomedcentral.com</a:t>
+            </a:r>
+            <a:r>
+              <a:rPr lang="en-US" sz="1200" dirty="0"/>
+              <a:t>/articles/10.1186/s13059-019-1654-y</a:t>
+            </a:r>
+          </a:p>
+        </p:txBody>
+      </p:sp>
+    </p:spTree>
+    <p:extLst>
+      <p:ext uri="{BB962C8B-B14F-4D97-AF65-F5344CB8AC3E}">
+        <p14:creationId xmlns:p14="http://schemas.microsoft.com/office/powerpoint/2010/main" val="2542108145"/>
       </p:ext>
     </p:extLst>
   </p:cSld>
@@ -5445,7 +6446,7 @@
           <a:p>
             <a:r>
               <a:rPr lang="en-US" dirty="0"/>
-              <a:t>TF Binding Characterization Background</a:t>
+              <a:t>Transcription Factors regulate gene transcription </a:t>
             </a:r>
           </a:p>
         </p:txBody>
@@ -5466,19 +6467,69 @@
             <p:ph idx="1"/>
           </p:nvPr>
         </p:nvSpPr>
-        <p:spPr/>
-        <p:txBody>
-          <a:bodyPr/>
-          <a:lstStyle/>
-          <a:p>
-            <a:endParaRPr lang="en-US"/>
-          </a:p>
-        </p:txBody>
-      </p:sp>
+        <p:spPr>
+          <a:xfrm>
+            <a:off x="838200" y="5180013"/>
+            <a:ext cx="10515600" cy="1009650"/>
+          </a:xfrm>
+        </p:spPr>
+        <p:txBody>
+          <a:bodyPr>
+            <a:normAutofit fontScale="92500" lnSpcReduction="20000"/>
+          </a:bodyPr>
+          <a:lstStyle/>
+          <a:p>
+            <a:r>
+              <a:rPr lang="en-US" dirty="0"/>
+              <a:t>TFs are proteins that play a central role in regulating gene transcription</a:t>
+            </a:r>
+          </a:p>
+          <a:p>
+            <a:r>
+              <a:rPr lang="en-US" dirty="0" err="1"/>
+              <a:t>ChipSeq</a:t>
+            </a:r>
+            <a:r>
+              <a:rPr lang="en-US" dirty="0"/>
+              <a:t> “golden standard”; however experimental determination of all possible cell types across all species is infeasible</a:t>
+            </a:r>
+          </a:p>
+        </p:txBody>
+      </p:sp>
+      <p:pic>
+        <p:nvPicPr>
+          <p:cNvPr id="5" name="Picture 4" descr="Diagram&#10;&#10;Description automatically generated">
+            <a:extLst>
+              <a:ext uri="{FF2B5EF4-FFF2-40B4-BE49-F238E27FC236}">
+                <a16:creationId xmlns:a16="http://schemas.microsoft.com/office/drawing/2014/main" id="{9D95B8A8-CBA6-2E4D-B46C-3F77BBCF831B}"/>
+              </a:ext>
+            </a:extLst>
+          </p:cNvPr>
+          <p:cNvPicPr>
+            <a:picLocks noChangeAspect="1"/>
+          </p:cNvPicPr>
+          <p:nvPr/>
+        </p:nvPicPr>
+        <p:blipFill>
+          <a:blip r:embed="rId3"/>
+          <a:stretch>
+            <a:fillRect/>
+          </a:stretch>
+        </p:blipFill>
+        <p:spPr>
+          <a:xfrm>
+            <a:off x="3132094" y="1690688"/>
+            <a:ext cx="5927811" cy="3302304"/>
+          </a:xfrm>
+          <a:prstGeom prst="rect">
+            <a:avLst/>
+          </a:prstGeom>
+        </p:spPr>
+      </p:pic>
     </p:spTree>
     <p:extLst>
       <p:ext uri="{BB962C8B-B14F-4D97-AF65-F5344CB8AC3E}">
-        <p14:creationId xmlns:p14="http://schemas.microsoft.com/office/powerpoint/2010/main" val="3633912530"/>
+        <p14:creationId xmlns:p14="http://schemas.microsoft.com/office/powerpoint/2010/main" val="1270677613"/>
       </p:ext>
     </p:extLst>
   </p:cSld>
@@ -5510,7 +6561,7 @@
           <p:cNvPr id="2" name="Title 1">
             <a:extLst>
               <a:ext uri="{FF2B5EF4-FFF2-40B4-BE49-F238E27FC236}">
-                <a16:creationId xmlns:a16="http://schemas.microsoft.com/office/drawing/2014/main" id="{A1217F84-B84B-B845-9C11-FD8BCF84258A}"/>
+                <a16:creationId xmlns:a16="http://schemas.microsoft.com/office/drawing/2014/main" id="{5EFC057E-3E3B-C742-822C-BAD0B2662930}"/>
               </a:ext>
             </a:extLst>
           </p:cNvPr>
@@ -5528,40 +6579,372 @@
           <a:p>
             <a:r>
               <a:rPr lang="en-US" dirty="0"/>
-              <a:t>Current Hybrid CNN-RNN Architectures</a:t>
-            </a:r>
-          </a:p>
-        </p:txBody>
-      </p:sp>
-      <p:sp>
-        <p:nvSpPr>
-          <p:cNvPr id="3" name="Content Placeholder 2">
-            <a:extLst>
-              <a:ext uri="{FF2B5EF4-FFF2-40B4-BE49-F238E27FC236}">
-                <a16:creationId xmlns:a16="http://schemas.microsoft.com/office/drawing/2014/main" id="{E0CD1AFC-6CCC-EA40-A061-C010AA671553}"/>
-              </a:ext>
-            </a:extLst>
-          </p:cNvPr>
-          <p:cNvSpPr>
-            <a:spLocks noGrp="1"/>
-          </p:cNvSpPr>
+              <a:t>Deep Learning models show superior performance</a:t>
+            </a:r>
+          </a:p>
+        </p:txBody>
+      </p:sp>
+      <p:graphicFrame>
+        <p:nvGraphicFramePr>
+          <p:cNvPr id="4" name="Table 4">
+            <a:extLst>
+              <a:ext uri="{FF2B5EF4-FFF2-40B4-BE49-F238E27FC236}">
+                <a16:creationId xmlns:a16="http://schemas.microsoft.com/office/drawing/2014/main" id="{2B4B6EA5-99BB-1448-8DC5-FC0F042D0B9B}"/>
+              </a:ext>
+            </a:extLst>
+          </p:cNvPr>
+          <p:cNvGraphicFramePr>
+            <a:graphicFrameLocks noGrp="1"/>
+          </p:cNvGraphicFramePr>
           <p:nvPr>
             <p:ph idx="1"/>
-          </p:nvPr>
-        </p:nvSpPr>
-        <p:spPr/>
-        <p:txBody>
-          <a:bodyPr/>
-          <a:lstStyle/>
-          <a:p>
-            <a:endParaRPr lang="en-US"/>
-          </a:p>
-        </p:txBody>
-      </p:sp>
+            <p:extLst>
+              <p:ext uri="{D42A27DB-BD31-4B8C-83A1-F6EECF244321}">
+                <p14:modId xmlns:p14="http://schemas.microsoft.com/office/powerpoint/2010/main" val="2028622523"/>
+              </p:ext>
+            </p:extLst>
+          </p:nvPr>
+        </p:nvGraphicFramePr>
+        <p:xfrm>
+          <a:off x="674688" y="1790700"/>
+          <a:ext cx="10842624" cy="3708400"/>
+        </p:xfrm>
+        <a:graphic>
+          <a:graphicData uri="http://schemas.openxmlformats.org/drawingml/2006/table">
+            <a:tbl>
+              <a:tblPr firstRow="1" bandRow="1">
+                <a:tableStyleId>{5C22544A-7EE6-4342-B048-85BDC9FD1C3A}</a:tableStyleId>
+              </a:tblPr>
+              <a:tblGrid>
+                <a:gridCol w="5421312">
+                  <a:extLst>
+                    <a:ext uri="{9D8B030D-6E8A-4147-A177-3AD203B41FA5}">
+                      <a16:colId xmlns:a16="http://schemas.microsoft.com/office/drawing/2014/main" val="3570765371"/>
+                    </a:ext>
+                  </a:extLst>
+                </a:gridCol>
+                <a:gridCol w="5421312">
+                  <a:extLst>
+                    <a:ext uri="{9D8B030D-6E8A-4147-A177-3AD203B41FA5}">
+                      <a16:colId xmlns:a16="http://schemas.microsoft.com/office/drawing/2014/main" val="2812379874"/>
+                    </a:ext>
+                  </a:extLst>
+                </a:gridCol>
+              </a:tblGrid>
+              <a:tr h="573545">
+                <a:tc>
+                  <a:txBody>
+                    <a:bodyPr/>
+                    <a:lstStyle/>
+                    <a:p>
+                      <a:r>
+                        <a:rPr lang="en-US" dirty="0"/>
+                        <a:t>Conventional Models</a:t>
+                      </a:r>
+                    </a:p>
+                  </a:txBody>
+                  <a:tcPr/>
+                </a:tc>
+                <a:tc>
+                  <a:txBody>
+                    <a:bodyPr/>
+                    <a:lstStyle/>
+                    <a:p>
+                      <a:r>
+                        <a:rPr lang="en-US" dirty="0"/>
+                        <a:t>Deep Learning Models</a:t>
+                      </a:r>
+                    </a:p>
+                  </a:txBody>
+                  <a:tcPr/>
+                </a:tc>
+                <a:extLst>
+                  <a:ext uri="{0D108BD9-81ED-4DB2-BD59-A6C34878D82A}">
+                    <a16:rowId xmlns:a16="http://schemas.microsoft.com/office/drawing/2014/main" val="152466610"/>
+                  </a:ext>
+                </a:extLst>
+              </a:tr>
+              <a:tr h="573545">
+                <a:tc>
+                  <a:txBody>
+                    <a:bodyPr/>
+                    <a:lstStyle/>
+                    <a:p>
+                      <a:r>
+                        <a:rPr lang="en-US" dirty="0"/>
+                        <a:t>Handcrafted Features</a:t>
+                      </a:r>
+                    </a:p>
+                  </a:txBody>
+                  <a:tcPr/>
+                </a:tc>
+                <a:tc>
+                  <a:txBody>
+                    <a:bodyPr/>
+                    <a:lstStyle/>
+                    <a:p>
+                      <a:r>
+                        <a:rPr lang="en-US" dirty="0"/>
+                        <a:t>Automatic high level feature learning</a:t>
+                      </a:r>
+                    </a:p>
+                  </a:txBody>
+                  <a:tcPr/>
+                </a:tc>
+                <a:extLst>
+                  <a:ext uri="{0D108BD9-81ED-4DB2-BD59-A6C34878D82A}">
+                    <a16:rowId xmlns:a16="http://schemas.microsoft.com/office/drawing/2014/main" val="3423515451"/>
+                  </a:ext>
+                </a:extLst>
+              </a:tr>
+              <a:tr h="573545">
+                <a:tc>
+                  <a:txBody>
+                    <a:bodyPr/>
+                    <a:lstStyle/>
+                    <a:p>
+                      <a:r>
+                        <a:rPr lang="en-US" dirty="0"/>
+                        <a:t>Not easily scalable</a:t>
+                      </a:r>
+                    </a:p>
+                  </a:txBody>
+                  <a:tcPr/>
+                </a:tc>
+                <a:tc>
+                  <a:txBody>
+                    <a:bodyPr/>
+                    <a:lstStyle/>
+                    <a:p>
+                      <a:pPr marL="0" marR="0" lvl="0" indent="0" algn="l" defTabSz="914400" rtl="0" eaLnBrk="1" fontAlgn="auto" latinLnBrk="0" hangingPunct="1">
+                        <a:lnSpc>
+                          <a:spcPct val="100000"/>
+                        </a:lnSpc>
+                        <a:spcBef>
+                          <a:spcPts val="0"/>
+                        </a:spcBef>
+                        <a:spcAft>
+                          <a:spcPts val="0"/>
+                        </a:spcAft>
+                        <a:buClrTx/>
+                        <a:buSzTx/>
+                        <a:buFontTx/>
+                        <a:buNone/>
+                        <a:tabLst/>
+                        <a:defRPr/>
+                      </a:pPr>
+                      <a:r>
+                        <a:rPr lang="en-US" dirty="0"/>
+                        <a:t>Can be trained in batches and in parallel </a:t>
+                      </a:r>
+                    </a:p>
+                  </a:txBody>
+                  <a:tcPr/>
+                </a:tc>
+                <a:extLst>
+                  <a:ext uri="{0D108BD9-81ED-4DB2-BD59-A6C34878D82A}">
+                    <a16:rowId xmlns:a16="http://schemas.microsoft.com/office/drawing/2014/main" val="47932337"/>
+                  </a:ext>
+                </a:extLst>
+              </a:tr>
+              <a:tr h="573545">
+                <a:tc>
+                  <a:txBody>
+                    <a:bodyPr/>
+                    <a:lstStyle/>
+                    <a:p>
+                      <a:r>
+                        <a:rPr lang="en-US" dirty="0"/>
+                        <a:t>Worse performance</a:t>
+                      </a:r>
+                    </a:p>
+                  </a:txBody>
+                  <a:tcPr/>
+                </a:tc>
+                <a:tc>
+                  <a:txBody>
+                    <a:bodyPr/>
+                    <a:lstStyle/>
+                    <a:p>
+                      <a:r>
+                        <a:rPr lang="en-US" dirty="0"/>
+                        <a:t>Better performance</a:t>
+                      </a:r>
+                    </a:p>
+                  </a:txBody>
+                  <a:tcPr/>
+                </a:tc>
+                <a:extLst>
+                  <a:ext uri="{0D108BD9-81ED-4DB2-BD59-A6C34878D82A}">
+                    <a16:rowId xmlns:a16="http://schemas.microsoft.com/office/drawing/2014/main" val="3376656351"/>
+                  </a:ext>
+                </a:extLst>
+              </a:tr>
+              <a:tr h="1414220">
+                <a:tc>
+                  <a:txBody>
+                    <a:bodyPr/>
+                    <a:lstStyle/>
+                    <a:p>
+                      <a:r>
+                        <a:rPr lang="en-US" dirty="0"/>
+                        <a:t>Examples: </a:t>
+                      </a:r>
+                    </a:p>
+                    <a:p>
+                      <a:pPr marL="0" marR="0" lvl="0" indent="0" algn="l" defTabSz="914400" rtl="0" eaLnBrk="1" fontAlgn="auto" latinLnBrk="0" hangingPunct="1">
+                        <a:lnSpc>
+                          <a:spcPct val="100000"/>
+                        </a:lnSpc>
+                        <a:spcBef>
+                          <a:spcPts val="0"/>
+                        </a:spcBef>
+                        <a:spcAft>
+                          <a:spcPts val="0"/>
+                        </a:spcAft>
+                        <a:buClrTx/>
+                        <a:buSzTx/>
+                        <a:buFontTx/>
+                        <a:buNone/>
+                        <a:tabLst/>
+                        <a:defRPr/>
+                      </a:pPr>
+                      <a:r>
+                        <a:rPr lang="en-US" dirty="0"/>
+                        <a:t>Hidden Markov Models, Support Vector Machines,</a:t>
+                      </a:r>
+                    </a:p>
+                    <a:p>
+                      <a:pPr marL="0" marR="0" lvl="0" indent="0" algn="l" defTabSz="914400" rtl="0" eaLnBrk="1" fontAlgn="auto" latinLnBrk="0" hangingPunct="1">
+                        <a:lnSpc>
+                          <a:spcPct val="100000"/>
+                        </a:lnSpc>
+                        <a:spcBef>
+                          <a:spcPts val="0"/>
+                        </a:spcBef>
+                        <a:spcAft>
+                          <a:spcPts val="0"/>
+                        </a:spcAft>
+                        <a:buClrTx/>
+                        <a:buSzTx/>
+                        <a:buFontTx/>
+                        <a:buNone/>
+                        <a:tabLst/>
+                        <a:defRPr/>
+                      </a:pPr>
+                      <a:r>
+                        <a:rPr lang="en-US" dirty="0"/>
+                        <a:t>Random Forests</a:t>
+                      </a:r>
+                    </a:p>
+                  </a:txBody>
+                  <a:tcPr/>
+                </a:tc>
+                <a:tc>
+                  <a:txBody>
+                    <a:bodyPr/>
+                    <a:lstStyle/>
+                    <a:p>
+                      <a:r>
+                        <a:rPr lang="en-US" dirty="0"/>
+                        <a:t>Examples:</a:t>
+                      </a:r>
+                    </a:p>
+                    <a:p>
+                      <a:pPr marL="0" marR="0" lvl="0" indent="0" algn="l" defTabSz="914400" rtl="0" eaLnBrk="1" fontAlgn="auto" latinLnBrk="0" hangingPunct="1">
+                        <a:lnSpc>
+                          <a:spcPct val="100000"/>
+                        </a:lnSpc>
+                        <a:spcBef>
+                          <a:spcPts val="0"/>
+                        </a:spcBef>
+                        <a:spcAft>
+                          <a:spcPts val="0"/>
+                        </a:spcAft>
+                        <a:buClrTx/>
+                        <a:buSzTx/>
+                        <a:buFontTx/>
+                        <a:buNone/>
+                        <a:tabLst/>
+                        <a:defRPr/>
+                      </a:pPr>
+                      <a:r>
+                        <a:rPr lang="en-US" dirty="0" err="1"/>
+                        <a:t>DeepBind</a:t>
+                      </a:r>
+                      <a:r>
+                        <a:rPr lang="en-US" dirty="0"/>
+                        <a:t>/</a:t>
+                      </a:r>
+                      <a:r>
+                        <a:rPr lang="en-US" dirty="0" err="1"/>
+                        <a:t>DeepSEA</a:t>
+                      </a:r>
+                      <a:r>
+                        <a:rPr lang="en-US" dirty="0"/>
+                        <a:t>  (CNNs),</a:t>
+                      </a:r>
+                    </a:p>
+                    <a:p>
+                      <a:pPr marL="0" marR="0" lvl="0" indent="0" algn="l" defTabSz="914400" rtl="0" eaLnBrk="1" fontAlgn="auto" latinLnBrk="0" hangingPunct="1">
+                        <a:lnSpc>
+                          <a:spcPct val="100000"/>
+                        </a:lnSpc>
+                        <a:spcBef>
+                          <a:spcPts val="0"/>
+                        </a:spcBef>
+                        <a:spcAft>
+                          <a:spcPts val="0"/>
+                        </a:spcAft>
+                        <a:buClrTx/>
+                        <a:buSzTx/>
+                        <a:buFontTx/>
+                        <a:buNone/>
+                        <a:tabLst/>
+                        <a:defRPr/>
+                      </a:pPr>
+                      <a:r>
+                        <a:rPr lang="en-US" dirty="0" err="1"/>
+                        <a:t>DanQ</a:t>
+                      </a:r>
+                      <a:r>
+                        <a:rPr lang="en-US" dirty="0"/>
+                        <a:t>/</a:t>
+                      </a:r>
+                      <a:r>
+                        <a:rPr lang="en-US" dirty="0" err="1"/>
+                        <a:t>DeeperBind</a:t>
+                      </a:r>
+                      <a:r>
+                        <a:rPr lang="en-US" dirty="0"/>
+                        <a:t>/</a:t>
+                      </a:r>
+                      <a:r>
+                        <a:rPr lang="en-US" dirty="0" err="1"/>
+                        <a:t>FactorNet</a:t>
+                      </a:r>
+                      <a:r>
+                        <a:rPr lang="en-US" dirty="0"/>
+                        <a:t> (CNN + RNN)</a:t>
+                      </a:r>
+                    </a:p>
+                  </a:txBody>
+                  <a:tcPr/>
+                </a:tc>
+                <a:extLst>
+                  <a:ext uri="{0D108BD9-81ED-4DB2-BD59-A6C34878D82A}">
+                    <a16:rowId xmlns:a16="http://schemas.microsoft.com/office/drawing/2014/main" val="3353026366"/>
+                  </a:ext>
+                </a:extLst>
+              </a:tr>
+            </a:tbl>
+          </a:graphicData>
+        </a:graphic>
+      </p:graphicFrame>
     </p:spTree>
     <p:extLst>
       <p:ext uri="{BB962C8B-B14F-4D97-AF65-F5344CB8AC3E}">
-        <p14:creationId xmlns:p14="http://schemas.microsoft.com/office/powerpoint/2010/main" val="995660219"/>
+        <p14:creationId xmlns:p14="http://schemas.microsoft.com/office/powerpoint/2010/main" val="3633912530"/>
       </p:ext>
     </p:extLst>
   </p:cSld>
@@ -5611,7 +6994,7 @@
           <a:p>
             <a:r>
               <a:rPr lang="en-US" dirty="0"/>
-              <a:t>CNN - Intuitive</a:t>
+              <a:t>MLP - Intuitive</a:t>
             </a:r>
           </a:p>
         </p:txBody>
@@ -5676,7 +7059,7 @@
           <p:cNvPr id="2" name="Title 1">
             <a:extLst>
               <a:ext uri="{FF2B5EF4-FFF2-40B4-BE49-F238E27FC236}">
-                <a16:creationId xmlns:a16="http://schemas.microsoft.com/office/drawing/2014/main" id="{C4D78D97-1866-6142-AB77-7CCBC6225C14}"/>
+                <a16:creationId xmlns:a16="http://schemas.microsoft.com/office/drawing/2014/main" id="{922C5BC9-668A-0144-8EB9-32905554107B}"/>
               </a:ext>
             </a:extLst>
           </p:cNvPr>
@@ -5694,7 +7077,7 @@
           <a:p>
             <a:r>
               <a:rPr lang="en-US" dirty="0"/>
-              <a:t>RNN - Intuitive</a:t>
+              <a:t>CNN - Intuitive</a:t>
             </a:r>
           </a:p>
         </p:txBody>
@@ -5704,7 +7087,7 @@
           <p:cNvPr id="3" name="Content Placeholder 2">
             <a:extLst>
               <a:ext uri="{FF2B5EF4-FFF2-40B4-BE49-F238E27FC236}">
-                <a16:creationId xmlns:a16="http://schemas.microsoft.com/office/drawing/2014/main" id="{3FAD2ECD-CFF8-D34D-B937-19A5CBC1B6F9}"/>
+                <a16:creationId xmlns:a16="http://schemas.microsoft.com/office/drawing/2014/main" id="{4B90F795-25A0-F04C-8A79-B381B3C0986B}"/>
               </a:ext>
             </a:extLst>
           </p:cNvPr>
@@ -5727,7 +7110,7 @@
     </p:spTree>
     <p:extLst>
       <p:ext uri="{BB962C8B-B14F-4D97-AF65-F5344CB8AC3E}">
-        <p14:creationId xmlns:p14="http://schemas.microsoft.com/office/powerpoint/2010/main" val="252940018"/>
+        <p14:creationId xmlns:p14="http://schemas.microsoft.com/office/powerpoint/2010/main" val="2925457027"/>
       </p:ext>
     </p:extLst>
   </p:cSld>
@@ -5759,7 +7142,7 @@
           <p:cNvPr id="2" name="Title 1">
             <a:extLst>
               <a:ext uri="{FF2B5EF4-FFF2-40B4-BE49-F238E27FC236}">
-                <a16:creationId xmlns:a16="http://schemas.microsoft.com/office/drawing/2014/main" id="{9937B675-7FB5-284F-A87F-5FE9BECBE7EB}"/>
+                <a16:creationId xmlns:a16="http://schemas.microsoft.com/office/drawing/2014/main" id="{C4D78D97-1866-6142-AB77-7CCBC6225C14}"/>
               </a:ext>
             </a:extLst>
           </p:cNvPr>
@@ -5777,7 +7160,7 @@
           <a:p>
             <a:r>
               <a:rPr lang="en-US" dirty="0"/>
-              <a:t>Attention Layers</a:t>
+              <a:t>RNN - Intuitive</a:t>
             </a:r>
           </a:p>
         </p:txBody>
@@ -5787,7 +7170,7 @@
           <p:cNvPr id="3" name="Content Placeholder 2">
             <a:extLst>
               <a:ext uri="{FF2B5EF4-FFF2-40B4-BE49-F238E27FC236}">
-                <a16:creationId xmlns:a16="http://schemas.microsoft.com/office/drawing/2014/main" id="{A3C18CD8-8146-2E4B-A5A1-599113C26DFC}"/>
+                <a16:creationId xmlns:a16="http://schemas.microsoft.com/office/drawing/2014/main" id="{3FAD2ECD-CFF8-D34D-B937-19A5CBC1B6F9}"/>
               </a:ext>
             </a:extLst>
           </p:cNvPr>
@@ -5810,7 +7193,7 @@
     </p:spTree>
     <p:extLst>
       <p:ext uri="{BB962C8B-B14F-4D97-AF65-F5344CB8AC3E}">
-        <p14:creationId xmlns:p14="http://schemas.microsoft.com/office/powerpoint/2010/main" val="2364176863"/>
+        <p14:creationId xmlns:p14="http://schemas.microsoft.com/office/powerpoint/2010/main" val="252940018"/>
       </p:ext>
     </p:extLst>
   </p:cSld>
@@ -5842,7 +7225,7 @@
           <p:cNvPr id="2" name="Title 1">
             <a:extLst>
               <a:ext uri="{FF2B5EF4-FFF2-40B4-BE49-F238E27FC236}">
-                <a16:creationId xmlns:a16="http://schemas.microsoft.com/office/drawing/2014/main" id="{794F9F2B-A265-6643-BD51-85C0583F89CB}"/>
+                <a16:creationId xmlns:a16="http://schemas.microsoft.com/office/drawing/2014/main" id="{A1217F84-B84B-B845-9C11-FD8BCF84258A}"/>
               </a:ext>
             </a:extLst>
           </p:cNvPr>
@@ -5860,7 +7243,7 @@
           <a:p>
             <a:r>
               <a:rPr lang="en-US" dirty="0"/>
-              <a:t>Dataset and Features</a:t>
+              <a:t>Current Hybrid CNN-RNN Architectures</a:t>
             </a:r>
           </a:p>
         </p:txBody>
@@ -5870,7 +7253,7 @@
           <p:cNvPr id="3" name="Content Placeholder 2">
             <a:extLst>
               <a:ext uri="{FF2B5EF4-FFF2-40B4-BE49-F238E27FC236}">
-                <a16:creationId xmlns:a16="http://schemas.microsoft.com/office/drawing/2014/main" id="{311D028F-13E4-9145-BCD0-BC8C3176F733}"/>
+                <a16:creationId xmlns:a16="http://schemas.microsoft.com/office/drawing/2014/main" id="{E0CD1AFC-6CCC-EA40-A061-C010AA671553}"/>
               </a:ext>
             </a:extLst>
           </p:cNvPr>
@@ -5893,7 +7276,7 @@
     </p:spTree>
     <p:extLst>
       <p:ext uri="{BB962C8B-B14F-4D97-AF65-F5344CB8AC3E}">
-        <p14:creationId xmlns:p14="http://schemas.microsoft.com/office/powerpoint/2010/main" val="1976759143"/>
+        <p14:creationId xmlns:p14="http://schemas.microsoft.com/office/powerpoint/2010/main" val="995660219"/>
       </p:ext>
     </p:extLst>
   </p:cSld>
@@ -5925,7 +7308,7 @@
           <p:cNvPr id="2" name="Title 1">
             <a:extLst>
               <a:ext uri="{FF2B5EF4-FFF2-40B4-BE49-F238E27FC236}">
-                <a16:creationId xmlns:a16="http://schemas.microsoft.com/office/drawing/2014/main" id="{8C47310E-BBEE-AD43-BCED-6A3B51E3949D}"/>
+                <a16:creationId xmlns:a16="http://schemas.microsoft.com/office/drawing/2014/main" id="{9937B675-7FB5-284F-A87F-5FE9BECBE7EB}"/>
               </a:ext>
             </a:extLst>
           </p:cNvPr>
@@ -5943,7 +7326,7 @@
           <a:p>
             <a:r>
               <a:rPr lang="en-US" dirty="0"/>
-              <a:t>Model Architecture</a:t>
+              <a:t>Attention Layers</a:t>
             </a:r>
           </a:p>
         </p:txBody>
@@ -5953,7 +7336,7 @@
           <p:cNvPr id="3" name="Content Placeholder 2">
             <a:extLst>
               <a:ext uri="{FF2B5EF4-FFF2-40B4-BE49-F238E27FC236}">
-                <a16:creationId xmlns:a16="http://schemas.microsoft.com/office/drawing/2014/main" id="{06CAA221-D0B4-F84A-B7BE-F2D1D4608958}"/>
+                <a16:creationId xmlns:a16="http://schemas.microsoft.com/office/drawing/2014/main" id="{A3C18CD8-8146-2E4B-A5A1-599113C26DFC}"/>
               </a:ext>
             </a:extLst>
           </p:cNvPr>
@@ -5976,7 +7359,7 @@
     </p:spTree>
     <p:extLst>
       <p:ext uri="{BB962C8B-B14F-4D97-AF65-F5344CB8AC3E}">
-        <p14:creationId xmlns:p14="http://schemas.microsoft.com/office/powerpoint/2010/main" val="176311535"/>
+        <p14:creationId xmlns:p14="http://schemas.microsoft.com/office/powerpoint/2010/main" val="2364176863"/>
       </p:ext>
     </p:extLst>
   </p:cSld>

--- a/Sep21/DeepGRN_092121.pptx
+++ b/Sep21/DeepGRN_092121.pptx
@@ -16,8 +16,8 @@
     <p:sldId id="276" r:id="rId7"/>
     <p:sldId id="261" r:id="rId8"/>
     <p:sldId id="259" r:id="rId9"/>
-    <p:sldId id="262" r:id="rId10"/>
-    <p:sldId id="268" r:id="rId11"/>
+    <p:sldId id="268" r:id="rId10"/>
+    <p:sldId id="262" r:id="rId11"/>
     <p:sldId id="269" r:id="rId12"/>
     <p:sldId id="270" r:id="rId13"/>
     <p:sldId id="271" r:id="rId14"/>
@@ -501,7 +501,7 @@
           <a:p>
             <a:fld id="{17BB30EC-248D-9548-A149-2237243CDE47}" type="datetimeFigureOut">
               <a:rPr lang="en-US" smtClean="0"/>
-              <a:t>9/13/21</a:t>
+              <a:t>9/14/21</a:t>
             </a:fld>
             <a:endParaRPr lang="en-US"/>
           </a:p>
@@ -855,6 +855,213 @@
 </p:notes>
 </file>
 
+<file path=ppt/notesSlides/notesSlide10.xml><?xml version="1.0" encoding="utf-8"?>
+<p:notes xmlns:a="http://schemas.openxmlformats.org/drawingml/2006/main" xmlns:r="http://schemas.openxmlformats.org/officeDocument/2006/relationships" xmlns:p="http://schemas.openxmlformats.org/presentationml/2006/main">
+  <p:cSld>
+    <p:spTree>
+      <p:nvGrpSpPr>
+        <p:cNvPr id="1" name=""/>
+        <p:cNvGrpSpPr/>
+        <p:nvPr/>
+      </p:nvGrpSpPr>
+      <p:grpSpPr>
+        <a:xfrm>
+          <a:off x="0" y="0"/>
+          <a:ext cx="0" cy="0"/>
+          <a:chOff x="0" y="0"/>
+          <a:chExt cx="0" cy="0"/>
+        </a:xfrm>
+      </p:grpSpPr>
+      <p:sp>
+        <p:nvSpPr>
+          <p:cNvPr id="2" name="Slide Image Placeholder 1"/>
+          <p:cNvSpPr>
+            <a:spLocks noGrp="1" noRot="1" noChangeAspect="1"/>
+          </p:cNvSpPr>
+          <p:nvPr>
+            <p:ph type="sldImg"/>
+          </p:nvPr>
+        </p:nvSpPr>
+        <p:spPr/>
+      </p:sp>
+      <p:sp>
+        <p:nvSpPr>
+          <p:cNvPr id="3" name="Notes Placeholder 2"/>
+          <p:cNvSpPr>
+            <a:spLocks noGrp="1"/>
+          </p:cNvSpPr>
+          <p:nvPr>
+            <p:ph type="body" idx="1"/>
+          </p:nvPr>
+        </p:nvSpPr>
+        <p:spPr/>
+        <p:txBody>
+          <a:bodyPr/>
+          <a:lstStyle/>
+          <a:p>
+            <a:r>
+              <a:rPr lang="en-US" dirty="0"/>
+              <a:t>https://</a:t>
+            </a:r>
+            <a:r>
+              <a:rPr lang="en-US" dirty="0" err="1"/>
+              <a:t>towardsdatascience.com</a:t>
+            </a:r>
+            <a:r>
+              <a:rPr lang="en-US" dirty="0"/>
+              <a:t>/intuitive-understanding-of-attention-mechanism-in-deep-learning-6c9482aecf4f</a:t>
+            </a:r>
+          </a:p>
+        </p:txBody>
+      </p:sp>
+      <p:sp>
+        <p:nvSpPr>
+          <p:cNvPr id="4" name="Slide Number Placeholder 3"/>
+          <p:cNvSpPr>
+            <a:spLocks noGrp="1"/>
+          </p:cNvSpPr>
+          <p:nvPr>
+            <p:ph type="sldNum" sz="quarter" idx="5"/>
+          </p:nvPr>
+        </p:nvSpPr>
+        <p:spPr/>
+        <p:txBody>
+          <a:bodyPr/>
+          <a:lstStyle/>
+          <a:p>
+            <a:fld id="{91A6987C-0916-2242-A9EF-85F33DA03160}" type="slidenum">
+              <a:rPr lang="en-US" smtClean="0"/>
+              <a:t>19</a:t>
+            </a:fld>
+            <a:endParaRPr lang="en-US"/>
+          </a:p>
+        </p:txBody>
+      </p:sp>
+    </p:spTree>
+    <p:extLst>
+      <p:ext uri="{BB962C8B-B14F-4D97-AF65-F5344CB8AC3E}">
+        <p14:creationId xmlns:p14="http://schemas.microsoft.com/office/powerpoint/2010/main" val="308812898"/>
+      </p:ext>
+    </p:extLst>
+  </p:cSld>
+  <p:clrMapOvr>
+    <a:masterClrMapping/>
+  </p:clrMapOvr>
+</p:notes>
+</file>
+
+<file path=ppt/notesSlides/notesSlide11.xml><?xml version="1.0" encoding="utf-8"?>
+<p:notes xmlns:a="http://schemas.openxmlformats.org/drawingml/2006/main" xmlns:r="http://schemas.openxmlformats.org/officeDocument/2006/relationships" xmlns:p="http://schemas.openxmlformats.org/presentationml/2006/main">
+  <p:cSld>
+    <p:spTree>
+      <p:nvGrpSpPr>
+        <p:cNvPr id="1" name=""/>
+        <p:cNvGrpSpPr/>
+        <p:nvPr/>
+      </p:nvGrpSpPr>
+      <p:grpSpPr>
+        <a:xfrm>
+          <a:off x="0" y="0"/>
+          <a:ext cx="0" cy="0"/>
+          <a:chOff x="0" y="0"/>
+          <a:chExt cx="0" cy="0"/>
+        </a:xfrm>
+      </p:grpSpPr>
+      <p:sp>
+        <p:nvSpPr>
+          <p:cNvPr id="2" name="Slide Image Placeholder 1"/>
+          <p:cNvSpPr>
+            <a:spLocks noGrp="1" noRot="1" noChangeAspect="1"/>
+          </p:cNvSpPr>
+          <p:nvPr>
+            <p:ph type="sldImg"/>
+          </p:nvPr>
+        </p:nvSpPr>
+        <p:spPr/>
+      </p:sp>
+      <p:sp>
+        <p:nvSpPr>
+          <p:cNvPr id="3" name="Notes Placeholder 2"/>
+          <p:cNvSpPr>
+            <a:spLocks noGrp="1"/>
+          </p:cNvSpPr>
+          <p:nvPr>
+            <p:ph type="body" idx="1"/>
+          </p:nvPr>
+        </p:nvSpPr>
+        <p:spPr/>
+        <p:txBody>
+          <a:bodyPr/>
+          <a:lstStyle/>
+          <a:p>
+            <a:r>
+              <a:rPr lang="en-US" dirty="0"/>
+              <a:t>https://</a:t>
+            </a:r>
+            <a:r>
+              <a:rPr lang="en-US" dirty="0" err="1"/>
+              <a:t>arxiv.org</a:t>
+            </a:r>
+            <a:r>
+              <a:rPr lang="en-US" dirty="0"/>
+              <a:t>/pdf/1312.6034.pdf</a:t>
+            </a:r>
+          </a:p>
+          <a:p>
+            <a:r>
+              <a:rPr lang="en-US" dirty="0"/>
+              <a:t>https://</a:t>
+            </a:r>
+            <a:r>
+              <a:rPr lang="en-US" dirty="0" err="1"/>
+              <a:t>www.nature.com</a:t>
+            </a:r>
+            <a:r>
+              <a:rPr lang="en-US"/>
+              <a:t>/articles/s41576-019-0122-6#Sec11</a:t>
+            </a:r>
+          </a:p>
+          <a:p>
+            <a:endParaRPr lang="en-US" dirty="0"/>
+          </a:p>
+        </p:txBody>
+      </p:sp>
+      <p:sp>
+        <p:nvSpPr>
+          <p:cNvPr id="4" name="Slide Number Placeholder 3"/>
+          <p:cNvSpPr>
+            <a:spLocks noGrp="1"/>
+          </p:cNvSpPr>
+          <p:nvPr>
+            <p:ph type="sldNum" sz="quarter" idx="5"/>
+          </p:nvPr>
+        </p:nvSpPr>
+        <p:spPr/>
+        <p:txBody>
+          <a:bodyPr/>
+          <a:lstStyle/>
+          <a:p>
+            <a:fld id="{91A6987C-0916-2242-A9EF-85F33DA03160}" type="slidenum">
+              <a:rPr lang="en-US" smtClean="0"/>
+              <a:t>20</a:t>
+            </a:fld>
+            <a:endParaRPr lang="en-US"/>
+          </a:p>
+        </p:txBody>
+      </p:sp>
+    </p:spTree>
+    <p:extLst>
+      <p:ext uri="{BB962C8B-B14F-4D97-AF65-F5344CB8AC3E}">
+        <p14:creationId xmlns:p14="http://schemas.microsoft.com/office/powerpoint/2010/main" val="386508932"/>
+      </p:ext>
+    </p:extLst>
+  </p:cSld>
+  <p:clrMapOvr>
+    <a:masterClrMapping/>
+  </p:clrMapOvr>
+</p:notes>
+</file>
+
 <file path=ppt/notesSlides/notesSlide2.xml><?xml version="1.0" encoding="utf-8"?>
 <p:notes xmlns:a="http://schemas.openxmlformats.org/drawingml/2006/main" xmlns:r="http://schemas.openxmlformats.org/officeDocument/2006/relationships" xmlns:p="http://schemas.openxmlformats.org/presentationml/2006/main">
   <p:cSld>
@@ -1489,16 +1696,22 @@
           <a:p>
             <a:r>
               <a:rPr lang="en-US" dirty="0"/>
-              <a:t>https://</a:t>
+              <a:t>Figure4: https://</a:t>
             </a:r>
             <a:r>
               <a:rPr lang="en-US" dirty="0" err="1"/>
-              <a:t>machinelearningmastery.com</a:t>
+              <a:t>www.oreilly.com</a:t>
             </a:r>
             <a:r>
               <a:rPr lang="en-US" dirty="0"/>
-              <a:t>/convolutional-layers-for-deep-learning-neural-networks/</a:t>
-            </a:r>
+              <a:t>/library/view/natural-language-processing/9781491978221/ch04.html</a:t>
+            </a:r>
+          </a:p>
+          <a:p>
+            <a:endParaRPr lang="en-US" dirty="0"/>
+          </a:p>
+          <a:p>
+            <a:endParaRPr lang="en-US" dirty="0"/>
           </a:p>
         </p:txBody>
       </p:sp>
@@ -1519,7 +1732,7 @@
           <a:p>
             <a:fld id="{91A6987C-0916-2242-A9EF-85F33DA03160}" type="slidenum">
               <a:rPr lang="en-US" smtClean="0"/>
-              <a:t>16</a:t>
+              <a:t>5</a:t>
             </a:fld>
             <a:endParaRPr lang="en-US"/>
           </a:p>
@@ -1528,7 +1741,7 @@
     </p:spTree>
     <p:extLst>
       <p:ext uri="{BB962C8B-B14F-4D97-AF65-F5344CB8AC3E}">
-        <p14:creationId xmlns:p14="http://schemas.microsoft.com/office/powerpoint/2010/main" val="58297411"/>
+        <p14:creationId xmlns:p14="http://schemas.microsoft.com/office/powerpoint/2010/main" val="2992570833"/>
       </p:ext>
     </p:extLst>
   </p:cSld>
@@ -1584,29 +1797,22 @@
           <a:p>
             <a:r>
               <a:rPr lang="en-US" dirty="0"/>
+              <a:t>CNN explanation:</a:t>
+            </a:r>
+          </a:p>
+          <a:p>
+            <a:r>
+              <a:rPr lang="en-US" dirty="0"/>
               <a:t>https://</a:t>
             </a:r>
             <a:r>
               <a:rPr lang="en-US" dirty="0" err="1"/>
-              <a:t>stanford.edu</a:t>
+              <a:t>machinelearningmastery.com</a:t>
             </a:r>
             <a:r>
               <a:rPr lang="en-US" dirty="0"/>
-              <a:t>/~</a:t>
-            </a:r>
-            <a:r>
-              <a:rPr lang="en-US" dirty="0" err="1"/>
-              <a:t>shervine</a:t>
-            </a:r>
-            <a:r>
-              <a:rPr lang="en-US" dirty="0"/>
-              <a:t>/teaching/cs-230/</a:t>
-            </a:r>
-            <a:r>
-              <a:rPr lang="en-US" dirty="0" err="1"/>
-              <a:t>cheatsheet-recurrent-neural-networks#attention</a:t>
-            </a:r>
-            <a:endParaRPr lang="en-US" dirty="0"/>
+              <a:t>/convolutional-layers-for-deep-learning-neural-networks/</a:t>
+            </a:r>
           </a:p>
         </p:txBody>
       </p:sp>
@@ -1627,7 +1833,7 @@
           <a:p>
             <a:fld id="{91A6987C-0916-2242-A9EF-85F33DA03160}" type="slidenum">
               <a:rPr lang="en-US" smtClean="0"/>
-              <a:t>17</a:t>
+              <a:t>6</a:t>
             </a:fld>
             <a:endParaRPr lang="en-US"/>
           </a:p>
@@ -1636,7 +1842,7 @@
     </p:spTree>
     <p:extLst>
       <p:ext uri="{BB962C8B-B14F-4D97-AF65-F5344CB8AC3E}">
-        <p14:creationId xmlns:p14="http://schemas.microsoft.com/office/powerpoint/2010/main" val="1581291839"/>
+        <p14:creationId xmlns:p14="http://schemas.microsoft.com/office/powerpoint/2010/main" val="1968471416"/>
       </p:ext>
     </p:extLst>
   </p:cSld>
@@ -1692,16 +1898,31 @@
           <a:p>
             <a:r>
               <a:rPr lang="en-US" dirty="0"/>
-              <a:t>https://</a:t>
+              <a:t>Figure: https://</a:t>
             </a:r>
             <a:r>
               <a:rPr lang="en-US" dirty="0" err="1"/>
-              <a:t>towardsdatascience.com</a:t>
+              <a:t>www.ibm.com</a:t>
             </a:r>
             <a:r>
               <a:rPr lang="en-US" dirty="0"/>
-              <a:t>/intuitive-understanding-of-attention-mechanism-in-deep-learning-6c9482aecf4f</a:t>
-            </a:r>
+              <a:t>/cloud/learn/recurrent-neural-networks</a:t>
+            </a:r>
+          </a:p>
+          <a:p>
+            <a:endParaRPr lang="en-US" dirty="0"/>
+          </a:p>
+          <a:p>
+            <a:r>
+              <a:rPr lang="en-US" dirty="0"/>
+              <a:t>RNN explanation:</a:t>
+            </a:r>
+          </a:p>
+          <a:p>
+            <a:endParaRPr lang="en-US" dirty="0"/>
+          </a:p>
+          <a:p>
+            <a:endParaRPr lang="en-US" dirty="0"/>
           </a:p>
         </p:txBody>
       </p:sp>
@@ -1722,7 +1943,7 @@
           <a:p>
             <a:fld id="{91A6987C-0916-2242-A9EF-85F33DA03160}" type="slidenum">
               <a:rPr lang="en-US" smtClean="0"/>
-              <a:t>19</a:t>
+              <a:t>7</a:t>
             </a:fld>
             <a:endParaRPr lang="en-US"/>
           </a:p>
@@ -1731,7 +1952,7 @@
     </p:spTree>
     <p:extLst>
       <p:ext uri="{BB962C8B-B14F-4D97-AF65-F5344CB8AC3E}">
-        <p14:creationId xmlns:p14="http://schemas.microsoft.com/office/powerpoint/2010/main" val="308812898"/>
+        <p14:creationId xmlns:p14="http://schemas.microsoft.com/office/powerpoint/2010/main" val="1336890272"/>
       </p:ext>
     </p:extLst>
   </p:cSld>
@@ -1791,29 +2012,12 @@
             </a:r>
             <a:r>
               <a:rPr lang="en-US" dirty="0" err="1"/>
-              <a:t>arxiv.org</a:t>
+              <a:t>machinelearningmastery.com</a:t>
             </a:r>
             <a:r>
               <a:rPr lang="en-US" dirty="0"/>
-              <a:t>/pdf/1312.6034.pdf</a:t>
-            </a:r>
-          </a:p>
-          <a:p>
-            <a:r>
-              <a:rPr lang="en-US" dirty="0"/>
-              <a:t>https://</a:t>
-            </a:r>
-            <a:r>
-              <a:rPr lang="en-US" dirty="0" err="1"/>
-              <a:t>www.nature.com</a:t>
-            </a:r>
-            <a:r>
-              <a:rPr lang="en-US"/>
-              <a:t>/articles/s41576-019-0122-6#Sec11</a:t>
-            </a:r>
-          </a:p>
-          <a:p>
-            <a:endParaRPr lang="en-US" dirty="0"/>
+              <a:t>/convolutional-layers-for-deep-learning-neural-networks/</a:t>
+            </a:r>
           </a:p>
         </p:txBody>
       </p:sp>
@@ -1834,7 +2038,7 @@
           <a:p>
             <a:fld id="{91A6987C-0916-2242-A9EF-85F33DA03160}" type="slidenum">
               <a:rPr lang="en-US" smtClean="0"/>
-              <a:t>20</a:t>
+              <a:t>16</a:t>
             </a:fld>
             <a:endParaRPr lang="en-US"/>
           </a:p>
@@ -1843,7 +2047,115 @@
     </p:spTree>
     <p:extLst>
       <p:ext uri="{BB962C8B-B14F-4D97-AF65-F5344CB8AC3E}">
-        <p14:creationId xmlns:p14="http://schemas.microsoft.com/office/powerpoint/2010/main" val="386508932"/>
+        <p14:creationId xmlns:p14="http://schemas.microsoft.com/office/powerpoint/2010/main" val="58297411"/>
+      </p:ext>
+    </p:extLst>
+  </p:cSld>
+  <p:clrMapOvr>
+    <a:masterClrMapping/>
+  </p:clrMapOvr>
+</p:notes>
+</file>
+
+<file path=ppt/notesSlides/notesSlide9.xml><?xml version="1.0" encoding="utf-8"?>
+<p:notes xmlns:a="http://schemas.openxmlformats.org/drawingml/2006/main" xmlns:r="http://schemas.openxmlformats.org/officeDocument/2006/relationships" xmlns:p="http://schemas.openxmlformats.org/presentationml/2006/main">
+  <p:cSld>
+    <p:spTree>
+      <p:nvGrpSpPr>
+        <p:cNvPr id="1" name=""/>
+        <p:cNvGrpSpPr/>
+        <p:nvPr/>
+      </p:nvGrpSpPr>
+      <p:grpSpPr>
+        <a:xfrm>
+          <a:off x="0" y="0"/>
+          <a:ext cx="0" cy="0"/>
+          <a:chOff x="0" y="0"/>
+          <a:chExt cx="0" cy="0"/>
+        </a:xfrm>
+      </p:grpSpPr>
+      <p:sp>
+        <p:nvSpPr>
+          <p:cNvPr id="2" name="Slide Image Placeholder 1"/>
+          <p:cNvSpPr>
+            <a:spLocks noGrp="1" noRot="1" noChangeAspect="1"/>
+          </p:cNvSpPr>
+          <p:nvPr>
+            <p:ph type="sldImg"/>
+          </p:nvPr>
+        </p:nvSpPr>
+        <p:spPr/>
+      </p:sp>
+      <p:sp>
+        <p:nvSpPr>
+          <p:cNvPr id="3" name="Notes Placeholder 2"/>
+          <p:cNvSpPr>
+            <a:spLocks noGrp="1"/>
+          </p:cNvSpPr>
+          <p:nvPr>
+            <p:ph type="body" idx="1"/>
+          </p:nvPr>
+        </p:nvSpPr>
+        <p:spPr/>
+        <p:txBody>
+          <a:bodyPr/>
+          <a:lstStyle/>
+          <a:p>
+            <a:r>
+              <a:rPr lang="en-US" dirty="0"/>
+              <a:t>https://</a:t>
+            </a:r>
+            <a:r>
+              <a:rPr lang="en-US" dirty="0" err="1"/>
+              <a:t>stanford.edu</a:t>
+            </a:r>
+            <a:r>
+              <a:rPr lang="en-US" dirty="0"/>
+              <a:t>/~</a:t>
+            </a:r>
+            <a:r>
+              <a:rPr lang="en-US" dirty="0" err="1"/>
+              <a:t>shervine</a:t>
+            </a:r>
+            <a:r>
+              <a:rPr lang="en-US" dirty="0"/>
+              <a:t>/teaching/cs-230/</a:t>
+            </a:r>
+            <a:r>
+              <a:rPr lang="en-US" dirty="0" err="1"/>
+              <a:t>cheatsheet-recurrent-neural-networks#attention</a:t>
+            </a:r>
+            <a:endParaRPr lang="en-US" dirty="0"/>
+          </a:p>
+        </p:txBody>
+      </p:sp>
+      <p:sp>
+        <p:nvSpPr>
+          <p:cNvPr id="4" name="Slide Number Placeholder 3"/>
+          <p:cNvSpPr>
+            <a:spLocks noGrp="1"/>
+          </p:cNvSpPr>
+          <p:nvPr>
+            <p:ph type="sldNum" sz="quarter" idx="5"/>
+          </p:nvPr>
+        </p:nvSpPr>
+        <p:spPr/>
+        <p:txBody>
+          <a:bodyPr/>
+          <a:lstStyle/>
+          <a:p>
+            <a:fld id="{91A6987C-0916-2242-A9EF-85F33DA03160}" type="slidenum">
+              <a:rPr lang="en-US" smtClean="0"/>
+              <a:t>17</a:t>
+            </a:fld>
+            <a:endParaRPr lang="en-US"/>
+          </a:p>
+        </p:txBody>
+      </p:sp>
+    </p:spTree>
+    <p:extLst>
+      <p:ext uri="{BB962C8B-B14F-4D97-AF65-F5344CB8AC3E}">
+        <p14:creationId xmlns:p14="http://schemas.microsoft.com/office/powerpoint/2010/main" val="1581291839"/>
       </p:ext>
     </p:extLst>
   </p:cSld>
@@ -1998,9 +2310,9 @@
           <a:bodyPr/>
           <a:lstStyle/>
           <a:p>
-            <a:fld id="{A5A70E47-95CA-DE44-BFD0-A8498F0A5788}" type="datetimeFigureOut">
+            <a:fld id="{7F824BE5-6B3D-3943-8A0D-DAC60818D67D}" type="datetime1">
               <a:rPr lang="en-US" smtClean="0"/>
-              <a:t>9/13/21</a:t>
+              <a:t>9/14/21</a:t>
             </a:fld>
             <a:endParaRPr lang="en-US"/>
           </a:p>
@@ -2196,9 +2508,9 @@
           <a:bodyPr/>
           <a:lstStyle/>
           <a:p>
-            <a:fld id="{A5A70E47-95CA-DE44-BFD0-A8498F0A5788}" type="datetimeFigureOut">
+            <a:fld id="{773E0597-9138-F144-9B7E-EAC5FF8AF2B9}" type="datetime1">
               <a:rPr lang="en-US" smtClean="0"/>
-              <a:t>9/13/21</a:t>
+              <a:t>9/14/21</a:t>
             </a:fld>
             <a:endParaRPr lang="en-US"/>
           </a:p>
@@ -2404,9 +2716,9 @@
           <a:bodyPr/>
           <a:lstStyle/>
           <a:p>
-            <a:fld id="{A5A70E47-95CA-DE44-BFD0-A8498F0A5788}" type="datetimeFigureOut">
+            <a:fld id="{6DD9751E-BA62-F44C-AA9C-6F5FBD309BEE}" type="datetime1">
               <a:rPr lang="en-US" smtClean="0"/>
-              <a:t>9/13/21</a:t>
+              <a:t>9/14/21</a:t>
             </a:fld>
             <a:endParaRPr lang="en-US"/>
           </a:p>
@@ -2634,9 +2946,9 @@
           <a:bodyPr/>
           <a:lstStyle/>
           <a:p>
-            <a:fld id="{A5A70E47-95CA-DE44-BFD0-A8498F0A5788}" type="datetimeFigureOut">
+            <a:fld id="{238D2941-1887-C34D-A48B-B4EFDE1048FE}" type="datetime1">
               <a:rPr lang="en-US" smtClean="0"/>
-              <a:t>9/13/21</a:t>
+              <a:t>9/14/21</a:t>
             </a:fld>
             <a:endParaRPr lang="en-US"/>
           </a:p>
@@ -2909,9 +3221,9 @@
           <a:bodyPr/>
           <a:lstStyle/>
           <a:p>
-            <a:fld id="{A5A70E47-95CA-DE44-BFD0-A8498F0A5788}" type="datetimeFigureOut">
+            <a:fld id="{A9AEE1F5-0DFF-B24E-A414-84BBCBE2BC44}" type="datetime1">
               <a:rPr lang="en-US" smtClean="0"/>
-              <a:t>9/13/21</a:t>
+              <a:t>9/14/21</a:t>
             </a:fld>
             <a:endParaRPr lang="en-US"/>
           </a:p>
@@ -3174,9 +3486,9 @@
           <a:bodyPr/>
           <a:lstStyle/>
           <a:p>
-            <a:fld id="{A5A70E47-95CA-DE44-BFD0-A8498F0A5788}" type="datetimeFigureOut">
+            <a:fld id="{D4D49F1D-E1DF-5D41-A5D0-CD37F4E9690B}" type="datetime1">
               <a:rPr lang="en-US" smtClean="0"/>
-              <a:t>9/13/21</a:t>
+              <a:t>9/14/21</a:t>
             </a:fld>
             <a:endParaRPr lang="en-US"/>
           </a:p>
@@ -3586,9 +3898,9 @@
           <a:bodyPr/>
           <a:lstStyle/>
           <a:p>
-            <a:fld id="{A5A70E47-95CA-DE44-BFD0-A8498F0A5788}" type="datetimeFigureOut">
+            <a:fld id="{15BD0C9E-F411-0D48-9859-BC54788FC80E}" type="datetime1">
               <a:rPr lang="en-US" smtClean="0"/>
-              <a:t>9/13/21</a:t>
+              <a:t>9/14/21</a:t>
             </a:fld>
             <a:endParaRPr lang="en-US"/>
           </a:p>
@@ -3727,9 +4039,9 @@
           <a:bodyPr/>
           <a:lstStyle/>
           <a:p>
-            <a:fld id="{A5A70E47-95CA-DE44-BFD0-A8498F0A5788}" type="datetimeFigureOut">
+            <a:fld id="{19DAFD0C-2338-DE4D-9182-8F5F1E1DCD7E}" type="datetime1">
               <a:rPr lang="en-US" smtClean="0"/>
-              <a:t>9/13/21</a:t>
+              <a:t>9/14/21</a:t>
             </a:fld>
             <a:endParaRPr lang="en-US"/>
           </a:p>
@@ -3840,9 +4152,9 @@
           <a:bodyPr/>
           <a:lstStyle/>
           <a:p>
-            <a:fld id="{A5A70E47-95CA-DE44-BFD0-A8498F0A5788}" type="datetimeFigureOut">
+            <a:fld id="{ACB8853D-8CF5-A147-B532-E5D6509342B1}" type="datetime1">
               <a:rPr lang="en-US" smtClean="0"/>
-              <a:t>9/13/21</a:t>
+              <a:t>9/14/21</a:t>
             </a:fld>
             <a:endParaRPr lang="en-US"/>
           </a:p>
@@ -4151,9 +4463,9 @@
           <a:bodyPr/>
           <a:lstStyle/>
           <a:p>
-            <a:fld id="{A5A70E47-95CA-DE44-BFD0-A8498F0A5788}" type="datetimeFigureOut">
+            <a:fld id="{4AB64C3A-1CD1-4A48-BFB0-C835304BC9D7}" type="datetime1">
               <a:rPr lang="en-US" smtClean="0"/>
-              <a:t>9/13/21</a:t>
+              <a:t>9/14/21</a:t>
             </a:fld>
             <a:endParaRPr lang="en-US"/>
           </a:p>
@@ -4439,9 +4751,9 @@
           <a:bodyPr/>
           <a:lstStyle/>
           <a:p>
-            <a:fld id="{A5A70E47-95CA-DE44-BFD0-A8498F0A5788}" type="datetimeFigureOut">
+            <a:fld id="{EAE33091-925D-C245-8DCC-DF5C9B213AC0}" type="datetime1">
               <a:rPr lang="en-US" smtClean="0"/>
-              <a:t>9/13/21</a:t>
+              <a:t>9/14/21</a:t>
             </a:fld>
             <a:endParaRPr lang="en-US"/>
           </a:p>
@@ -4680,9 +4992,9 @@
             </a:lvl1pPr>
           </a:lstStyle>
           <a:p>
-            <a:fld id="{A5A70E47-95CA-DE44-BFD0-A8498F0A5788}" type="datetimeFigureOut">
+            <a:fld id="{147E7BCF-AA86-4D4A-9127-8ED86CE8D831}" type="datetime1">
               <a:rPr lang="en-US" smtClean="0"/>
-              <a:t>9/13/21</a:t>
+              <a:t>9/14/21</a:t>
             </a:fld>
             <a:endParaRPr lang="en-US"/>
           </a:p>
@@ -4799,6 +5111,7 @@
     <p:sldLayoutId id="2147483658" r:id="rId10"/>
     <p:sldLayoutId id="2147483659" r:id="rId11"/>
   </p:sldLayoutIdLst>
+  <p:hf hdr="0" ftr="0" dt="0"/>
   <p:txStyles>
     <p:titleStyle>
       <a:lvl1pPr algn="l" defTabSz="914400" rtl="0" eaLnBrk="1" latinLnBrk="0" hangingPunct="1">
@@ -5177,6 +5490,35 @@
           </a:p>
         </p:txBody>
       </p:sp>
+      <p:sp>
+        <p:nvSpPr>
+          <p:cNvPr id="4" name="Slide Number Placeholder 3">
+            <a:extLst>
+              <a:ext uri="{FF2B5EF4-FFF2-40B4-BE49-F238E27FC236}">
+                <a16:creationId xmlns:a16="http://schemas.microsoft.com/office/drawing/2014/main" id="{C5CC3D49-5311-E54D-B862-0BFC73DFC38A}"/>
+              </a:ext>
+            </a:extLst>
+          </p:cNvPr>
+          <p:cNvSpPr>
+            <a:spLocks noGrp="1"/>
+          </p:cNvSpPr>
+          <p:nvPr>
+            <p:ph type="sldNum" sz="quarter" idx="12"/>
+          </p:nvPr>
+        </p:nvSpPr>
+        <p:spPr/>
+        <p:txBody>
+          <a:bodyPr/>
+          <a:lstStyle/>
+          <a:p>
+            <a:fld id="{F5563628-00B8-654A-9E27-38F076219897}" type="slidenum">
+              <a:rPr lang="en-US" smtClean="0"/>
+              <a:t>1</a:t>
+            </a:fld>
+            <a:endParaRPr lang="en-US"/>
+          </a:p>
+        </p:txBody>
+      </p:sp>
     </p:spTree>
     <p:extLst>
       <p:ext uri="{BB962C8B-B14F-4D97-AF65-F5344CB8AC3E}">
@@ -5212,7 +5554,7 @@
           <p:cNvPr id="2" name="Title 1">
             <a:extLst>
               <a:ext uri="{FF2B5EF4-FFF2-40B4-BE49-F238E27FC236}">
-                <a16:creationId xmlns:a16="http://schemas.microsoft.com/office/drawing/2014/main" id="{794F9F2B-A265-6643-BD51-85C0583F89CB}"/>
+                <a16:creationId xmlns:a16="http://schemas.microsoft.com/office/drawing/2014/main" id="{9937B675-7FB5-284F-A87F-5FE9BECBE7EB}"/>
               </a:ext>
             </a:extLst>
           </p:cNvPr>
@@ -5230,7 +5572,7 @@
           <a:p>
             <a:r>
               <a:rPr lang="en-US" dirty="0"/>
-              <a:t>Dataset and Features</a:t>
+              <a:t>Attention Layers</a:t>
             </a:r>
           </a:p>
         </p:txBody>
@@ -5240,7 +5582,7 @@
           <p:cNvPr id="3" name="Content Placeholder 2">
             <a:extLst>
               <a:ext uri="{FF2B5EF4-FFF2-40B4-BE49-F238E27FC236}">
-                <a16:creationId xmlns:a16="http://schemas.microsoft.com/office/drawing/2014/main" id="{311D028F-13E4-9145-BCD0-BC8C3176F733}"/>
+                <a16:creationId xmlns:a16="http://schemas.microsoft.com/office/drawing/2014/main" id="{A3C18CD8-8146-2E4B-A5A1-599113C26DFC}"/>
               </a:ext>
             </a:extLst>
           </p:cNvPr>
@@ -5256,6 +5598,35 @@
           <a:bodyPr/>
           <a:lstStyle/>
           <a:p>
+            <a:endParaRPr lang="en-US"/>
+          </a:p>
+        </p:txBody>
+      </p:sp>
+      <p:sp>
+        <p:nvSpPr>
+          <p:cNvPr id="4" name="Slide Number Placeholder 3">
+            <a:extLst>
+              <a:ext uri="{FF2B5EF4-FFF2-40B4-BE49-F238E27FC236}">
+                <a16:creationId xmlns:a16="http://schemas.microsoft.com/office/drawing/2014/main" id="{E287F341-B531-2442-9659-C48924BA1D6B}"/>
+              </a:ext>
+            </a:extLst>
+          </p:cNvPr>
+          <p:cNvSpPr>
+            <a:spLocks noGrp="1"/>
+          </p:cNvSpPr>
+          <p:nvPr>
+            <p:ph type="sldNum" sz="quarter" idx="12"/>
+          </p:nvPr>
+        </p:nvSpPr>
+        <p:spPr/>
+        <p:txBody>
+          <a:bodyPr/>
+          <a:lstStyle/>
+          <a:p>
+            <a:fld id="{F5563628-00B8-654A-9E27-38F076219897}" type="slidenum">
+              <a:rPr lang="en-US" smtClean="0"/>
+              <a:t>10</a:t>
+            </a:fld>
             <a:endParaRPr lang="en-US"/>
           </a:p>
         </p:txBody>
@@ -5263,7 +5634,7 @@
     </p:spTree>
     <p:extLst>
       <p:ext uri="{BB962C8B-B14F-4D97-AF65-F5344CB8AC3E}">
-        <p14:creationId xmlns:p14="http://schemas.microsoft.com/office/powerpoint/2010/main" val="1976759143"/>
+        <p14:creationId xmlns:p14="http://schemas.microsoft.com/office/powerpoint/2010/main" val="2364176863"/>
       </p:ext>
     </p:extLst>
   </p:cSld>
@@ -5339,6 +5710,35 @@
           <a:bodyPr/>
           <a:lstStyle/>
           <a:p>
+            <a:endParaRPr lang="en-US"/>
+          </a:p>
+        </p:txBody>
+      </p:sp>
+      <p:sp>
+        <p:nvSpPr>
+          <p:cNvPr id="4" name="Slide Number Placeholder 3">
+            <a:extLst>
+              <a:ext uri="{FF2B5EF4-FFF2-40B4-BE49-F238E27FC236}">
+                <a16:creationId xmlns:a16="http://schemas.microsoft.com/office/drawing/2014/main" id="{74BAEEBF-AB5F-CC4E-8761-6BFC129CD191}"/>
+              </a:ext>
+            </a:extLst>
+          </p:cNvPr>
+          <p:cNvSpPr>
+            <a:spLocks noGrp="1"/>
+          </p:cNvSpPr>
+          <p:nvPr>
+            <p:ph type="sldNum" sz="quarter" idx="12"/>
+          </p:nvPr>
+        </p:nvSpPr>
+        <p:spPr/>
+        <p:txBody>
+          <a:bodyPr/>
+          <a:lstStyle/>
+          <a:p>
+            <a:fld id="{F5563628-00B8-654A-9E27-38F076219897}" type="slidenum">
+              <a:rPr lang="en-US" smtClean="0"/>
+              <a:t>11</a:t>
+            </a:fld>
             <a:endParaRPr lang="en-US"/>
           </a:p>
         </p:txBody>
@@ -5430,6 +5830,35 @@
           </a:p>
         </p:txBody>
       </p:sp>
+      <p:sp>
+        <p:nvSpPr>
+          <p:cNvPr id="4" name="Slide Number Placeholder 3">
+            <a:extLst>
+              <a:ext uri="{FF2B5EF4-FFF2-40B4-BE49-F238E27FC236}">
+                <a16:creationId xmlns:a16="http://schemas.microsoft.com/office/drawing/2014/main" id="{AFC33372-D0B9-CE47-8B84-AE1D73392216}"/>
+              </a:ext>
+            </a:extLst>
+          </p:cNvPr>
+          <p:cNvSpPr>
+            <a:spLocks noGrp="1"/>
+          </p:cNvSpPr>
+          <p:nvPr>
+            <p:ph type="sldNum" sz="quarter" idx="12"/>
+          </p:nvPr>
+        </p:nvSpPr>
+        <p:spPr/>
+        <p:txBody>
+          <a:bodyPr/>
+          <a:lstStyle/>
+          <a:p>
+            <a:fld id="{F5563628-00B8-654A-9E27-38F076219897}" type="slidenum">
+              <a:rPr lang="en-US" smtClean="0"/>
+              <a:t>12</a:t>
+            </a:fld>
+            <a:endParaRPr lang="en-US"/>
+          </a:p>
+        </p:txBody>
+      </p:sp>
     </p:spTree>
     <p:extLst>
       <p:ext uri="{BB962C8B-B14F-4D97-AF65-F5344CB8AC3E}">
@@ -5517,6 +5946,35 @@
           </a:p>
         </p:txBody>
       </p:sp>
+      <p:sp>
+        <p:nvSpPr>
+          <p:cNvPr id="4" name="Slide Number Placeholder 3">
+            <a:extLst>
+              <a:ext uri="{FF2B5EF4-FFF2-40B4-BE49-F238E27FC236}">
+                <a16:creationId xmlns:a16="http://schemas.microsoft.com/office/drawing/2014/main" id="{49E6C4EE-3A4B-0548-8548-D06F96CCD32A}"/>
+              </a:ext>
+            </a:extLst>
+          </p:cNvPr>
+          <p:cNvSpPr>
+            <a:spLocks noGrp="1"/>
+          </p:cNvSpPr>
+          <p:nvPr>
+            <p:ph type="sldNum" sz="quarter" idx="12"/>
+          </p:nvPr>
+        </p:nvSpPr>
+        <p:spPr/>
+        <p:txBody>
+          <a:bodyPr/>
+          <a:lstStyle/>
+          <a:p>
+            <a:fld id="{F5563628-00B8-654A-9E27-38F076219897}" type="slidenum">
+              <a:rPr lang="en-US" smtClean="0"/>
+              <a:t>13</a:t>
+            </a:fld>
+            <a:endParaRPr lang="en-US"/>
+          </a:p>
+        </p:txBody>
+      </p:sp>
     </p:spTree>
     <p:extLst>
       <p:ext uri="{BB962C8B-B14F-4D97-AF65-F5344CB8AC3E}">
@@ -5600,6 +6058,35 @@
           </a:p>
         </p:txBody>
       </p:sp>
+      <p:sp>
+        <p:nvSpPr>
+          <p:cNvPr id="4" name="Slide Number Placeholder 3">
+            <a:extLst>
+              <a:ext uri="{FF2B5EF4-FFF2-40B4-BE49-F238E27FC236}">
+                <a16:creationId xmlns:a16="http://schemas.microsoft.com/office/drawing/2014/main" id="{CCA3A958-7F04-8341-960B-019233F25B09}"/>
+              </a:ext>
+            </a:extLst>
+          </p:cNvPr>
+          <p:cNvSpPr>
+            <a:spLocks noGrp="1"/>
+          </p:cNvSpPr>
+          <p:nvPr>
+            <p:ph type="sldNum" sz="quarter" idx="12"/>
+          </p:nvPr>
+        </p:nvSpPr>
+        <p:spPr/>
+        <p:txBody>
+          <a:bodyPr/>
+          <a:lstStyle/>
+          <a:p>
+            <a:fld id="{F5563628-00B8-654A-9E27-38F076219897}" type="slidenum">
+              <a:rPr lang="en-US" smtClean="0"/>
+              <a:t>14</a:t>
+            </a:fld>
+            <a:endParaRPr lang="en-US"/>
+          </a:p>
+        </p:txBody>
+      </p:sp>
     </p:spTree>
     <p:extLst>
       <p:ext uri="{BB962C8B-B14F-4D97-AF65-F5344CB8AC3E}">
@@ -5683,6 +6170,35 @@
           </a:p>
         </p:txBody>
       </p:sp>
+      <p:sp>
+        <p:nvSpPr>
+          <p:cNvPr id="4" name="Slide Number Placeholder 3">
+            <a:extLst>
+              <a:ext uri="{FF2B5EF4-FFF2-40B4-BE49-F238E27FC236}">
+                <a16:creationId xmlns:a16="http://schemas.microsoft.com/office/drawing/2014/main" id="{3701FDD8-8E46-124E-AAD7-02A24170CDC5}"/>
+              </a:ext>
+            </a:extLst>
+          </p:cNvPr>
+          <p:cNvSpPr>
+            <a:spLocks noGrp="1"/>
+          </p:cNvSpPr>
+          <p:nvPr>
+            <p:ph type="sldNum" sz="quarter" idx="12"/>
+          </p:nvPr>
+        </p:nvSpPr>
+        <p:spPr/>
+        <p:txBody>
+          <a:bodyPr/>
+          <a:lstStyle/>
+          <a:p>
+            <a:fld id="{F5563628-00B8-654A-9E27-38F076219897}" type="slidenum">
+              <a:rPr lang="en-US" smtClean="0"/>
+              <a:t>15</a:t>
+            </a:fld>
+            <a:endParaRPr lang="en-US"/>
+          </a:p>
+        </p:txBody>
+      </p:sp>
     </p:spTree>
     <p:extLst>
       <p:ext uri="{BB962C8B-B14F-4D97-AF65-F5344CB8AC3E}">
@@ -5766,6 +6282,35 @@
           </a:p>
         </p:txBody>
       </p:sp>
+      <p:sp>
+        <p:nvSpPr>
+          <p:cNvPr id="4" name="Slide Number Placeholder 3">
+            <a:extLst>
+              <a:ext uri="{FF2B5EF4-FFF2-40B4-BE49-F238E27FC236}">
+                <a16:creationId xmlns:a16="http://schemas.microsoft.com/office/drawing/2014/main" id="{C9F4F913-FF4A-9743-91DA-894CBCD1E438}"/>
+              </a:ext>
+            </a:extLst>
+          </p:cNvPr>
+          <p:cNvSpPr>
+            <a:spLocks noGrp="1"/>
+          </p:cNvSpPr>
+          <p:nvPr>
+            <p:ph type="sldNum" sz="quarter" idx="12"/>
+          </p:nvPr>
+        </p:nvSpPr>
+        <p:spPr/>
+        <p:txBody>
+          <a:bodyPr/>
+          <a:lstStyle/>
+          <a:p>
+            <a:fld id="{F5563628-00B8-654A-9E27-38F076219897}" type="slidenum">
+              <a:rPr lang="en-US" smtClean="0"/>
+              <a:t>16</a:t>
+            </a:fld>
+            <a:endParaRPr lang="en-US"/>
+          </a:p>
+        </p:txBody>
+      </p:sp>
     </p:spTree>
     <p:extLst>
       <p:ext uri="{BB962C8B-B14F-4D97-AF65-F5344CB8AC3E}">
@@ -5849,6 +6394,35 @@
           </a:p>
         </p:txBody>
       </p:sp>
+      <p:sp>
+        <p:nvSpPr>
+          <p:cNvPr id="4" name="Slide Number Placeholder 3">
+            <a:extLst>
+              <a:ext uri="{FF2B5EF4-FFF2-40B4-BE49-F238E27FC236}">
+                <a16:creationId xmlns:a16="http://schemas.microsoft.com/office/drawing/2014/main" id="{9EB6C101-462B-1743-8859-93653A577D0D}"/>
+              </a:ext>
+            </a:extLst>
+          </p:cNvPr>
+          <p:cNvSpPr>
+            <a:spLocks noGrp="1"/>
+          </p:cNvSpPr>
+          <p:nvPr>
+            <p:ph type="sldNum" sz="quarter" idx="12"/>
+          </p:nvPr>
+        </p:nvSpPr>
+        <p:spPr/>
+        <p:txBody>
+          <a:bodyPr/>
+          <a:lstStyle/>
+          <a:p>
+            <a:fld id="{F5563628-00B8-654A-9E27-38F076219897}" type="slidenum">
+              <a:rPr lang="en-US" smtClean="0"/>
+              <a:t>17</a:t>
+            </a:fld>
+            <a:endParaRPr lang="en-US"/>
+          </a:p>
+        </p:txBody>
+      </p:sp>
     </p:spTree>
     <p:extLst>
       <p:ext uri="{BB962C8B-B14F-4D97-AF65-F5344CB8AC3E}">
@@ -5932,6 +6506,35 @@
           </a:p>
         </p:txBody>
       </p:sp>
+      <p:sp>
+        <p:nvSpPr>
+          <p:cNvPr id="4" name="Slide Number Placeholder 3">
+            <a:extLst>
+              <a:ext uri="{FF2B5EF4-FFF2-40B4-BE49-F238E27FC236}">
+                <a16:creationId xmlns:a16="http://schemas.microsoft.com/office/drawing/2014/main" id="{2891E2B9-97C1-1149-81BE-15BF3E291F19}"/>
+              </a:ext>
+            </a:extLst>
+          </p:cNvPr>
+          <p:cNvSpPr>
+            <a:spLocks noGrp="1"/>
+          </p:cNvSpPr>
+          <p:nvPr>
+            <p:ph type="sldNum" sz="quarter" idx="12"/>
+          </p:nvPr>
+        </p:nvSpPr>
+        <p:spPr/>
+        <p:txBody>
+          <a:bodyPr/>
+          <a:lstStyle/>
+          <a:p>
+            <a:fld id="{F5563628-00B8-654A-9E27-38F076219897}" type="slidenum">
+              <a:rPr lang="en-US" smtClean="0"/>
+              <a:t>18</a:t>
+            </a:fld>
+            <a:endParaRPr lang="en-US"/>
+          </a:p>
+        </p:txBody>
+      </p:sp>
     </p:spTree>
     <p:extLst>
       <p:ext uri="{BB962C8B-B14F-4D97-AF65-F5344CB8AC3E}">
@@ -6015,6 +6618,35 @@
           </a:p>
         </p:txBody>
       </p:sp>
+      <p:sp>
+        <p:nvSpPr>
+          <p:cNvPr id="4" name="Slide Number Placeholder 3">
+            <a:extLst>
+              <a:ext uri="{FF2B5EF4-FFF2-40B4-BE49-F238E27FC236}">
+                <a16:creationId xmlns:a16="http://schemas.microsoft.com/office/drawing/2014/main" id="{759F75E5-4290-7144-BE92-C5DEDF7041E0}"/>
+              </a:ext>
+            </a:extLst>
+          </p:cNvPr>
+          <p:cNvSpPr>
+            <a:spLocks noGrp="1"/>
+          </p:cNvSpPr>
+          <p:nvPr>
+            <p:ph type="sldNum" sz="quarter" idx="12"/>
+          </p:nvPr>
+        </p:nvSpPr>
+        <p:spPr/>
+        <p:txBody>
+          <a:bodyPr/>
+          <a:lstStyle/>
+          <a:p>
+            <a:fld id="{F5563628-00B8-654A-9E27-38F076219897}" type="slidenum">
+              <a:rPr lang="en-US" smtClean="0"/>
+              <a:t>19</a:t>
+            </a:fld>
+            <a:endParaRPr lang="en-US"/>
+          </a:p>
+        </p:txBody>
+      </p:sp>
     </p:spTree>
     <p:extLst>
       <p:ext uri="{BB962C8B-B14F-4D97-AF65-F5344CB8AC3E}">
@@ -6202,6 +6834,35 @@
           </a:p>
         </p:txBody>
       </p:sp>
+      <p:sp>
+        <p:nvSpPr>
+          <p:cNvPr id="3" name="Slide Number Placeholder 2">
+            <a:extLst>
+              <a:ext uri="{FF2B5EF4-FFF2-40B4-BE49-F238E27FC236}">
+                <a16:creationId xmlns:a16="http://schemas.microsoft.com/office/drawing/2014/main" id="{83293161-3E4F-6D4F-BD79-6776D6AB6F9F}"/>
+              </a:ext>
+            </a:extLst>
+          </p:cNvPr>
+          <p:cNvSpPr>
+            <a:spLocks noGrp="1"/>
+          </p:cNvSpPr>
+          <p:nvPr>
+            <p:ph type="sldNum" sz="quarter" idx="12"/>
+          </p:nvPr>
+        </p:nvSpPr>
+        <p:spPr/>
+        <p:txBody>
+          <a:bodyPr/>
+          <a:lstStyle/>
+          <a:p>
+            <a:fld id="{F5563628-00B8-654A-9E27-38F076219897}" type="slidenum">
+              <a:rPr lang="en-US" smtClean="0"/>
+              <a:t>2</a:t>
+            </a:fld>
+            <a:endParaRPr lang="en-US"/>
+          </a:p>
+        </p:txBody>
+      </p:sp>
     </p:spTree>
     <p:extLst>
       <p:ext uri="{BB962C8B-B14F-4D97-AF65-F5344CB8AC3E}">
@@ -6285,6 +6946,35 @@
           </a:p>
         </p:txBody>
       </p:sp>
+      <p:sp>
+        <p:nvSpPr>
+          <p:cNvPr id="4" name="Slide Number Placeholder 3">
+            <a:extLst>
+              <a:ext uri="{FF2B5EF4-FFF2-40B4-BE49-F238E27FC236}">
+                <a16:creationId xmlns:a16="http://schemas.microsoft.com/office/drawing/2014/main" id="{720CC7CA-AF39-1D4C-B2A5-3E6422600CE6}"/>
+              </a:ext>
+            </a:extLst>
+          </p:cNvPr>
+          <p:cNvSpPr>
+            <a:spLocks noGrp="1"/>
+          </p:cNvSpPr>
+          <p:nvPr>
+            <p:ph type="sldNum" sz="quarter" idx="12"/>
+          </p:nvPr>
+        </p:nvSpPr>
+        <p:spPr/>
+        <p:txBody>
+          <a:bodyPr/>
+          <a:lstStyle/>
+          <a:p>
+            <a:fld id="{F5563628-00B8-654A-9E27-38F076219897}" type="slidenum">
+              <a:rPr lang="en-US" smtClean="0"/>
+              <a:t>20</a:t>
+            </a:fld>
+            <a:endParaRPr lang="en-US"/>
+          </a:p>
+        </p:txBody>
+      </p:sp>
     </p:spTree>
     <p:extLst>
       <p:ext uri="{BB962C8B-B14F-4D97-AF65-F5344CB8AC3E}">
@@ -6393,6 +7083,35 @@
           </a:p>
         </p:txBody>
       </p:sp>
+      <p:sp>
+        <p:nvSpPr>
+          <p:cNvPr id="4" name="Slide Number Placeholder 3">
+            <a:extLst>
+              <a:ext uri="{FF2B5EF4-FFF2-40B4-BE49-F238E27FC236}">
+                <a16:creationId xmlns:a16="http://schemas.microsoft.com/office/drawing/2014/main" id="{DC005EE7-7A68-8F4D-B822-562E4CB8B0E9}"/>
+              </a:ext>
+            </a:extLst>
+          </p:cNvPr>
+          <p:cNvSpPr>
+            <a:spLocks noGrp="1"/>
+          </p:cNvSpPr>
+          <p:nvPr>
+            <p:ph type="sldNum" sz="quarter" idx="12"/>
+          </p:nvPr>
+        </p:nvSpPr>
+        <p:spPr/>
+        <p:txBody>
+          <a:bodyPr/>
+          <a:lstStyle/>
+          <a:p>
+            <a:fld id="{F5563628-00B8-654A-9E27-38F076219897}" type="slidenum">
+              <a:rPr lang="en-US" smtClean="0"/>
+              <a:t>21</a:t>
+            </a:fld>
+            <a:endParaRPr lang="en-US"/>
+          </a:p>
+        </p:txBody>
+      </p:sp>
     </p:spTree>
     <p:extLst>
       <p:ext uri="{BB962C8B-B14F-4D97-AF65-F5344CB8AC3E}">
@@ -6526,6 +7245,35 @@
           </a:prstGeom>
         </p:spPr>
       </p:pic>
+      <p:sp>
+        <p:nvSpPr>
+          <p:cNvPr id="4" name="Slide Number Placeholder 3">
+            <a:extLst>
+              <a:ext uri="{FF2B5EF4-FFF2-40B4-BE49-F238E27FC236}">
+                <a16:creationId xmlns:a16="http://schemas.microsoft.com/office/drawing/2014/main" id="{B9B2018A-7406-044D-BE52-22E7C8071BA9}"/>
+              </a:ext>
+            </a:extLst>
+          </p:cNvPr>
+          <p:cNvSpPr>
+            <a:spLocks noGrp="1"/>
+          </p:cNvSpPr>
+          <p:nvPr>
+            <p:ph type="sldNum" sz="quarter" idx="12"/>
+          </p:nvPr>
+        </p:nvSpPr>
+        <p:spPr/>
+        <p:txBody>
+          <a:bodyPr/>
+          <a:lstStyle/>
+          <a:p>
+            <a:fld id="{F5563628-00B8-654A-9E27-38F076219897}" type="slidenum">
+              <a:rPr lang="en-US" smtClean="0"/>
+              <a:t>3</a:t>
+            </a:fld>
+            <a:endParaRPr lang="en-US"/>
+          </a:p>
+        </p:txBody>
+      </p:sp>
     </p:spTree>
     <p:extLst>
       <p:ext uri="{BB962C8B-B14F-4D97-AF65-F5344CB8AC3E}">
@@ -6941,6 +7689,35 @@
           </a:graphicData>
         </a:graphic>
       </p:graphicFrame>
+      <p:sp>
+        <p:nvSpPr>
+          <p:cNvPr id="3" name="Slide Number Placeholder 2">
+            <a:extLst>
+              <a:ext uri="{FF2B5EF4-FFF2-40B4-BE49-F238E27FC236}">
+                <a16:creationId xmlns:a16="http://schemas.microsoft.com/office/drawing/2014/main" id="{58EA155A-DDB9-0141-8DEE-6BCD6FC6DFB1}"/>
+              </a:ext>
+            </a:extLst>
+          </p:cNvPr>
+          <p:cNvSpPr>
+            <a:spLocks noGrp="1"/>
+          </p:cNvSpPr>
+          <p:nvPr>
+            <p:ph type="sldNum" sz="quarter" idx="12"/>
+          </p:nvPr>
+        </p:nvSpPr>
+        <p:spPr/>
+        <p:txBody>
+          <a:bodyPr/>
+          <a:lstStyle/>
+          <a:p>
+            <a:fld id="{F5563628-00B8-654A-9E27-38F076219897}" type="slidenum">
+              <a:rPr lang="en-US" smtClean="0"/>
+              <a:t>4</a:t>
+            </a:fld>
+            <a:endParaRPr lang="en-US"/>
+          </a:p>
+        </p:txBody>
+      </p:sp>
     </p:spTree>
     <p:extLst>
       <p:ext uri="{BB962C8B-B14F-4D97-AF65-F5344CB8AC3E}">
@@ -6994,7 +7771,7 @@
           <a:p>
             <a:r>
               <a:rPr lang="en-US" dirty="0"/>
-              <a:t>MLP - Intuitive</a:t>
+              <a:t>Multi-layer perceptron is good at summarizing tasks</a:t>
             </a:r>
           </a:p>
         </p:txBody>
@@ -7015,11 +7792,212 @@
             <p:ph idx="1"/>
           </p:nvPr>
         </p:nvSpPr>
+        <p:spPr>
+          <a:xfrm>
+            <a:off x="675020" y="6032499"/>
+            <a:ext cx="10841966" cy="508001"/>
+          </a:xfrm>
+        </p:spPr>
+        <p:txBody>
+          <a:bodyPr/>
+          <a:lstStyle/>
+          <a:p>
+            <a:r>
+              <a:rPr lang="en-US" dirty="0"/>
+              <a:t>Also referred to as Feedforward networks/Dense layers/Fully connected layers</a:t>
+            </a:r>
+          </a:p>
+        </p:txBody>
+      </p:sp>
+      <p:pic>
+        <p:nvPicPr>
+          <p:cNvPr id="5" name="Picture 4" descr="Diagram&#10;&#10;Description automatically generated">
+            <a:extLst>
+              <a:ext uri="{FF2B5EF4-FFF2-40B4-BE49-F238E27FC236}">
+                <a16:creationId xmlns:a16="http://schemas.microsoft.com/office/drawing/2014/main" id="{AEBC21B1-0BE7-854F-BB0D-684FBEAD5CBD}"/>
+              </a:ext>
+            </a:extLst>
+          </p:cNvPr>
+          <p:cNvPicPr>
+            <a:picLocks noChangeAspect="1"/>
+          </p:cNvPicPr>
+          <p:nvPr/>
+        </p:nvPicPr>
+        <p:blipFill>
+          <a:blip r:embed="rId3"/>
+          <a:stretch>
+            <a:fillRect/>
+          </a:stretch>
+        </p:blipFill>
+        <p:spPr>
+          <a:xfrm>
+            <a:off x="3117849" y="1684172"/>
+            <a:ext cx="5340351" cy="3257820"/>
+          </a:xfrm>
+          <a:prstGeom prst="rect">
+            <a:avLst/>
+          </a:prstGeom>
+        </p:spPr>
+      </p:pic>
+      <p:sp>
+        <p:nvSpPr>
+          <p:cNvPr id="6" name="TextBox 5">
+            <a:extLst>
+              <a:ext uri="{FF2B5EF4-FFF2-40B4-BE49-F238E27FC236}">
+                <a16:creationId xmlns:a16="http://schemas.microsoft.com/office/drawing/2014/main" id="{8C634BAE-D574-F84B-9C87-CABE6202CE84}"/>
+              </a:ext>
+            </a:extLst>
+          </p:cNvPr>
+          <p:cNvSpPr txBox="1"/>
+          <p:nvPr/>
+        </p:nvSpPr>
+        <p:spPr>
+          <a:xfrm>
+            <a:off x="4074641" y="3901461"/>
+            <a:ext cx="1079500" cy="369332"/>
+          </a:xfrm>
+          <a:prstGeom prst="rect">
+            <a:avLst/>
+          </a:prstGeom>
+          <a:ln w="28575"/>
+        </p:spPr>
+        <p:style>
+          <a:lnRef idx="2">
+            <a:schemeClr val="accent5"/>
+          </a:lnRef>
+          <a:fillRef idx="1">
+            <a:schemeClr val="lt1"/>
+          </a:fillRef>
+          <a:effectRef idx="0">
+            <a:schemeClr val="accent5"/>
+          </a:effectRef>
+          <a:fontRef idx="minor">
+            <a:schemeClr val="dk1"/>
+          </a:fontRef>
+        </p:style>
+        <p:txBody>
+          <a:bodyPr wrap="square" rtlCol="0">
+            <a:spAutoFit/>
+          </a:bodyPr>
+          <a:lstStyle/>
+          <a:p>
+            <a:r>
+              <a:rPr lang="en-US" b="1" dirty="0"/>
+              <a:t>W</a:t>
+            </a:r>
+            <a:r>
+              <a:rPr lang="en-US" baseline="30000" dirty="0"/>
+              <a:t>T</a:t>
+            </a:r>
+            <a:r>
+              <a:rPr lang="en-US" dirty="0"/>
+              <a:t> . </a:t>
+            </a:r>
+            <a:r>
+              <a:rPr lang="en-US" b="1" dirty="0"/>
+              <a:t>x</a:t>
+            </a:r>
+            <a:r>
+              <a:rPr lang="en-US" dirty="0"/>
+              <a:t> + b </a:t>
+            </a:r>
+          </a:p>
+        </p:txBody>
+      </p:sp>
+      <p:sp>
+        <p:nvSpPr>
+          <p:cNvPr id="7" name="TextBox 6">
+            <a:extLst>
+              <a:ext uri="{FF2B5EF4-FFF2-40B4-BE49-F238E27FC236}">
+                <a16:creationId xmlns:a16="http://schemas.microsoft.com/office/drawing/2014/main" id="{1E3B5D3D-668E-EB49-BF18-C0ACCE8D7C6D}"/>
+              </a:ext>
+            </a:extLst>
+          </p:cNvPr>
+          <p:cNvSpPr txBox="1"/>
+          <p:nvPr/>
+        </p:nvSpPr>
+        <p:spPr>
+          <a:xfrm>
+            <a:off x="5099993" y="5092925"/>
+            <a:ext cx="1412019" cy="369332"/>
+          </a:xfrm>
+          <a:prstGeom prst="rect">
+            <a:avLst/>
+          </a:prstGeom>
+          <a:ln w="28575"/>
+        </p:spPr>
+        <p:style>
+          <a:lnRef idx="2">
+            <a:schemeClr val="accent5"/>
+          </a:lnRef>
+          <a:fillRef idx="1">
+            <a:schemeClr val="lt1"/>
+          </a:fillRef>
+          <a:effectRef idx="0">
+            <a:schemeClr val="accent5"/>
+          </a:effectRef>
+          <a:fontRef idx="minor">
+            <a:schemeClr val="dk1"/>
+          </a:fontRef>
+        </p:style>
+        <p:txBody>
+          <a:bodyPr wrap="square" rtlCol="0">
+            <a:spAutoFit/>
+          </a:bodyPr>
+          <a:lstStyle/>
+          <a:p>
+            <a:r>
+              <a:rPr lang="en-US" dirty="0"/>
+              <a:t>𝛔 (</a:t>
+            </a:r>
+            <a:r>
+              <a:rPr lang="en-US" b="1" dirty="0"/>
+              <a:t>W</a:t>
+            </a:r>
+            <a:r>
+              <a:rPr lang="en-US" baseline="30000" dirty="0"/>
+              <a:t>T</a:t>
+            </a:r>
+            <a:r>
+              <a:rPr lang="en-US" dirty="0"/>
+              <a:t> . </a:t>
+            </a:r>
+            <a:r>
+              <a:rPr lang="en-US" b="1" dirty="0"/>
+              <a:t>x</a:t>
+            </a:r>
+            <a:r>
+              <a:rPr lang="en-US" dirty="0"/>
+              <a:t> + b)</a:t>
+            </a:r>
+          </a:p>
+        </p:txBody>
+      </p:sp>
+      <p:sp>
+        <p:nvSpPr>
+          <p:cNvPr id="8" name="Slide Number Placeholder 7">
+            <a:extLst>
+              <a:ext uri="{FF2B5EF4-FFF2-40B4-BE49-F238E27FC236}">
+                <a16:creationId xmlns:a16="http://schemas.microsoft.com/office/drawing/2014/main" id="{69C1BCFB-2EE9-F44F-B1C3-4A086E47523B}"/>
+              </a:ext>
+            </a:extLst>
+          </p:cNvPr>
+          <p:cNvSpPr>
+            <a:spLocks noGrp="1"/>
+          </p:cNvSpPr>
+          <p:nvPr>
+            <p:ph type="sldNum" sz="quarter" idx="12"/>
+          </p:nvPr>
+        </p:nvSpPr>
         <p:spPr/>
         <p:txBody>
           <a:bodyPr/>
           <a:lstStyle/>
           <a:p>
+            <a:fld id="{F5563628-00B8-654A-9E27-38F076219897}" type="slidenum">
+              <a:rPr lang="en-US" smtClean="0"/>
+              <a:t>5</a:t>
+            </a:fld>
             <a:endParaRPr lang="en-US"/>
           </a:p>
         </p:txBody>
@@ -7077,7 +8055,7 @@
           <a:p>
             <a:r>
               <a:rPr lang="en-US" dirty="0"/>
-              <a:t>CNN - Intuitive</a:t>
+              <a:t>Convolutional Neural Network can find patterns</a:t>
             </a:r>
           </a:p>
         </p:txBody>
@@ -7098,11 +8076,2080 @@
             <p:ph idx="1"/>
           </p:nvPr>
         </p:nvSpPr>
+        <p:spPr>
+          <a:xfrm>
+            <a:off x="675020" y="5424615"/>
+            <a:ext cx="10841966" cy="717841"/>
+          </a:xfrm>
+        </p:spPr>
+        <p:txBody>
+          <a:bodyPr/>
+          <a:lstStyle/>
+          <a:p>
+            <a:r>
+              <a:rPr lang="en-US" dirty="0"/>
+              <a:t>CNNs are used to find sequence motifs where the Transcription Factor might bind </a:t>
+            </a:r>
+          </a:p>
+        </p:txBody>
+      </p:sp>
+      <p:grpSp>
+        <p:nvGrpSpPr>
+          <p:cNvPr id="21" name="Group 20">
+            <a:extLst>
+              <a:ext uri="{FF2B5EF4-FFF2-40B4-BE49-F238E27FC236}">
+                <a16:creationId xmlns:a16="http://schemas.microsoft.com/office/drawing/2014/main" id="{EE30B6C1-AF74-204E-B0E3-107AAB11D693}"/>
+              </a:ext>
+            </a:extLst>
+          </p:cNvPr>
+          <p:cNvGrpSpPr/>
+          <p:nvPr/>
+        </p:nvGrpSpPr>
+        <p:grpSpPr>
+          <a:xfrm>
+            <a:off x="860836" y="2664707"/>
+            <a:ext cx="10470328" cy="593124"/>
+            <a:chOff x="827900" y="2788505"/>
+            <a:chExt cx="10470328" cy="593124"/>
+          </a:xfrm>
+        </p:grpSpPr>
+        <p:sp>
+          <p:nvSpPr>
+            <p:cNvPr id="4" name="Frame 3">
+              <a:extLst>
+                <a:ext uri="{FF2B5EF4-FFF2-40B4-BE49-F238E27FC236}">
+                  <a16:creationId xmlns:a16="http://schemas.microsoft.com/office/drawing/2014/main" id="{36D72B1C-C424-5F49-9472-998274F0FB44}"/>
+                </a:ext>
+              </a:extLst>
+            </p:cNvPr>
+            <p:cNvSpPr/>
+            <p:nvPr/>
+          </p:nvSpPr>
+          <p:spPr>
+            <a:xfrm>
+              <a:off x="827900" y="2788505"/>
+              <a:ext cx="704335" cy="593124"/>
+            </a:xfrm>
+            <a:prstGeom prst="frame">
+              <a:avLst/>
+            </a:prstGeom>
+          </p:spPr>
+          <p:style>
+            <a:lnRef idx="2">
+              <a:schemeClr val="accent1">
+                <a:shade val="50000"/>
+              </a:schemeClr>
+            </a:lnRef>
+            <a:fillRef idx="1">
+              <a:schemeClr val="accent1"/>
+            </a:fillRef>
+            <a:effectRef idx="0">
+              <a:schemeClr val="accent1"/>
+            </a:effectRef>
+            <a:fontRef idx="minor">
+              <a:schemeClr val="lt1"/>
+            </a:fontRef>
+          </p:style>
+          <p:txBody>
+            <a:bodyPr rtlCol="0" anchor="ctr"/>
+            <a:lstStyle/>
+            <a:p>
+              <a:pPr algn="ctr"/>
+              <a:r>
+                <a:rPr lang="en-US" dirty="0">
+                  <a:solidFill>
+                    <a:schemeClr val="tx1"/>
+                  </a:solidFill>
+                </a:rPr>
+                <a:t>A</a:t>
+              </a:r>
+            </a:p>
+          </p:txBody>
+        </p:sp>
+        <p:sp>
+          <p:nvSpPr>
+            <p:cNvPr id="5" name="Frame 4">
+              <a:extLst>
+                <a:ext uri="{FF2B5EF4-FFF2-40B4-BE49-F238E27FC236}">
+                  <a16:creationId xmlns:a16="http://schemas.microsoft.com/office/drawing/2014/main" id="{E1C8E9D4-05E3-8B4F-81A8-7F96AC60FBD5}"/>
+                </a:ext>
+              </a:extLst>
+            </p:cNvPr>
+            <p:cNvSpPr/>
+            <p:nvPr/>
+          </p:nvSpPr>
+          <p:spPr>
+            <a:xfrm>
+              <a:off x="1525471" y="2788505"/>
+              <a:ext cx="704335" cy="593124"/>
+            </a:xfrm>
+            <a:prstGeom prst="frame">
+              <a:avLst/>
+            </a:prstGeom>
+          </p:spPr>
+          <p:style>
+            <a:lnRef idx="2">
+              <a:schemeClr val="accent4">
+                <a:shade val="50000"/>
+              </a:schemeClr>
+            </a:lnRef>
+            <a:fillRef idx="1">
+              <a:schemeClr val="accent4"/>
+            </a:fillRef>
+            <a:effectRef idx="0">
+              <a:schemeClr val="accent4"/>
+            </a:effectRef>
+            <a:fontRef idx="minor">
+              <a:schemeClr val="lt1"/>
+            </a:fontRef>
+          </p:style>
+          <p:txBody>
+            <a:bodyPr rtlCol="0" anchor="ctr"/>
+            <a:lstStyle/>
+            <a:p>
+              <a:pPr algn="ctr"/>
+              <a:r>
+                <a:rPr lang="en-US" dirty="0">
+                  <a:solidFill>
+                    <a:schemeClr val="tx1"/>
+                  </a:solidFill>
+                </a:rPr>
+                <a:t>T</a:t>
+              </a:r>
+            </a:p>
+          </p:txBody>
+        </p:sp>
+        <p:sp>
+          <p:nvSpPr>
+            <p:cNvPr id="6" name="Frame 5">
+              <a:extLst>
+                <a:ext uri="{FF2B5EF4-FFF2-40B4-BE49-F238E27FC236}">
+                  <a16:creationId xmlns:a16="http://schemas.microsoft.com/office/drawing/2014/main" id="{04B6C549-8180-ED40-8742-A5488CBB255F}"/>
+                </a:ext>
+              </a:extLst>
+            </p:cNvPr>
+            <p:cNvSpPr/>
+            <p:nvPr/>
+          </p:nvSpPr>
+          <p:spPr>
+            <a:xfrm>
+              <a:off x="2223042" y="2788505"/>
+              <a:ext cx="704335" cy="593124"/>
+            </a:xfrm>
+            <a:prstGeom prst="frame">
+              <a:avLst/>
+            </a:prstGeom>
+          </p:spPr>
+          <p:style>
+            <a:lnRef idx="2">
+              <a:schemeClr val="accent4">
+                <a:shade val="50000"/>
+              </a:schemeClr>
+            </a:lnRef>
+            <a:fillRef idx="1">
+              <a:schemeClr val="accent4"/>
+            </a:fillRef>
+            <a:effectRef idx="0">
+              <a:schemeClr val="accent4"/>
+            </a:effectRef>
+            <a:fontRef idx="minor">
+              <a:schemeClr val="lt1"/>
+            </a:fontRef>
+          </p:style>
+          <p:txBody>
+            <a:bodyPr rtlCol="0" anchor="ctr"/>
+            <a:lstStyle/>
+            <a:p>
+              <a:pPr algn="ctr"/>
+              <a:r>
+                <a:rPr lang="en-US" dirty="0">
+                  <a:solidFill>
+                    <a:schemeClr val="tx1"/>
+                  </a:solidFill>
+                </a:rPr>
+                <a:t>T</a:t>
+              </a:r>
+            </a:p>
+          </p:txBody>
+        </p:sp>
+        <p:sp>
+          <p:nvSpPr>
+            <p:cNvPr id="7" name="Frame 6">
+              <a:extLst>
+                <a:ext uri="{FF2B5EF4-FFF2-40B4-BE49-F238E27FC236}">
+                  <a16:creationId xmlns:a16="http://schemas.microsoft.com/office/drawing/2014/main" id="{CE6B4EB1-AF6F-0545-ADFB-57B978152D21}"/>
+                </a:ext>
+              </a:extLst>
+            </p:cNvPr>
+            <p:cNvSpPr/>
+            <p:nvPr/>
+          </p:nvSpPr>
+          <p:spPr>
+            <a:xfrm>
+              <a:off x="2920613" y="2788505"/>
+              <a:ext cx="704335" cy="593124"/>
+            </a:xfrm>
+            <a:prstGeom prst="frame">
+              <a:avLst/>
+            </a:prstGeom>
+          </p:spPr>
+          <p:style>
+            <a:lnRef idx="2">
+              <a:schemeClr val="accent1">
+                <a:shade val="50000"/>
+              </a:schemeClr>
+            </a:lnRef>
+            <a:fillRef idx="1">
+              <a:schemeClr val="accent1"/>
+            </a:fillRef>
+            <a:effectRef idx="0">
+              <a:schemeClr val="accent1"/>
+            </a:effectRef>
+            <a:fontRef idx="minor">
+              <a:schemeClr val="lt1"/>
+            </a:fontRef>
+          </p:style>
+          <p:txBody>
+            <a:bodyPr rtlCol="0" anchor="ctr"/>
+            <a:lstStyle/>
+            <a:p>
+              <a:pPr algn="ctr"/>
+              <a:r>
+                <a:rPr lang="en-US" dirty="0">
+                  <a:solidFill>
+                    <a:schemeClr val="tx1"/>
+                  </a:solidFill>
+                </a:rPr>
+                <a:t>A</a:t>
+              </a:r>
+            </a:p>
+          </p:txBody>
+        </p:sp>
+        <p:sp>
+          <p:nvSpPr>
+            <p:cNvPr id="8" name="Frame 7">
+              <a:extLst>
+                <a:ext uri="{FF2B5EF4-FFF2-40B4-BE49-F238E27FC236}">
+                  <a16:creationId xmlns:a16="http://schemas.microsoft.com/office/drawing/2014/main" id="{8074EF0C-8894-A949-94BE-F016790B78F3}"/>
+                </a:ext>
+              </a:extLst>
+            </p:cNvPr>
+            <p:cNvSpPr/>
+            <p:nvPr/>
+          </p:nvSpPr>
+          <p:spPr>
+            <a:xfrm>
+              <a:off x="3618184" y="2788505"/>
+              <a:ext cx="704335" cy="593124"/>
+            </a:xfrm>
+            <a:prstGeom prst="frame">
+              <a:avLst/>
+            </a:prstGeom>
+          </p:spPr>
+          <p:style>
+            <a:lnRef idx="2">
+              <a:schemeClr val="accent1">
+                <a:shade val="50000"/>
+              </a:schemeClr>
+            </a:lnRef>
+            <a:fillRef idx="1">
+              <a:schemeClr val="accent1"/>
+            </a:fillRef>
+            <a:effectRef idx="0">
+              <a:schemeClr val="accent1"/>
+            </a:effectRef>
+            <a:fontRef idx="minor">
+              <a:schemeClr val="lt1"/>
+            </a:fontRef>
+          </p:style>
+          <p:txBody>
+            <a:bodyPr rtlCol="0" anchor="ctr"/>
+            <a:lstStyle/>
+            <a:p>
+              <a:pPr algn="ctr"/>
+              <a:r>
+                <a:rPr lang="en-US" dirty="0">
+                  <a:solidFill>
+                    <a:schemeClr val="tx1"/>
+                  </a:solidFill>
+                </a:rPr>
+                <a:t>A</a:t>
+              </a:r>
+            </a:p>
+          </p:txBody>
+        </p:sp>
+        <p:sp>
+          <p:nvSpPr>
+            <p:cNvPr id="9" name="Frame 8">
+              <a:extLst>
+                <a:ext uri="{FF2B5EF4-FFF2-40B4-BE49-F238E27FC236}">
+                  <a16:creationId xmlns:a16="http://schemas.microsoft.com/office/drawing/2014/main" id="{8494F0F4-4154-9044-84DB-2C268F82AE45}"/>
+                </a:ext>
+              </a:extLst>
+            </p:cNvPr>
+            <p:cNvSpPr/>
+            <p:nvPr/>
+          </p:nvSpPr>
+          <p:spPr>
+            <a:xfrm>
+              <a:off x="4315755" y="2788505"/>
+              <a:ext cx="704335" cy="593124"/>
+            </a:xfrm>
+            <a:prstGeom prst="frame">
+              <a:avLst/>
+            </a:prstGeom>
+          </p:spPr>
+          <p:style>
+            <a:lnRef idx="2">
+              <a:schemeClr val="accent6">
+                <a:shade val="50000"/>
+              </a:schemeClr>
+            </a:lnRef>
+            <a:fillRef idx="1">
+              <a:schemeClr val="accent6"/>
+            </a:fillRef>
+            <a:effectRef idx="0">
+              <a:schemeClr val="accent6"/>
+            </a:effectRef>
+            <a:fontRef idx="minor">
+              <a:schemeClr val="lt1"/>
+            </a:fontRef>
+          </p:style>
+          <p:txBody>
+            <a:bodyPr rtlCol="0" anchor="ctr"/>
+            <a:lstStyle/>
+            <a:p>
+              <a:pPr algn="ctr"/>
+              <a:r>
+                <a:rPr lang="en-US" dirty="0">
+                  <a:solidFill>
+                    <a:schemeClr val="tx1"/>
+                  </a:solidFill>
+                </a:rPr>
+                <a:t>C</a:t>
+              </a:r>
+            </a:p>
+          </p:txBody>
+        </p:sp>
+        <p:sp>
+          <p:nvSpPr>
+            <p:cNvPr id="10" name="Frame 9">
+              <a:extLst>
+                <a:ext uri="{FF2B5EF4-FFF2-40B4-BE49-F238E27FC236}">
+                  <a16:creationId xmlns:a16="http://schemas.microsoft.com/office/drawing/2014/main" id="{3040A991-B741-FB4F-ABD2-88213F00C474}"/>
+                </a:ext>
+              </a:extLst>
+            </p:cNvPr>
+            <p:cNvSpPr/>
+            <p:nvPr/>
+          </p:nvSpPr>
+          <p:spPr>
+            <a:xfrm>
+              <a:off x="5013326" y="2788505"/>
+              <a:ext cx="704335" cy="593124"/>
+            </a:xfrm>
+            <a:prstGeom prst="frame">
+              <a:avLst/>
+            </a:prstGeom>
+          </p:spPr>
+          <p:style>
+            <a:lnRef idx="2">
+              <a:schemeClr val="accent1">
+                <a:shade val="50000"/>
+              </a:schemeClr>
+            </a:lnRef>
+            <a:fillRef idx="1">
+              <a:schemeClr val="accent1"/>
+            </a:fillRef>
+            <a:effectRef idx="0">
+              <a:schemeClr val="accent1"/>
+            </a:effectRef>
+            <a:fontRef idx="minor">
+              <a:schemeClr val="lt1"/>
+            </a:fontRef>
+          </p:style>
+          <p:txBody>
+            <a:bodyPr rtlCol="0" anchor="ctr"/>
+            <a:lstStyle/>
+            <a:p>
+              <a:pPr algn="ctr"/>
+              <a:r>
+                <a:rPr lang="en-US" dirty="0">
+                  <a:solidFill>
+                    <a:schemeClr val="tx1"/>
+                  </a:solidFill>
+                </a:rPr>
+                <a:t>A</a:t>
+              </a:r>
+            </a:p>
+          </p:txBody>
+        </p:sp>
+        <p:sp>
+          <p:nvSpPr>
+            <p:cNvPr id="11" name="Frame 10">
+              <a:extLst>
+                <a:ext uri="{FF2B5EF4-FFF2-40B4-BE49-F238E27FC236}">
+                  <a16:creationId xmlns:a16="http://schemas.microsoft.com/office/drawing/2014/main" id="{4386BBFA-072B-AB40-A6F0-FE955DC89515}"/>
+                </a:ext>
+              </a:extLst>
+            </p:cNvPr>
+            <p:cNvSpPr/>
+            <p:nvPr/>
+          </p:nvSpPr>
+          <p:spPr>
+            <a:xfrm>
+              <a:off x="5710897" y="2788505"/>
+              <a:ext cx="704335" cy="593124"/>
+            </a:xfrm>
+            <a:prstGeom prst="frame">
+              <a:avLst/>
+            </a:prstGeom>
+          </p:spPr>
+          <p:style>
+            <a:lnRef idx="2">
+              <a:schemeClr val="accent6">
+                <a:shade val="50000"/>
+              </a:schemeClr>
+            </a:lnRef>
+            <a:fillRef idx="1">
+              <a:schemeClr val="accent6"/>
+            </a:fillRef>
+            <a:effectRef idx="0">
+              <a:schemeClr val="accent6"/>
+            </a:effectRef>
+            <a:fontRef idx="minor">
+              <a:schemeClr val="lt1"/>
+            </a:fontRef>
+          </p:style>
+          <p:txBody>
+            <a:bodyPr rtlCol="0" anchor="ctr"/>
+            <a:lstStyle/>
+            <a:p>
+              <a:pPr algn="ctr"/>
+              <a:r>
+                <a:rPr lang="en-US" dirty="0">
+                  <a:solidFill>
+                    <a:schemeClr val="tx1"/>
+                  </a:solidFill>
+                </a:rPr>
+                <a:t>C</a:t>
+              </a:r>
+            </a:p>
+          </p:txBody>
+        </p:sp>
+        <p:sp>
+          <p:nvSpPr>
+            <p:cNvPr id="12" name="Frame 11">
+              <a:extLst>
+                <a:ext uri="{FF2B5EF4-FFF2-40B4-BE49-F238E27FC236}">
+                  <a16:creationId xmlns:a16="http://schemas.microsoft.com/office/drawing/2014/main" id="{8B4B1D10-AC78-6E4B-AD12-487B05EC45C6}"/>
+                </a:ext>
+              </a:extLst>
+            </p:cNvPr>
+            <p:cNvSpPr/>
+            <p:nvPr/>
+          </p:nvSpPr>
+          <p:spPr>
+            <a:xfrm>
+              <a:off x="6408468" y="2788505"/>
+              <a:ext cx="704335" cy="593124"/>
+            </a:xfrm>
+            <a:prstGeom prst="frame">
+              <a:avLst/>
+            </a:prstGeom>
+          </p:spPr>
+          <p:style>
+            <a:lnRef idx="2">
+              <a:schemeClr val="accent1">
+                <a:shade val="50000"/>
+              </a:schemeClr>
+            </a:lnRef>
+            <a:fillRef idx="1">
+              <a:schemeClr val="accent1"/>
+            </a:fillRef>
+            <a:effectRef idx="0">
+              <a:schemeClr val="accent1"/>
+            </a:effectRef>
+            <a:fontRef idx="minor">
+              <a:schemeClr val="lt1"/>
+            </a:fontRef>
+          </p:style>
+          <p:txBody>
+            <a:bodyPr rtlCol="0" anchor="ctr"/>
+            <a:lstStyle/>
+            <a:p>
+              <a:pPr algn="ctr"/>
+              <a:r>
+                <a:rPr lang="en-US" dirty="0">
+                  <a:solidFill>
+                    <a:schemeClr val="tx1"/>
+                  </a:solidFill>
+                </a:rPr>
+                <a:t>A</a:t>
+              </a:r>
+            </a:p>
+          </p:txBody>
+        </p:sp>
+        <p:sp>
+          <p:nvSpPr>
+            <p:cNvPr id="13" name="Frame 12">
+              <a:extLst>
+                <a:ext uri="{FF2B5EF4-FFF2-40B4-BE49-F238E27FC236}">
+                  <a16:creationId xmlns:a16="http://schemas.microsoft.com/office/drawing/2014/main" id="{FD1B1C40-C321-9543-A2EE-68215A31C32C}"/>
+                </a:ext>
+              </a:extLst>
+            </p:cNvPr>
+            <p:cNvSpPr/>
+            <p:nvPr/>
+          </p:nvSpPr>
+          <p:spPr>
+            <a:xfrm>
+              <a:off x="7106039" y="2788505"/>
+              <a:ext cx="704335" cy="593124"/>
+            </a:xfrm>
+            <a:prstGeom prst="frame">
+              <a:avLst/>
+            </a:prstGeom>
+          </p:spPr>
+          <p:style>
+            <a:lnRef idx="2">
+              <a:schemeClr val="accent1">
+                <a:shade val="50000"/>
+              </a:schemeClr>
+            </a:lnRef>
+            <a:fillRef idx="1">
+              <a:schemeClr val="accent1"/>
+            </a:fillRef>
+            <a:effectRef idx="0">
+              <a:schemeClr val="accent1"/>
+            </a:effectRef>
+            <a:fontRef idx="minor">
+              <a:schemeClr val="lt1"/>
+            </a:fontRef>
+          </p:style>
+          <p:txBody>
+            <a:bodyPr rtlCol="0" anchor="ctr"/>
+            <a:lstStyle/>
+            <a:p>
+              <a:pPr algn="ctr"/>
+              <a:r>
+                <a:rPr lang="en-US" dirty="0">
+                  <a:solidFill>
+                    <a:schemeClr val="tx1"/>
+                  </a:solidFill>
+                </a:rPr>
+                <a:t>A</a:t>
+              </a:r>
+            </a:p>
+          </p:txBody>
+        </p:sp>
+        <p:sp>
+          <p:nvSpPr>
+            <p:cNvPr id="16" name="Frame 15">
+              <a:extLst>
+                <a:ext uri="{FF2B5EF4-FFF2-40B4-BE49-F238E27FC236}">
+                  <a16:creationId xmlns:a16="http://schemas.microsoft.com/office/drawing/2014/main" id="{98E74F14-8CE9-AA46-BB2B-4B332B060475}"/>
+                </a:ext>
+              </a:extLst>
+            </p:cNvPr>
+            <p:cNvSpPr/>
+            <p:nvPr/>
+          </p:nvSpPr>
+          <p:spPr>
+            <a:xfrm>
+              <a:off x="7803610" y="2788505"/>
+              <a:ext cx="704335" cy="593124"/>
+            </a:xfrm>
+            <a:prstGeom prst="frame">
+              <a:avLst/>
+            </a:prstGeom>
+          </p:spPr>
+          <p:style>
+            <a:lnRef idx="2">
+              <a:schemeClr val="accent2">
+                <a:shade val="50000"/>
+              </a:schemeClr>
+            </a:lnRef>
+            <a:fillRef idx="1">
+              <a:schemeClr val="accent2"/>
+            </a:fillRef>
+            <a:effectRef idx="0">
+              <a:schemeClr val="accent2"/>
+            </a:effectRef>
+            <a:fontRef idx="minor">
+              <a:schemeClr val="lt1"/>
+            </a:fontRef>
+          </p:style>
+          <p:txBody>
+            <a:bodyPr rtlCol="0" anchor="ctr"/>
+            <a:lstStyle/>
+            <a:p>
+              <a:pPr algn="ctr"/>
+              <a:r>
+                <a:rPr lang="en-US" dirty="0">
+                  <a:solidFill>
+                    <a:schemeClr val="tx1"/>
+                  </a:solidFill>
+                </a:rPr>
+                <a:t>G</a:t>
+              </a:r>
+            </a:p>
+          </p:txBody>
+        </p:sp>
+        <p:sp>
+          <p:nvSpPr>
+            <p:cNvPr id="17" name="Frame 16">
+              <a:extLst>
+                <a:ext uri="{FF2B5EF4-FFF2-40B4-BE49-F238E27FC236}">
+                  <a16:creationId xmlns:a16="http://schemas.microsoft.com/office/drawing/2014/main" id="{6C7CAA2C-AD1D-B146-A585-999D60639823}"/>
+                </a:ext>
+              </a:extLst>
+            </p:cNvPr>
+            <p:cNvSpPr/>
+            <p:nvPr/>
+          </p:nvSpPr>
+          <p:spPr>
+            <a:xfrm>
+              <a:off x="8501181" y="2788505"/>
+              <a:ext cx="704335" cy="593124"/>
+            </a:xfrm>
+            <a:prstGeom prst="frame">
+              <a:avLst/>
+            </a:prstGeom>
+          </p:spPr>
+          <p:style>
+            <a:lnRef idx="2">
+              <a:schemeClr val="accent1">
+                <a:shade val="50000"/>
+              </a:schemeClr>
+            </a:lnRef>
+            <a:fillRef idx="1">
+              <a:schemeClr val="accent1"/>
+            </a:fillRef>
+            <a:effectRef idx="0">
+              <a:schemeClr val="accent1"/>
+            </a:effectRef>
+            <a:fontRef idx="minor">
+              <a:schemeClr val="lt1"/>
+            </a:fontRef>
+          </p:style>
+          <p:txBody>
+            <a:bodyPr rtlCol="0" anchor="ctr"/>
+            <a:lstStyle/>
+            <a:p>
+              <a:pPr algn="ctr"/>
+              <a:r>
+                <a:rPr lang="en-US" dirty="0">
+                  <a:solidFill>
+                    <a:schemeClr val="tx1"/>
+                  </a:solidFill>
+                </a:rPr>
+                <a:t>A</a:t>
+              </a:r>
+            </a:p>
+          </p:txBody>
+        </p:sp>
+        <p:sp>
+          <p:nvSpPr>
+            <p:cNvPr id="18" name="Frame 17">
+              <a:extLst>
+                <a:ext uri="{FF2B5EF4-FFF2-40B4-BE49-F238E27FC236}">
+                  <a16:creationId xmlns:a16="http://schemas.microsoft.com/office/drawing/2014/main" id="{EB89385F-BD9F-F543-8075-E8F79F8B71CA}"/>
+                </a:ext>
+              </a:extLst>
+            </p:cNvPr>
+            <p:cNvSpPr/>
+            <p:nvPr/>
+          </p:nvSpPr>
+          <p:spPr>
+            <a:xfrm>
+              <a:off x="9198752" y="2788505"/>
+              <a:ext cx="704335" cy="593124"/>
+            </a:xfrm>
+            <a:prstGeom prst="frame">
+              <a:avLst/>
+            </a:prstGeom>
+          </p:spPr>
+          <p:style>
+            <a:lnRef idx="2">
+              <a:schemeClr val="accent1">
+                <a:shade val="50000"/>
+              </a:schemeClr>
+            </a:lnRef>
+            <a:fillRef idx="1">
+              <a:schemeClr val="accent1"/>
+            </a:fillRef>
+            <a:effectRef idx="0">
+              <a:schemeClr val="accent1"/>
+            </a:effectRef>
+            <a:fontRef idx="minor">
+              <a:schemeClr val="lt1"/>
+            </a:fontRef>
+          </p:style>
+          <p:txBody>
+            <a:bodyPr rtlCol="0" anchor="ctr"/>
+            <a:lstStyle/>
+            <a:p>
+              <a:pPr algn="ctr"/>
+              <a:r>
+                <a:rPr lang="en-US" dirty="0">
+                  <a:solidFill>
+                    <a:schemeClr val="tx1"/>
+                  </a:solidFill>
+                </a:rPr>
+                <a:t>A</a:t>
+              </a:r>
+            </a:p>
+          </p:txBody>
+        </p:sp>
+        <p:sp>
+          <p:nvSpPr>
+            <p:cNvPr id="19" name="Frame 18">
+              <a:extLst>
+                <a:ext uri="{FF2B5EF4-FFF2-40B4-BE49-F238E27FC236}">
+                  <a16:creationId xmlns:a16="http://schemas.microsoft.com/office/drawing/2014/main" id="{3EE69D4D-7A3C-5A43-8F6B-4E37BB01B121}"/>
+                </a:ext>
+              </a:extLst>
+            </p:cNvPr>
+            <p:cNvSpPr/>
+            <p:nvPr/>
+          </p:nvSpPr>
+          <p:spPr>
+            <a:xfrm>
+              <a:off x="9896323" y="2788505"/>
+              <a:ext cx="704335" cy="593124"/>
+            </a:xfrm>
+            <a:prstGeom prst="frame">
+              <a:avLst/>
+            </a:prstGeom>
+          </p:spPr>
+          <p:style>
+            <a:lnRef idx="2">
+              <a:schemeClr val="accent6">
+                <a:shade val="50000"/>
+              </a:schemeClr>
+            </a:lnRef>
+            <a:fillRef idx="1">
+              <a:schemeClr val="accent6"/>
+            </a:fillRef>
+            <a:effectRef idx="0">
+              <a:schemeClr val="accent6"/>
+            </a:effectRef>
+            <a:fontRef idx="minor">
+              <a:schemeClr val="lt1"/>
+            </a:fontRef>
+          </p:style>
+          <p:txBody>
+            <a:bodyPr rtlCol="0" anchor="ctr"/>
+            <a:lstStyle/>
+            <a:p>
+              <a:pPr algn="ctr"/>
+              <a:r>
+                <a:rPr lang="en-US" dirty="0">
+                  <a:solidFill>
+                    <a:schemeClr val="tx1"/>
+                  </a:solidFill>
+                </a:rPr>
+                <a:t>C</a:t>
+              </a:r>
+            </a:p>
+          </p:txBody>
+        </p:sp>
+        <p:sp>
+          <p:nvSpPr>
+            <p:cNvPr id="20" name="Frame 19">
+              <a:extLst>
+                <a:ext uri="{FF2B5EF4-FFF2-40B4-BE49-F238E27FC236}">
+                  <a16:creationId xmlns:a16="http://schemas.microsoft.com/office/drawing/2014/main" id="{24971755-A011-0E43-B291-307B2C631E0C}"/>
+                </a:ext>
+              </a:extLst>
+            </p:cNvPr>
+            <p:cNvSpPr/>
+            <p:nvPr/>
+          </p:nvSpPr>
+          <p:spPr>
+            <a:xfrm>
+              <a:off x="10593893" y="2788505"/>
+              <a:ext cx="704335" cy="593124"/>
+            </a:xfrm>
+            <a:prstGeom prst="frame">
+              <a:avLst/>
+            </a:prstGeom>
+          </p:spPr>
+          <p:style>
+            <a:lnRef idx="2">
+              <a:schemeClr val="accent1">
+                <a:shade val="50000"/>
+              </a:schemeClr>
+            </a:lnRef>
+            <a:fillRef idx="1">
+              <a:schemeClr val="accent1"/>
+            </a:fillRef>
+            <a:effectRef idx="0">
+              <a:schemeClr val="accent1"/>
+            </a:effectRef>
+            <a:fontRef idx="minor">
+              <a:schemeClr val="lt1"/>
+            </a:fontRef>
+          </p:style>
+          <p:txBody>
+            <a:bodyPr rtlCol="0" anchor="ctr"/>
+            <a:lstStyle/>
+            <a:p>
+              <a:pPr algn="ctr"/>
+              <a:r>
+                <a:rPr lang="en-US" dirty="0">
+                  <a:solidFill>
+                    <a:schemeClr val="tx1"/>
+                  </a:solidFill>
+                </a:rPr>
+                <a:t>A</a:t>
+              </a:r>
+            </a:p>
+          </p:txBody>
+        </p:sp>
+      </p:grpSp>
+      <p:grpSp>
+        <p:nvGrpSpPr>
+          <p:cNvPr id="54" name="Group 53">
+            <a:extLst>
+              <a:ext uri="{FF2B5EF4-FFF2-40B4-BE49-F238E27FC236}">
+                <a16:creationId xmlns:a16="http://schemas.microsoft.com/office/drawing/2014/main" id="{B348BC00-2057-F64F-9FD2-7238E4A3A8AD}"/>
+              </a:ext>
+            </a:extLst>
+          </p:cNvPr>
+          <p:cNvGrpSpPr/>
+          <p:nvPr/>
+        </p:nvGrpSpPr>
+        <p:grpSpPr>
+          <a:xfrm>
+            <a:off x="806246" y="2217687"/>
+            <a:ext cx="4393441" cy="2558200"/>
+            <a:chOff x="808754" y="2223865"/>
+            <a:chExt cx="4393441" cy="2558200"/>
+          </a:xfrm>
+        </p:grpSpPr>
+        <p:sp>
+          <p:nvSpPr>
+            <p:cNvPr id="24" name="Frame 23">
+              <a:extLst>
+                <a:ext uri="{FF2B5EF4-FFF2-40B4-BE49-F238E27FC236}">
+                  <a16:creationId xmlns:a16="http://schemas.microsoft.com/office/drawing/2014/main" id="{90A533B6-F69A-E449-845F-87F336A99004}"/>
+                </a:ext>
+              </a:extLst>
+            </p:cNvPr>
+            <p:cNvSpPr/>
+            <p:nvPr/>
+          </p:nvSpPr>
+          <p:spPr>
+            <a:xfrm>
+              <a:off x="808754" y="2223865"/>
+              <a:ext cx="2203640" cy="1474808"/>
+            </a:xfrm>
+            <a:prstGeom prst="frame">
+              <a:avLst>
+                <a:gd name="adj1" fmla="val 4412"/>
+              </a:avLst>
+            </a:prstGeom>
+            <a:solidFill>
+              <a:srgbClr val="C00000"/>
+            </a:solidFill>
+            <a:ln w="28575">
+              <a:solidFill>
+                <a:srgbClr val="FF0000"/>
+              </a:solidFill>
+              <a:prstDash val="sysDot"/>
+            </a:ln>
+          </p:spPr>
+          <p:style>
+            <a:lnRef idx="2">
+              <a:schemeClr val="accent1"/>
+            </a:lnRef>
+            <a:fillRef idx="1">
+              <a:schemeClr val="lt1"/>
+            </a:fillRef>
+            <a:effectRef idx="0">
+              <a:schemeClr val="accent1"/>
+            </a:effectRef>
+            <a:fontRef idx="minor">
+              <a:schemeClr val="dk1"/>
+            </a:fontRef>
+          </p:style>
+          <p:txBody>
+            <a:bodyPr rtlCol="0" anchor="ctr"/>
+            <a:lstStyle/>
+            <a:p>
+              <a:pPr algn="ctr"/>
+              <a:endParaRPr lang="en-US">
+                <a:solidFill>
+                  <a:schemeClr val="tx1"/>
+                </a:solidFill>
+              </a:endParaRPr>
+            </a:p>
+          </p:txBody>
+        </p:sp>
+        <p:cxnSp>
+          <p:nvCxnSpPr>
+            <p:cNvPr id="26" name="Straight Connector 25">
+              <a:extLst>
+                <a:ext uri="{FF2B5EF4-FFF2-40B4-BE49-F238E27FC236}">
+                  <a16:creationId xmlns:a16="http://schemas.microsoft.com/office/drawing/2014/main" id="{27749D1E-A6C1-F74E-8F25-99D71468B1C0}"/>
+                </a:ext>
+              </a:extLst>
+            </p:cNvPr>
+            <p:cNvCxnSpPr>
+              <a:cxnSpLocks/>
+            </p:cNvCxnSpPr>
+            <p:nvPr/>
+          </p:nvCxnSpPr>
+          <p:spPr>
+            <a:xfrm>
+              <a:off x="808754" y="2223865"/>
+              <a:ext cx="3892104" cy="2101000"/>
+            </a:xfrm>
+            <a:prstGeom prst="line">
+              <a:avLst/>
+            </a:prstGeom>
+            <a:ln w="12700">
+              <a:solidFill>
+                <a:srgbClr val="FF0000"/>
+              </a:solidFill>
+            </a:ln>
+          </p:spPr>
+          <p:style>
+            <a:lnRef idx="1">
+              <a:schemeClr val="accent1"/>
+            </a:lnRef>
+            <a:fillRef idx="0">
+              <a:schemeClr val="accent1"/>
+            </a:fillRef>
+            <a:effectRef idx="0">
+              <a:schemeClr val="accent1"/>
+            </a:effectRef>
+            <a:fontRef idx="minor">
+              <a:schemeClr val="tx1"/>
+            </a:fontRef>
+          </p:style>
+        </p:cxnSp>
+        <p:cxnSp>
+          <p:nvCxnSpPr>
+            <p:cNvPr id="29" name="Straight Connector 28">
+              <a:extLst>
+                <a:ext uri="{FF2B5EF4-FFF2-40B4-BE49-F238E27FC236}">
+                  <a16:creationId xmlns:a16="http://schemas.microsoft.com/office/drawing/2014/main" id="{39F5D43D-AFF6-A64C-8D2B-19DA4EF25D03}"/>
+                </a:ext>
+              </a:extLst>
+            </p:cNvPr>
+            <p:cNvCxnSpPr>
+              <a:cxnSpLocks/>
+            </p:cNvCxnSpPr>
+            <p:nvPr/>
+          </p:nvCxnSpPr>
+          <p:spPr>
+            <a:xfrm>
+              <a:off x="2960313" y="2223865"/>
+              <a:ext cx="2241882" cy="2101000"/>
+            </a:xfrm>
+            <a:prstGeom prst="line">
+              <a:avLst/>
+            </a:prstGeom>
+            <a:ln w="12700">
+              <a:solidFill>
+                <a:srgbClr val="FF0000"/>
+              </a:solidFill>
+            </a:ln>
+          </p:spPr>
+          <p:style>
+            <a:lnRef idx="1">
+              <a:schemeClr val="accent1"/>
+            </a:lnRef>
+            <a:fillRef idx="0">
+              <a:schemeClr val="accent1"/>
+            </a:fillRef>
+            <a:effectRef idx="0">
+              <a:schemeClr val="accent1"/>
+            </a:effectRef>
+            <a:fontRef idx="minor">
+              <a:schemeClr val="tx1"/>
+            </a:fontRef>
+          </p:style>
+        </p:cxnSp>
+        <p:sp>
+          <p:nvSpPr>
+            <p:cNvPr id="30" name="Frame 29">
+              <a:extLst>
+                <a:ext uri="{FF2B5EF4-FFF2-40B4-BE49-F238E27FC236}">
+                  <a16:creationId xmlns:a16="http://schemas.microsoft.com/office/drawing/2014/main" id="{A63A6E8C-3BB2-9041-A602-085A76B13DF2}"/>
+                </a:ext>
+              </a:extLst>
+            </p:cNvPr>
+            <p:cNvSpPr/>
+            <p:nvPr/>
+          </p:nvSpPr>
+          <p:spPr>
+            <a:xfrm>
+              <a:off x="4700858" y="4324865"/>
+              <a:ext cx="501337" cy="457200"/>
+            </a:xfrm>
+            <a:prstGeom prst="frame">
+              <a:avLst/>
+            </a:prstGeom>
+            <a:solidFill>
+              <a:srgbClr val="C00000"/>
+            </a:solidFill>
+          </p:spPr>
+          <p:style>
+            <a:lnRef idx="2">
+              <a:schemeClr val="accent1">
+                <a:shade val="50000"/>
+              </a:schemeClr>
+            </a:lnRef>
+            <a:fillRef idx="1">
+              <a:schemeClr val="accent1"/>
+            </a:fillRef>
+            <a:effectRef idx="0">
+              <a:schemeClr val="accent1"/>
+            </a:effectRef>
+            <a:fontRef idx="minor">
+              <a:schemeClr val="lt1"/>
+            </a:fontRef>
+          </p:style>
+          <p:txBody>
+            <a:bodyPr rtlCol="0" anchor="ctr"/>
+            <a:lstStyle/>
+            <a:p>
+              <a:pPr algn="ctr"/>
+              <a:r>
+                <a:rPr lang="en-US" sz="1200" b="1" dirty="0">
+                  <a:solidFill>
+                    <a:schemeClr val="tx1"/>
+                  </a:solidFill>
+                </a:rPr>
+                <a:t>0.8</a:t>
+              </a:r>
+            </a:p>
+          </p:txBody>
+        </p:sp>
+        <p:cxnSp>
+          <p:nvCxnSpPr>
+            <p:cNvPr id="33" name="Straight Connector 32">
+              <a:extLst>
+                <a:ext uri="{FF2B5EF4-FFF2-40B4-BE49-F238E27FC236}">
+                  <a16:creationId xmlns:a16="http://schemas.microsoft.com/office/drawing/2014/main" id="{2CE31D17-C6EB-5746-8C69-8C259D4ADB31}"/>
+                </a:ext>
+              </a:extLst>
+            </p:cNvPr>
+            <p:cNvCxnSpPr/>
+            <p:nvPr/>
+          </p:nvCxnSpPr>
+          <p:spPr>
+            <a:xfrm>
+              <a:off x="808754" y="3698673"/>
+              <a:ext cx="3892104" cy="1083392"/>
+            </a:xfrm>
+            <a:prstGeom prst="line">
+              <a:avLst/>
+            </a:prstGeom>
+            <a:ln w="12700">
+              <a:solidFill>
+                <a:srgbClr val="FF0000"/>
+              </a:solidFill>
+            </a:ln>
+          </p:spPr>
+          <p:style>
+            <a:lnRef idx="1">
+              <a:schemeClr val="accent1"/>
+            </a:lnRef>
+            <a:fillRef idx="0">
+              <a:schemeClr val="accent1"/>
+            </a:fillRef>
+            <a:effectRef idx="0">
+              <a:schemeClr val="accent1"/>
+            </a:effectRef>
+            <a:fontRef idx="minor">
+              <a:schemeClr val="tx1"/>
+            </a:fontRef>
+          </p:style>
+        </p:cxnSp>
+        <p:cxnSp>
+          <p:nvCxnSpPr>
+            <p:cNvPr id="35" name="Straight Connector 34">
+              <a:extLst>
+                <a:ext uri="{FF2B5EF4-FFF2-40B4-BE49-F238E27FC236}">
+                  <a16:creationId xmlns:a16="http://schemas.microsoft.com/office/drawing/2014/main" id="{580B9EA0-7463-B040-9F65-ACA30B80A625}"/>
+                </a:ext>
+              </a:extLst>
+            </p:cNvPr>
+            <p:cNvCxnSpPr/>
+            <p:nvPr/>
+          </p:nvCxnSpPr>
+          <p:spPr>
+            <a:xfrm>
+              <a:off x="3012394" y="3698673"/>
+              <a:ext cx="2189801" cy="1083392"/>
+            </a:xfrm>
+            <a:prstGeom prst="line">
+              <a:avLst/>
+            </a:prstGeom>
+            <a:ln w="12700">
+              <a:solidFill>
+                <a:srgbClr val="FF0000"/>
+              </a:solidFill>
+            </a:ln>
+          </p:spPr>
+          <p:style>
+            <a:lnRef idx="1">
+              <a:schemeClr val="accent1"/>
+            </a:lnRef>
+            <a:fillRef idx="0">
+              <a:schemeClr val="accent1"/>
+            </a:fillRef>
+            <a:effectRef idx="0">
+              <a:schemeClr val="accent1"/>
+            </a:effectRef>
+            <a:fontRef idx="minor">
+              <a:schemeClr val="tx1"/>
+            </a:fontRef>
+          </p:style>
+        </p:cxnSp>
+      </p:grpSp>
+      <p:grpSp>
+        <p:nvGrpSpPr>
+          <p:cNvPr id="57" name="Group 56">
+            <a:extLst>
+              <a:ext uri="{FF2B5EF4-FFF2-40B4-BE49-F238E27FC236}">
+                <a16:creationId xmlns:a16="http://schemas.microsoft.com/office/drawing/2014/main" id="{48FD35CD-3B59-A441-8C4D-D995B808FDFF}"/>
+              </a:ext>
+            </a:extLst>
+          </p:cNvPr>
+          <p:cNvGrpSpPr/>
+          <p:nvPr/>
+        </p:nvGrpSpPr>
+        <p:grpSpPr>
+          <a:xfrm>
+            <a:off x="7090120" y="2227983"/>
+            <a:ext cx="4393441" cy="2558200"/>
+            <a:chOff x="7090120" y="2227983"/>
+            <a:chExt cx="4393441" cy="2558200"/>
+          </a:xfrm>
+        </p:grpSpPr>
+        <p:sp>
+          <p:nvSpPr>
+            <p:cNvPr id="36" name="Frame 35">
+              <a:extLst>
+                <a:ext uri="{FF2B5EF4-FFF2-40B4-BE49-F238E27FC236}">
+                  <a16:creationId xmlns:a16="http://schemas.microsoft.com/office/drawing/2014/main" id="{F037D216-6126-9241-AA3C-F13C1CD6CEE7}"/>
+                </a:ext>
+              </a:extLst>
+            </p:cNvPr>
+            <p:cNvSpPr/>
+            <p:nvPr/>
+          </p:nvSpPr>
+          <p:spPr>
+            <a:xfrm>
+              <a:off x="7090120" y="2227983"/>
+              <a:ext cx="2203640" cy="1474808"/>
+            </a:xfrm>
+            <a:prstGeom prst="frame">
+              <a:avLst>
+                <a:gd name="adj1" fmla="val 4412"/>
+              </a:avLst>
+            </a:prstGeom>
+            <a:solidFill>
+              <a:srgbClr val="C00000"/>
+            </a:solidFill>
+            <a:ln w="28575">
+              <a:solidFill>
+                <a:srgbClr val="FF0000"/>
+              </a:solidFill>
+              <a:prstDash val="sysDot"/>
+            </a:ln>
+          </p:spPr>
+          <p:style>
+            <a:lnRef idx="2">
+              <a:schemeClr val="accent1"/>
+            </a:lnRef>
+            <a:fillRef idx="1">
+              <a:schemeClr val="lt1"/>
+            </a:fillRef>
+            <a:effectRef idx="0">
+              <a:schemeClr val="accent1"/>
+            </a:effectRef>
+            <a:fontRef idx="minor">
+              <a:schemeClr val="dk1"/>
+            </a:fontRef>
+          </p:style>
+          <p:txBody>
+            <a:bodyPr rtlCol="0" anchor="ctr"/>
+            <a:lstStyle/>
+            <a:p>
+              <a:pPr algn="ctr"/>
+              <a:endParaRPr lang="en-US">
+                <a:solidFill>
+                  <a:schemeClr val="tx1"/>
+                </a:solidFill>
+              </a:endParaRPr>
+            </a:p>
+          </p:txBody>
+        </p:sp>
+        <p:cxnSp>
+          <p:nvCxnSpPr>
+            <p:cNvPr id="37" name="Straight Connector 36">
+              <a:extLst>
+                <a:ext uri="{FF2B5EF4-FFF2-40B4-BE49-F238E27FC236}">
+                  <a16:creationId xmlns:a16="http://schemas.microsoft.com/office/drawing/2014/main" id="{77242692-BD7E-594C-9486-76238B9B439A}"/>
+                </a:ext>
+              </a:extLst>
+            </p:cNvPr>
+            <p:cNvCxnSpPr>
+              <a:cxnSpLocks/>
+            </p:cNvCxnSpPr>
+            <p:nvPr/>
+          </p:nvCxnSpPr>
+          <p:spPr>
+            <a:xfrm>
+              <a:off x="7090120" y="2227983"/>
+              <a:ext cx="3892104" cy="2101000"/>
+            </a:xfrm>
+            <a:prstGeom prst="line">
+              <a:avLst/>
+            </a:prstGeom>
+            <a:ln w="12700">
+              <a:solidFill>
+                <a:srgbClr val="FF0000"/>
+              </a:solidFill>
+            </a:ln>
+          </p:spPr>
+          <p:style>
+            <a:lnRef idx="1">
+              <a:schemeClr val="accent1"/>
+            </a:lnRef>
+            <a:fillRef idx="0">
+              <a:schemeClr val="accent1"/>
+            </a:fillRef>
+            <a:effectRef idx="0">
+              <a:schemeClr val="accent1"/>
+            </a:effectRef>
+            <a:fontRef idx="minor">
+              <a:schemeClr val="tx1"/>
+            </a:fontRef>
+          </p:style>
+        </p:cxnSp>
+        <p:cxnSp>
+          <p:nvCxnSpPr>
+            <p:cNvPr id="38" name="Straight Connector 37">
+              <a:extLst>
+                <a:ext uri="{FF2B5EF4-FFF2-40B4-BE49-F238E27FC236}">
+                  <a16:creationId xmlns:a16="http://schemas.microsoft.com/office/drawing/2014/main" id="{8C0B90C7-F80C-3B4E-8D22-1EC9C063B4BA}"/>
+                </a:ext>
+              </a:extLst>
+            </p:cNvPr>
+            <p:cNvCxnSpPr>
+              <a:cxnSpLocks/>
+            </p:cNvCxnSpPr>
+            <p:nvPr/>
+          </p:nvCxnSpPr>
+          <p:spPr>
+            <a:xfrm>
+              <a:off x="9241679" y="2227983"/>
+              <a:ext cx="2241882" cy="2101000"/>
+            </a:xfrm>
+            <a:prstGeom prst="line">
+              <a:avLst/>
+            </a:prstGeom>
+            <a:ln w="12700">
+              <a:solidFill>
+                <a:srgbClr val="FF0000"/>
+              </a:solidFill>
+            </a:ln>
+          </p:spPr>
+          <p:style>
+            <a:lnRef idx="1">
+              <a:schemeClr val="accent1"/>
+            </a:lnRef>
+            <a:fillRef idx="0">
+              <a:schemeClr val="accent1"/>
+            </a:fillRef>
+            <a:effectRef idx="0">
+              <a:schemeClr val="accent1"/>
+            </a:effectRef>
+            <a:fontRef idx="minor">
+              <a:schemeClr val="tx1"/>
+            </a:fontRef>
+          </p:style>
+        </p:cxnSp>
+        <p:sp>
+          <p:nvSpPr>
+            <p:cNvPr id="39" name="Frame 38">
+              <a:extLst>
+                <a:ext uri="{FF2B5EF4-FFF2-40B4-BE49-F238E27FC236}">
+                  <a16:creationId xmlns:a16="http://schemas.microsoft.com/office/drawing/2014/main" id="{48AB4C0F-85AC-4C45-9F97-505780353581}"/>
+                </a:ext>
+              </a:extLst>
+            </p:cNvPr>
+            <p:cNvSpPr/>
+            <p:nvPr/>
+          </p:nvSpPr>
+          <p:spPr>
+            <a:xfrm>
+              <a:off x="10982224" y="4328983"/>
+              <a:ext cx="501337" cy="457200"/>
+            </a:xfrm>
+            <a:prstGeom prst="frame">
+              <a:avLst/>
+            </a:prstGeom>
+            <a:solidFill>
+              <a:srgbClr val="C00000"/>
+            </a:solidFill>
+          </p:spPr>
+          <p:style>
+            <a:lnRef idx="2">
+              <a:schemeClr val="accent1">
+                <a:shade val="50000"/>
+              </a:schemeClr>
+            </a:lnRef>
+            <a:fillRef idx="1">
+              <a:schemeClr val="accent1"/>
+            </a:fillRef>
+            <a:effectRef idx="0">
+              <a:schemeClr val="accent1"/>
+            </a:effectRef>
+            <a:fontRef idx="minor">
+              <a:schemeClr val="lt1"/>
+            </a:fontRef>
+          </p:style>
+          <p:txBody>
+            <a:bodyPr rtlCol="0" anchor="ctr"/>
+            <a:lstStyle/>
+            <a:p>
+              <a:pPr algn="ctr"/>
+              <a:r>
+                <a:rPr lang="en-US" sz="1200" b="1" dirty="0">
+                  <a:solidFill>
+                    <a:schemeClr val="tx1"/>
+                  </a:solidFill>
+                </a:rPr>
+                <a:t>0.2</a:t>
+              </a:r>
+            </a:p>
+          </p:txBody>
+        </p:sp>
+        <p:cxnSp>
+          <p:nvCxnSpPr>
+            <p:cNvPr id="40" name="Straight Connector 39">
+              <a:extLst>
+                <a:ext uri="{FF2B5EF4-FFF2-40B4-BE49-F238E27FC236}">
+                  <a16:creationId xmlns:a16="http://schemas.microsoft.com/office/drawing/2014/main" id="{AD622213-A0B1-A146-ACE4-AC57FD00B2D8}"/>
+                </a:ext>
+              </a:extLst>
+            </p:cNvPr>
+            <p:cNvCxnSpPr/>
+            <p:nvPr/>
+          </p:nvCxnSpPr>
+          <p:spPr>
+            <a:xfrm>
+              <a:off x="7090120" y="3702791"/>
+              <a:ext cx="3892104" cy="1083392"/>
+            </a:xfrm>
+            <a:prstGeom prst="line">
+              <a:avLst/>
+            </a:prstGeom>
+            <a:ln w="12700">
+              <a:solidFill>
+                <a:srgbClr val="FF0000"/>
+              </a:solidFill>
+            </a:ln>
+          </p:spPr>
+          <p:style>
+            <a:lnRef idx="1">
+              <a:schemeClr val="accent1"/>
+            </a:lnRef>
+            <a:fillRef idx="0">
+              <a:schemeClr val="accent1"/>
+            </a:fillRef>
+            <a:effectRef idx="0">
+              <a:schemeClr val="accent1"/>
+            </a:effectRef>
+            <a:fontRef idx="minor">
+              <a:schemeClr val="tx1"/>
+            </a:fontRef>
+          </p:style>
+        </p:cxnSp>
+        <p:cxnSp>
+          <p:nvCxnSpPr>
+            <p:cNvPr id="41" name="Straight Connector 40">
+              <a:extLst>
+                <a:ext uri="{FF2B5EF4-FFF2-40B4-BE49-F238E27FC236}">
+                  <a16:creationId xmlns:a16="http://schemas.microsoft.com/office/drawing/2014/main" id="{487496A1-C65A-4746-BFB3-DD6AD55F8803}"/>
+                </a:ext>
+              </a:extLst>
+            </p:cNvPr>
+            <p:cNvCxnSpPr/>
+            <p:nvPr/>
+          </p:nvCxnSpPr>
+          <p:spPr>
+            <a:xfrm>
+              <a:off x="9293760" y="3702791"/>
+              <a:ext cx="2189801" cy="1083392"/>
+            </a:xfrm>
+            <a:prstGeom prst="line">
+              <a:avLst/>
+            </a:prstGeom>
+            <a:ln w="12700">
+              <a:solidFill>
+                <a:srgbClr val="FF0000"/>
+              </a:solidFill>
+            </a:ln>
+          </p:spPr>
+          <p:style>
+            <a:lnRef idx="1">
+              <a:schemeClr val="accent1"/>
+            </a:lnRef>
+            <a:fillRef idx="0">
+              <a:schemeClr val="accent1"/>
+            </a:fillRef>
+            <a:effectRef idx="0">
+              <a:schemeClr val="accent1"/>
+            </a:effectRef>
+            <a:fontRef idx="minor">
+              <a:schemeClr val="tx1"/>
+            </a:fontRef>
+          </p:style>
+        </p:cxnSp>
+      </p:grpSp>
+      <p:grpSp>
+        <p:nvGrpSpPr>
+          <p:cNvPr id="55" name="Group 54">
+            <a:extLst>
+              <a:ext uri="{FF2B5EF4-FFF2-40B4-BE49-F238E27FC236}">
+                <a16:creationId xmlns:a16="http://schemas.microsoft.com/office/drawing/2014/main" id="{D22E872A-ED6C-504F-9F7B-8E2F6852166E}"/>
+              </a:ext>
+            </a:extLst>
+          </p:cNvPr>
+          <p:cNvGrpSpPr/>
+          <p:nvPr/>
+        </p:nvGrpSpPr>
+        <p:grpSpPr>
+          <a:xfrm>
+            <a:off x="1529842" y="2217687"/>
+            <a:ext cx="4393441" cy="2558200"/>
+            <a:chOff x="1529842" y="2223865"/>
+            <a:chExt cx="4393441" cy="2558200"/>
+          </a:xfrm>
+        </p:grpSpPr>
+        <p:sp>
+          <p:nvSpPr>
+            <p:cNvPr id="42" name="Frame 41">
+              <a:extLst>
+                <a:ext uri="{FF2B5EF4-FFF2-40B4-BE49-F238E27FC236}">
+                  <a16:creationId xmlns:a16="http://schemas.microsoft.com/office/drawing/2014/main" id="{F0A28B38-6213-3047-90B6-968C17430ED3}"/>
+                </a:ext>
+              </a:extLst>
+            </p:cNvPr>
+            <p:cNvSpPr/>
+            <p:nvPr/>
+          </p:nvSpPr>
+          <p:spPr>
+            <a:xfrm>
+              <a:off x="1529842" y="2223865"/>
+              <a:ext cx="2203640" cy="1474808"/>
+            </a:xfrm>
+            <a:prstGeom prst="frame">
+              <a:avLst>
+                <a:gd name="adj1" fmla="val 4412"/>
+              </a:avLst>
+            </a:prstGeom>
+            <a:solidFill>
+              <a:srgbClr val="C00000"/>
+            </a:solidFill>
+            <a:ln w="28575">
+              <a:solidFill>
+                <a:srgbClr val="FF0000"/>
+              </a:solidFill>
+              <a:prstDash val="sysDot"/>
+            </a:ln>
+          </p:spPr>
+          <p:style>
+            <a:lnRef idx="2">
+              <a:schemeClr val="accent1"/>
+            </a:lnRef>
+            <a:fillRef idx="1">
+              <a:schemeClr val="lt1"/>
+            </a:fillRef>
+            <a:effectRef idx="0">
+              <a:schemeClr val="accent1"/>
+            </a:effectRef>
+            <a:fontRef idx="minor">
+              <a:schemeClr val="dk1"/>
+            </a:fontRef>
+          </p:style>
+          <p:txBody>
+            <a:bodyPr rtlCol="0" anchor="ctr"/>
+            <a:lstStyle/>
+            <a:p>
+              <a:pPr algn="ctr"/>
+              <a:endParaRPr lang="en-US">
+                <a:solidFill>
+                  <a:schemeClr val="tx1"/>
+                </a:solidFill>
+              </a:endParaRPr>
+            </a:p>
+          </p:txBody>
+        </p:sp>
+        <p:cxnSp>
+          <p:nvCxnSpPr>
+            <p:cNvPr id="43" name="Straight Connector 42">
+              <a:extLst>
+                <a:ext uri="{FF2B5EF4-FFF2-40B4-BE49-F238E27FC236}">
+                  <a16:creationId xmlns:a16="http://schemas.microsoft.com/office/drawing/2014/main" id="{97E94359-CDC9-2749-8282-57243B02F0BD}"/>
+                </a:ext>
+              </a:extLst>
+            </p:cNvPr>
+            <p:cNvCxnSpPr>
+              <a:cxnSpLocks/>
+            </p:cNvCxnSpPr>
+            <p:nvPr/>
+          </p:nvCxnSpPr>
+          <p:spPr>
+            <a:xfrm>
+              <a:off x="1529842" y="2223865"/>
+              <a:ext cx="3892104" cy="2101000"/>
+            </a:xfrm>
+            <a:prstGeom prst="line">
+              <a:avLst/>
+            </a:prstGeom>
+            <a:ln w="12700">
+              <a:solidFill>
+                <a:srgbClr val="FF0000"/>
+              </a:solidFill>
+            </a:ln>
+          </p:spPr>
+          <p:style>
+            <a:lnRef idx="1">
+              <a:schemeClr val="accent1"/>
+            </a:lnRef>
+            <a:fillRef idx="0">
+              <a:schemeClr val="accent1"/>
+            </a:fillRef>
+            <a:effectRef idx="0">
+              <a:schemeClr val="accent1"/>
+            </a:effectRef>
+            <a:fontRef idx="minor">
+              <a:schemeClr val="tx1"/>
+            </a:fontRef>
+          </p:style>
+        </p:cxnSp>
+        <p:cxnSp>
+          <p:nvCxnSpPr>
+            <p:cNvPr id="44" name="Straight Connector 43">
+              <a:extLst>
+                <a:ext uri="{FF2B5EF4-FFF2-40B4-BE49-F238E27FC236}">
+                  <a16:creationId xmlns:a16="http://schemas.microsoft.com/office/drawing/2014/main" id="{ED1CF323-DDBC-F54E-9CDA-CE0959A52522}"/>
+                </a:ext>
+              </a:extLst>
+            </p:cNvPr>
+            <p:cNvCxnSpPr>
+              <a:cxnSpLocks/>
+            </p:cNvCxnSpPr>
+            <p:nvPr/>
+          </p:nvCxnSpPr>
+          <p:spPr>
+            <a:xfrm>
+              <a:off x="3681401" y="2223865"/>
+              <a:ext cx="2241882" cy="2101000"/>
+            </a:xfrm>
+            <a:prstGeom prst="line">
+              <a:avLst/>
+            </a:prstGeom>
+            <a:ln w="12700">
+              <a:solidFill>
+                <a:srgbClr val="FF0000"/>
+              </a:solidFill>
+            </a:ln>
+          </p:spPr>
+          <p:style>
+            <a:lnRef idx="1">
+              <a:schemeClr val="accent1"/>
+            </a:lnRef>
+            <a:fillRef idx="0">
+              <a:schemeClr val="accent1"/>
+            </a:fillRef>
+            <a:effectRef idx="0">
+              <a:schemeClr val="accent1"/>
+            </a:effectRef>
+            <a:fontRef idx="minor">
+              <a:schemeClr val="tx1"/>
+            </a:fontRef>
+          </p:style>
+        </p:cxnSp>
+        <p:sp>
+          <p:nvSpPr>
+            <p:cNvPr id="45" name="Frame 44">
+              <a:extLst>
+                <a:ext uri="{FF2B5EF4-FFF2-40B4-BE49-F238E27FC236}">
+                  <a16:creationId xmlns:a16="http://schemas.microsoft.com/office/drawing/2014/main" id="{9C6CC4F5-D870-454B-91C4-8E34696852B9}"/>
+                </a:ext>
+              </a:extLst>
+            </p:cNvPr>
+            <p:cNvSpPr/>
+            <p:nvPr/>
+          </p:nvSpPr>
+          <p:spPr>
+            <a:xfrm>
+              <a:off x="5421946" y="4324865"/>
+              <a:ext cx="501337" cy="457200"/>
+            </a:xfrm>
+            <a:prstGeom prst="frame">
+              <a:avLst/>
+            </a:prstGeom>
+            <a:solidFill>
+              <a:srgbClr val="C00000"/>
+            </a:solidFill>
+          </p:spPr>
+          <p:style>
+            <a:lnRef idx="2">
+              <a:schemeClr val="accent1">
+                <a:shade val="50000"/>
+              </a:schemeClr>
+            </a:lnRef>
+            <a:fillRef idx="1">
+              <a:schemeClr val="accent1"/>
+            </a:fillRef>
+            <a:effectRef idx="0">
+              <a:schemeClr val="accent1"/>
+            </a:effectRef>
+            <a:fontRef idx="minor">
+              <a:schemeClr val="lt1"/>
+            </a:fontRef>
+          </p:style>
+          <p:txBody>
+            <a:bodyPr rtlCol="0" anchor="ctr"/>
+            <a:lstStyle/>
+            <a:p>
+              <a:pPr algn="ctr"/>
+              <a:r>
+                <a:rPr lang="en-US" sz="1200" b="1" dirty="0">
+                  <a:solidFill>
+                    <a:schemeClr val="tx1"/>
+                  </a:solidFill>
+                </a:rPr>
+                <a:t>0.7</a:t>
+              </a:r>
+            </a:p>
+          </p:txBody>
+        </p:sp>
+        <p:cxnSp>
+          <p:nvCxnSpPr>
+            <p:cNvPr id="46" name="Straight Connector 45">
+              <a:extLst>
+                <a:ext uri="{FF2B5EF4-FFF2-40B4-BE49-F238E27FC236}">
+                  <a16:creationId xmlns:a16="http://schemas.microsoft.com/office/drawing/2014/main" id="{D21D27F3-5963-4945-8CF7-E473BEAC16D5}"/>
+                </a:ext>
+              </a:extLst>
+            </p:cNvPr>
+            <p:cNvCxnSpPr/>
+            <p:nvPr/>
+          </p:nvCxnSpPr>
+          <p:spPr>
+            <a:xfrm>
+              <a:off x="1529842" y="3698673"/>
+              <a:ext cx="3892104" cy="1083392"/>
+            </a:xfrm>
+            <a:prstGeom prst="line">
+              <a:avLst/>
+            </a:prstGeom>
+            <a:ln w="12700">
+              <a:solidFill>
+                <a:srgbClr val="FF0000"/>
+              </a:solidFill>
+            </a:ln>
+          </p:spPr>
+          <p:style>
+            <a:lnRef idx="1">
+              <a:schemeClr val="accent1"/>
+            </a:lnRef>
+            <a:fillRef idx="0">
+              <a:schemeClr val="accent1"/>
+            </a:fillRef>
+            <a:effectRef idx="0">
+              <a:schemeClr val="accent1"/>
+            </a:effectRef>
+            <a:fontRef idx="minor">
+              <a:schemeClr val="tx1"/>
+            </a:fontRef>
+          </p:style>
+        </p:cxnSp>
+        <p:cxnSp>
+          <p:nvCxnSpPr>
+            <p:cNvPr id="47" name="Straight Connector 46">
+              <a:extLst>
+                <a:ext uri="{FF2B5EF4-FFF2-40B4-BE49-F238E27FC236}">
+                  <a16:creationId xmlns:a16="http://schemas.microsoft.com/office/drawing/2014/main" id="{2C1D3DB6-AB51-9247-8B9C-F293E9E70100}"/>
+                </a:ext>
+              </a:extLst>
+            </p:cNvPr>
+            <p:cNvCxnSpPr/>
+            <p:nvPr/>
+          </p:nvCxnSpPr>
+          <p:spPr>
+            <a:xfrm>
+              <a:off x="3733482" y="3698673"/>
+              <a:ext cx="2189801" cy="1083392"/>
+            </a:xfrm>
+            <a:prstGeom prst="line">
+              <a:avLst/>
+            </a:prstGeom>
+            <a:ln w="12700">
+              <a:solidFill>
+                <a:srgbClr val="FF0000"/>
+              </a:solidFill>
+            </a:ln>
+          </p:spPr>
+          <p:style>
+            <a:lnRef idx="1">
+              <a:schemeClr val="accent1"/>
+            </a:lnRef>
+            <a:fillRef idx="0">
+              <a:schemeClr val="accent1"/>
+            </a:fillRef>
+            <a:effectRef idx="0">
+              <a:schemeClr val="accent1"/>
+            </a:effectRef>
+            <a:fontRef idx="minor">
+              <a:schemeClr val="tx1"/>
+            </a:fontRef>
+          </p:style>
+        </p:cxnSp>
+      </p:grpSp>
+      <p:grpSp>
+        <p:nvGrpSpPr>
+          <p:cNvPr id="56" name="Group 55">
+            <a:extLst>
+              <a:ext uri="{FF2B5EF4-FFF2-40B4-BE49-F238E27FC236}">
+                <a16:creationId xmlns:a16="http://schemas.microsoft.com/office/drawing/2014/main" id="{903FAA88-52B9-3241-A944-6243B5E49297}"/>
+              </a:ext>
+            </a:extLst>
+          </p:cNvPr>
+          <p:cNvGrpSpPr/>
+          <p:nvPr/>
+        </p:nvGrpSpPr>
+        <p:grpSpPr>
+          <a:xfrm>
+            <a:off x="2234177" y="2217687"/>
+            <a:ext cx="4393441" cy="2558200"/>
+            <a:chOff x="2234177" y="2223865"/>
+            <a:chExt cx="4393441" cy="2558200"/>
+          </a:xfrm>
+        </p:grpSpPr>
+        <p:sp>
+          <p:nvSpPr>
+            <p:cNvPr id="48" name="Frame 47">
+              <a:extLst>
+                <a:ext uri="{FF2B5EF4-FFF2-40B4-BE49-F238E27FC236}">
+                  <a16:creationId xmlns:a16="http://schemas.microsoft.com/office/drawing/2014/main" id="{C9CA7D81-6701-734A-93F9-DF94DD85BE21}"/>
+                </a:ext>
+              </a:extLst>
+            </p:cNvPr>
+            <p:cNvSpPr/>
+            <p:nvPr/>
+          </p:nvSpPr>
+          <p:spPr>
+            <a:xfrm>
+              <a:off x="2234177" y="2223865"/>
+              <a:ext cx="2203640" cy="1474808"/>
+            </a:xfrm>
+            <a:prstGeom prst="frame">
+              <a:avLst>
+                <a:gd name="adj1" fmla="val 4412"/>
+              </a:avLst>
+            </a:prstGeom>
+            <a:solidFill>
+              <a:srgbClr val="C00000"/>
+            </a:solidFill>
+            <a:ln w="28575">
+              <a:solidFill>
+                <a:srgbClr val="FF0000"/>
+              </a:solidFill>
+              <a:prstDash val="sysDot"/>
+            </a:ln>
+          </p:spPr>
+          <p:style>
+            <a:lnRef idx="2">
+              <a:schemeClr val="accent1"/>
+            </a:lnRef>
+            <a:fillRef idx="1">
+              <a:schemeClr val="lt1"/>
+            </a:fillRef>
+            <a:effectRef idx="0">
+              <a:schemeClr val="accent1"/>
+            </a:effectRef>
+            <a:fontRef idx="minor">
+              <a:schemeClr val="dk1"/>
+            </a:fontRef>
+          </p:style>
+          <p:txBody>
+            <a:bodyPr rtlCol="0" anchor="ctr"/>
+            <a:lstStyle/>
+            <a:p>
+              <a:pPr algn="ctr"/>
+              <a:endParaRPr lang="en-US">
+                <a:solidFill>
+                  <a:schemeClr val="tx1"/>
+                </a:solidFill>
+              </a:endParaRPr>
+            </a:p>
+          </p:txBody>
+        </p:sp>
+        <p:cxnSp>
+          <p:nvCxnSpPr>
+            <p:cNvPr id="49" name="Straight Connector 48">
+              <a:extLst>
+                <a:ext uri="{FF2B5EF4-FFF2-40B4-BE49-F238E27FC236}">
+                  <a16:creationId xmlns:a16="http://schemas.microsoft.com/office/drawing/2014/main" id="{382D6EE9-5EFD-7249-98BE-1BA7F4030169}"/>
+                </a:ext>
+              </a:extLst>
+            </p:cNvPr>
+            <p:cNvCxnSpPr>
+              <a:cxnSpLocks/>
+            </p:cNvCxnSpPr>
+            <p:nvPr/>
+          </p:nvCxnSpPr>
+          <p:spPr>
+            <a:xfrm>
+              <a:off x="2234177" y="2223865"/>
+              <a:ext cx="3892104" cy="2101000"/>
+            </a:xfrm>
+            <a:prstGeom prst="line">
+              <a:avLst/>
+            </a:prstGeom>
+            <a:ln w="12700">
+              <a:solidFill>
+                <a:srgbClr val="FF0000"/>
+              </a:solidFill>
+            </a:ln>
+          </p:spPr>
+          <p:style>
+            <a:lnRef idx="1">
+              <a:schemeClr val="accent1"/>
+            </a:lnRef>
+            <a:fillRef idx="0">
+              <a:schemeClr val="accent1"/>
+            </a:fillRef>
+            <a:effectRef idx="0">
+              <a:schemeClr val="accent1"/>
+            </a:effectRef>
+            <a:fontRef idx="minor">
+              <a:schemeClr val="tx1"/>
+            </a:fontRef>
+          </p:style>
+        </p:cxnSp>
+        <p:cxnSp>
+          <p:nvCxnSpPr>
+            <p:cNvPr id="50" name="Straight Connector 49">
+              <a:extLst>
+                <a:ext uri="{FF2B5EF4-FFF2-40B4-BE49-F238E27FC236}">
+                  <a16:creationId xmlns:a16="http://schemas.microsoft.com/office/drawing/2014/main" id="{ADF9CE55-5AEF-FC42-8BF5-B2BBDA590983}"/>
+                </a:ext>
+              </a:extLst>
+            </p:cNvPr>
+            <p:cNvCxnSpPr>
+              <a:cxnSpLocks/>
+            </p:cNvCxnSpPr>
+            <p:nvPr/>
+          </p:nvCxnSpPr>
+          <p:spPr>
+            <a:xfrm>
+              <a:off x="4385736" y="2223865"/>
+              <a:ext cx="2241882" cy="2101000"/>
+            </a:xfrm>
+            <a:prstGeom prst="line">
+              <a:avLst/>
+            </a:prstGeom>
+            <a:ln w="12700">
+              <a:solidFill>
+                <a:srgbClr val="FF0000"/>
+              </a:solidFill>
+            </a:ln>
+          </p:spPr>
+          <p:style>
+            <a:lnRef idx="1">
+              <a:schemeClr val="accent1"/>
+            </a:lnRef>
+            <a:fillRef idx="0">
+              <a:schemeClr val="accent1"/>
+            </a:fillRef>
+            <a:effectRef idx="0">
+              <a:schemeClr val="accent1"/>
+            </a:effectRef>
+            <a:fontRef idx="minor">
+              <a:schemeClr val="tx1"/>
+            </a:fontRef>
+          </p:style>
+        </p:cxnSp>
+        <p:sp>
+          <p:nvSpPr>
+            <p:cNvPr id="51" name="Frame 50">
+              <a:extLst>
+                <a:ext uri="{FF2B5EF4-FFF2-40B4-BE49-F238E27FC236}">
+                  <a16:creationId xmlns:a16="http://schemas.microsoft.com/office/drawing/2014/main" id="{B0790EAE-33D8-854C-8B77-42E2C0258287}"/>
+                </a:ext>
+              </a:extLst>
+            </p:cNvPr>
+            <p:cNvSpPr/>
+            <p:nvPr/>
+          </p:nvSpPr>
+          <p:spPr>
+            <a:xfrm>
+              <a:off x="6126281" y="4324865"/>
+              <a:ext cx="501337" cy="457200"/>
+            </a:xfrm>
+            <a:prstGeom prst="frame">
+              <a:avLst/>
+            </a:prstGeom>
+            <a:solidFill>
+              <a:srgbClr val="C00000"/>
+            </a:solidFill>
+          </p:spPr>
+          <p:style>
+            <a:lnRef idx="2">
+              <a:schemeClr val="accent1">
+                <a:shade val="50000"/>
+              </a:schemeClr>
+            </a:lnRef>
+            <a:fillRef idx="1">
+              <a:schemeClr val="accent1"/>
+            </a:fillRef>
+            <a:effectRef idx="0">
+              <a:schemeClr val="accent1"/>
+            </a:effectRef>
+            <a:fontRef idx="minor">
+              <a:schemeClr val="lt1"/>
+            </a:fontRef>
+          </p:style>
+          <p:txBody>
+            <a:bodyPr rtlCol="0" anchor="ctr"/>
+            <a:lstStyle/>
+            <a:p>
+              <a:pPr algn="ctr"/>
+              <a:r>
+                <a:rPr lang="en-US" sz="1200" b="1" dirty="0">
+                  <a:solidFill>
+                    <a:schemeClr val="tx1"/>
+                  </a:solidFill>
+                </a:rPr>
+                <a:t>0.5</a:t>
+              </a:r>
+            </a:p>
+          </p:txBody>
+        </p:sp>
+        <p:cxnSp>
+          <p:nvCxnSpPr>
+            <p:cNvPr id="52" name="Straight Connector 51">
+              <a:extLst>
+                <a:ext uri="{FF2B5EF4-FFF2-40B4-BE49-F238E27FC236}">
+                  <a16:creationId xmlns:a16="http://schemas.microsoft.com/office/drawing/2014/main" id="{E9E1FE78-6324-5A4A-99B4-D54D5FF33060}"/>
+                </a:ext>
+              </a:extLst>
+            </p:cNvPr>
+            <p:cNvCxnSpPr/>
+            <p:nvPr/>
+          </p:nvCxnSpPr>
+          <p:spPr>
+            <a:xfrm>
+              <a:off x="2234177" y="3698673"/>
+              <a:ext cx="3892104" cy="1083392"/>
+            </a:xfrm>
+            <a:prstGeom prst="line">
+              <a:avLst/>
+            </a:prstGeom>
+            <a:ln w="12700">
+              <a:solidFill>
+                <a:srgbClr val="FF0000"/>
+              </a:solidFill>
+            </a:ln>
+          </p:spPr>
+          <p:style>
+            <a:lnRef idx="1">
+              <a:schemeClr val="accent1"/>
+            </a:lnRef>
+            <a:fillRef idx="0">
+              <a:schemeClr val="accent1"/>
+            </a:fillRef>
+            <a:effectRef idx="0">
+              <a:schemeClr val="accent1"/>
+            </a:effectRef>
+            <a:fontRef idx="minor">
+              <a:schemeClr val="tx1"/>
+            </a:fontRef>
+          </p:style>
+        </p:cxnSp>
+        <p:cxnSp>
+          <p:nvCxnSpPr>
+            <p:cNvPr id="53" name="Straight Connector 52">
+              <a:extLst>
+                <a:ext uri="{FF2B5EF4-FFF2-40B4-BE49-F238E27FC236}">
+                  <a16:creationId xmlns:a16="http://schemas.microsoft.com/office/drawing/2014/main" id="{1121E066-1424-7B41-8004-53E146945063}"/>
+                </a:ext>
+              </a:extLst>
+            </p:cNvPr>
+            <p:cNvCxnSpPr/>
+            <p:nvPr/>
+          </p:nvCxnSpPr>
+          <p:spPr>
+            <a:xfrm>
+              <a:off x="4437817" y="3698673"/>
+              <a:ext cx="2189801" cy="1083392"/>
+            </a:xfrm>
+            <a:prstGeom prst="line">
+              <a:avLst/>
+            </a:prstGeom>
+            <a:ln w="12700">
+              <a:solidFill>
+                <a:srgbClr val="FF0000"/>
+              </a:solidFill>
+            </a:ln>
+          </p:spPr>
+          <p:style>
+            <a:lnRef idx="1">
+              <a:schemeClr val="accent1"/>
+            </a:lnRef>
+            <a:fillRef idx="0">
+              <a:schemeClr val="accent1"/>
+            </a:fillRef>
+            <a:effectRef idx="0">
+              <a:schemeClr val="accent1"/>
+            </a:effectRef>
+            <a:fontRef idx="minor">
+              <a:schemeClr val="tx1"/>
+            </a:fontRef>
+          </p:style>
+        </p:cxnSp>
+      </p:grpSp>
+      <p:sp>
+        <p:nvSpPr>
+          <p:cNvPr id="58" name="Slide Number Placeholder 57">
+            <a:extLst>
+              <a:ext uri="{FF2B5EF4-FFF2-40B4-BE49-F238E27FC236}">
+                <a16:creationId xmlns:a16="http://schemas.microsoft.com/office/drawing/2014/main" id="{38473BFD-68B3-C348-9F83-4B7072AE52D7}"/>
+              </a:ext>
+            </a:extLst>
+          </p:cNvPr>
+          <p:cNvSpPr>
+            <a:spLocks noGrp="1"/>
+          </p:cNvSpPr>
+          <p:nvPr>
+            <p:ph type="sldNum" sz="quarter" idx="12"/>
+          </p:nvPr>
+        </p:nvSpPr>
         <p:spPr/>
         <p:txBody>
           <a:bodyPr/>
           <a:lstStyle/>
           <a:p>
+            <a:fld id="{F5563628-00B8-654A-9E27-38F076219897}" type="slidenum">
+              <a:rPr lang="en-US" smtClean="0"/>
+              <a:t>6</a:t>
+            </a:fld>
             <a:endParaRPr lang="en-US"/>
           </a:p>
         </p:txBody>
@@ -7117,6 +10164,342 @@
   <p:clrMapOvr>
     <a:masterClrMapping/>
   </p:clrMapOvr>
+  <p:timing>
+    <p:tnLst>
+      <p:par>
+        <p:cTn id="1" dur="indefinite" restart="never" nodeType="tmRoot">
+          <p:childTnLst>
+            <p:seq concurrent="1" nextAc="seek">
+              <p:cTn id="2" dur="indefinite" nodeType="mainSeq">
+                <p:childTnLst>
+                  <p:par>
+                    <p:cTn id="3" fill="hold">
+                      <p:stCondLst>
+                        <p:cond delay="indefinite"/>
+                      </p:stCondLst>
+                      <p:childTnLst>
+                        <p:par>
+                          <p:cTn id="4" fill="hold">
+                            <p:stCondLst>
+                              <p:cond delay="0"/>
+                            </p:stCondLst>
+                            <p:childTnLst>
+                              <p:par>
+                                <p:cTn id="5" presetID="1" presetClass="entr" presetSubtype="0" fill="hold" nodeType="clickEffect">
+                                  <p:stCondLst>
+                                    <p:cond delay="0"/>
+                                  </p:stCondLst>
+                                  <p:childTnLst>
+                                    <p:set>
+                                      <p:cBhvr>
+                                        <p:cTn id="6" dur="1" fill="hold">
+                                          <p:stCondLst>
+                                            <p:cond delay="0"/>
+                                          </p:stCondLst>
+                                        </p:cTn>
+                                        <p:tgtEl>
+                                          <p:spTgt spid="54"/>
+                                        </p:tgtEl>
+                                        <p:attrNameLst>
+                                          <p:attrName>style.visibility</p:attrName>
+                                        </p:attrNameLst>
+                                      </p:cBhvr>
+                                      <p:to>
+                                        <p:strVal val="visible"/>
+                                      </p:to>
+                                    </p:set>
+                                  </p:childTnLst>
+                                </p:cTn>
+                              </p:par>
+                            </p:childTnLst>
+                          </p:cTn>
+                        </p:par>
+                      </p:childTnLst>
+                    </p:cTn>
+                  </p:par>
+                  <p:par>
+                    <p:cTn id="7" fill="hold">
+                      <p:stCondLst>
+                        <p:cond delay="indefinite"/>
+                      </p:stCondLst>
+                      <p:childTnLst>
+                        <p:par>
+                          <p:cTn id="8" fill="hold">
+                            <p:stCondLst>
+                              <p:cond delay="0"/>
+                            </p:stCondLst>
+                            <p:childTnLst>
+                              <p:par>
+                                <p:cTn id="9" presetID="1" presetClass="exit" presetSubtype="0" fill="hold" nodeType="clickEffect">
+                                  <p:stCondLst>
+                                    <p:cond delay="0"/>
+                                  </p:stCondLst>
+                                  <p:childTnLst>
+                                    <p:set>
+                                      <p:cBhvr>
+                                        <p:cTn id="10" dur="1" fill="hold">
+                                          <p:stCondLst>
+                                            <p:cond delay="0"/>
+                                          </p:stCondLst>
+                                        </p:cTn>
+                                        <p:tgtEl>
+                                          <p:spTgt spid="54"/>
+                                        </p:tgtEl>
+                                        <p:attrNameLst>
+                                          <p:attrName>style.visibility</p:attrName>
+                                        </p:attrNameLst>
+                                      </p:cBhvr>
+                                      <p:to>
+                                        <p:strVal val="hidden"/>
+                                      </p:to>
+                                    </p:set>
+                                  </p:childTnLst>
+                                </p:cTn>
+                              </p:par>
+                              <p:par>
+                                <p:cTn id="11" presetID="1" presetClass="entr" presetSubtype="0" fill="hold" nodeType="withEffect">
+                                  <p:stCondLst>
+                                    <p:cond delay="0"/>
+                                  </p:stCondLst>
+                                  <p:childTnLst>
+                                    <p:set>
+                                      <p:cBhvr>
+                                        <p:cTn id="12" dur="1" fill="hold">
+                                          <p:stCondLst>
+                                            <p:cond delay="0"/>
+                                          </p:stCondLst>
+                                        </p:cTn>
+                                        <p:tgtEl>
+                                          <p:spTgt spid="55"/>
+                                        </p:tgtEl>
+                                        <p:attrNameLst>
+                                          <p:attrName>style.visibility</p:attrName>
+                                        </p:attrNameLst>
+                                      </p:cBhvr>
+                                      <p:to>
+                                        <p:strVal val="visible"/>
+                                      </p:to>
+                                    </p:set>
+                                  </p:childTnLst>
+                                </p:cTn>
+                              </p:par>
+                            </p:childTnLst>
+                          </p:cTn>
+                        </p:par>
+                      </p:childTnLst>
+                    </p:cTn>
+                  </p:par>
+                  <p:par>
+                    <p:cTn id="13" fill="hold">
+                      <p:stCondLst>
+                        <p:cond delay="indefinite"/>
+                      </p:stCondLst>
+                      <p:childTnLst>
+                        <p:par>
+                          <p:cTn id="14" fill="hold">
+                            <p:stCondLst>
+                              <p:cond delay="0"/>
+                            </p:stCondLst>
+                            <p:childTnLst>
+                              <p:par>
+                                <p:cTn id="15" presetID="1" presetClass="exit" presetSubtype="0" fill="hold" nodeType="clickEffect">
+                                  <p:stCondLst>
+                                    <p:cond delay="0"/>
+                                  </p:stCondLst>
+                                  <p:childTnLst>
+                                    <p:set>
+                                      <p:cBhvr>
+                                        <p:cTn id="16" dur="1" fill="hold">
+                                          <p:stCondLst>
+                                            <p:cond delay="0"/>
+                                          </p:stCondLst>
+                                        </p:cTn>
+                                        <p:tgtEl>
+                                          <p:spTgt spid="55"/>
+                                        </p:tgtEl>
+                                        <p:attrNameLst>
+                                          <p:attrName>style.visibility</p:attrName>
+                                        </p:attrNameLst>
+                                      </p:cBhvr>
+                                      <p:to>
+                                        <p:strVal val="hidden"/>
+                                      </p:to>
+                                    </p:set>
+                                  </p:childTnLst>
+                                </p:cTn>
+                              </p:par>
+                              <p:par>
+                                <p:cTn id="17" presetID="1" presetClass="entr" presetSubtype="0" fill="hold" nodeType="withEffect">
+                                  <p:stCondLst>
+                                    <p:cond delay="0"/>
+                                  </p:stCondLst>
+                                  <p:childTnLst>
+                                    <p:set>
+                                      <p:cBhvr>
+                                        <p:cTn id="18" dur="1" fill="hold">
+                                          <p:stCondLst>
+                                            <p:cond delay="0"/>
+                                          </p:stCondLst>
+                                        </p:cTn>
+                                        <p:tgtEl>
+                                          <p:spTgt spid="56"/>
+                                        </p:tgtEl>
+                                        <p:attrNameLst>
+                                          <p:attrName>style.visibility</p:attrName>
+                                        </p:attrNameLst>
+                                      </p:cBhvr>
+                                      <p:to>
+                                        <p:strVal val="visible"/>
+                                      </p:to>
+                                    </p:set>
+                                  </p:childTnLst>
+                                </p:cTn>
+                              </p:par>
+                            </p:childTnLst>
+                          </p:cTn>
+                        </p:par>
+                      </p:childTnLst>
+                    </p:cTn>
+                  </p:par>
+                  <p:par>
+                    <p:cTn id="19" fill="hold">
+                      <p:stCondLst>
+                        <p:cond delay="indefinite"/>
+                      </p:stCondLst>
+                      <p:childTnLst>
+                        <p:par>
+                          <p:cTn id="20" fill="hold">
+                            <p:stCondLst>
+                              <p:cond delay="0"/>
+                            </p:stCondLst>
+                            <p:childTnLst>
+                              <p:par>
+                                <p:cTn id="21" presetID="1" presetClass="exit" presetSubtype="0" fill="hold" nodeType="clickEffect">
+                                  <p:stCondLst>
+                                    <p:cond delay="0"/>
+                                  </p:stCondLst>
+                                  <p:childTnLst>
+                                    <p:set>
+                                      <p:cBhvr>
+                                        <p:cTn id="22" dur="1" fill="hold">
+                                          <p:stCondLst>
+                                            <p:cond delay="0"/>
+                                          </p:stCondLst>
+                                        </p:cTn>
+                                        <p:tgtEl>
+                                          <p:spTgt spid="56"/>
+                                        </p:tgtEl>
+                                        <p:attrNameLst>
+                                          <p:attrName>style.visibility</p:attrName>
+                                        </p:attrNameLst>
+                                      </p:cBhvr>
+                                      <p:to>
+                                        <p:strVal val="hidden"/>
+                                      </p:to>
+                                    </p:set>
+                                  </p:childTnLst>
+                                </p:cTn>
+                              </p:par>
+                            </p:childTnLst>
+                          </p:cTn>
+                        </p:par>
+                      </p:childTnLst>
+                    </p:cTn>
+                  </p:par>
+                  <p:par>
+                    <p:cTn id="23" fill="hold">
+                      <p:stCondLst>
+                        <p:cond delay="indefinite"/>
+                      </p:stCondLst>
+                      <p:childTnLst>
+                        <p:par>
+                          <p:cTn id="24" fill="hold">
+                            <p:stCondLst>
+                              <p:cond delay="0"/>
+                            </p:stCondLst>
+                            <p:childTnLst>
+                              <p:par>
+                                <p:cTn id="25" presetID="1" presetClass="entr" presetSubtype="0" fill="hold" nodeType="clickEffect">
+                                  <p:stCondLst>
+                                    <p:cond delay="0"/>
+                                  </p:stCondLst>
+                                  <p:childTnLst>
+                                    <p:set>
+                                      <p:cBhvr>
+                                        <p:cTn id="26" dur="1" fill="hold">
+                                          <p:stCondLst>
+                                            <p:cond delay="0"/>
+                                          </p:stCondLst>
+                                        </p:cTn>
+                                        <p:tgtEl>
+                                          <p:spTgt spid="54"/>
+                                        </p:tgtEl>
+                                        <p:attrNameLst>
+                                          <p:attrName>style.visibility</p:attrName>
+                                        </p:attrNameLst>
+                                      </p:cBhvr>
+                                      <p:to>
+                                        <p:strVal val="visible"/>
+                                      </p:to>
+                                    </p:set>
+                                  </p:childTnLst>
+                                </p:cTn>
+                              </p:par>
+                              <p:par>
+                                <p:cTn id="27" presetID="1" presetClass="entr" presetSubtype="0" fill="hold" nodeType="withEffect">
+                                  <p:stCondLst>
+                                    <p:cond delay="0"/>
+                                  </p:stCondLst>
+                                  <p:childTnLst>
+                                    <p:set>
+                                      <p:cBhvr>
+                                        <p:cTn id="28" dur="1" fill="hold">
+                                          <p:stCondLst>
+                                            <p:cond delay="0"/>
+                                          </p:stCondLst>
+                                        </p:cTn>
+                                        <p:tgtEl>
+                                          <p:spTgt spid="57"/>
+                                        </p:tgtEl>
+                                        <p:attrNameLst>
+                                          <p:attrName>style.visibility</p:attrName>
+                                        </p:attrNameLst>
+                                      </p:cBhvr>
+                                      <p:to>
+                                        <p:strVal val="visible"/>
+                                      </p:to>
+                                    </p:set>
+                                  </p:childTnLst>
+                                </p:cTn>
+                              </p:par>
+                            </p:childTnLst>
+                          </p:cTn>
+                        </p:par>
+                      </p:childTnLst>
+                    </p:cTn>
+                  </p:par>
+                </p:childTnLst>
+              </p:cTn>
+              <p:prevCondLst>
+                <p:cond evt="onPrev" delay="0">
+                  <p:tgtEl>
+                    <p:sldTgt/>
+                  </p:tgtEl>
+                </p:cond>
+              </p:prevCondLst>
+              <p:nextCondLst>
+                <p:cond evt="onNext" delay="0">
+                  <p:tgtEl>
+                    <p:sldTgt/>
+                  </p:tgtEl>
+                </p:cond>
+              </p:nextCondLst>
+            </p:seq>
+          </p:childTnLst>
+        </p:cTn>
+      </p:par>
+    </p:tnLst>
+  </p:timing>
 </p:sld>
 </file>
 
@@ -7160,36 +10543,1863 @@
           <a:p>
             <a:r>
               <a:rPr lang="en-US" dirty="0"/>
-              <a:t>RNN - Intuitive</a:t>
-            </a:r>
-          </a:p>
-        </p:txBody>
-      </p:sp>
-      <p:sp>
-        <p:nvSpPr>
-          <p:cNvPr id="3" name="Content Placeholder 2">
-            <a:extLst>
-              <a:ext uri="{FF2B5EF4-FFF2-40B4-BE49-F238E27FC236}">
-                <a16:creationId xmlns:a16="http://schemas.microsoft.com/office/drawing/2014/main" id="{3FAD2ECD-CFF8-D34D-B937-19A5CBC1B6F9}"/>
-              </a:ext>
-            </a:extLst>
-          </p:cNvPr>
-          <p:cNvSpPr>
-            <a:spLocks noGrp="1"/>
-          </p:cNvSpPr>
+              <a:t>Recurrent Neural Network can learn context</a:t>
+            </a:r>
+          </a:p>
+        </p:txBody>
+      </p:sp>
+      <p:pic>
+        <p:nvPicPr>
+          <p:cNvPr id="5" name="Content Placeholder 4" descr="Diagram&#10;&#10;Description automatically generated">
+            <a:extLst>
+              <a:ext uri="{FF2B5EF4-FFF2-40B4-BE49-F238E27FC236}">
+                <a16:creationId xmlns:a16="http://schemas.microsoft.com/office/drawing/2014/main" id="{3AB02100-8AF5-024A-9222-57883BF2109A}"/>
+              </a:ext>
+            </a:extLst>
+          </p:cNvPr>
+          <p:cNvPicPr>
+            <a:picLocks noGrp="1" noChangeAspect="1"/>
+          </p:cNvPicPr>
           <p:nvPr>
             <p:ph idx="1"/>
           </p:nvPr>
+        </p:nvPicPr>
+        <p:blipFill>
+          <a:blip r:embed="rId3"/>
+          <a:stretch>
+            <a:fillRect/>
+          </a:stretch>
+        </p:blipFill>
+        <p:spPr>
+          <a:xfrm rot="16200000">
+            <a:off x="5515293" y="2760379"/>
+            <a:ext cx="3989781" cy="2433920"/>
+          </a:xfrm>
+        </p:spPr>
+      </p:pic>
+      <p:pic>
+        <p:nvPicPr>
+          <p:cNvPr id="7" name="Picture 6" descr="Shape&#10;&#10;Description automatically generated">
+            <a:extLst>
+              <a:ext uri="{FF2B5EF4-FFF2-40B4-BE49-F238E27FC236}">
+                <a16:creationId xmlns:a16="http://schemas.microsoft.com/office/drawing/2014/main" id="{E2A9C815-48C3-4D44-8858-26062DFCDE8F}"/>
+              </a:ext>
+            </a:extLst>
+          </p:cNvPr>
+          <p:cNvPicPr>
+            <a:picLocks noChangeAspect="1"/>
+          </p:cNvPicPr>
+          <p:nvPr/>
+        </p:nvPicPr>
+        <p:blipFill>
+          <a:blip r:embed="rId4"/>
+          <a:stretch>
+            <a:fillRect/>
+          </a:stretch>
+        </p:blipFill>
+        <p:spPr>
+          <a:xfrm>
+            <a:off x="1387711" y="1982449"/>
+            <a:ext cx="2895600" cy="3505200"/>
+          </a:xfrm>
+          <a:prstGeom prst="rect">
+            <a:avLst/>
+          </a:prstGeom>
+        </p:spPr>
+      </p:pic>
+      <p:sp>
+        <p:nvSpPr>
+          <p:cNvPr id="8" name="Multiply 7">
+            <a:extLst>
+              <a:ext uri="{FF2B5EF4-FFF2-40B4-BE49-F238E27FC236}">
+                <a16:creationId xmlns:a16="http://schemas.microsoft.com/office/drawing/2014/main" id="{24795911-FFB0-2048-9A0C-C02182B2AC76}"/>
+              </a:ext>
+            </a:extLst>
+          </p:cNvPr>
+          <p:cNvSpPr/>
+          <p:nvPr/>
+        </p:nvSpPr>
+        <p:spPr>
+          <a:xfrm>
+            <a:off x="3576918" y="3681261"/>
+            <a:ext cx="625711" cy="648692"/>
+          </a:xfrm>
+          <a:prstGeom prst="mathMultiply">
+            <a:avLst>
+              <a:gd name="adj1" fmla="val 8476"/>
+            </a:avLst>
+          </a:prstGeom>
+          <a:solidFill>
+            <a:srgbClr val="C00000"/>
+          </a:solidFill>
+        </p:spPr>
+        <p:style>
+          <a:lnRef idx="2">
+            <a:schemeClr val="accent1">
+              <a:shade val="50000"/>
+            </a:schemeClr>
+          </a:lnRef>
+          <a:fillRef idx="1">
+            <a:schemeClr val="accent1"/>
+          </a:fillRef>
+          <a:effectRef idx="0">
+            <a:schemeClr val="accent1"/>
+          </a:effectRef>
+          <a:fontRef idx="minor">
+            <a:schemeClr val="lt1"/>
+          </a:fontRef>
+        </p:style>
+        <p:txBody>
+          <a:bodyPr rtlCol="0" anchor="ctr"/>
+          <a:lstStyle/>
+          <a:p>
+            <a:pPr algn="ctr"/>
+            <a:endParaRPr lang="en-US"/>
+          </a:p>
+        </p:txBody>
+      </p:sp>
+      <p:sp>
+        <p:nvSpPr>
+          <p:cNvPr id="9" name="Equal 8">
+            <a:extLst>
+              <a:ext uri="{FF2B5EF4-FFF2-40B4-BE49-F238E27FC236}">
+                <a16:creationId xmlns:a16="http://schemas.microsoft.com/office/drawing/2014/main" id="{4E329833-1DB7-E741-AD60-9C350525E712}"/>
+              </a:ext>
+            </a:extLst>
+          </p:cNvPr>
+          <p:cNvSpPr/>
+          <p:nvPr/>
+        </p:nvSpPr>
+        <p:spPr>
+          <a:xfrm>
+            <a:off x="4477870" y="3745263"/>
+            <a:ext cx="739588" cy="366304"/>
+          </a:xfrm>
+          <a:prstGeom prst="mathEqual">
+            <a:avLst/>
+          </a:prstGeom>
+        </p:spPr>
+        <p:style>
+          <a:lnRef idx="2">
+            <a:schemeClr val="accent1">
+              <a:shade val="50000"/>
+            </a:schemeClr>
+          </a:lnRef>
+          <a:fillRef idx="1">
+            <a:schemeClr val="accent1"/>
+          </a:fillRef>
+          <a:effectRef idx="0">
+            <a:schemeClr val="accent1"/>
+          </a:effectRef>
+          <a:fontRef idx="minor">
+            <a:schemeClr val="lt1"/>
+          </a:fontRef>
+        </p:style>
+        <p:txBody>
+          <a:bodyPr rtlCol="0" anchor="ctr"/>
+          <a:lstStyle/>
+          <a:p>
+            <a:pPr algn="ctr"/>
+            <a:endParaRPr lang="en-US">
+              <a:solidFill>
+                <a:schemeClr val="tx1"/>
+              </a:solidFill>
+            </a:endParaRPr>
+          </a:p>
+        </p:txBody>
+      </p:sp>
+      <p:sp>
+        <p:nvSpPr>
+          <p:cNvPr id="10" name="Slide Number Placeholder 9">
+            <a:extLst>
+              <a:ext uri="{FF2B5EF4-FFF2-40B4-BE49-F238E27FC236}">
+                <a16:creationId xmlns:a16="http://schemas.microsoft.com/office/drawing/2014/main" id="{0FB39E82-11E0-9344-92B1-1059C0219784}"/>
+              </a:ext>
+            </a:extLst>
+          </p:cNvPr>
+          <p:cNvSpPr>
+            <a:spLocks noGrp="1"/>
+          </p:cNvSpPr>
+          <p:nvPr>
+            <p:ph type="sldNum" sz="quarter" idx="12"/>
+          </p:nvPr>
         </p:nvSpPr>
         <p:spPr/>
         <p:txBody>
           <a:bodyPr/>
           <a:lstStyle/>
           <a:p>
+            <a:fld id="{F5563628-00B8-654A-9E27-38F076219897}" type="slidenum">
+              <a:rPr lang="en-US" smtClean="0"/>
+              <a:t>7</a:t>
+            </a:fld>
             <a:endParaRPr lang="en-US"/>
           </a:p>
         </p:txBody>
       </p:sp>
+      <p:sp>
+        <p:nvSpPr>
+          <p:cNvPr id="11" name="Donut 10">
+            <a:extLst>
+              <a:ext uri="{FF2B5EF4-FFF2-40B4-BE49-F238E27FC236}">
+                <a16:creationId xmlns:a16="http://schemas.microsoft.com/office/drawing/2014/main" id="{7A0DCBC7-F9F1-EC4B-90A8-2222763F1FDC}"/>
+              </a:ext>
+            </a:extLst>
+          </p:cNvPr>
+          <p:cNvSpPr/>
+          <p:nvPr/>
+        </p:nvSpPr>
+        <p:spPr>
+          <a:xfrm>
+            <a:off x="5715001" y="4693024"/>
+            <a:ext cx="779930" cy="794625"/>
+          </a:xfrm>
+          <a:prstGeom prst="donut">
+            <a:avLst>
+              <a:gd name="adj" fmla="val 6510"/>
+            </a:avLst>
+          </a:prstGeom>
+          <a:solidFill>
+            <a:schemeClr val="accent1">
+              <a:lumMod val="75000"/>
+            </a:schemeClr>
+          </a:solidFill>
+        </p:spPr>
+        <p:style>
+          <a:lnRef idx="2">
+            <a:schemeClr val="accent1">
+              <a:shade val="50000"/>
+            </a:schemeClr>
+          </a:lnRef>
+          <a:fillRef idx="1">
+            <a:schemeClr val="accent1"/>
+          </a:fillRef>
+          <a:effectRef idx="0">
+            <a:schemeClr val="accent1"/>
+          </a:effectRef>
+          <a:fontRef idx="minor">
+            <a:schemeClr val="lt1"/>
+          </a:fontRef>
+        </p:style>
+        <p:txBody>
+          <a:bodyPr rtlCol="0" anchor="ctr"/>
+          <a:lstStyle/>
+          <a:p>
+            <a:pPr algn="ctr"/>
+            <a:r>
+              <a:rPr lang="en-US" dirty="0">
+                <a:solidFill>
+                  <a:schemeClr val="tx1"/>
+                </a:solidFill>
+              </a:rPr>
+              <a:t>X</a:t>
+            </a:r>
+            <a:r>
+              <a:rPr lang="en-US" baseline="-25000" dirty="0">
+                <a:solidFill>
+                  <a:schemeClr val="tx1"/>
+                </a:solidFill>
+              </a:rPr>
+              <a:t>1</a:t>
+            </a:r>
+            <a:endParaRPr lang="en-US" dirty="0">
+              <a:solidFill>
+                <a:schemeClr val="tx1"/>
+              </a:solidFill>
+            </a:endParaRPr>
+          </a:p>
+        </p:txBody>
+      </p:sp>
+      <p:sp>
+        <p:nvSpPr>
+          <p:cNvPr id="12" name="Donut 11">
+            <a:extLst>
+              <a:ext uri="{FF2B5EF4-FFF2-40B4-BE49-F238E27FC236}">
+                <a16:creationId xmlns:a16="http://schemas.microsoft.com/office/drawing/2014/main" id="{A752038F-509F-5F40-94DA-B660F06BE8D6}"/>
+              </a:ext>
+            </a:extLst>
+          </p:cNvPr>
+          <p:cNvSpPr/>
+          <p:nvPr/>
+        </p:nvSpPr>
+        <p:spPr>
+          <a:xfrm>
+            <a:off x="5715001" y="2461550"/>
+            <a:ext cx="779930" cy="794625"/>
+          </a:xfrm>
+          <a:prstGeom prst="donut">
+            <a:avLst>
+              <a:gd name="adj" fmla="val 6510"/>
+            </a:avLst>
+          </a:prstGeom>
+          <a:solidFill>
+            <a:srgbClr val="00B0F0"/>
+          </a:solidFill>
+        </p:spPr>
+        <p:style>
+          <a:lnRef idx="2">
+            <a:schemeClr val="accent1">
+              <a:shade val="50000"/>
+            </a:schemeClr>
+          </a:lnRef>
+          <a:fillRef idx="1">
+            <a:schemeClr val="accent1"/>
+          </a:fillRef>
+          <a:effectRef idx="0">
+            <a:schemeClr val="accent1"/>
+          </a:effectRef>
+          <a:fontRef idx="minor">
+            <a:schemeClr val="lt1"/>
+          </a:fontRef>
+        </p:style>
+        <p:txBody>
+          <a:bodyPr rtlCol="0" anchor="ctr"/>
+          <a:lstStyle/>
+          <a:p>
+            <a:pPr algn="ctr"/>
+            <a:r>
+              <a:rPr lang="en-US" dirty="0">
+                <a:solidFill>
+                  <a:schemeClr val="tx1"/>
+                </a:solidFill>
+              </a:rPr>
+              <a:t>Y</a:t>
+            </a:r>
+            <a:r>
+              <a:rPr lang="en-US" baseline="-25000" dirty="0">
+                <a:solidFill>
+                  <a:schemeClr val="tx1"/>
+                </a:solidFill>
+              </a:rPr>
+              <a:t>1</a:t>
+            </a:r>
+            <a:endParaRPr lang="en-US" dirty="0">
+              <a:solidFill>
+                <a:schemeClr val="tx1"/>
+              </a:solidFill>
+            </a:endParaRPr>
+          </a:p>
+        </p:txBody>
+      </p:sp>
+      <p:sp>
+        <p:nvSpPr>
+          <p:cNvPr id="13" name="Donut 12">
+            <a:extLst>
+              <a:ext uri="{FF2B5EF4-FFF2-40B4-BE49-F238E27FC236}">
+                <a16:creationId xmlns:a16="http://schemas.microsoft.com/office/drawing/2014/main" id="{38C6EBC3-E535-024B-992A-31033609468E}"/>
+              </a:ext>
+            </a:extLst>
+          </p:cNvPr>
+          <p:cNvSpPr/>
+          <p:nvPr/>
+        </p:nvSpPr>
+        <p:spPr>
+          <a:xfrm>
+            <a:off x="5715001" y="3577287"/>
+            <a:ext cx="779930" cy="794625"/>
+          </a:xfrm>
+          <a:prstGeom prst="donut">
+            <a:avLst>
+              <a:gd name="adj" fmla="val 6510"/>
+            </a:avLst>
+          </a:prstGeom>
+          <a:solidFill>
+            <a:schemeClr val="accent6">
+              <a:lumMod val="40000"/>
+              <a:lumOff val="60000"/>
+            </a:schemeClr>
+          </a:solidFill>
+        </p:spPr>
+        <p:style>
+          <a:lnRef idx="2">
+            <a:schemeClr val="accent1">
+              <a:shade val="50000"/>
+            </a:schemeClr>
+          </a:lnRef>
+          <a:fillRef idx="1">
+            <a:schemeClr val="accent1"/>
+          </a:fillRef>
+          <a:effectRef idx="0">
+            <a:schemeClr val="accent1"/>
+          </a:effectRef>
+          <a:fontRef idx="minor">
+            <a:schemeClr val="lt1"/>
+          </a:fontRef>
+        </p:style>
+        <p:txBody>
+          <a:bodyPr rtlCol="0" anchor="ctr"/>
+          <a:lstStyle/>
+          <a:p>
+            <a:pPr algn="ctr"/>
+            <a:endParaRPr lang="en-US">
+              <a:solidFill>
+                <a:schemeClr val="tx1"/>
+              </a:solidFill>
+            </a:endParaRPr>
+          </a:p>
+        </p:txBody>
+      </p:sp>
+      <p:cxnSp>
+        <p:nvCxnSpPr>
+          <p:cNvPr id="14" name="Straight Arrow Connector 13">
+            <a:extLst>
+              <a:ext uri="{FF2B5EF4-FFF2-40B4-BE49-F238E27FC236}">
+                <a16:creationId xmlns:a16="http://schemas.microsoft.com/office/drawing/2014/main" id="{D3A03B18-623E-BA49-AC84-3226577EC04A}"/>
+              </a:ext>
+            </a:extLst>
+          </p:cNvPr>
+          <p:cNvCxnSpPr>
+            <a:stCxn id="11" idx="0"/>
+            <a:endCxn id="13" idx="4"/>
+          </p:cNvCxnSpPr>
+          <p:nvPr/>
+        </p:nvCxnSpPr>
+        <p:spPr>
+          <a:xfrm flipV="1">
+            <a:off x="6104966" y="4371912"/>
+            <a:ext cx="0" cy="321112"/>
+          </a:xfrm>
+          <a:prstGeom prst="straightConnector1">
+            <a:avLst/>
+          </a:prstGeom>
+          <a:ln w="9525">
+            <a:tailEnd type="triangle"/>
+          </a:ln>
+        </p:spPr>
+        <p:style>
+          <a:lnRef idx="1">
+            <a:schemeClr val="accent1"/>
+          </a:lnRef>
+          <a:fillRef idx="0">
+            <a:schemeClr val="accent1"/>
+          </a:fillRef>
+          <a:effectRef idx="0">
+            <a:schemeClr val="accent1"/>
+          </a:effectRef>
+          <a:fontRef idx="minor">
+            <a:schemeClr val="tx1"/>
+          </a:fontRef>
+        </p:style>
+      </p:cxnSp>
+      <p:cxnSp>
+        <p:nvCxnSpPr>
+          <p:cNvPr id="15" name="Straight Arrow Connector 14">
+            <a:extLst>
+              <a:ext uri="{FF2B5EF4-FFF2-40B4-BE49-F238E27FC236}">
+                <a16:creationId xmlns:a16="http://schemas.microsoft.com/office/drawing/2014/main" id="{C58B20E6-BD32-A44E-AC30-0BF4F0408CCC}"/>
+              </a:ext>
+            </a:extLst>
+          </p:cNvPr>
+          <p:cNvCxnSpPr>
+            <a:stCxn id="13" idx="0"/>
+            <a:endCxn id="12" idx="4"/>
+          </p:cNvCxnSpPr>
+          <p:nvPr/>
+        </p:nvCxnSpPr>
+        <p:spPr>
+          <a:xfrm flipV="1">
+            <a:off x="6104966" y="3256175"/>
+            <a:ext cx="0" cy="321112"/>
+          </a:xfrm>
+          <a:prstGeom prst="straightConnector1">
+            <a:avLst/>
+          </a:prstGeom>
+          <a:ln>
+            <a:tailEnd type="triangle"/>
+          </a:ln>
+        </p:spPr>
+        <p:style>
+          <a:lnRef idx="1">
+            <a:schemeClr val="accent1"/>
+          </a:lnRef>
+          <a:fillRef idx="0">
+            <a:schemeClr val="accent1"/>
+          </a:fillRef>
+          <a:effectRef idx="0">
+            <a:schemeClr val="accent1"/>
+          </a:effectRef>
+          <a:fontRef idx="minor">
+            <a:schemeClr val="tx1"/>
+          </a:fontRef>
+        </p:style>
+      </p:cxnSp>
+      <p:sp>
+        <p:nvSpPr>
+          <p:cNvPr id="16" name="Donut 15">
+            <a:extLst>
+              <a:ext uri="{FF2B5EF4-FFF2-40B4-BE49-F238E27FC236}">
+                <a16:creationId xmlns:a16="http://schemas.microsoft.com/office/drawing/2014/main" id="{F2A51633-EEBE-2F46-A4D4-2BB379A019E9}"/>
+              </a:ext>
+            </a:extLst>
+          </p:cNvPr>
+          <p:cNvSpPr/>
+          <p:nvPr/>
+        </p:nvSpPr>
+        <p:spPr>
+          <a:xfrm>
+            <a:off x="6757148" y="4693024"/>
+            <a:ext cx="779930" cy="794625"/>
+          </a:xfrm>
+          <a:prstGeom prst="donut">
+            <a:avLst>
+              <a:gd name="adj" fmla="val 6510"/>
+            </a:avLst>
+          </a:prstGeom>
+          <a:solidFill>
+            <a:schemeClr val="accent1">
+              <a:lumMod val="75000"/>
+            </a:schemeClr>
+          </a:solidFill>
+        </p:spPr>
+        <p:style>
+          <a:lnRef idx="2">
+            <a:schemeClr val="accent1">
+              <a:shade val="50000"/>
+            </a:schemeClr>
+          </a:lnRef>
+          <a:fillRef idx="1">
+            <a:schemeClr val="accent1"/>
+          </a:fillRef>
+          <a:effectRef idx="0">
+            <a:schemeClr val="accent1"/>
+          </a:effectRef>
+          <a:fontRef idx="minor">
+            <a:schemeClr val="lt1"/>
+          </a:fontRef>
+        </p:style>
+        <p:txBody>
+          <a:bodyPr rtlCol="0" anchor="ctr"/>
+          <a:lstStyle/>
+          <a:p>
+            <a:pPr algn="ctr"/>
+            <a:r>
+              <a:rPr lang="en-US" dirty="0">
+                <a:solidFill>
+                  <a:schemeClr val="tx1"/>
+                </a:solidFill>
+              </a:rPr>
+              <a:t>X</a:t>
+            </a:r>
+            <a:r>
+              <a:rPr lang="en-US" baseline="-25000" dirty="0">
+                <a:solidFill>
+                  <a:schemeClr val="tx1"/>
+                </a:solidFill>
+              </a:rPr>
+              <a:t>2</a:t>
+            </a:r>
+            <a:endParaRPr lang="en-US" dirty="0">
+              <a:solidFill>
+                <a:schemeClr val="tx1"/>
+              </a:solidFill>
+            </a:endParaRPr>
+          </a:p>
+        </p:txBody>
+      </p:sp>
+      <p:sp>
+        <p:nvSpPr>
+          <p:cNvPr id="17" name="Donut 16">
+            <a:extLst>
+              <a:ext uri="{FF2B5EF4-FFF2-40B4-BE49-F238E27FC236}">
+                <a16:creationId xmlns:a16="http://schemas.microsoft.com/office/drawing/2014/main" id="{BEED381A-D6A2-AB47-B1D5-ACE6F09AA56C}"/>
+              </a:ext>
+            </a:extLst>
+          </p:cNvPr>
+          <p:cNvSpPr/>
+          <p:nvPr/>
+        </p:nvSpPr>
+        <p:spPr>
+          <a:xfrm>
+            <a:off x="6757148" y="2461550"/>
+            <a:ext cx="779930" cy="794625"/>
+          </a:xfrm>
+          <a:prstGeom prst="donut">
+            <a:avLst>
+              <a:gd name="adj" fmla="val 6510"/>
+            </a:avLst>
+          </a:prstGeom>
+          <a:solidFill>
+            <a:srgbClr val="00B0F0"/>
+          </a:solidFill>
+        </p:spPr>
+        <p:style>
+          <a:lnRef idx="2">
+            <a:schemeClr val="accent1">
+              <a:shade val="50000"/>
+            </a:schemeClr>
+          </a:lnRef>
+          <a:fillRef idx="1">
+            <a:schemeClr val="accent1"/>
+          </a:fillRef>
+          <a:effectRef idx="0">
+            <a:schemeClr val="accent1"/>
+          </a:effectRef>
+          <a:fontRef idx="minor">
+            <a:schemeClr val="lt1"/>
+          </a:fontRef>
+        </p:style>
+        <p:txBody>
+          <a:bodyPr rtlCol="0" anchor="ctr"/>
+          <a:lstStyle/>
+          <a:p>
+            <a:pPr algn="ctr"/>
+            <a:r>
+              <a:rPr lang="en-US" dirty="0">
+                <a:solidFill>
+                  <a:schemeClr val="tx1"/>
+                </a:solidFill>
+              </a:rPr>
+              <a:t>Y</a:t>
+            </a:r>
+            <a:r>
+              <a:rPr lang="en-US" baseline="-25000" dirty="0">
+                <a:solidFill>
+                  <a:schemeClr val="tx1"/>
+                </a:solidFill>
+              </a:rPr>
+              <a:t>2</a:t>
+            </a:r>
+            <a:endParaRPr lang="en-US" dirty="0">
+              <a:solidFill>
+                <a:schemeClr val="tx1"/>
+              </a:solidFill>
+            </a:endParaRPr>
+          </a:p>
+        </p:txBody>
+      </p:sp>
+      <p:sp>
+        <p:nvSpPr>
+          <p:cNvPr id="18" name="Donut 17">
+            <a:extLst>
+              <a:ext uri="{FF2B5EF4-FFF2-40B4-BE49-F238E27FC236}">
+                <a16:creationId xmlns:a16="http://schemas.microsoft.com/office/drawing/2014/main" id="{68C754CA-5949-A340-8497-C02853F46D88}"/>
+              </a:ext>
+            </a:extLst>
+          </p:cNvPr>
+          <p:cNvSpPr/>
+          <p:nvPr/>
+        </p:nvSpPr>
+        <p:spPr>
+          <a:xfrm>
+            <a:off x="6757148" y="3577287"/>
+            <a:ext cx="779930" cy="794625"/>
+          </a:xfrm>
+          <a:prstGeom prst="donut">
+            <a:avLst>
+              <a:gd name="adj" fmla="val 6510"/>
+            </a:avLst>
+          </a:prstGeom>
+          <a:solidFill>
+            <a:schemeClr val="accent6">
+              <a:lumMod val="40000"/>
+              <a:lumOff val="60000"/>
+            </a:schemeClr>
+          </a:solidFill>
+        </p:spPr>
+        <p:style>
+          <a:lnRef idx="2">
+            <a:schemeClr val="accent1">
+              <a:shade val="50000"/>
+            </a:schemeClr>
+          </a:lnRef>
+          <a:fillRef idx="1">
+            <a:schemeClr val="accent1"/>
+          </a:fillRef>
+          <a:effectRef idx="0">
+            <a:schemeClr val="accent1"/>
+          </a:effectRef>
+          <a:fontRef idx="minor">
+            <a:schemeClr val="lt1"/>
+          </a:fontRef>
+        </p:style>
+        <p:txBody>
+          <a:bodyPr rtlCol="0" anchor="ctr"/>
+          <a:lstStyle/>
+          <a:p>
+            <a:pPr algn="ctr"/>
+            <a:endParaRPr lang="en-US">
+              <a:solidFill>
+                <a:schemeClr val="tx1"/>
+              </a:solidFill>
+            </a:endParaRPr>
+          </a:p>
+        </p:txBody>
+      </p:sp>
+      <p:cxnSp>
+        <p:nvCxnSpPr>
+          <p:cNvPr id="19" name="Straight Arrow Connector 18">
+            <a:extLst>
+              <a:ext uri="{FF2B5EF4-FFF2-40B4-BE49-F238E27FC236}">
+                <a16:creationId xmlns:a16="http://schemas.microsoft.com/office/drawing/2014/main" id="{3572E193-03E9-354E-BD0E-DB58060A2D6F}"/>
+              </a:ext>
+            </a:extLst>
+          </p:cNvPr>
+          <p:cNvCxnSpPr>
+            <a:cxnSpLocks/>
+            <a:stCxn id="16" idx="0"/>
+            <a:endCxn id="18" idx="4"/>
+          </p:cNvCxnSpPr>
+          <p:nvPr/>
+        </p:nvCxnSpPr>
+        <p:spPr>
+          <a:xfrm flipV="1">
+            <a:off x="7147113" y="4371912"/>
+            <a:ext cx="0" cy="321112"/>
+          </a:xfrm>
+          <a:prstGeom prst="straightConnector1">
+            <a:avLst/>
+          </a:prstGeom>
+          <a:ln w="9525">
+            <a:tailEnd type="triangle"/>
+          </a:ln>
+        </p:spPr>
+        <p:style>
+          <a:lnRef idx="1">
+            <a:schemeClr val="accent1"/>
+          </a:lnRef>
+          <a:fillRef idx="0">
+            <a:schemeClr val="accent1"/>
+          </a:fillRef>
+          <a:effectRef idx="0">
+            <a:schemeClr val="accent1"/>
+          </a:effectRef>
+          <a:fontRef idx="minor">
+            <a:schemeClr val="tx1"/>
+          </a:fontRef>
+        </p:style>
+      </p:cxnSp>
+      <p:cxnSp>
+        <p:nvCxnSpPr>
+          <p:cNvPr id="20" name="Straight Arrow Connector 19">
+            <a:extLst>
+              <a:ext uri="{FF2B5EF4-FFF2-40B4-BE49-F238E27FC236}">
+                <a16:creationId xmlns:a16="http://schemas.microsoft.com/office/drawing/2014/main" id="{B5370150-F579-3B49-86AD-F2731AF2360F}"/>
+              </a:ext>
+            </a:extLst>
+          </p:cNvPr>
+          <p:cNvCxnSpPr>
+            <a:cxnSpLocks/>
+            <a:stCxn id="18" idx="0"/>
+            <a:endCxn id="17" idx="4"/>
+          </p:cNvCxnSpPr>
+          <p:nvPr/>
+        </p:nvCxnSpPr>
+        <p:spPr>
+          <a:xfrm flipV="1">
+            <a:off x="7147113" y="3256175"/>
+            <a:ext cx="0" cy="321112"/>
+          </a:xfrm>
+          <a:prstGeom prst="straightConnector1">
+            <a:avLst/>
+          </a:prstGeom>
+          <a:ln>
+            <a:tailEnd type="triangle"/>
+          </a:ln>
+        </p:spPr>
+        <p:style>
+          <a:lnRef idx="1">
+            <a:schemeClr val="accent1"/>
+          </a:lnRef>
+          <a:fillRef idx="0">
+            <a:schemeClr val="accent1"/>
+          </a:fillRef>
+          <a:effectRef idx="0">
+            <a:schemeClr val="accent1"/>
+          </a:effectRef>
+          <a:fontRef idx="minor">
+            <a:schemeClr val="tx1"/>
+          </a:fontRef>
+        </p:style>
+      </p:cxnSp>
+      <p:sp>
+        <p:nvSpPr>
+          <p:cNvPr id="21" name="Donut 20">
+            <a:extLst>
+              <a:ext uri="{FF2B5EF4-FFF2-40B4-BE49-F238E27FC236}">
+                <a16:creationId xmlns:a16="http://schemas.microsoft.com/office/drawing/2014/main" id="{F542DDD1-CE1D-B94E-B2D6-6766DC645A69}"/>
+              </a:ext>
+            </a:extLst>
+          </p:cNvPr>
+          <p:cNvSpPr/>
+          <p:nvPr/>
+        </p:nvSpPr>
+        <p:spPr>
+          <a:xfrm>
+            <a:off x="8338994" y="4693024"/>
+            <a:ext cx="779930" cy="794625"/>
+          </a:xfrm>
+          <a:prstGeom prst="donut">
+            <a:avLst>
+              <a:gd name="adj" fmla="val 6510"/>
+            </a:avLst>
+          </a:prstGeom>
+          <a:solidFill>
+            <a:schemeClr val="accent1">
+              <a:lumMod val="75000"/>
+            </a:schemeClr>
+          </a:solidFill>
+        </p:spPr>
+        <p:style>
+          <a:lnRef idx="2">
+            <a:schemeClr val="accent1">
+              <a:shade val="50000"/>
+            </a:schemeClr>
+          </a:lnRef>
+          <a:fillRef idx="1">
+            <a:schemeClr val="accent1"/>
+          </a:fillRef>
+          <a:effectRef idx="0">
+            <a:schemeClr val="accent1"/>
+          </a:effectRef>
+          <a:fontRef idx="minor">
+            <a:schemeClr val="lt1"/>
+          </a:fontRef>
+        </p:style>
+        <p:txBody>
+          <a:bodyPr rtlCol="0" anchor="ctr"/>
+          <a:lstStyle/>
+          <a:p>
+            <a:pPr algn="ctr"/>
+            <a:r>
+              <a:rPr lang="en-US" dirty="0">
+                <a:solidFill>
+                  <a:schemeClr val="tx1"/>
+                </a:solidFill>
+              </a:rPr>
+              <a:t>X</a:t>
+            </a:r>
+            <a:r>
+              <a:rPr lang="en-US" baseline="-25000" dirty="0">
+                <a:solidFill>
+                  <a:schemeClr val="tx1"/>
+                </a:solidFill>
+              </a:rPr>
+              <a:t>t-1</a:t>
+            </a:r>
+            <a:endParaRPr lang="en-US" dirty="0">
+              <a:solidFill>
+                <a:schemeClr val="tx1"/>
+              </a:solidFill>
+            </a:endParaRPr>
+          </a:p>
+        </p:txBody>
+      </p:sp>
+      <p:sp>
+        <p:nvSpPr>
+          <p:cNvPr id="22" name="Donut 21">
+            <a:extLst>
+              <a:ext uri="{FF2B5EF4-FFF2-40B4-BE49-F238E27FC236}">
+                <a16:creationId xmlns:a16="http://schemas.microsoft.com/office/drawing/2014/main" id="{81268C84-D66D-1446-8F8C-30E6AA3F028B}"/>
+              </a:ext>
+            </a:extLst>
+          </p:cNvPr>
+          <p:cNvSpPr/>
+          <p:nvPr/>
+        </p:nvSpPr>
+        <p:spPr>
+          <a:xfrm>
+            <a:off x="8338994" y="2461550"/>
+            <a:ext cx="779930" cy="794625"/>
+          </a:xfrm>
+          <a:prstGeom prst="donut">
+            <a:avLst>
+              <a:gd name="adj" fmla="val 6510"/>
+            </a:avLst>
+          </a:prstGeom>
+          <a:solidFill>
+            <a:srgbClr val="00B0F0"/>
+          </a:solidFill>
+        </p:spPr>
+        <p:style>
+          <a:lnRef idx="2">
+            <a:schemeClr val="accent1">
+              <a:shade val="50000"/>
+            </a:schemeClr>
+          </a:lnRef>
+          <a:fillRef idx="1">
+            <a:schemeClr val="accent1"/>
+          </a:fillRef>
+          <a:effectRef idx="0">
+            <a:schemeClr val="accent1"/>
+          </a:effectRef>
+          <a:fontRef idx="minor">
+            <a:schemeClr val="lt1"/>
+          </a:fontRef>
+        </p:style>
+        <p:txBody>
+          <a:bodyPr rtlCol="0" anchor="ctr"/>
+          <a:lstStyle/>
+          <a:p>
+            <a:pPr algn="ctr"/>
+            <a:r>
+              <a:rPr lang="en-US" dirty="0">
+                <a:solidFill>
+                  <a:schemeClr val="tx1"/>
+                </a:solidFill>
+              </a:rPr>
+              <a:t>Y</a:t>
+            </a:r>
+            <a:r>
+              <a:rPr lang="en-US" baseline="-25000" dirty="0">
+                <a:solidFill>
+                  <a:schemeClr val="tx1"/>
+                </a:solidFill>
+              </a:rPr>
+              <a:t>t-1</a:t>
+            </a:r>
+            <a:endParaRPr lang="en-US" dirty="0">
+              <a:solidFill>
+                <a:schemeClr val="tx1"/>
+              </a:solidFill>
+            </a:endParaRPr>
+          </a:p>
+        </p:txBody>
+      </p:sp>
+      <p:sp>
+        <p:nvSpPr>
+          <p:cNvPr id="23" name="Donut 22">
+            <a:extLst>
+              <a:ext uri="{FF2B5EF4-FFF2-40B4-BE49-F238E27FC236}">
+                <a16:creationId xmlns:a16="http://schemas.microsoft.com/office/drawing/2014/main" id="{B02E4D35-5CFC-0E49-B466-D8E4FF11A0BF}"/>
+              </a:ext>
+            </a:extLst>
+          </p:cNvPr>
+          <p:cNvSpPr/>
+          <p:nvPr/>
+        </p:nvSpPr>
+        <p:spPr>
+          <a:xfrm>
+            <a:off x="8338994" y="3577287"/>
+            <a:ext cx="779930" cy="794625"/>
+          </a:xfrm>
+          <a:prstGeom prst="donut">
+            <a:avLst>
+              <a:gd name="adj" fmla="val 6510"/>
+            </a:avLst>
+          </a:prstGeom>
+          <a:solidFill>
+            <a:schemeClr val="accent6">
+              <a:lumMod val="40000"/>
+              <a:lumOff val="60000"/>
+            </a:schemeClr>
+          </a:solidFill>
+        </p:spPr>
+        <p:style>
+          <a:lnRef idx="2">
+            <a:schemeClr val="accent1">
+              <a:shade val="50000"/>
+            </a:schemeClr>
+          </a:lnRef>
+          <a:fillRef idx="1">
+            <a:schemeClr val="accent1"/>
+          </a:fillRef>
+          <a:effectRef idx="0">
+            <a:schemeClr val="accent1"/>
+          </a:effectRef>
+          <a:fontRef idx="minor">
+            <a:schemeClr val="lt1"/>
+          </a:fontRef>
+        </p:style>
+        <p:txBody>
+          <a:bodyPr rtlCol="0" anchor="ctr"/>
+          <a:lstStyle/>
+          <a:p>
+            <a:pPr algn="ctr"/>
+            <a:endParaRPr lang="en-US">
+              <a:solidFill>
+                <a:schemeClr val="tx1"/>
+              </a:solidFill>
+            </a:endParaRPr>
+          </a:p>
+        </p:txBody>
+      </p:sp>
+      <p:cxnSp>
+        <p:nvCxnSpPr>
+          <p:cNvPr id="24" name="Straight Arrow Connector 23">
+            <a:extLst>
+              <a:ext uri="{FF2B5EF4-FFF2-40B4-BE49-F238E27FC236}">
+                <a16:creationId xmlns:a16="http://schemas.microsoft.com/office/drawing/2014/main" id="{515EA016-C734-634B-921E-9C45B92E32B6}"/>
+              </a:ext>
+            </a:extLst>
+          </p:cNvPr>
+          <p:cNvCxnSpPr>
+            <a:cxnSpLocks/>
+            <a:stCxn id="21" idx="0"/>
+            <a:endCxn id="23" idx="4"/>
+          </p:cNvCxnSpPr>
+          <p:nvPr/>
+        </p:nvCxnSpPr>
+        <p:spPr>
+          <a:xfrm flipV="1">
+            <a:off x="8728959" y="4371912"/>
+            <a:ext cx="0" cy="321112"/>
+          </a:xfrm>
+          <a:prstGeom prst="straightConnector1">
+            <a:avLst/>
+          </a:prstGeom>
+          <a:ln w="9525">
+            <a:tailEnd type="triangle"/>
+          </a:ln>
+        </p:spPr>
+        <p:style>
+          <a:lnRef idx="1">
+            <a:schemeClr val="accent1"/>
+          </a:lnRef>
+          <a:fillRef idx="0">
+            <a:schemeClr val="accent1"/>
+          </a:fillRef>
+          <a:effectRef idx="0">
+            <a:schemeClr val="accent1"/>
+          </a:effectRef>
+          <a:fontRef idx="minor">
+            <a:schemeClr val="tx1"/>
+          </a:fontRef>
+        </p:style>
+      </p:cxnSp>
+      <p:cxnSp>
+        <p:nvCxnSpPr>
+          <p:cNvPr id="25" name="Straight Arrow Connector 24">
+            <a:extLst>
+              <a:ext uri="{FF2B5EF4-FFF2-40B4-BE49-F238E27FC236}">
+                <a16:creationId xmlns:a16="http://schemas.microsoft.com/office/drawing/2014/main" id="{518D2CB4-7D01-C44C-B435-636301FD4377}"/>
+              </a:ext>
+            </a:extLst>
+          </p:cNvPr>
+          <p:cNvCxnSpPr>
+            <a:cxnSpLocks/>
+            <a:stCxn id="23" idx="0"/>
+            <a:endCxn id="22" idx="4"/>
+          </p:cNvCxnSpPr>
+          <p:nvPr/>
+        </p:nvCxnSpPr>
+        <p:spPr>
+          <a:xfrm flipV="1">
+            <a:off x="8728959" y="3256175"/>
+            <a:ext cx="0" cy="321112"/>
+          </a:xfrm>
+          <a:prstGeom prst="straightConnector1">
+            <a:avLst/>
+          </a:prstGeom>
+          <a:ln>
+            <a:tailEnd type="triangle"/>
+          </a:ln>
+        </p:spPr>
+        <p:style>
+          <a:lnRef idx="1">
+            <a:schemeClr val="accent1"/>
+          </a:lnRef>
+          <a:fillRef idx="0">
+            <a:schemeClr val="accent1"/>
+          </a:fillRef>
+          <a:effectRef idx="0">
+            <a:schemeClr val="accent1"/>
+          </a:effectRef>
+          <a:fontRef idx="minor">
+            <a:schemeClr val="tx1"/>
+          </a:fontRef>
+        </p:style>
+      </p:cxnSp>
+      <p:sp>
+        <p:nvSpPr>
+          <p:cNvPr id="26" name="Donut 25">
+            <a:extLst>
+              <a:ext uri="{FF2B5EF4-FFF2-40B4-BE49-F238E27FC236}">
+                <a16:creationId xmlns:a16="http://schemas.microsoft.com/office/drawing/2014/main" id="{9D8EC6A8-B149-C54C-9DCB-BCCF2253C4AC}"/>
+              </a:ext>
+            </a:extLst>
+          </p:cNvPr>
+          <p:cNvSpPr/>
+          <p:nvPr/>
+        </p:nvSpPr>
+        <p:spPr>
+          <a:xfrm>
+            <a:off x="9347523" y="4693024"/>
+            <a:ext cx="779930" cy="794625"/>
+          </a:xfrm>
+          <a:prstGeom prst="donut">
+            <a:avLst>
+              <a:gd name="adj" fmla="val 6510"/>
+            </a:avLst>
+          </a:prstGeom>
+          <a:solidFill>
+            <a:schemeClr val="accent1">
+              <a:lumMod val="75000"/>
+            </a:schemeClr>
+          </a:solidFill>
+        </p:spPr>
+        <p:style>
+          <a:lnRef idx="2">
+            <a:schemeClr val="accent1">
+              <a:shade val="50000"/>
+            </a:schemeClr>
+          </a:lnRef>
+          <a:fillRef idx="1">
+            <a:schemeClr val="accent1"/>
+          </a:fillRef>
+          <a:effectRef idx="0">
+            <a:schemeClr val="accent1"/>
+          </a:effectRef>
+          <a:fontRef idx="minor">
+            <a:schemeClr val="lt1"/>
+          </a:fontRef>
+        </p:style>
+        <p:txBody>
+          <a:bodyPr rtlCol="0" anchor="ctr"/>
+          <a:lstStyle/>
+          <a:p>
+            <a:pPr algn="ctr"/>
+            <a:r>
+              <a:rPr lang="en-US" dirty="0">
+                <a:solidFill>
+                  <a:schemeClr val="tx1"/>
+                </a:solidFill>
+              </a:rPr>
+              <a:t>X</a:t>
+            </a:r>
+            <a:r>
+              <a:rPr lang="en-US" baseline="-25000" dirty="0">
+                <a:solidFill>
+                  <a:schemeClr val="tx1"/>
+                </a:solidFill>
+              </a:rPr>
+              <a:t>t</a:t>
+            </a:r>
+            <a:endParaRPr lang="en-US" dirty="0">
+              <a:solidFill>
+                <a:schemeClr val="tx1"/>
+              </a:solidFill>
+            </a:endParaRPr>
+          </a:p>
+        </p:txBody>
+      </p:sp>
+      <p:sp>
+        <p:nvSpPr>
+          <p:cNvPr id="27" name="Donut 26">
+            <a:extLst>
+              <a:ext uri="{FF2B5EF4-FFF2-40B4-BE49-F238E27FC236}">
+                <a16:creationId xmlns:a16="http://schemas.microsoft.com/office/drawing/2014/main" id="{C341225C-E6EA-574A-9613-7BC728C252F9}"/>
+              </a:ext>
+            </a:extLst>
+          </p:cNvPr>
+          <p:cNvSpPr/>
+          <p:nvPr/>
+        </p:nvSpPr>
+        <p:spPr>
+          <a:xfrm>
+            <a:off x="9347523" y="2461550"/>
+            <a:ext cx="779930" cy="794625"/>
+          </a:xfrm>
+          <a:prstGeom prst="donut">
+            <a:avLst>
+              <a:gd name="adj" fmla="val 6510"/>
+            </a:avLst>
+          </a:prstGeom>
+          <a:solidFill>
+            <a:srgbClr val="00B0F0"/>
+          </a:solidFill>
+        </p:spPr>
+        <p:style>
+          <a:lnRef idx="2">
+            <a:schemeClr val="accent1">
+              <a:shade val="50000"/>
+            </a:schemeClr>
+          </a:lnRef>
+          <a:fillRef idx="1">
+            <a:schemeClr val="accent1"/>
+          </a:fillRef>
+          <a:effectRef idx="0">
+            <a:schemeClr val="accent1"/>
+          </a:effectRef>
+          <a:fontRef idx="minor">
+            <a:schemeClr val="lt1"/>
+          </a:fontRef>
+        </p:style>
+        <p:txBody>
+          <a:bodyPr rtlCol="0" anchor="ctr"/>
+          <a:lstStyle/>
+          <a:p>
+            <a:pPr algn="ctr"/>
+            <a:r>
+              <a:rPr lang="en-US" dirty="0">
+                <a:solidFill>
+                  <a:schemeClr val="tx1"/>
+                </a:solidFill>
+              </a:rPr>
+              <a:t>Y</a:t>
+            </a:r>
+            <a:r>
+              <a:rPr lang="en-US" baseline="-25000" dirty="0">
+                <a:solidFill>
+                  <a:schemeClr val="tx1"/>
+                </a:solidFill>
+              </a:rPr>
+              <a:t>t</a:t>
+            </a:r>
+          </a:p>
+        </p:txBody>
+      </p:sp>
+      <p:sp>
+        <p:nvSpPr>
+          <p:cNvPr id="28" name="Donut 27">
+            <a:extLst>
+              <a:ext uri="{FF2B5EF4-FFF2-40B4-BE49-F238E27FC236}">
+                <a16:creationId xmlns:a16="http://schemas.microsoft.com/office/drawing/2014/main" id="{9B3EF7C2-9764-2340-9621-39B489A7D841}"/>
+              </a:ext>
+            </a:extLst>
+          </p:cNvPr>
+          <p:cNvSpPr/>
+          <p:nvPr/>
+        </p:nvSpPr>
+        <p:spPr>
+          <a:xfrm>
+            <a:off x="9347523" y="3577287"/>
+            <a:ext cx="779930" cy="794625"/>
+          </a:xfrm>
+          <a:prstGeom prst="donut">
+            <a:avLst>
+              <a:gd name="adj" fmla="val 6510"/>
+            </a:avLst>
+          </a:prstGeom>
+          <a:solidFill>
+            <a:schemeClr val="accent6">
+              <a:lumMod val="40000"/>
+              <a:lumOff val="60000"/>
+            </a:schemeClr>
+          </a:solidFill>
+        </p:spPr>
+        <p:style>
+          <a:lnRef idx="2">
+            <a:schemeClr val="accent1">
+              <a:shade val="50000"/>
+            </a:schemeClr>
+          </a:lnRef>
+          <a:fillRef idx="1">
+            <a:schemeClr val="accent1"/>
+          </a:fillRef>
+          <a:effectRef idx="0">
+            <a:schemeClr val="accent1"/>
+          </a:effectRef>
+          <a:fontRef idx="minor">
+            <a:schemeClr val="lt1"/>
+          </a:fontRef>
+        </p:style>
+        <p:txBody>
+          <a:bodyPr rtlCol="0" anchor="ctr"/>
+          <a:lstStyle/>
+          <a:p>
+            <a:pPr algn="ctr"/>
+            <a:endParaRPr lang="en-US">
+              <a:solidFill>
+                <a:schemeClr val="tx1"/>
+              </a:solidFill>
+            </a:endParaRPr>
+          </a:p>
+        </p:txBody>
+      </p:sp>
+      <p:cxnSp>
+        <p:nvCxnSpPr>
+          <p:cNvPr id="29" name="Straight Arrow Connector 28">
+            <a:extLst>
+              <a:ext uri="{FF2B5EF4-FFF2-40B4-BE49-F238E27FC236}">
+                <a16:creationId xmlns:a16="http://schemas.microsoft.com/office/drawing/2014/main" id="{55D3D3B6-BD2D-5948-825A-BEFEAF332751}"/>
+              </a:ext>
+            </a:extLst>
+          </p:cNvPr>
+          <p:cNvCxnSpPr>
+            <a:stCxn id="26" idx="0"/>
+            <a:endCxn id="28" idx="4"/>
+          </p:cNvCxnSpPr>
+          <p:nvPr/>
+        </p:nvCxnSpPr>
+        <p:spPr>
+          <a:xfrm flipV="1">
+            <a:off x="9737488" y="4371912"/>
+            <a:ext cx="0" cy="321112"/>
+          </a:xfrm>
+          <a:prstGeom prst="straightConnector1">
+            <a:avLst/>
+          </a:prstGeom>
+          <a:ln w="9525">
+            <a:tailEnd type="triangle"/>
+          </a:ln>
+        </p:spPr>
+        <p:style>
+          <a:lnRef idx="1">
+            <a:schemeClr val="accent1"/>
+          </a:lnRef>
+          <a:fillRef idx="0">
+            <a:schemeClr val="accent1"/>
+          </a:fillRef>
+          <a:effectRef idx="0">
+            <a:schemeClr val="accent1"/>
+          </a:effectRef>
+          <a:fontRef idx="minor">
+            <a:schemeClr val="tx1"/>
+          </a:fontRef>
+        </p:style>
+      </p:cxnSp>
+      <p:cxnSp>
+        <p:nvCxnSpPr>
+          <p:cNvPr id="30" name="Straight Arrow Connector 29">
+            <a:extLst>
+              <a:ext uri="{FF2B5EF4-FFF2-40B4-BE49-F238E27FC236}">
+                <a16:creationId xmlns:a16="http://schemas.microsoft.com/office/drawing/2014/main" id="{E0C08320-1903-F04A-9A7B-2EC7D025E658}"/>
+              </a:ext>
+            </a:extLst>
+          </p:cNvPr>
+          <p:cNvCxnSpPr>
+            <a:stCxn id="28" idx="0"/>
+            <a:endCxn id="27" idx="4"/>
+          </p:cNvCxnSpPr>
+          <p:nvPr/>
+        </p:nvCxnSpPr>
+        <p:spPr>
+          <a:xfrm flipV="1">
+            <a:off x="9737488" y="3256175"/>
+            <a:ext cx="0" cy="321112"/>
+          </a:xfrm>
+          <a:prstGeom prst="straightConnector1">
+            <a:avLst/>
+          </a:prstGeom>
+          <a:ln>
+            <a:tailEnd type="triangle"/>
+          </a:ln>
+        </p:spPr>
+        <p:style>
+          <a:lnRef idx="1">
+            <a:schemeClr val="accent1"/>
+          </a:lnRef>
+          <a:fillRef idx="0">
+            <a:schemeClr val="accent1"/>
+          </a:fillRef>
+          <a:effectRef idx="0">
+            <a:schemeClr val="accent1"/>
+          </a:effectRef>
+          <a:fontRef idx="minor">
+            <a:schemeClr val="tx1"/>
+          </a:fontRef>
+        </p:style>
+      </p:cxnSp>
+      <p:sp>
+        <p:nvSpPr>
+          <p:cNvPr id="31" name="Donut 30">
+            <a:extLst>
+              <a:ext uri="{FF2B5EF4-FFF2-40B4-BE49-F238E27FC236}">
+                <a16:creationId xmlns:a16="http://schemas.microsoft.com/office/drawing/2014/main" id="{19CAE25E-EB99-2F4D-8035-CD7F7F4505AA}"/>
+              </a:ext>
+            </a:extLst>
+          </p:cNvPr>
+          <p:cNvSpPr/>
+          <p:nvPr/>
+        </p:nvSpPr>
+        <p:spPr>
+          <a:xfrm>
+            <a:off x="11127018" y="4693024"/>
+            <a:ext cx="779930" cy="794625"/>
+          </a:xfrm>
+          <a:prstGeom prst="donut">
+            <a:avLst>
+              <a:gd name="adj" fmla="val 6510"/>
+            </a:avLst>
+          </a:prstGeom>
+          <a:solidFill>
+            <a:schemeClr val="accent1">
+              <a:lumMod val="75000"/>
+            </a:schemeClr>
+          </a:solidFill>
+        </p:spPr>
+        <p:style>
+          <a:lnRef idx="2">
+            <a:schemeClr val="accent1">
+              <a:shade val="50000"/>
+            </a:schemeClr>
+          </a:lnRef>
+          <a:fillRef idx="1">
+            <a:schemeClr val="accent1"/>
+          </a:fillRef>
+          <a:effectRef idx="0">
+            <a:schemeClr val="accent1"/>
+          </a:effectRef>
+          <a:fontRef idx="minor">
+            <a:schemeClr val="lt1"/>
+          </a:fontRef>
+        </p:style>
+        <p:txBody>
+          <a:bodyPr rtlCol="0" anchor="ctr"/>
+          <a:lstStyle/>
+          <a:p>
+            <a:pPr algn="ctr"/>
+            <a:r>
+              <a:rPr lang="en-US" dirty="0">
+                <a:solidFill>
+                  <a:schemeClr val="tx1"/>
+                </a:solidFill>
+              </a:rPr>
+              <a:t>X</a:t>
+            </a:r>
+            <a:r>
+              <a:rPr lang="en-US" baseline="-25000" dirty="0">
+                <a:solidFill>
+                  <a:schemeClr val="tx1"/>
+                </a:solidFill>
+              </a:rPr>
+              <a:t>n</a:t>
+            </a:r>
+            <a:endParaRPr lang="en-US" dirty="0">
+              <a:solidFill>
+                <a:schemeClr val="tx1"/>
+              </a:solidFill>
+            </a:endParaRPr>
+          </a:p>
+        </p:txBody>
+      </p:sp>
+      <p:sp>
+        <p:nvSpPr>
+          <p:cNvPr id="32" name="Donut 31">
+            <a:extLst>
+              <a:ext uri="{FF2B5EF4-FFF2-40B4-BE49-F238E27FC236}">
+                <a16:creationId xmlns:a16="http://schemas.microsoft.com/office/drawing/2014/main" id="{44D37E4B-6361-354C-A3A4-486B470D4AB2}"/>
+              </a:ext>
+            </a:extLst>
+          </p:cNvPr>
+          <p:cNvSpPr/>
+          <p:nvPr/>
+        </p:nvSpPr>
+        <p:spPr>
+          <a:xfrm>
+            <a:off x="11127018" y="2461550"/>
+            <a:ext cx="779930" cy="794625"/>
+          </a:xfrm>
+          <a:prstGeom prst="donut">
+            <a:avLst>
+              <a:gd name="adj" fmla="val 6510"/>
+            </a:avLst>
+          </a:prstGeom>
+          <a:solidFill>
+            <a:srgbClr val="00B0F0"/>
+          </a:solidFill>
+        </p:spPr>
+        <p:style>
+          <a:lnRef idx="2">
+            <a:schemeClr val="accent1">
+              <a:shade val="50000"/>
+            </a:schemeClr>
+          </a:lnRef>
+          <a:fillRef idx="1">
+            <a:schemeClr val="accent1"/>
+          </a:fillRef>
+          <a:effectRef idx="0">
+            <a:schemeClr val="accent1"/>
+          </a:effectRef>
+          <a:fontRef idx="minor">
+            <a:schemeClr val="lt1"/>
+          </a:fontRef>
+        </p:style>
+        <p:txBody>
+          <a:bodyPr rtlCol="0" anchor="ctr"/>
+          <a:lstStyle/>
+          <a:p>
+            <a:pPr algn="ctr"/>
+            <a:r>
+              <a:rPr lang="en-US" dirty="0">
+                <a:solidFill>
+                  <a:schemeClr val="tx1"/>
+                </a:solidFill>
+              </a:rPr>
+              <a:t>Y</a:t>
+            </a:r>
+            <a:r>
+              <a:rPr lang="en-US" baseline="-25000" dirty="0">
+                <a:solidFill>
+                  <a:schemeClr val="tx1"/>
+                </a:solidFill>
+              </a:rPr>
+              <a:t>n</a:t>
+            </a:r>
+            <a:endParaRPr lang="en-US" dirty="0">
+              <a:solidFill>
+                <a:schemeClr val="tx1"/>
+              </a:solidFill>
+            </a:endParaRPr>
+          </a:p>
+        </p:txBody>
+      </p:sp>
+      <p:sp>
+        <p:nvSpPr>
+          <p:cNvPr id="33" name="Donut 32">
+            <a:extLst>
+              <a:ext uri="{FF2B5EF4-FFF2-40B4-BE49-F238E27FC236}">
+                <a16:creationId xmlns:a16="http://schemas.microsoft.com/office/drawing/2014/main" id="{B5212229-9BB1-A646-AB15-2EF71C0D2ADF}"/>
+              </a:ext>
+            </a:extLst>
+          </p:cNvPr>
+          <p:cNvSpPr/>
+          <p:nvPr/>
+        </p:nvSpPr>
+        <p:spPr>
+          <a:xfrm>
+            <a:off x="11127018" y="3577287"/>
+            <a:ext cx="779930" cy="794625"/>
+          </a:xfrm>
+          <a:prstGeom prst="donut">
+            <a:avLst>
+              <a:gd name="adj" fmla="val 6510"/>
+            </a:avLst>
+          </a:prstGeom>
+          <a:solidFill>
+            <a:schemeClr val="accent6">
+              <a:lumMod val="40000"/>
+              <a:lumOff val="60000"/>
+            </a:schemeClr>
+          </a:solidFill>
+        </p:spPr>
+        <p:style>
+          <a:lnRef idx="2">
+            <a:schemeClr val="accent1">
+              <a:shade val="50000"/>
+            </a:schemeClr>
+          </a:lnRef>
+          <a:fillRef idx="1">
+            <a:schemeClr val="accent1"/>
+          </a:fillRef>
+          <a:effectRef idx="0">
+            <a:schemeClr val="accent1"/>
+          </a:effectRef>
+          <a:fontRef idx="minor">
+            <a:schemeClr val="lt1"/>
+          </a:fontRef>
+        </p:style>
+        <p:txBody>
+          <a:bodyPr rtlCol="0" anchor="ctr"/>
+          <a:lstStyle/>
+          <a:p>
+            <a:pPr algn="ctr"/>
+            <a:endParaRPr lang="en-US">
+              <a:solidFill>
+                <a:schemeClr val="tx1"/>
+              </a:solidFill>
+            </a:endParaRPr>
+          </a:p>
+        </p:txBody>
+      </p:sp>
+      <p:cxnSp>
+        <p:nvCxnSpPr>
+          <p:cNvPr id="34" name="Straight Arrow Connector 33">
+            <a:extLst>
+              <a:ext uri="{FF2B5EF4-FFF2-40B4-BE49-F238E27FC236}">
+                <a16:creationId xmlns:a16="http://schemas.microsoft.com/office/drawing/2014/main" id="{F306B040-4DCE-DB4F-889E-BDCE256ABD80}"/>
+              </a:ext>
+            </a:extLst>
+          </p:cNvPr>
+          <p:cNvCxnSpPr>
+            <a:stCxn id="31" idx="0"/>
+            <a:endCxn id="33" idx="4"/>
+          </p:cNvCxnSpPr>
+          <p:nvPr/>
+        </p:nvCxnSpPr>
+        <p:spPr>
+          <a:xfrm flipV="1">
+            <a:off x="11516983" y="4371912"/>
+            <a:ext cx="0" cy="321112"/>
+          </a:xfrm>
+          <a:prstGeom prst="straightConnector1">
+            <a:avLst/>
+          </a:prstGeom>
+          <a:ln w="9525">
+            <a:tailEnd type="triangle"/>
+          </a:ln>
+        </p:spPr>
+        <p:style>
+          <a:lnRef idx="1">
+            <a:schemeClr val="accent1"/>
+          </a:lnRef>
+          <a:fillRef idx="0">
+            <a:schemeClr val="accent1"/>
+          </a:fillRef>
+          <a:effectRef idx="0">
+            <a:schemeClr val="accent1"/>
+          </a:effectRef>
+          <a:fontRef idx="minor">
+            <a:schemeClr val="tx1"/>
+          </a:fontRef>
+        </p:style>
+      </p:cxnSp>
+      <p:cxnSp>
+        <p:nvCxnSpPr>
+          <p:cNvPr id="35" name="Straight Arrow Connector 34">
+            <a:extLst>
+              <a:ext uri="{FF2B5EF4-FFF2-40B4-BE49-F238E27FC236}">
+                <a16:creationId xmlns:a16="http://schemas.microsoft.com/office/drawing/2014/main" id="{F28B2565-7AB1-B54A-836E-481B46647F38}"/>
+              </a:ext>
+            </a:extLst>
+          </p:cNvPr>
+          <p:cNvCxnSpPr>
+            <a:stCxn id="33" idx="0"/>
+            <a:endCxn id="32" idx="4"/>
+          </p:cNvCxnSpPr>
+          <p:nvPr/>
+        </p:nvCxnSpPr>
+        <p:spPr>
+          <a:xfrm flipV="1">
+            <a:off x="11516983" y="3256175"/>
+            <a:ext cx="0" cy="321112"/>
+          </a:xfrm>
+          <a:prstGeom prst="straightConnector1">
+            <a:avLst/>
+          </a:prstGeom>
+          <a:ln>
+            <a:tailEnd type="triangle"/>
+          </a:ln>
+        </p:spPr>
+        <p:style>
+          <a:lnRef idx="1">
+            <a:schemeClr val="accent1"/>
+          </a:lnRef>
+          <a:fillRef idx="0">
+            <a:schemeClr val="accent1"/>
+          </a:fillRef>
+          <a:effectRef idx="0">
+            <a:schemeClr val="accent1"/>
+          </a:effectRef>
+          <a:fontRef idx="minor">
+            <a:schemeClr val="tx1"/>
+          </a:fontRef>
+        </p:style>
+      </p:cxnSp>
+      <p:sp>
+        <p:nvSpPr>
+          <p:cNvPr id="36" name="TextBox 35">
+            <a:extLst>
+              <a:ext uri="{FF2B5EF4-FFF2-40B4-BE49-F238E27FC236}">
+                <a16:creationId xmlns:a16="http://schemas.microsoft.com/office/drawing/2014/main" id="{4741B956-1E33-0D45-9311-B341B0F0F45F}"/>
+              </a:ext>
+            </a:extLst>
+          </p:cNvPr>
+          <p:cNvSpPr txBox="1"/>
+          <p:nvPr/>
+        </p:nvSpPr>
+        <p:spPr>
+          <a:xfrm>
+            <a:off x="7704531" y="3735049"/>
+            <a:ext cx="551330" cy="523220"/>
+          </a:xfrm>
+          <a:prstGeom prst="rect">
+            <a:avLst/>
+          </a:prstGeom>
+          <a:noFill/>
+        </p:spPr>
+        <p:txBody>
+          <a:bodyPr wrap="square" rtlCol="0">
+            <a:spAutoFit/>
+          </a:bodyPr>
+          <a:lstStyle/>
+          <a:p>
+            <a:r>
+              <a:rPr lang="en-US" sz="2800" dirty="0"/>
+              <a:t>…</a:t>
+            </a:r>
+          </a:p>
+        </p:txBody>
+      </p:sp>
+      <p:sp>
+        <p:nvSpPr>
+          <p:cNvPr id="37" name="TextBox 36">
+            <a:extLst>
+              <a:ext uri="{FF2B5EF4-FFF2-40B4-BE49-F238E27FC236}">
+                <a16:creationId xmlns:a16="http://schemas.microsoft.com/office/drawing/2014/main" id="{F490DD32-5F2B-B14B-9AF7-86C5AC125AB2}"/>
+              </a:ext>
+            </a:extLst>
+          </p:cNvPr>
+          <p:cNvSpPr txBox="1"/>
+          <p:nvPr/>
+        </p:nvSpPr>
+        <p:spPr>
+          <a:xfrm>
+            <a:off x="10351570" y="3735049"/>
+            <a:ext cx="551330" cy="523220"/>
+          </a:xfrm>
+          <a:prstGeom prst="rect">
+            <a:avLst/>
+          </a:prstGeom>
+          <a:noFill/>
+        </p:spPr>
+        <p:txBody>
+          <a:bodyPr wrap="square" rtlCol="0">
+            <a:spAutoFit/>
+          </a:bodyPr>
+          <a:lstStyle/>
+          <a:p>
+            <a:r>
+              <a:rPr lang="en-US" sz="2800" dirty="0"/>
+              <a:t>…</a:t>
+            </a:r>
+          </a:p>
+        </p:txBody>
+      </p:sp>
+      <p:cxnSp>
+        <p:nvCxnSpPr>
+          <p:cNvPr id="38" name="Straight Arrow Connector 37">
+            <a:extLst>
+              <a:ext uri="{FF2B5EF4-FFF2-40B4-BE49-F238E27FC236}">
+                <a16:creationId xmlns:a16="http://schemas.microsoft.com/office/drawing/2014/main" id="{7495837E-61C6-FB43-9D14-04BB398BDEFD}"/>
+              </a:ext>
+            </a:extLst>
+          </p:cNvPr>
+          <p:cNvCxnSpPr>
+            <a:stCxn id="13" idx="6"/>
+            <a:endCxn id="18" idx="2"/>
+          </p:cNvCxnSpPr>
+          <p:nvPr/>
+        </p:nvCxnSpPr>
+        <p:spPr>
+          <a:xfrm>
+            <a:off x="6494931" y="3974600"/>
+            <a:ext cx="262217" cy="0"/>
+          </a:xfrm>
+          <a:prstGeom prst="straightConnector1">
+            <a:avLst/>
+          </a:prstGeom>
+          <a:ln>
+            <a:tailEnd type="triangle"/>
+          </a:ln>
+        </p:spPr>
+        <p:style>
+          <a:lnRef idx="1">
+            <a:schemeClr val="accent1"/>
+          </a:lnRef>
+          <a:fillRef idx="0">
+            <a:schemeClr val="accent1"/>
+          </a:fillRef>
+          <a:effectRef idx="0">
+            <a:schemeClr val="accent1"/>
+          </a:effectRef>
+          <a:fontRef idx="minor">
+            <a:schemeClr val="tx1"/>
+          </a:fontRef>
+        </p:style>
+      </p:cxnSp>
+      <p:cxnSp>
+        <p:nvCxnSpPr>
+          <p:cNvPr id="39" name="Straight Arrow Connector 38">
+            <a:extLst>
+              <a:ext uri="{FF2B5EF4-FFF2-40B4-BE49-F238E27FC236}">
+                <a16:creationId xmlns:a16="http://schemas.microsoft.com/office/drawing/2014/main" id="{4A0ACD04-03F0-814F-8877-E1EA074FC5B4}"/>
+              </a:ext>
+            </a:extLst>
+          </p:cNvPr>
+          <p:cNvCxnSpPr>
+            <a:stCxn id="23" idx="6"/>
+            <a:endCxn id="28" idx="2"/>
+          </p:cNvCxnSpPr>
+          <p:nvPr/>
+        </p:nvCxnSpPr>
+        <p:spPr>
+          <a:xfrm>
+            <a:off x="9118924" y="3974600"/>
+            <a:ext cx="228599" cy="0"/>
+          </a:xfrm>
+          <a:prstGeom prst="straightConnector1">
+            <a:avLst/>
+          </a:prstGeom>
+          <a:ln>
+            <a:tailEnd type="triangle"/>
+          </a:ln>
+        </p:spPr>
+        <p:style>
+          <a:lnRef idx="1">
+            <a:schemeClr val="accent1"/>
+          </a:lnRef>
+          <a:fillRef idx="0">
+            <a:schemeClr val="accent1"/>
+          </a:fillRef>
+          <a:effectRef idx="0">
+            <a:schemeClr val="accent1"/>
+          </a:effectRef>
+          <a:fontRef idx="minor">
+            <a:schemeClr val="tx1"/>
+          </a:fontRef>
+        </p:style>
+      </p:cxnSp>
+      <p:cxnSp>
+        <p:nvCxnSpPr>
+          <p:cNvPr id="40" name="Straight Arrow Connector 39">
+            <a:extLst>
+              <a:ext uri="{FF2B5EF4-FFF2-40B4-BE49-F238E27FC236}">
+                <a16:creationId xmlns:a16="http://schemas.microsoft.com/office/drawing/2014/main" id="{08B2AC61-88E8-BB4B-AAD3-D69ADB4E4FA1}"/>
+              </a:ext>
+            </a:extLst>
+          </p:cNvPr>
+          <p:cNvCxnSpPr>
+            <a:stCxn id="28" idx="6"/>
+          </p:cNvCxnSpPr>
+          <p:nvPr/>
+        </p:nvCxnSpPr>
+        <p:spPr>
+          <a:xfrm flipV="1">
+            <a:off x="10127453" y="3974599"/>
+            <a:ext cx="499782" cy="1"/>
+          </a:xfrm>
+          <a:prstGeom prst="straightConnector1">
+            <a:avLst/>
+          </a:prstGeom>
+          <a:ln>
+            <a:tailEnd type="triangle"/>
+          </a:ln>
+        </p:spPr>
+        <p:style>
+          <a:lnRef idx="1">
+            <a:schemeClr val="accent1"/>
+          </a:lnRef>
+          <a:fillRef idx="0">
+            <a:schemeClr val="accent1"/>
+          </a:fillRef>
+          <a:effectRef idx="0">
+            <a:schemeClr val="accent1"/>
+          </a:effectRef>
+          <a:fontRef idx="minor">
+            <a:schemeClr val="tx1"/>
+          </a:fontRef>
+        </p:style>
+      </p:cxnSp>
+      <p:cxnSp>
+        <p:nvCxnSpPr>
+          <p:cNvPr id="41" name="Straight Arrow Connector 40">
+            <a:extLst>
+              <a:ext uri="{FF2B5EF4-FFF2-40B4-BE49-F238E27FC236}">
+                <a16:creationId xmlns:a16="http://schemas.microsoft.com/office/drawing/2014/main" id="{7C11502B-4744-0C46-BB77-482BED4B9AF7}"/>
+              </a:ext>
+            </a:extLst>
+          </p:cNvPr>
+          <p:cNvCxnSpPr/>
+          <p:nvPr/>
+        </p:nvCxnSpPr>
+        <p:spPr>
+          <a:xfrm>
+            <a:off x="7537078" y="3974599"/>
+            <a:ext cx="389543" cy="0"/>
+          </a:xfrm>
+          <a:prstGeom prst="straightConnector1">
+            <a:avLst/>
+          </a:prstGeom>
+          <a:ln>
+            <a:tailEnd type="triangle"/>
+          </a:ln>
+        </p:spPr>
+        <p:style>
+          <a:lnRef idx="1">
+            <a:schemeClr val="accent1"/>
+          </a:lnRef>
+          <a:fillRef idx="0">
+            <a:schemeClr val="accent1"/>
+          </a:fillRef>
+          <a:effectRef idx="0">
+            <a:schemeClr val="accent1"/>
+          </a:effectRef>
+          <a:fontRef idx="minor">
+            <a:schemeClr val="tx1"/>
+          </a:fontRef>
+        </p:style>
+      </p:cxnSp>
     </p:spTree>
     <p:extLst>
       <p:ext uri="{BB962C8B-B14F-4D97-AF65-F5344CB8AC3E}">
@@ -7200,6 +12410,1358 @@
   <p:clrMapOvr>
     <a:masterClrMapping/>
   </p:clrMapOvr>
+  <p:timing>
+    <p:tnLst>
+      <p:par>
+        <p:cTn id="1" dur="indefinite" restart="never" nodeType="tmRoot">
+          <p:childTnLst>
+            <p:seq concurrent="1" nextAc="seek">
+              <p:cTn id="2" dur="indefinite" nodeType="mainSeq">
+                <p:childTnLst>
+                  <p:par>
+                    <p:cTn id="3" fill="hold">
+                      <p:stCondLst>
+                        <p:cond delay="indefinite"/>
+                      </p:stCondLst>
+                      <p:childTnLst>
+                        <p:par>
+                          <p:cTn id="4" fill="hold">
+                            <p:stCondLst>
+                              <p:cond delay="0"/>
+                            </p:stCondLst>
+                            <p:childTnLst>
+                              <p:par>
+                                <p:cTn id="5" presetID="1" presetClass="entr" presetSubtype="0" fill="hold" grpId="1" nodeType="clickEffect">
+                                  <p:stCondLst>
+                                    <p:cond delay="0"/>
+                                  </p:stCondLst>
+                                  <p:childTnLst>
+                                    <p:set>
+                                      <p:cBhvr>
+                                        <p:cTn id="6" dur="1" fill="hold">
+                                          <p:stCondLst>
+                                            <p:cond delay="0"/>
+                                          </p:stCondLst>
+                                        </p:cTn>
+                                        <p:tgtEl>
+                                          <p:spTgt spid="8"/>
+                                        </p:tgtEl>
+                                        <p:attrNameLst>
+                                          <p:attrName>style.visibility</p:attrName>
+                                        </p:attrNameLst>
+                                      </p:cBhvr>
+                                      <p:to>
+                                        <p:strVal val="visible"/>
+                                      </p:to>
+                                    </p:set>
+                                  </p:childTnLst>
+                                </p:cTn>
+                              </p:par>
+                            </p:childTnLst>
+                          </p:cTn>
+                        </p:par>
+                      </p:childTnLst>
+                    </p:cTn>
+                  </p:par>
+                  <p:par>
+                    <p:cTn id="7" fill="hold">
+                      <p:stCondLst>
+                        <p:cond delay="indefinite"/>
+                      </p:stCondLst>
+                      <p:childTnLst>
+                        <p:par>
+                          <p:cTn id="8" fill="hold">
+                            <p:stCondLst>
+                              <p:cond delay="0"/>
+                            </p:stCondLst>
+                            <p:childTnLst>
+                              <p:par>
+                                <p:cTn id="9" presetID="1" presetClass="entr" presetSubtype="0" fill="hold" grpId="0" nodeType="clickEffect">
+                                  <p:stCondLst>
+                                    <p:cond delay="0"/>
+                                  </p:stCondLst>
+                                  <p:childTnLst>
+                                    <p:set>
+                                      <p:cBhvr>
+                                        <p:cTn id="10" dur="1" fill="hold">
+                                          <p:stCondLst>
+                                            <p:cond delay="0"/>
+                                          </p:stCondLst>
+                                        </p:cTn>
+                                        <p:tgtEl>
+                                          <p:spTgt spid="9"/>
+                                        </p:tgtEl>
+                                        <p:attrNameLst>
+                                          <p:attrName>style.visibility</p:attrName>
+                                        </p:attrNameLst>
+                                      </p:cBhvr>
+                                      <p:to>
+                                        <p:strVal val="visible"/>
+                                      </p:to>
+                                    </p:set>
+                                  </p:childTnLst>
+                                </p:cTn>
+                              </p:par>
+                            </p:childTnLst>
+                          </p:cTn>
+                        </p:par>
+                      </p:childTnLst>
+                    </p:cTn>
+                  </p:par>
+                  <p:par>
+                    <p:cTn id="11" fill="hold">
+                      <p:stCondLst>
+                        <p:cond delay="indefinite"/>
+                      </p:stCondLst>
+                      <p:childTnLst>
+                        <p:par>
+                          <p:cTn id="12" fill="hold">
+                            <p:stCondLst>
+                              <p:cond delay="0"/>
+                            </p:stCondLst>
+                            <p:childTnLst>
+                              <p:par>
+                                <p:cTn id="13" presetID="1" presetClass="entr" presetSubtype="0" fill="hold" nodeType="clickEffect">
+                                  <p:stCondLst>
+                                    <p:cond delay="0"/>
+                                  </p:stCondLst>
+                                  <p:childTnLst>
+                                    <p:set>
+                                      <p:cBhvr>
+                                        <p:cTn id="14" dur="1" fill="hold">
+                                          <p:stCondLst>
+                                            <p:cond delay="0"/>
+                                          </p:stCondLst>
+                                        </p:cTn>
+                                        <p:tgtEl>
+                                          <p:spTgt spid="5"/>
+                                        </p:tgtEl>
+                                        <p:attrNameLst>
+                                          <p:attrName>style.visibility</p:attrName>
+                                        </p:attrNameLst>
+                                      </p:cBhvr>
+                                      <p:to>
+                                        <p:strVal val="visible"/>
+                                      </p:to>
+                                    </p:set>
+                                  </p:childTnLst>
+                                </p:cTn>
+                              </p:par>
+                            </p:childTnLst>
+                          </p:cTn>
+                        </p:par>
+                      </p:childTnLst>
+                    </p:cTn>
+                  </p:par>
+                  <p:par>
+                    <p:cTn id="15" fill="hold">
+                      <p:stCondLst>
+                        <p:cond delay="indefinite"/>
+                      </p:stCondLst>
+                      <p:childTnLst>
+                        <p:par>
+                          <p:cTn id="16" fill="hold">
+                            <p:stCondLst>
+                              <p:cond delay="0"/>
+                            </p:stCondLst>
+                            <p:childTnLst>
+                              <p:par>
+                                <p:cTn id="17" presetID="1" presetClass="exit" presetSubtype="0" fill="hold" grpId="0" nodeType="clickEffect">
+                                  <p:stCondLst>
+                                    <p:cond delay="0"/>
+                                  </p:stCondLst>
+                                  <p:childTnLst>
+                                    <p:set>
+                                      <p:cBhvr>
+                                        <p:cTn id="18" dur="1" fill="hold">
+                                          <p:stCondLst>
+                                            <p:cond delay="0"/>
+                                          </p:stCondLst>
+                                        </p:cTn>
+                                        <p:tgtEl>
+                                          <p:spTgt spid="8"/>
+                                        </p:tgtEl>
+                                        <p:attrNameLst>
+                                          <p:attrName>style.visibility</p:attrName>
+                                        </p:attrNameLst>
+                                      </p:cBhvr>
+                                      <p:to>
+                                        <p:strVal val="hidden"/>
+                                      </p:to>
+                                    </p:set>
+                                  </p:childTnLst>
+                                </p:cTn>
+                              </p:par>
+                              <p:par>
+                                <p:cTn id="19" presetID="1" presetClass="exit" presetSubtype="0" fill="hold" nodeType="withEffect">
+                                  <p:stCondLst>
+                                    <p:cond delay="0"/>
+                                  </p:stCondLst>
+                                  <p:childTnLst>
+                                    <p:set>
+                                      <p:cBhvr>
+                                        <p:cTn id="20" dur="1" fill="hold">
+                                          <p:stCondLst>
+                                            <p:cond delay="0"/>
+                                          </p:stCondLst>
+                                        </p:cTn>
+                                        <p:tgtEl>
+                                          <p:spTgt spid="5"/>
+                                        </p:tgtEl>
+                                        <p:attrNameLst>
+                                          <p:attrName>style.visibility</p:attrName>
+                                        </p:attrNameLst>
+                                      </p:cBhvr>
+                                      <p:to>
+                                        <p:strVal val="hidden"/>
+                                      </p:to>
+                                    </p:set>
+                                  </p:childTnLst>
+                                </p:cTn>
+                              </p:par>
+                            </p:childTnLst>
+                          </p:cTn>
+                        </p:par>
+                      </p:childTnLst>
+                    </p:cTn>
+                  </p:par>
+                  <p:par>
+                    <p:cTn id="21" fill="hold">
+                      <p:stCondLst>
+                        <p:cond delay="indefinite"/>
+                      </p:stCondLst>
+                      <p:childTnLst>
+                        <p:par>
+                          <p:cTn id="22" fill="hold">
+                            <p:stCondLst>
+                              <p:cond delay="0"/>
+                            </p:stCondLst>
+                            <p:childTnLst>
+                              <p:par>
+                                <p:cTn id="23" presetID="1" presetClass="entr" presetSubtype="0" fill="hold" grpId="0" nodeType="clickEffect">
+                                  <p:stCondLst>
+                                    <p:cond delay="0"/>
+                                  </p:stCondLst>
+                                  <p:childTnLst>
+                                    <p:set>
+                                      <p:cBhvr>
+                                        <p:cTn id="24" dur="1" fill="hold">
+                                          <p:stCondLst>
+                                            <p:cond delay="0"/>
+                                          </p:stCondLst>
+                                        </p:cTn>
+                                        <p:tgtEl>
+                                          <p:spTgt spid="11"/>
+                                        </p:tgtEl>
+                                        <p:attrNameLst>
+                                          <p:attrName>style.visibility</p:attrName>
+                                        </p:attrNameLst>
+                                      </p:cBhvr>
+                                      <p:to>
+                                        <p:strVal val="visible"/>
+                                      </p:to>
+                                    </p:set>
+                                  </p:childTnLst>
+                                </p:cTn>
+                              </p:par>
+                              <p:par>
+                                <p:cTn id="25" presetID="1" presetClass="entr" presetSubtype="0" fill="hold" grpId="0" nodeType="withEffect">
+                                  <p:stCondLst>
+                                    <p:cond delay="0"/>
+                                  </p:stCondLst>
+                                  <p:childTnLst>
+                                    <p:set>
+                                      <p:cBhvr>
+                                        <p:cTn id="26" dur="1" fill="hold">
+                                          <p:stCondLst>
+                                            <p:cond delay="0"/>
+                                          </p:stCondLst>
+                                        </p:cTn>
+                                        <p:tgtEl>
+                                          <p:spTgt spid="12"/>
+                                        </p:tgtEl>
+                                        <p:attrNameLst>
+                                          <p:attrName>style.visibility</p:attrName>
+                                        </p:attrNameLst>
+                                      </p:cBhvr>
+                                      <p:to>
+                                        <p:strVal val="visible"/>
+                                      </p:to>
+                                    </p:set>
+                                  </p:childTnLst>
+                                </p:cTn>
+                              </p:par>
+                              <p:par>
+                                <p:cTn id="27" presetID="1" presetClass="entr" presetSubtype="0" fill="hold" grpId="0" nodeType="withEffect">
+                                  <p:stCondLst>
+                                    <p:cond delay="0"/>
+                                  </p:stCondLst>
+                                  <p:childTnLst>
+                                    <p:set>
+                                      <p:cBhvr>
+                                        <p:cTn id="28" dur="1" fill="hold">
+                                          <p:stCondLst>
+                                            <p:cond delay="0"/>
+                                          </p:stCondLst>
+                                        </p:cTn>
+                                        <p:tgtEl>
+                                          <p:spTgt spid="13"/>
+                                        </p:tgtEl>
+                                        <p:attrNameLst>
+                                          <p:attrName>style.visibility</p:attrName>
+                                        </p:attrNameLst>
+                                      </p:cBhvr>
+                                      <p:to>
+                                        <p:strVal val="visible"/>
+                                      </p:to>
+                                    </p:set>
+                                  </p:childTnLst>
+                                </p:cTn>
+                              </p:par>
+                              <p:par>
+                                <p:cTn id="29" presetID="1" presetClass="entr" presetSubtype="0" fill="hold" nodeType="withEffect">
+                                  <p:stCondLst>
+                                    <p:cond delay="0"/>
+                                  </p:stCondLst>
+                                  <p:childTnLst>
+                                    <p:set>
+                                      <p:cBhvr>
+                                        <p:cTn id="30" dur="1" fill="hold">
+                                          <p:stCondLst>
+                                            <p:cond delay="0"/>
+                                          </p:stCondLst>
+                                        </p:cTn>
+                                        <p:tgtEl>
+                                          <p:spTgt spid="14"/>
+                                        </p:tgtEl>
+                                        <p:attrNameLst>
+                                          <p:attrName>style.visibility</p:attrName>
+                                        </p:attrNameLst>
+                                      </p:cBhvr>
+                                      <p:to>
+                                        <p:strVal val="visible"/>
+                                      </p:to>
+                                    </p:set>
+                                  </p:childTnLst>
+                                </p:cTn>
+                              </p:par>
+                              <p:par>
+                                <p:cTn id="31" presetID="1" presetClass="entr" presetSubtype="0" fill="hold" nodeType="withEffect">
+                                  <p:stCondLst>
+                                    <p:cond delay="0"/>
+                                  </p:stCondLst>
+                                  <p:childTnLst>
+                                    <p:set>
+                                      <p:cBhvr>
+                                        <p:cTn id="32" dur="1" fill="hold">
+                                          <p:stCondLst>
+                                            <p:cond delay="0"/>
+                                          </p:stCondLst>
+                                        </p:cTn>
+                                        <p:tgtEl>
+                                          <p:spTgt spid="15"/>
+                                        </p:tgtEl>
+                                        <p:attrNameLst>
+                                          <p:attrName>style.visibility</p:attrName>
+                                        </p:attrNameLst>
+                                      </p:cBhvr>
+                                      <p:to>
+                                        <p:strVal val="visible"/>
+                                      </p:to>
+                                    </p:set>
+                                  </p:childTnLst>
+                                </p:cTn>
+                              </p:par>
+                              <p:par>
+                                <p:cTn id="33" presetID="1" presetClass="entr" presetSubtype="0" fill="hold" grpId="0" nodeType="withEffect">
+                                  <p:stCondLst>
+                                    <p:cond delay="0"/>
+                                  </p:stCondLst>
+                                  <p:childTnLst>
+                                    <p:set>
+                                      <p:cBhvr>
+                                        <p:cTn id="34" dur="1" fill="hold">
+                                          <p:stCondLst>
+                                            <p:cond delay="0"/>
+                                          </p:stCondLst>
+                                        </p:cTn>
+                                        <p:tgtEl>
+                                          <p:spTgt spid="16"/>
+                                        </p:tgtEl>
+                                        <p:attrNameLst>
+                                          <p:attrName>style.visibility</p:attrName>
+                                        </p:attrNameLst>
+                                      </p:cBhvr>
+                                      <p:to>
+                                        <p:strVal val="visible"/>
+                                      </p:to>
+                                    </p:set>
+                                  </p:childTnLst>
+                                </p:cTn>
+                              </p:par>
+                              <p:par>
+                                <p:cTn id="35" presetID="1" presetClass="entr" presetSubtype="0" fill="hold" grpId="0" nodeType="withEffect">
+                                  <p:stCondLst>
+                                    <p:cond delay="0"/>
+                                  </p:stCondLst>
+                                  <p:childTnLst>
+                                    <p:set>
+                                      <p:cBhvr>
+                                        <p:cTn id="36" dur="1" fill="hold">
+                                          <p:stCondLst>
+                                            <p:cond delay="0"/>
+                                          </p:stCondLst>
+                                        </p:cTn>
+                                        <p:tgtEl>
+                                          <p:spTgt spid="17"/>
+                                        </p:tgtEl>
+                                        <p:attrNameLst>
+                                          <p:attrName>style.visibility</p:attrName>
+                                        </p:attrNameLst>
+                                      </p:cBhvr>
+                                      <p:to>
+                                        <p:strVal val="visible"/>
+                                      </p:to>
+                                    </p:set>
+                                  </p:childTnLst>
+                                </p:cTn>
+                              </p:par>
+                              <p:par>
+                                <p:cTn id="37" presetID="1" presetClass="entr" presetSubtype="0" fill="hold" grpId="0" nodeType="withEffect">
+                                  <p:stCondLst>
+                                    <p:cond delay="0"/>
+                                  </p:stCondLst>
+                                  <p:childTnLst>
+                                    <p:set>
+                                      <p:cBhvr>
+                                        <p:cTn id="38" dur="1" fill="hold">
+                                          <p:stCondLst>
+                                            <p:cond delay="0"/>
+                                          </p:stCondLst>
+                                        </p:cTn>
+                                        <p:tgtEl>
+                                          <p:spTgt spid="18"/>
+                                        </p:tgtEl>
+                                        <p:attrNameLst>
+                                          <p:attrName>style.visibility</p:attrName>
+                                        </p:attrNameLst>
+                                      </p:cBhvr>
+                                      <p:to>
+                                        <p:strVal val="visible"/>
+                                      </p:to>
+                                    </p:set>
+                                  </p:childTnLst>
+                                </p:cTn>
+                              </p:par>
+                              <p:par>
+                                <p:cTn id="39" presetID="1" presetClass="entr" presetSubtype="0" fill="hold" nodeType="withEffect">
+                                  <p:stCondLst>
+                                    <p:cond delay="0"/>
+                                  </p:stCondLst>
+                                  <p:childTnLst>
+                                    <p:set>
+                                      <p:cBhvr>
+                                        <p:cTn id="40" dur="1" fill="hold">
+                                          <p:stCondLst>
+                                            <p:cond delay="0"/>
+                                          </p:stCondLst>
+                                        </p:cTn>
+                                        <p:tgtEl>
+                                          <p:spTgt spid="19"/>
+                                        </p:tgtEl>
+                                        <p:attrNameLst>
+                                          <p:attrName>style.visibility</p:attrName>
+                                        </p:attrNameLst>
+                                      </p:cBhvr>
+                                      <p:to>
+                                        <p:strVal val="visible"/>
+                                      </p:to>
+                                    </p:set>
+                                  </p:childTnLst>
+                                </p:cTn>
+                              </p:par>
+                              <p:par>
+                                <p:cTn id="41" presetID="1" presetClass="entr" presetSubtype="0" fill="hold" nodeType="withEffect">
+                                  <p:stCondLst>
+                                    <p:cond delay="0"/>
+                                  </p:stCondLst>
+                                  <p:childTnLst>
+                                    <p:set>
+                                      <p:cBhvr>
+                                        <p:cTn id="42" dur="1" fill="hold">
+                                          <p:stCondLst>
+                                            <p:cond delay="0"/>
+                                          </p:stCondLst>
+                                        </p:cTn>
+                                        <p:tgtEl>
+                                          <p:spTgt spid="20"/>
+                                        </p:tgtEl>
+                                        <p:attrNameLst>
+                                          <p:attrName>style.visibility</p:attrName>
+                                        </p:attrNameLst>
+                                      </p:cBhvr>
+                                      <p:to>
+                                        <p:strVal val="visible"/>
+                                      </p:to>
+                                    </p:set>
+                                  </p:childTnLst>
+                                </p:cTn>
+                              </p:par>
+                              <p:par>
+                                <p:cTn id="43" presetID="1" presetClass="entr" presetSubtype="0" fill="hold" grpId="0" nodeType="withEffect">
+                                  <p:stCondLst>
+                                    <p:cond delay="0"/>
+                                  </p:stCondLst>
+                                  <p:childTnLst>
+                                    <p:set>
+                                      <p:cBhvr>
+                                        <p:cTn id="44" dur="1" fill="hold">
+                                          <p:stCondLst>
+                                            <p:cond delay="0"/>
+                                          </p:stCondLst>
+                                        </p:cTn>
+                                        <p:tgtEl>
+                                          <p:spTgt spid="21"/>
+                                        </p:tgtEl>
+                                        <p:attrNameLst>
+                                          <p:attrName>style.visibility</p:attrName>
+                                        </p:attrNameLst>
+                                      </p:cBhvr>
+                                      <p:to>
+                                        <p:strVal val="visible"/>
+                                      </p:to>
+                                    </p:set>
+                                  </p:childTnLst>
+                                </p:cTn>
+                              </p:par>
+                              <p:par>
+                                <p:cTn id="45" presetID="1" presetClass="entr" presetSubtype="0" fill="hold" grpId="0" nodeType="withEffect">
+                                  <p:stCondLst>
+                                    <p:cond delay="0"/>
+                                  </p:stCondLst>
+                                  <p:childTnLst>
+                                    <p:set>
+                                      <p:cBhvr>
+                                        <p:cTn id="46" dur="1" fill="hold">
+                                          <p:stCondLst>
+                                            <p:cond delay="0"/>
+                                          </p:stCondLst>
+                                        </p:cTn>
+                                        <p:tgtEl>
+                                          <p:spTgt spid="22"/>
+                                        </p:tgtEl>
+                                        <p:attrNameLst>
+                                          <p:attrName>style.visibility</p:attrName>
+                                        </p:attrNameLst>
+                                      </p:cBhvr>
+                                      <p:to>
+                                        <p:strVal val="visible"/>
+                                      </p:to>
+                                    </p:set>
+                                  </p:childTnLst>
+                                </p:cTn>
+                              </p:par>
+                              <p:par>
+                                <p:cTn id="47" presetID="1" presetClass="entr" presetSubtype="0" fill="hold" grpId="0" nodeType="withEffect">
+                                  <p:stCondLst>
+                                    <p:cond delay="0"/>
+                                  </p:stCondLst>
+                                  <p:childTnLst>
+                                    <p:set>
+                                      <p:cBhvr>
+                                        <p:cTn id="48" dur="1" fill="hold">
+                                          <p:stCondLst>
+                                            <p:cond delay="0"/>
+                                          </p:stCondLst>
+                                        </p:cTn>
+                                        <p:tgtEl>
+                                          <p:spTgt spid="23"/>
+                                        </p:tgtEl>
+                                        <p:attrNameLst>
+                                          <p:attrName>style.visibility</p:attrName>
+                                        </p:attrNameLst>
+                                      </p:cBhvr>
+                                      <p:to>
+                                        <p:strVal val="visible"/>
+                                      </p:to>
+                                    </p:set>
+                                  </p:childTnLst>
+                                </p:cTn>
+                              </p:par>
+                              <p:par>
+                                <p:cTn id="49" presetID="1" presetClass="entr" presetSubtype="0" fill="hold" nodeType="withEffect">
+                                  <p:stCondLst>
+                                    <p:cond delay="0"/>
+                                  </p:stCondLst>
+                                  <p:childTnLst>
+                                    <p:set>
+                                      <p:cBhvr>
+                                        <p:cTn id="50" dur="1" fill="hold">
+                                          <p:stCondLst>
+                                            <p:cond delay="0"/>
+                                          </p:stCondLst>
+                                        </p:cTn>
+                                        <p:tgtEl>
+                                          <p:spTgt spid="24"/>
+                                        </p:tgtEl>
+                                        <p:attrNameLst>
+                                          <p:attrName>style.visibility</p:attrName>
+                                        </p:attrNameLst>
+                                      </p:cBhvr>
+                                      <p:to>
+                                        <p:strVal val="visible"/>
+                                      </p:to>
+                                    </p:set>
+                                  </p:childTnLst>
+                                </p:cTn>
+                              </p:par>
+                              <p:par>
+                                <p:cTn id="51" presetID="1" presetClass="entr" presetSubtype="0" fill="hold" nodeType="withEffect">
+                                  <p:stCondLst>
+                                    <p:cond delay="0"/>
+                                  </p:stCondLst>
+                                  <p:childTnLst>
+                                    <p:set>
+                                      <p:cBhvr>
+                                        <p:cTn id="52" dur="1" fill="hold">
+                                          <p:stCondLst>
+                                            <p:cond delay="0"/>
+                                          </p:stCondLst>
+                                        </p:cTn>
+                                        <p:tgtEl>
+                                          <p:spTgt spid="25"/>
+                                        </p:tgtEl>
+                                        <p:attrNameLst>
+                                          <p:attrName>style.visibility</p:attrName>
+                                        </p:attrNameLst>
+                                      </p:cBhvr>
+                                      <p:to>
+                                        <p:strVal val="visible"/>
+                                      </p:to>
+                                    </p:set>
+                                  </p:childTnLst>
+                                </p:cTn>
+                              </p:par>
+                              <p:par>
+                                <p:cTn id="53" presetID="1" presetClass="entr" presetSubtype="0" fill="hold" grpId="0" nodeType="withEffect">
+                                  <p:stCondLst>
+                                    <p:cond delay="0"/>
+                                  </p:stCondLst>
+                                  <p:childTnLst>
+                                    <p:set>
+                                      <p:cBhvr>
+                                        <p:cTn id="54" dur="1" fill="hold">
+                                          <p:stCondLst>
+                                            <p:cond delay="0"/>
+                                          </p:stCondLst>
+                                        </p:cTn>
+                                        <p:tgtEl>
+                                          <p:spTgt spid="26"/>
+                                        </p:tgtEl>
+                                        <p:attrNameLst>
+                                          <p:attrName>style.visibility</p:attrName>
+                                        </p:attrNameLst>
+                                      </p:cBhvr>
+                                      <p:to>
+                                        <p:strVal val="visible"/>
+                                      </p:to>
+                                    </p:set>
+                                  </p:childTnLst>
+                                </p:cTn>
+                              </p:par>
+                              <p:par>
+                                <p:cTn id="55" presetID="1" presetClass="entr" presetSubtype="0" fill="hold" grpId="0" nodeType="withEffect">
+                                  <p:stCondLst>
+                                    <p:cond delay="0"/>
+                                  </p:stCondLst>
+                                  <p:childTnLst>
+                                    <p:set>
+                                      <p:cBhvr>
+                                        <p:cTn id="56" dur="1" fill="hold">
+                                          <p:stCondLst>
+                                            <p:cond delay="0"/>
+                                          </p:stCondLst>
+                                        </p:cTn>
+                                        <p:tgtEl>
+                                          <p:spTgt spid="27"/>
+                                        </p:tgtEl>
+                                        <p:attrNameLst>
+                                          <p:attrName>style.visibility</p:attrName>
+                                        </p:attrNameLst>
+                                      </p:cBhvr>
+                                      <p:to>
+                                        <p:strVal val="visible"/>
+                                      </p:to>
+                                    </p:set>
+                                  </p:childTnLst>
+                                </p:cTn>
+                              </p:par>
+                              <p:par>
+                                <p:cTn id="57" presetID="1" presetClass="entr" presetSubtype="0" fill="hold" grpId="0" nodeType="withEffect">
+                                  <p:stCondLst>
+                                    <p:cond delay="0"/>
+                                  </p:stCondLst>
+                                  <p:childTnLst>
+                                    <p:set>
+                                      <p:cBhvr>
+                                        <p:cTn id="58" dur="1" fill="hold">
+                                          <p:stCondLst>
+                                            <p:cond delay="0"/>
+                                          </p:stCondLst>
+                                        </p:cTn>
+                                        <p:tgtEl>
+                                          <p:spTgt spid="28"/>
+                                        </p:tgtEl>
+                                        <p:attrNameLst>
+                                          <p:attrName>style.visibility</p:attrName>
+                                        </p:attrNameLst>
+                                      </p:cBhvr>
+                                      <p:to>
+                                        <p:strVal val="visible"/>
+                                      </p:to>
+                                    </p:set>
+                                  </p:childTnLst>
+                                </p:cTn>
+                              </p:par>
+                              <p:par>
+                                <p:cTn id="59" presetID="1" presetClass="entr" presetSubtype="0" fill="hold" nodeType="withEffect">
+                                  <p:stCondLst>
+                                    <p:cond delay="0"/>
+                                  </p:stCondLst>
+                                  <p:childTnLst>
+                                    <p:set>
+                                      <p:cBhvr>
+                                        <p:cTn id="60" dur="1" fill="hold">
+                                          <p:stCondLst>
+                                            <p:cond delay="0"/>
+                                          </p:stCondLst>
+                                        </p:cTn>
+                                        <p:tgtEl>
+                                          <p:spTgt spid="29"/>
+                                        </p:tgtEl>
+                                        <p:attrNameLst>
+                                          <p:attrName>style.visibility</p:attrName>
+                                        </p:attrNameLst>
+                                      </p:cBhvr>
+                                      <p:to>
+                                        <p:strVal val="visible"/>
+                                      </p:to>
+                                    </p:set>
+                                  </p:childTnLst>
+                                </p:cTn>
+                              </p:par>
+                              <p:par>
+                                <p:cTn id="61" presetID="1" presetClass="entr" presetSubtype="0" fill="hold" nodeType="withEffect">
+                                  <p:stCondLst>
+                                    <p:cond delay="0"/>
+                                  </p:stCondLst>
+                                  <p:childTnLst>
+                                    <p:set>
+                                      <p:cBhvr>
+                                        <p:cTn id="62" dur="1" fill="hold">
+                                          <p:stCondLst>
+                                            <p:cond delay="0"/>
+                                          </p:stCondLst>
+                                        </p:cTn>
+                                        <p:tgtEl>
+                                          <p:spTgt spid="30"/>
+                                        </p:tgtEl>
+                                        <p:attrNameLst>
+                                          <p:attrName>style.visibility</p:attrName>
+                                        </p:attrNameLst>
+                                      </p:cBhvr>
+                                      <p:to>
+                                        <p:strVal val="visible"/>
+                                      </p:to>
+                                    </p:set>
+                                  </p:childTnLst>
+                                </p:cTn>
+                              </p:par>
+                              <p:par>
+                                <p:cTn id="63" presetID="1" presetClass="entr" presetSubtype="0" fill="hold" grpId="0" nodeType="withEffect">
+                                  <p:stCondLst>
+                                    <p:cond delay="0"/>
+                                  </p:stCondLst>
+                                  <p:childTnLst>
+                                    <p:set>
+                                      <p:cBhvr>
+                                        <p:cTn id="64" dur="1" fill="hold">
+                                          <p:stCondLst>
+                                            <p:cond delay="0"/>
+                                          </p:stCondLst>
+                                        </p:cTn>
+                                        <p:tgtEl>
+                                          <p:spTgt spid="31"/>
+                                        </p:tgtEl>
+                                        <p:attrNameLst>
+                                          <p:attrName>style.visibility</p:attrName>
+                                        </p:attrNameLst>
+                                      </p:cBhvr>
+                                      <p:to>
+                                        <p:strVal val="visible"/>
+                                      </p:to>
+                                    </p:set>
+                                  </p:childTnLst>
+                                </p:cTn>
+                              </p:par>
+                              <p:par>
+                                <p:cTn id="65" presetID="1" presetClass="entr" presetSubtype="0" fill="hold" grpId="0" nodeType="withEffect">
+                                  <p:stCondLst>
+                                    <p:cond delay="0"/>
+                                  </p:stCondLst>
+                                  <p:childTnLst>
+                                    <p:set>
+                                      <p:cBhvr>
+                                        <p:cTn id="66" dur="1" fill="hold">
+                                          <p:stCondLst>
+                                            <p:cond delay="0"/>
+                                          </p:stCondLst>
+                                        </p:cTn>
+                                        <p:tgtEl>
+                                          <p:spTgt spid="32"/>
+                                        </p:tgtEl>
+                                        <p:attrNameLst>
+                                          <p:attrName>style.visibility</p:attrName>
+                                        </p:attrNameLst>
+                                      </p:cBhvr>
+                                      <p:to>
+                                        <p:strVal val="visible"/>
+                                      </p:to>
+                                    </p:set>
+                                  </p:childTnLst>
+                                </p:cTn>
+                              </p:par>
+                              <p:par>
+                                <p:cTn id="67" presetID="1" presetClass="entr" presetSubtype="0" fill="hold" grpId="0" nodeType="withEffect">
+                                  <p:stCondLst>
+                                    <p:cond delay="0"/>
+                                  </p:stCondLst>
+                                  <p:childTnLst>
+                                    <p:set>
+                                      <p:cBhvr>
+                                        <p:cTn id="68" dur="1" fill="hold">
+                                          <p:stCondLst>
+                                            <p:cond delay="0"/>
+                                          </p:stCondLst>
+                                        </p:cTn>
+                                        <p:tgtEl>
+                                          <p:spTgt spid="33"/>
+                                        </p:tgtEl>
+                                        <p:attrNameLst>
+                                          <p:attrName>style.visibility</p:attrName>
+                                        </p:attrNameLst>
+                                      </p:cBhvr>
+                                      <p:to>
+                                        <p:strVal val="visible"/>
+                                      </p:to>
+                                    </p:set>
+                                  </p:childTnLst>
+                                </p:cTn>
+                              </p:par>
+                              <p:par>
+                                <p:cTn id="69" presetID="1" presetClass="entr" presetSubtype="0" fill="hold" nodeType="withEffect">
+                                  <p:stCondLst>
+                                    <p:cond delay="0"/>
+                                  </p:stCondLst>
+                                  <p:childTnLst>
+                                    <p:set>
+                                      <p:cBhvr>
+                                        <p:cTn id="70" dur="1" fill="hold">
+                                          <p:stCondLst>
+                                            <p:cond delay="0"/>
+                                          </p:stCondLst>
+                                        </p:cTn>
+                                        <p:tgtEl>
+                                          <p:spTgt spid="34"/>
+                                        </p:tgtEl>
+                                        <p:attrNameLst>
+                                          <p:attrName>style.visibility</p:attrName>
+                                        </p:attrNameLst>
+                                      </p:cBhvr>
+                                      <p:to>
+                                        <p:strVal val="visible"/>
+                                      </p:to>
+                                    </p:set>
+                                  </p:childTnLst>
+                                </p:cTn>
+                              </p:par>
+                              <p:par>
+                                <p:cTn id="71" presetID="1" presetClass="entr" presetSubtype="0" fill="hold" nodeType="withEffect">
+                                  <p:stCondLst>
+                                    <p:cond delay="0"/>
+                                  </p:stCondLst>
+                                  <p:childTnLst>
+                                    <p:set>
+                                      <p:cBhvr>
+                                        <p:cTn id="72" dur="1" fill="hold">
+                                          <p:stCondLst>
+                                            <p:cond delay="0"/>
+                                          </p:stCondLst>
+                                        </p:cTn>
+                                        <p:tgtEl>
+                                          <p:spTgt spid="35"/>
+                                        </p:tgtEl>
+                                        <p:attrNameLst>
+                                          <p:attrName>style.visibility</p:attrName>
+                                        </p:attrNameLst>
+                                      </p:cBhvr>
+                                      <p:to>
+                                        <p:strVal val="visible"/>
+                                      </p:to>
+                                    </p:set>
+                                  </p:childTnLst>
+                                </p:cTn>
+                              </p:par>
+                              <p:par>
+                                <p:cTn id="73" presetID="1" presetClass="entr" presetSubtype="0" fill="hold" grpId="0" nodeType="withEffect">
+                                  <p:stCondLst>
+                                    <p:cond delay="0"/>
+                                  </p:stCondLst>
+                                  <p:childTnLst>
+                                    <p:set>
+                                      <p:cBhvr>
+                                        <p:cTn id="74" dur="1" fill="hold">
+                                          <p:stCondLst>
+                                            <p:cond delay="0"/>
+                                          </p:stCondLst>
+                                        </p:cTn>
+                                        <p:tgtEl>
+                                          <p:spTgt spid="36"/>
+                                        </p:tgtEl>
+                                        <p:attrNameLst>
+                                          <p:attrName>style.visibility</p:attrName>
+                                        </p:attrNameLst>
+                                      </p:cBhvr>
+                                      <p:to>
+                                        <p:strVal val="visible"/>
+                                      </p:to>
+                                    </p:set>
+                                  </p:childTnLst>
+                                </p:cTn>
+                              </p:par>
+                              <p:par>
+                                <p:cTn id="75" presetID="1" presetClass="entr" presetSubtype="0" fill="hold" grpId="0" nodeType="withEffect">
+                                  <p:stCondLst>
+                                    <p:cond delay="0"/>
+                                  </p:stCondLst>
+                                  <p:childTnLst>
+                                    <p:set>
+                                      <p:cBhvr>
+                                        <p:cTn id="76" dur="1" fill="hold">
+                                          <p:stCondLst>
+                                            <p:cond delay="0"/>
+                                          </p:stCondLst>
+                                        </p:cTn>
+                                        <p:tgtEl>
+                                          <p:spTgt spid="37"/>
+                                        </p:tgtEl>
+                                        <p:attrNameLst>
+                                          <p:attrName>style.visibility</p:attrName>
+                                        </p:attrNameLst>
+                                      </p:cBhvr>
+                                      <p:to>
+                                        <p:strVal val="visible"/>
+                                      </p:to>
+                                    </p:set>
+                                  </p:childTnLst>
+                                </p:cTn>
+                              </p:par>
+                              <p:par>
+                                <p:cTn id="77" presetID="1" presetClass="entr" presetSubtype="0" fill="hold" nodeType="withEffect">
+                                  <p:stCondLst>
+                                    <p:cond delay="0"/>
+                                  </p:stCondLst>
+                                  <p:childTnLst>
+                                    <p:set>
+                                      <p:cBhvr>
+                                        <p:cTn id="78" dur="1" fill="hold">
+                                          <p:stCondLst>
+                                            <p:cond delay="0"/>
+                                          </p:stCondLst>
+                                        </p:cTn>
+                                        <p:tgtEl>
+                                          <p:spTgt spid="38"/>
+                                        </p:tgtEl>
+                                        <p:attrNameLst>
+                                          <p:attrName>style.visibility</p:attrName>
+                                        </p:attrNameLst>
+                                      </p:cBhvr>
+                                      <p:to>
+                                        <p:strVal val="visible"/>
+                                      </p:to>
+                                    </p:set>
+                                  </p:childTnLst>
+                                </p:cTn>
+                              </p:par>
+                              <p:par>
+                                <p:cTn id="79" presetID="1" presetClass="entr" presetSubtype="0" fill="hold" nodeType="withEffect">
+                                  <p:stCondLst>
+                                    <p:cond delay="0"/>
+                                  </p:stCondLst>
+                                  <p:childTnLst>
+                                    <p:set>
+                                      <p:cBhvr>
+                                        <p:cTn id="80" dur="1" fill="hold">
+                                          <p:stCondLst>
+                                            <p:cond delay="0"/>
+                                          </p:stCondLst>
+                                        </p:cTn>
+                                        <p:tgtEl>
+                                          <p:spTgt spid="39"/>
+                                        </p:tgtEl>
+                                        <p:attrNameLst>
+                                          <p:attrName>style.visibility</p:attrName>
+                                        </p:attrNameLst>
+                                      </p:cBhvr>
+                                      <p:to>
+                                        <p:strVal val="visible"/>
+                                      </p:to>
+                                    </p:set>
+                                  </p:childTnLst>
+                                </p:cTn>
+                              </p:par>
+                              <p:par>
+                                <p:cTn id="81" presetID="1" presetClass="entr" presetSubtype="0" fill="hold" nodeType="withEffect">
+                                  <p:stCondLst>
+                                    <p:cond delay="0"/>
+                                  </p:stCondLst>
+                                  <p:childTnLst>
+                                    <p:set>
+                                      <p:cBhvr>
+                                        <p:cTn id="82" dur="1" fill="hold">
+                                          <p:stCondLst>
+                                            <p:cond delay="0"/>
+                                          </p:stCondLst>
+                                        </p:cTn>
+                                        <p:tgtEl>
+                                          <p:spTgt spid="40"/>
+                                        </p:tgtEl>
+                                        <p:attrNameLst>
+                                          <p:attrName>style.visibility</p:attrName>
+                                        </p:attrNameLst>
+                                      </p:cBhvr>
+                                      <p:to>
+                                        <p:strVal val="visible"/>
+                                      </p:to>
+                                    </p:set>
+                                  </p:childTnLst>
+                                </p:cTn>
+                              </p:par>
+                              <p:par>
+                                <p:cTn id="83" presetID="1" presetClass="entr" presetSubtype="0" fill="hold" nodeType="withEffect">
+                                  <p:stCondLst>
+                                    <p:cond delay="0"/>
+                                  </p:stCondLst>
+                                  <p:childTnLst>
+                                    <p:set>
+                                      <p:cBhvr>
+                                        <p:cTn id="84" dur="1" fill="hold">
+                                          <p:stCondLst>
+                                            <p:cond delay="0"/>
+                                          </p:stCondLst>
+                                        </p:cTn>
+                                        <p:tgtEl>
+                                          <p:spTgt spid="41"/>
+                                        </p:tgtEl>
+                                        <p:attrNameLst>
+                                          <p:attrName>style.visibility</p:attrName>
+                                        </p:attrNameLst>
+                                      </p:cBhvr>
+                                      <p:to>
+                                        <p:strVal val="visible"/>
+                                      </p:to>
+                                    </p:set>
+                                  </p:childTnLst>
+                                </p:cTn>
+                              </p:par>
+                            </p:childTnLst>
+                          </p:cTn>
+                        </p:par>
+                      </p:childTnLst>
+                    </p:cTn>
+                  </p:par>
+                  <p:par>
+                    <p:cTn id="85" fill="hold">
+                      <p:stCondLst>
+                        <p:cond delay="indefinite"/>
+                      </p:stCondLst>
+                      <p:childTnLst>
+                        <p:par>
+                          <p:cTn id="86" fill="hold">
+                            <p:stCondLst>
+                              <p:cond delay="0"/>
+                            </p:stCondLst>
+                            <p:childTnLst>
+                              <p:par>
+                                <p:cTn id="87" presetID="1" presetClass="exit" presetSubtype="0" fill="hold" nodeType="clickEffect">
+                                  <p:stCondLst>
+                                    <p:cond delay="0"/>
+                                  </p:stCondLst>
+                                  <p:childTnLst>
+                                    <p:set>
+                                      <p:cBhvr>
+                                        <p:cTn id="88" dur="1" fill="hold">
+                                          <p:stCondLst>
+                                            <p:cond delay="0"/>
+                                          </p:stCondLst>
+                                        </p:cTn>
+                                        <p:tgtEl>
+                                          <p:spTgt spid="15"/>
+                                        </p:tgtEl>
+                                        <p:attrNameLst>
+                                          <p:attrName>style.visibility</p:attrName>
+                                        </p:attrNameLst>
+                                      </p:cBhvr>
+                                      <p:to>
+                                        <p:strVal val="hidden"/>
+                                      </p:to>
+                                    </p:set>
+                                  </p:childTnLst>
+                                </p:cTn>
+                              </p:par>
+                              <p:par>
+                                <p:cTn id="89" presetID="1" presetClass="exit" presetSubtype="0" fill="hold" grpId="1" nodeType="withEffect">
+                                  <p:stCondLst>
+                                    <p:cond delay="0"/>
+                                  </p:stCondLst>
+                                  <p:childTnLst>
+                                    <p:set>
+                                      <p:cBhvr>
+                                        <p:cTn id="90" dur="1" fill="hold">
+                                          <p:stCondLst>
+                                            <p:cond delay="0"/>
+                                          </p:stCondLst>
+                                        </p:cTn>
+                                        <p:tgtEl>
+                                          <p:spTgt spid="12"/>
+                                        </p:tgtEl>
+                                        <p:attrNameLst>
+                                          <p:attrName>style.visibility</p:attrName>
+                                        </p:attrNameLst>
+                                      </p:cBhvr>
+                                      <p:to>
+                                        <p:strVal val="hidden"/>
+                                      </p:to>
+                                    </p:set>
+                                  </p:childTnLst>
+                                </p:cTn>
+                              </p:par>
+                              <p:par>
+                                <p:cTn id="91" presetID="1" presetClass="exit" presetSubtype="0" fill="hold" grpId="1" nodeType="withEffect">
+                                  <p:stCondLst>
+                                    <p:cond delay="0"/>
+                                  </p:stCondLst>
+                                  <p:childTnLst>
+                                    <p:set>
+                                      <p:cBhvr>
+                                        <p:cTn id="92" dur="1" fill="hold">
+                                          <p:stCondLst>
+                                            <p:cond delay="0"/>
+                                          </p:stCondLst>
+                                        </p:cTn>
+                                        <p:tgtEl>
+                                          <p:spTgt spid="17"/>
+                                        </p:tgtEl>
+                                        <p:attrNameLst>
+                                          <p:attrName>style.visibility</p:attrName>
+                                        </p:attrNameLst>
+                                      </p:cBhvr>
+                                      <p:to>
+                                        <p:strVal val="hidden"/>
+                                      </p:to>
+                                    </p:set>
+                                  </p:childTnLst>
+                                </p:cTn>
+                              </p:par>
+                              <p:par>
+                                <p:cTn id="93" presetID="1" presetClass="exit" presetSubtype="0" fill="hold" nodeType="withEffect">
+                                  <p:stCondLst>
+                                    <p:cond delay="0"/>
+                                  </p:stCondLst>
+                                  <p:childTnLst>
+                                    <p:set>
+                                      <p:cBhvr>
+                                        <p:cTn id="94" dur="1" fill="hold">
+                                          <p:stCondLst>
+                                            <p:cond delay="0"/>
+                                          </p:stCondLst>
+                                        </p:cTn>
+                                        <p:tgtEl>
+                                          <p:spTgt spid="20"/>
+                                        </p:tgtEl>
+                                        <p:attrNameLst>
+                                          <p:attrName>style.visibility</p:attrName>
+                                        </p:attrNameLst>
+                                      </p:cBhvr>
+                                      <p:to>
+                                        <p:strVal val="hidden"/>
+                                      </p:to>
+                                    </p:set>
+                                  </p:childTnLst>
+                                </p:cTn>
+                              </p:par>
+                              <p:par>
+                                <p:cTn id="95" presetID="1" presetClass="exit" presetSubtype="0" fill="hold" grpId="1" nodeType="withEffect">
+                                  <p:stCondLst>
+                                    <p:cond delay="0"/>
+                                  </p:stCondLst>
+                                  <p:childTnLst>
+                                    <p:set>
+                                      <p:cBhvr>
+                                        <p:cTn id="96" dur="1" fill="hold">
+                                          <p:stCondLst>
+                                            <p:cond delay="0"/>
+                                          </p:stCondLst>
+                                        </p:cTn>
+                                        <p:tgtEl>
+                                          <p:spTgt spid="22"/>
+                                        </p:tgtEl>
+                                        <p:attrNameLst>
+                                          <p:attrName>style.visibility</p:attrName>
+                                        </p:attrNameLst>
+                                      </p:cBhvr>
+                                      <p:to>
+                                        <p:strVal val="hidden"/>
+                                      </p:to>
+                                    </p:set>
+                                  </p:childTnLst>
+                                </p:cTn>
+                              </p:par>
+                              <p:par>
+                                <p:cTn id="97" presetID="1" presetClass="exit" presetSubtype="0" fill="hold" nodeType="withEffect">
+                                  <p:stCondLst>
+                                    <p:cond delay="0"/>
+                                  </p:stCondLst>
+                                  <p:childTnLst>
+                                    <p:set>
+                                      <p:cBhvr>
+                                        <p:cTn id="98" dur="1" fill="hold">
+                                          <p:stCondLst>
+                                            <p:cond delay="0"/>
+                                          </p:stCondLst>
+                                        </p:cTn>
+                                        <p:tgtEl>
+                                          <p:spTgt spid="25"/>
+                                        </p:tgtEl>
+                                        <p:attrNameLst>
+                                          <p:attrName>style.visibility</p:attrName>
+                                        </p:attrNameLst>
+                                      </p:cBhvr>
+                                      <p:to>
+                                        <p:strVal val="hidden"/>
+                                      </p:to>
+                                    </p:set>
+                                  </p:childTnLst>
+                                </p:cTn>
+                              </p:par>
+                              <p:par>
+                                <p:cTn id="99" presetID="1" presetClass="exit" presetSubtype="0" fill="hold" grpId="1" nodeType="withEffect">
+                                  <p:stCondLst>
+                                    <p:cond delay="0"/>
+                                  </p:stCondLst>
+                                  <p:childTnLst>
+                                    <p:set>
+                                      <p:cBhvr>
+                                        <p:cTn id="100" dur="1" fill="hold">
+                                          <p:stCondLst>
+                                            <p:cond delay="0"/>
+                                          </p:stCondLst>
+                                        </p:cTn>
+                                        <p:tgtEl>
+                                          <p:spTgt spid="27"/>
+                                        </p:tgtEl>
+                                        <p:attrNameLst>
+                                          <p:attrName>style.visibility</p:attrName>
+                                        </p:attrNameLst>
+                                      </p:cBhvr>
+                                      <p:to>
+                                        <p:strVal val="hidden"/>
+                                      </p:to>
+                                    </p:set>
+                                  </p:childTnLst>
+                                </p:cTn>
+                              </p:par>
+                              <p:par>
+                                <p:cTn id="101" presetID="1" presetClass="exit" presetSubtype="0" fill="hold" nodeType="withEffect">
+                                  <p:stCondLst>
+                                    <p:cond delay="0"/>
+                                  </p:stCondLst>
+                                  <p:childTnLst>
+                                    <p:set>
+                                      <p:cBhvr>
+                                        <p:cTn id="102" dur="1" fill="hold">
+                                          <p:stCondLst>
+                                            <p:cond delay="0"/>
+                                          </p:stCondLst>
+                                        </p:cTn>
+                                        <p:tgtEl>
+                                          <p:spTgt spid="30"/>
+                                        </p:tgtEl>
+                                        <p:attrNameLst>
+                                          <p:attrName>style.visibility</p:attrName>
+                                        </p:attrNameLst>
+                                      </p:cBhvr>
+                                      <p:to>
+                                        <p:strVal val="hidden"/>
+                                      </p:to>
+                                    </p:set>
+                                  </p:childTnLst>
+                                </p:cTn>
+                              </p:par>
+                            </p:childTnLst>
+                          </p:cTn>
+                        </p:par>
+                      </p:childTnLst>
+                    </p:cTn>
+                  </p:par>
+                </p:childTnLst>
+              </p:cTn>
+              <p:prevCondLst>
+                <p:cond evt="onPrev" delay="0">
+                  <p:tgtEl>
+                    <p:sldTgt/>
+                  </p:tgtEl>
+                </p:cond>
+              </p:prevCondLst>
+              <p:nextCondLst>
+                <p:cond evt="onNext" delay="0">
+                  <p:tgtEl>
+                    <p:sldTgt/>
+                  </p:tgtEl>
+                </p:cond>
+              </p:nextCondLst>
+            </p:seq>
+          </p:childTnLst>
+        </p:cTn>
+      </p:par>
+    </p:tnLst>
+    <p:bldLst>
+      <p:bldP spid="8" grpId="0" animBg="1"/>
+      <p:bldP spid="8" grpId="1" animBg="1"/>
+      <p:bldP spid="9" grpId="0" animBg="1"/>
+      <p:bldP spid="11" grpId="0" animBg="1"/>
+      <p:bldP spid="12" grpId="0" animBg="1"/>
+      <p:bldP spid="12" grpId="1" animBg="1"/>
+      <p:bldP spid="13" grpId="0" animBg="1"/>
+      <p:bldP spid="16" grpId="0" animBg="1"/>
+      <p:bldP spid="17" grpId="0" animBg="1"/>
+      <p:bldP spid="17" grpId="1" animBg="1"/>
+      <p:bldP spid="18" grpId="0" animBg="1"/>
+      <p:bldP spid="21" grpId="0" animBg="1"/>
+      <p:bldP spid="22" grpId="0" animBg="1"/>
+      <p:bldP spid="22" grpId="1" animBg="1"/>
+      <p:bldP spid="23" grpId="0" animBg="1"/>
+      <p:bldP spid="26" grpId="0" animBg="1"/>
+      <p:bldP spid="27" grpId="0" animBg="1"/>
+      <p:bldP spid="27" grpId="1" animBg="1"/>
+      <p:bldP spid="28" grpId="0" animBg="1"/>
+      <p:bldP spid="31" grpId="0" animBg="1"/>
+      <p:bldP spid="32" grpId="0" animBg="1"/>
+      <p:bldP spid="33" grpId="0" animBg="1"/>
+      <p:bldP spid="36" grpId="0"/>
+      <p:bldP spid="37" grpId="0"/>
+    </p:bldLst>
+  </p:timing>
 </p:sld>
 </file>
 
@@ -7243,17 +13805,46 @@
           <a:p>
             <a:r>
               <a:rPr lang="en-US" dirty="0"/>
-              <a:t>Current Hybrid CNN-RNN Architectures</a:t>
-            </a:r>
-          </a:p>
-        </p:txBody>
-      </p:sp>
-      <p:sp>
-        <p:nvSpPr>
-          <p:cNvPr id="3" name="Content Placeholder 2">
-            <a:extLst>
-              <a:ext uri="{FF2B5EF4-FFF2-40B4-BE49-F238E27FC236}">
-                <a16:creationId xmlns:a16="http://schemas.microsoft.com/office/drawing/2014/main" id="{E0CD1AFC-6CCC-EA40-A061-C010AA671553}"/>
+              <a:t>Current CNN-RNN state-of-the-art architecture</a:t>
+            </a:r>
+          </a:p>
+        </p:txBody>
+      </p:sp>
+      <p:sp>
+        <p:nvSpPr>
+          <p:cNvPr id="4" name="Slide Number Placeholder 3">
+            <a:extLst>
+              <a:ext uri="{FF2B5EF4-FFF2-40B4-BE49-F238E27FC236}">
+                <a16:creationId xmlns:a16="http://schemas.microsoft.com/office/drawing/2014/main" id="{FCADE965-A6A2-4946-934B-8330D69B1CD2}"/>
+              </a:ext>
+            </a:extLst>
+          </p:cNvPr>
+          <p:cNvSpPr>
+            <a:spLocks noGrp="1"/>
+          </p:cNvSpPr>
+          <p:nvPr>
+            <p:ph type="sldNum" sz="quarter" idx="12"/>
+          </p:nvPr>
+        </p:nvSpPr>
+        <p:spPr/>
+        <p:txBody>
+          <a:bodyPr/>
+          <a:lstStyle/>
+          <a:p>
+            <a:fld id="{F5563628-00B8-654A-9E27-38F076219897}" type="slidenum">
+              <a:rPr lang="en-US" smtClean="0"/>
+              <a:t>8</a:t>
+            </a:fld>
+            <a:endParaRPr lang="en-US"/>
+          </a:p>
+        </p:txBody>
+      </p:sp>
+      <p:sp>
+        <p:nvSpPr>
+          <p:cNvPr id="5" name="Content Placeholder 2">
+            <a:extLst>
+              <a:ext uri="{FF2B5EF4-FFF2-40B4-BE49-F238E27FC236}">
+                <a16:creationId xmlns:a16="http://schemas.microsoft.com/office/drawing/2014/main" id="{73740316-E664-7C49-9F6B-9CE55C7222C7}"/>
               </a:ext>
             </a:extLst>
           </p:cNvPr>
@@ -7264,12 +13855,28 @@
             <p:ph idx="1"/>
           </p:nvPr>
         </p:nvSpPr>
-        <p:spPr/>
-        <p:txBody>
-          <a:bodyPr/>
-          <a:lstStyle/>
-          <a:p>
-            <a:endParaRPr lang="en-US"/>
+        <p:spPr>
+          <a:xfrm>
+            <a:off x="675020" y="5271247"/>
+            <a:ext cx="10841966" cy="871209"/>
+          </a:xfrm>
+        </p:spPr>
+        <p:txBody>
+          <a:bodyPr>
+            <a:normAutofit lnSpcReduction="10000"/>
+          </a:bodyPr>
+          <a:lstStyle/>
+          <a:p>
+            <a:r>
+              <a:rPr lang="en-US" dirty="0"/>
+              <a:t>CNN will capture motif/motifs</a:t>
+            </a:r>
+          </a:p>
+          <a:p>
+            <a:r>
+              <a:rPr lang="en-US" dirty="0"/>
+              <a:t>RNN will capture contexts within and between motifs</a:t>
+            </a:r>
           </a:p>
         </p:txBody>
       </p:sp>
@@ -7308,7 +13915,7 @@
           <p:cNvPr id="2" name="Title 1">
             <a:extLst>
               <a:ext uri="{FF2B5EF4-FFF2-40B4-BE49-F238E27FC236}">
-                <a16:creationId xmlns:a16="http://schemas.microsoft.com/office/drawing/2014/main" id="{9937B675-7FB5-284F-A87F-5FE9BECBE7EB}"/>
+                <a16:creationId xmlns:a16="http://schemas.microsoft.com/office/drawing/2014/main" id="{794F9F2B-A265-6643-BD51-85C0583F89CB}"/>
               </a:ext>
             </a:extLst>
           </p:cNvPr>
@@ -7326,7 +13933,7 @@
           <a:p>
             <a:r>
               <a:rPr lang="en-US" dirty="0"/>
-              <a:t>Attention Layers</a:t>
+              <a:t>Dataset and Features</a:t>
             </a:r>
           </a:p>
         </p:txBody>
@@ -7336,7 +13943,7 @@
           <p:cNvPr id="3" name="Content Placeholder 2">
             <a:extLst>
               <a:ext uri="{FF2B5EF4-FFF2-40B4-BE49-F238E27FC236}">
-                <a16:creationId xmlns:a16="http://schemas.microsoft.com/office/drawing/2014/main" id="{A3C18CD8-8146-2E4B-A5A1-599113C26DFC}"/>
+                <a16:creationId xmlns:a16="http://schemas.microsoft.com/office/drawing/2014/main" id="{311D028F-13E4-9145-BCD0-BC8C3176F733}"/>
               </a:ext>
             </a:extLst>
           </p:cNvPr>
@@ -7352,6 +13959,35 @@
           <a:bodyPr/>
           <a:lstStyle/>
           <a:p>
+            <a:endParaRPr lang="en-US"/>
+          </a:p>
+        </p:txBody>
+      </p:sp>
+      <p:sp>
+        <p:nvSpPr>
+          <p:cNvPr id="4" name="Slide Number Placeholder 3">
+            <a:extLst>
+              <a:ext uri="{FF2B5EF4-FFF2-40B4-BE49-F238E27FC236}">
+                <a16:creationId xmlns:a16="http://schemas.microsoft.com/office/drawing/2014/main" id="{BCF7DE2B-8C51-A94B-967B-6BDBC89367BD}"/>
+              </a:ext>
+            </a:extLst>
+          </p:cNvPr>
+          <p:cNvSpPr>
+            <a:spLocks noGrp="1"/>
+          </p:cNvSpPr>
+          <p:nvPr>
+            <p:ph type="sldNum" sz="quarter" idx="12"/>
+          </p:nvPr>
+        </p:nvSpPr>
+        <p:spPr/>
+        <p:txBody>
+          <a:bodyPr/>
+          <a:lstStyle/>
+          <a:p>
+            <a:fld id="{F5563628-00B8-654A-9E27-38F076219897}" type="slidenum">
+              <a:rPr lang="en-US" smtClean="0"/>
+              <a:t>9</a:t>
+            </a:fld>
             <a:endParaRPr lang="en-US"/>
           </a:p>
         </p:txBody>
@@ -7359,7 +13995,7 @@
     </p:spTree>
     <p:extLst>
       <p:ext uri="{BB962C8B-B14F-4D97-AF65-F5344CB8AC3E}">
-        <p14:creationId xmlns:p14="http://schemas.microsoft.com/office/powerpoint/2010/main" val="2364176863"/>
+        <p14:creationId xmlns:p14="http://schemas.microsoft.com/office/powerpoint/2010/main" val="1976759143"/>
       </p:ext>
     </p:extLst>
   </p:cSld>

--- a/Sep21/DeepGRN_092121.pptx
+++ b/Sep21/DeepGRN_092121.pptx
@@ -5,30 +5,31 @@
     <p:sldMasterId id="2147483648" r:id="rId1"/>
   </p:sldMasterIdLst>
   <p:notesMasterIdLst>
-    <p:notesMasterId r:id="rId23"/>
+    <p:notesMasterId r:id="rId24"/>
   </p:notesMasterIdLst>
   <p:sldIdLst>
     <p:sldId id="256" r:id="rId2"/>
-    <p:sldId id="257" r:id="rId3"/>
-    <p:sldId id="274" r:id="rId4"/>
-    <p:sldId id="258" r:id="rId5"/>
-    <p:sldId id="260" r:id="rId6"/>
-    <p:sldId id="276" r:id="rId7"/>
-    <p:sldId id="261" r:id="rId8"/>
-    <p:sldId id="259" r:id="rId9"/>
-    <p:sldId id="268" r:id="rId10"/>
+    <p:sldId id="277" r:id="rId3"/>
+    <p:sldId id="257" r:id="rId4"/>
+    <p:sldId id="274" r:id="rId5"/>
+    <p:sldId id="258" r:id="rId6"/>
+    <p:sldId id="260" r:id="rId7"/>
+    <p:sldId id="276" r:id="rId8"/>
+    <p:sldId id="261" r:id="rId9"/>
+    <p:sldId id="259" r:id="rId10"/>
     <p:sldId id="262" r:id="rId11"/>
-    <p:sldId id="269" r:id="rId12"/>
-    <p:sldId id="270" r:id="rId13"/>
-    <p:sldId id="271" r:id="rId14"/>
-    <p:sldId id="263" r:id="rId15"/>
-    <p:sldId id="264" r:id="rId16"/>
-    <p:sldId id="272" r:id="rId17"/>
-    <p:sldId id="265" r:id="rId18"/>
-    <p:sldId id="266" r:id="rId19"/>
-    <p:sldId id="267" r:id="rId20"/>
-    <p:sldId id="273" r:id="rId21"/>
-    <p:sldId id="275" r:id="rId22"/>
+    <p:sldId id="268" r:id="rId12"/>
+    <p:sldId id="269" r:id="rId13"/>
+    <p:sldId id="270" r:id="rId14"/>
+    <p:sldId id="271" r:id="rId15"/>
+    <p:sldId id="263" r:id="rId16"/>
+    <p:sldId id="264" r:id="rId17"/>
+    <p:sldId id="272" r:id="rId18"/>
+    <p:sldId id="265" r:id="rId19"/>
+    <p:sldId id="266" r:id="rId20"/>
+    <p:sldId id="267" r:id="rId21"/>
+    <p:sldId id="273" r:id="rId22"/>
+    <p:sldId id="275" r:id="rId23"/>
   </p:sldIdLst>
   <p:sldSz cx="12192000" cy="6858000"/>
   <p:notesSz cx="6858000" cy="9144000"/>
@@ -138,7 +139,7 @@
 <file path=ppt/revisionInfo.xml><?xml version="1.0" encoding="utf-8"?>
 <p1510:revInfo xmlns:a="http://schemas.openxmlformats.org/drawingml/2006/main" xmlns:r="http://schemas.openxmlformats.org/officeDocument/2006/relationships" xmlns:p1510="http://schemas.microsoft.com/office/powerpoint/2015/10/main">
   <p1510:revLst>
-    <p1510:client id="{ADAF4B5B-B7C9-7E40-B4B1-49C187825132}" v="10" dt="2021-09-06T23:17:27.615"/>
+    <p1510:client id="{ADAF4B5B-B7C9-7E40-B4B1-49C187825132}" v="20" dt="2021-09-15T00:58:32.743"/>
   </p1510:revLst>
 </p1510:revInfo>
 </file>
@@ -147,8 +148,8 @@
 <pc:chgInfo xmlns:a="http://schemas.openxmlformats.org/drawingml/2006/main" xmlns:r="http://schemas.openxmlformats.org/officeDocument/2006/relationships" xmlns:ac="http://schemas.microsoft.com/office/drawing/2013/main/command" xmlns:pc="http://schemas.microsoft.com/office/powerpoint/2013/main/command">
   <pc:docChgLst>
     <pc:chgData name="Banerjee, Deepro" userId="59bb156d-7516-4212-a860-9ec41fb041f7" providerId="ADAL" clId="{ADAF4B5B-B7C9-7E40-B4B1-49C187825132}"/>
-    <pc:docChg chg="custSel addSld modSld">
-      <pc:chgData name="Banerjee, Deepro" userId="59bb156d-7516-4212-a860-9ec41fb041f7" providerId="ADAL" clId="{ADAF4B5B-B7C9-7E40-B4B1-49C187825132}" dt="2021-09-10T17:08:26.201" v="717" actId="20577"/>
+    <pc:docChg chg="undo custSel addSld modSld sldOrd">
+      <pc:chgData name="Banerjee, Deepro" userId="59bb156d-7516-4212-a860-9ec41fb041f7" providerId="ADAL" clId="{ADAF4B5B-B7C9-7E40-B4B1-49C187825132}" dt="2021-09-15T00:58:34.424" v="1426" actId="20577"/>
       <pc:docMkLst>
         <pc:docMk/>
       </pc:docMkLst>
@@ -197,20 +198,172 @@
           <pc:sldMk cId="3633912530" sldId="258"/>
         </pc:sldMkLst>
       </pc:sldChg>
-      <pc:sldChg chg="modSp new mod">
-        <pc:chgData name="Banerjee, Deepro" userId="59bb156d-7516-4212-a860-9ec41fb041f7" providerId="ADAL" clId="{ADAF4B5B-B7C9-7E40-B4B1-49C187825132}" dt="2021-09-05T13:41:52.159" v="114" actId="20577"/>
+      <pc:sldChg chg="addSp delSp modSp new mod">
+        <pc:chgData name="Banerjee, Deepro" userId="59bb156d-7516-4212-a860-9ec41fb041f7" providerId="ADAL" clId="{ADAF4B5B-B7C9-7E40-B4B1-49C187825132}" dt="2021-09-15T00:11:20.304" v="1309" actId="1076"/>
         <pc:sldMkLst>
           <pc:docMk/>
           <pc:sldMk cId="995660219" sldId="259"/>
         </pc:sldMkLst>
         <pc:spChg chg="mod">
-          <ac:chgData name="Banerjee, Deepro" userId="59bb156d-7516-4212-a860-9ec41fb041f7" providerId="ADAL" clId="{ADAF4B5B-B7C9-7E40-B4B1-49C187825132}" dt="2021-09-05T13:41:52.159" v="114" actId="20577"/>
+          <ac:chgData name="Banerjee, Deepro" userId="59bb156d-7516-4212-a860-9ec41fb041f7" providerId="ADAL" clId="{ADAF4B5B-B7C9-7E40-B4B1-49C187825132}" dt="2021-09-14T23:39:54.675" v="878" actId="1076"/>
           <ac:spMkLst>
             <pc:docMk/>
             <pc:sldMk cId="995660219" sldId="259"/>
             <ac:spMk id="2" creationId="{A1217F84-B84B-B845-9C11-FD8BCF84258A}"/>
           </ac:spMkLst>
         </pc:spChg>
+        <pc:spChg chg="add mod">
+          <ac:chgData name="Banerjee, Deepro" userId="59bb156d-7516-4212-a860-9ec41fb041f7" providerId="ADAL" clId="{ADAF4B5B-B7C9-7E40-B4B1-49C187825132}" dt="2021-09-14T23:42:52.144" v="945" actId="1035"/>
+          <ac:spMkLst>
+            <pc:docMk/>
+            <pc:sldMk cId="995660219" sldId="259"/>
+            <ac:spMk id="3" creationId="{AB598458-C785-C646-9C39-F3E1B2CB4CAF}"/>
+          </ac:spMkLst>
+        </pc:spChg>
+        <pc:spChg chg="mod">
+          <ac:chgData name="Banerjee, Deepro" userId="59bb156d-7516-4212-a860-9ec41fb041f7" providerId="ADAL" clId="{ADAF4B5B-B7C9-7E40-B4B1-49C187825132}" dt="2021-09-14T23:48:34.273" v="960" actId="20577"/>
+          <ac:spMkLst>
+            <pc:docMk/>
+            <pc:sldMk cId="995660219" sldId="259"/>
+            <ac:spMk id="5" creationId="{73740316-E664-7C49-9F6B-9CE55C7222C7}"/>
+          </ac:spMkLst>
+        </pc:spChg>
+        <pc:spChg chg="add mod">
+          <ac:chgData name="Banerjee, Deepro" userId="59bb156d-7516-4212-a860-9ec41fb041f7" providerId="ADAL" clId="{ADAF4B5B-B7C9-7E40-B4B1-49C187825132}" dt="2021-09-14T23:42:52.144" v="945" actId="1035"/>
+          <ac:spMkLst>
+            <pc:docMk/>
+            <pc:sldMk cId="995660219" sldId="259"/>
+            <ac:spMk id="6" creationId="{3A7B4A21-64E7-4748-B9B4-6EC08CDC9FF9}"/>
+          </ac:spMkLst>
+        </pc:spChg>
+        <pc:spChg chg="add del mod">
+          <ac:chgData name="Banerjee, Deepro" userId="59bb156d-7516-4212-a860-9ec41fb041f7" providerId="ADAL" clId="{ADAF4B5B-B7C9-7E40-B4B1-49C187825132}" dt="2021-09-15T00:10:10.349" v="1296" actId="478"/>
+          <ac:spMkLst>
+            <pc:docMk/>
+            <pc:sldMk cId="995660219" sldId="259"/>
+            <ac:spMk id="7" creationId="{9E9450A3-EFD0-C145-9CA0-E19E59BC658C}"/>
+          </ac:spMkLst>
+        </pc:spChg>
+        <pc:spChg chg="add mod">
+          <ac:chgData name="Banerjee, Deepro" userId="59bb156d-7516-4212-a860-9ec41fb041f7" providerId="ADAL" clId="{ADAF4B5B-B7C9-7E40-B4B1-49C187825132}" dt="2021-09-14T23:42:52.144" v="945" actId="1035"/>
+          <ac:spMkLst>
+            <pc:docMk/>
+            <pc:sldMk cId="995660219" sldId="259"/>
+            <ac:spMk id="8" creationId="{7F1B338F-BF51-F645-A69E-2D4E4EA86B6A}"/>
+          </ac:spMkLst>
+        </pc:spChg>
+        <pc:spChg chg="add mod">
+          <ac:chgData name="Banerjee, Deepro" userId="59bb156d-7516-4212-a860-9ec41fb041f7" providerId="ADAL" clId="{ADAF4B5B-B7C9-7E40-B4B1-49C187825132}" dt="2021-09-14T23:42:52.144" v="945" actId="1035"/>
+          <ac:spMkLst>
+            <pc:docMk/>
+            <pc:sldMk cId="995660219" sldId="259"/>
+            <ac:spMk id="11" creationId="{2E999ECA-9F59-6B47-8FDA-644A3DC4F48A}"/>
+          </ac:spMkLst>
+        </pc:spChg>
+        <pc:spChg chg="add mod">
+          <ac:chgData name="Banerjee, Deepro" userId="59bb156d-7516-4212-a860-9ec41fb041f7" providerId="ADAL" clId="{ADAF4B5B-B7C9-7E40-B4B1-49C187825132}" dt="2021-09-14T23:42:52.144" v="945" actId="1035"/>
+          <ac:spMkLst>
+            <pc:docMk/>
+            <pc:sldMk cId="995660219" sldId="259"/>
+            <ac:spMk id="14" creationId="{6B09F2E1-F456-CF45-AEE2-BE585239B4BF}"/>
+          </ac:spMkLst>
+        </pc:spChg>
+        <pc:spChg chg="add del mod">
+          <ac:chgData name="Banerjee, Deepro" userId="59bb156d-7516-4212-a860-9ec41fb041f7" providerId="ADAL" clId="{ADAF4B5B-B7C9-7E40-B4B1-49C187825132}" dt="2021-09-14T23:40:01.284" v="881"/>
+          <ac:spMkLst>
+            <pc:docMk/>
+            <pc:sldMk cId="995660219" sldId="259"/>
+            <ac:spMk id="17" creationId="{5453CFCB-1629-0F4F-A475-9C2986922AEF}"/>
+          </ac:spMkLst>
+        </pc:spChg>
+        <pc:spChg chg="add mod">
+          <ac:chgData name="Banerjee, Deepro" userId="59bb156d-7516-4212-a860-9ec41fb041f7" providerId="ADAL" clId="{ADAF4B5B-B7C9-7E40-B4B1-49C187825132}" dt="2021-09-14T23:41:38.454" v="917" actId="1038"/>
+          <ac:spMkLst>
+            <pc:docMk/>
+            <pc:sldMk cId="995660219" sldId="259"/>
+            <ac:spMk id="18" creationId="{ADEE4983-D476-C149-934A-5A42571905DD}"/>
+          </ac:spMkLst>
+        </pc:spChg>
+        <pc:spChg chg="add mod">
+          <ac:chgData name="Banerjee, Deepro" userId="59bb156d-7516-4212-a860-9ec41fb041f7" providerId="ADAL" clId="{ADAF4B5B-B7C9-7E40-B4B1-49C187825132}" dt="2021-09-15T00:11:20.304" v="1309" actId="1076"/>
+          <ac:spMkLst>
+            <pc:docMk/>
+            <pc:sldMk cId="995660219" sldId="259"/>
+            <ac:spMk id="19" creationId="{6E827203-3A03-9A46-A2B0-B07C080D1681}"/>
+          </ac:spMkLst>
+        </pc:spChg>
+        <pc:spChg chg="add mod">
+          <ac:chgData name="Banerjee, Deepro" userId="59bb156d-7516-4212-a860-9ec41fb041f7" providerId="ADAL" clId="{ADAF4B5B-B7C9-7E40-B4B1-49C187825132}" dt="2021-09-14T23:43:30.733" v="957" actId="1076"/>
+          <ac:spMkLst>
+            <pc:docMk/>
+            <pc:sldMk cId="995660219" sldId="259"/>
+            <ac:spMk id="20" creationId="{0648F621-BE73-1446-BCD1-C7BCA2D56832}"/>
+          </ac:spMkLst>
+        </pc:spChg>
+        <pc:spChg chg="add mod">
+          <ac:chgData name="Banerjee, Deepro" userId="59bb156d-7516-4212-a860-9ec41fb041f7" providerId="ADAL" clId="{ADAF4B5B-B7C9-7E40-B4B1-49C187825132}" dt="2021-09-14T23:43:36.053" v="958" actId="1076"/>
+          <ac:spMkLst>
+            <pc:docMk/>
+            <pc:sldMk cId="995660219" sldId="259"/>
+            <ac:spMk id="21" creationId="{021CFF05-9920-9444-B2F9-E6B9E89266C5}"/>
+          </ac:spMkLst>
+        </pc:spChg>
+        <pc:spChg chg="add mod">
+          <ac:chgData name="Banerjee, Deepro" userId="59bb156d-7516-4212-a860-9ec41fb041f7" providerId="ADAL" clId="{ADAF4B5B-B7C9-7E40-B4B1-49C187825132}" dt="2021-09-14T23:43:40.780" v="959" actId="1076"/>
+          <ac:spMkLst>
+            <pc:docMk/>
+            <pc:sldMk cId="995660219" sldId="259"/>
+            <ac:spMk id="22" creationId="{20BD0159-8C3F-4E49-B2E3-4C71F8B80BF1}"/>
+          </ac:spMkLst>
+        </pc:spChg>
+        <pc:spChg chg="add del">
+          <ac:chgData name="Banerjee, Deepro" userId="59bb156d-7516-4212-a860-9ec41fb041f7" providerId="ADAL" clId="{ADAF4B5B-B7C9-7E40-B4B1-49C187825132}" dt="2021-09-15T00:10:06.634" v="1295" actId="478"/>
+          <ac:spMkLst>
+            <pc:docMk/>
+            <pc:sldMk cId="995660219" sldId="259"/>
+            <ac:spMk id="23" creationId="{E13F946C-F975-004B-9FB6-85528D1C5932}"/>
+          </ac:spMkLst>
+        </pc:spChg>
+        <pc:spChg chg="add del mod">
+          <ac:chgData name="Banerjee, Deepro" userId="59bb156d-7516-4212-a860-9ec41fb041f7" providerId="ADAL" clId="{ADAF4B5B-B7C9-7E40-B4B1-49C187825132}" dt="2021-09-15T00:10:51.379" v="1302" actId="478"/>
+          <ac:spMkLst>
+            <pc:docMk/>
+            <pc:sldMk cId="995660219" sldId="259"/>
+            <ac:spMk id="24" creationId="{BACB6023-065D-AA4E-8001-8AA1F31B39BE}"/>
+          </ac:spMkLst>
+        </pc:spChg>
+        <pc:spChg chg="add mod">
+          <ac:chgData name="Banerjee, Deepro" userId="59bb156d-7516-4212-a860-9ec41fb041f7" providerId="ADAL" clId="{ADAF4B5B-B7C9-7E40-B4B1-49C187825132}" dt="2021-09-15T00:11:10.339" v="1308" actId="20577"/>
+          <ac:spMkLst>
+            <pc:docMk/>
+            <pc:sldMk cId="995660219" sldId="259"/>
+            <ac:spMk id="25" creationId="{4CEA893A-3409-7D45-9F91-19C50A30326F}"/>
+          </ac:spMkLst>
+        </pc:spChg>
+        <pc:cxnChg chg="add mod">
+          <ac:chgData name="Banerjee, Deepro" userId="59bb156d-7516-4212-a860-9ec41fb041f7" providerId="ADAL" clId="{ADAF4B5B-B7C9-7E40-B4B1-49C187825132}" dt="2021-09-14T23:42:52.144" v="945" actId="1035"/>
+          <ac:cxnSpMkLst>
+            <pc:docMk/>
+            <pc:sldMk cId="995660219" sldId="259"/>
+            <ac:cxnSpMk id="10" creationId="{4BB69A74-B189-F749-B323-76B57E074E31}"/>
+          </ac:cxnSpMkLst>
+        </pc:cxnChg>
+        <pc:cxnChg chg="add mod">
+          <ac:chgData name="Banerjee, Deepro" userId="59bb156d-7516-4212-a860-9ec41fb041f7" providerId="ADAL" clId="{ADAF4B5B-B7C9-7E40-B4B1-49C187825132}" dt="2021-09-14T23:42:52.144" v="945" actId="1035"/>
+          <ac:cxnSpMkLst>
+            <pc:docMk/>
+            <pc:sldMk cId="995660219" sldId="259"/>
+            <ac:cxnSpMk id="13" creationId="{F73F34FB-D61E-FD46-8E6B-57EDCFEDDCA2}"/>
+          </ac:cxnSpMkLst>
+        </pc:cxnChg>
+        <pc:cxnChg chg="add mod">
+          <ac:chgData name="Banerjee, Deepro" userId="59bb156d-7516-4212-a860-9ec41fb041f7" providerId="ADAL" clId="{ADAF4B5B-B7C9-7E40-B4B1-49C187825132}" dt="2021-09-14T23:42:52.144" v="945" actId="1035"/>
+          <ac:cxnSpMkLst>
+            <pc:docMk/>
+            <pc:sldMk cId="995660219" sldId="259"/>
+            <ac:cxnSpMk id="16" creationId="{DDB4C5BC-1DF1-C445-B4F2-A1E64F780EB8}"/>
+          </ac:cxnSpMkLst>
+        </pc:cxnChg>
       </pc:sldChg>
       <pc:sldChg chg="modSp new mod">
         <pc:chgData name="Banerjee, Deepro" userId="59bb156d-7516-4212-a860-9ec41fb041f7" providerId="ADAL" clId="{ADAF4B5B-B7C9-7E40-B4B1-49C187825132}" dt="2021-09-05T13:42:04.172" v="132" actId="20577"/>
@@ -242,8 +395,8 @@
           </ac:spMkLst>
         </pc:spChg>
       </pc:sldChg>
-      <pc:sldChg chg="modSp new mod">
-        <pc:chgData name="Banerjee, Deepro" userId="59bb156d-7516-4212-a860-9ec41fb041f7" providerId="ADAL" clId="{ADAF4B5B-B7C9-7E40-B4B1-49C187825132}" dt="2021-09-05T13:42:36.141" v="165" actId="20577"/>
+      <pc:sldChg chg="modSp new mod ord">
+        <pc:chgData name="Banerjee, Deepro" userId="59bb156d-7516-4212-a860-9ec41fb041f7" providerId="ADAL" clId="{ADAF4B5B-B7C9-7E40-B4B1-49C187825132}" dt="2021-09-15T00:22:45.761" v="1310" actId="20578"/>
         <pc:sldMkLst>
           <pc:docMk/>
           <pc:sldMk cId="2364176863" sldId="262"/>
@@ -400,7 +553,7 @@
         </pc:sldMkLst>
       </pc:sldChg>
       <pc:sldChg chg="modSp add mod modNotesTx">
-        <pc:chgData name="Banerjee, Deepro" userId="59bb156d-7516-4212-a860-9ec41fb041f7" providerId="ADAL" clId="{ADAF4B5B-B7C9-7E40-B4B1-49C187825132}" dt="2021-09-06T23:17:28.635" v="684" actId="20577"/>
+        <pc:chgData name="Banerjee, Deepro" userId="59bb156d-7516-4212-a860-9ec41fb041f7" providerId="ADAL" clId="{ADAF4B5B-B7C9-7E40-B4B1-49C187825132}" dt="2021-09-15T00:58:34.424" v="1426" actId="20577"/>
         <pc:sldMkLst>
           <pc:docMk/>
           <pc:sldMk cId="3180347128" sldId="273"/>
@@ -411,6 +564,44 @@
             <pc:docMk/>
             <pc:sldMk cId="3180347128" sldId="273"/>
             <ac:spMk id="2" creationId="{31F592F1-51D1-EE42-843D-312BE910798E}"/>
+          </ac:spMkLst>
+        </pc:spChg>
+      </pc:sldChg>
+      <pc:sldChg chg="modSp mod">
+        <pc:chgData name="Banerjee, Deepro" userId="59bb156d-7516-4212-a860-9ec41fb041f7" providerId="ADAL" clId="{ADAF4B5B-B7C9-7E40-B4B1-49C187825132}" dt="2021-09-14T23:34:39.161" v="810" actId="1036"/>
+        <pc:sldMkLst>
+          <pc:docMk/>
+          <pc:sldMk cId="2925457027" sldId="276"/>
+        </pc:sldMkLst>
+        <pc:spChg chg="mod">
+          <ac:chgData name="Banerjee, Deepro" userId="59bb156d-7516-4212-a860-9ec41fb041f7" providerId="ADAL" clId="{ADAF4B5B-B7C9-7E40-B4B1-49C187825132}" dt="2021-09-14T23:34:39.161" v="810" actId="1036"/>
+          <ac:spMkLst>
+            <pc:docMk/>
+            <pc:sldMk cId="2925457027" sldId="276"/>
+            <ac:spMk id="3" creationId="{4B90F795-25A0-F04C-8A79-B381B3C0986B}"/>
+          </ac:spMkLst>
+        </pc:spChg>
+      </pc:sldChg>
+      <pc:sldChg chg="modSp new mod">
+        <pc:chgData name="Banerjee, Deepro" userId="59bb156d-7516-4212-a860-9ec41fb041f7" providerId="ADAL" clId="{ADAF4B5B-B7C9-7E40-B4B1-49C187825132}" dt="2021-09-14T23:57:35.478" v="1293" actId="20577"/>
+        <pc:sldMkLst>
+          <pc:docMk/>
+          <pc:sldMk cId="1667490555" sldId="277"/>
+        </pc:sldMkLst>
+        <pc:spChg chg="mod">
+          <ac:chgData name="Banerjee, Deepro" userId="59bb156d-7516-4212-a860-9ec41fb041f7" providerId="ADAL" clId="{ADAF4B5B-B7C9-7E40-B4B1-49C187825132}" dt="2021-09-14T23:54:58.333" v="992" actId="20577"/>
+          <ac:spMkLst>
+            <pc:docMk/>
+            <pc:sldMk cId="1667490555" sldId="277"/>
+            <ac:spMk id="2" creationId="{96CF4C86-1A98-A340-9B6A-80B6ABEF8F10}"/>
+          </ac:spMkLst>
+        </pc:spChg>
+        <pc:spChg chg="mod">
+          <ac:chgData name="Banerjee, Deepro" userId="59bb156d-7516-4212-a860-9ec41fb041f7" providerId="ADAL" clId="{ADAF4B5B-B7C9-7E40-B4B1-49C187825132}" dt="2021-09-14T23:57:35.478" v="1293" actId="20577"/>
+          <ac:spMkLst>
+            <pc:docMk/>
+            <pc:sldMk cId="1667490555" sldId="277"/>
+            <ac:spMk id="3" creationId="{1BAD13D1-C77C-A64F-9557-2861DE3F0359}"/>
           </ac:spMkLst>
         </pc:spChg>
       </pc:sldChg>
@@ -931,7 +1122,7 @@
           <a:p>
             <a:fld id="{91A6987C-0916-2242-A9EF-85F33DA03160}" type="slidenum">
               <a:rPr lang="en-US" smtClean="0"/>
-              <a:t>19</a:t>
+              <a:t>20</a:t>
             </a:fld>
             <a:endParaRPr lang="en-US"/>
           </a:p>
@@ -1017,9 +1208,51 @@
               <a:t>www.nature.com</a:t>
             </a:r>
             <a:r>
+              <a:rPr lang="en-US" dirty="0"/>
+              <a:t>/articles/s41576-019-0122-6#Sec11</a:t>
+            </a:r>
+          </a:p>
+          <a:p>
+            <a:r>
+              <a:rPr lang="en-US" dirty="0"/>
+              <a:t>https://</a:t>
+            </a:r>
+            <a:r>
+              <a:rPr lang="en-US" dirty="0" err="1"/>
+              <a:t>glassboxmedicine.com</a:t>
+            </a:r>
+            <a:r>
+              <a:rPr lang="en-US" dirty="0"/>
+              <a:t>/2019/06/21/</a:t>
+            </a:r>
+            <a:r>
+              <a:rPr lang="en-US" dirty="0" err="1"/>
+              <a:t>cnn</a:t>
+            </a:r>
+            <a:r>
+              <a:rPr lang="en-US" dirty="0"/>
+              <a:t>-heat-maps-saliency-backpropagation/</a:t>
+            </a:r>
+          </a:p>
+          <a:p>
+            <a:endParaRPr lang="en-US" dirty="0"/>
+          </a:p>
+          <a:p>
+            <a:r>
+              <a:rPr lang="en-US" dirty="0"/>
+              <a:t>Getting a linear approximation of the non-linear function at a point a, using a Taylor’s series expansion: https://</a:t>
+            </a:r>
+            <a:r>
+              <a:rPr lang="en-US" dirty="0" err="1"/>
+              <a:t>en.wikipedia.org</a:t>
+            </a:r>
+            <a:r>
               <a:rPr lang="en-US"/>
-              <a:t>/articles/s41576-019-0122-6#Sec11</a:t>
-            </a:r>
+              <a:t>/wiki/Taylor%27s_theorem</a:t>
+            </a:r>
+          </a:p>
+          <a:p>
+            <a:endParaRPr lang="en-US" dirty="0"/>
           </a:p>
           <a:p>
             <a:endParaRPr lang="en-US" dirty="0"/>
@@ -1043,7 +1276,7 @@
           <a:p>
             <a:fld id="{91A6987C-0916-2242-A9EF-85F33DA03160}" type="slidenum">
               <a:rPr lang="en-US" smtClean="0"/>
-              <a:t>20</a:t>
+              <a:t>21</a:t>
             </a:fld>
             <a:endParaRPr lang="en-US"/>
           </a:p>
@@ -1241,7 +1474,7 @@
           <a:p>
             <a:fld id="{91A6987C-0916-2242-A9EF-85F33DA03160}" type="slidenum">
               <a:rPr lang="en-US" smtClean="0"/>
-              <a:t>2</a:t>
+              <a:t>3</a:t>
             </a:fld>
             <a:endParaRPr lang="en-US"/>
           </a:p>
@@ -1425,7 +1658,7 @@
           <a:p>
             <a:fld id="{91A6987C-0916-2242-A9EF-85F33DA03160}" type="slidenum">
               <a:rPr lang="en-US" smtClean="0"/>
-              <a:t>3</a:t>
+              <a:t>4</a:t>
             </a:fld>
             <a:endParaRPr lang="en-US"/>
           </a:p>
@@ -1631,7 +1864,7 @@
           <a:p>
             <a:fld id="{91A6987C-0916-2242-A9EF-85F33DA03160}" type="slidenum">
               <a:rPr lang="en-US" smtClean="0"/>
-              <a:t>4</a:t>
+              <a:t>5</a:t>
             </a:fld>
             <a:endParaRPr lang="en-US"/>
           </a:p>
@@ -1732,7 +1965,7 @@
           <a:p>
             <a:fld id="{91A6987C-0916-2242-A9EF-85F33DA03160}" type="slidenum">
               <a:rPr lang="en-US" smtClean="0"/>
-              <a:t>5</a:t>
+              <a:t>6</a:t>
             </a:fld>
             <a:endParaRPr lang="en-US"/>
           </a:p>
@@ -1833,7 +2066,7 @@
           <a:p>
             <a:fld id="{91A6987C-0916-2242-A9EF-85F33DA03160}" type="slidenum">
               <a:rPr lang="en-US" smtClean="0"/>
-              <a:t>6</a:t>
+              <a:t>7</a:t>
             </a:fld>
             <a:endParaRPr lang="en-US"/>
           </a:p>
@@ -1943,7 +2176,7 @@
           <a:p>
             <a:fld id="{91A6987C-0916-2242-A9EF-85F33DA03160}" type="slidenum">
               <a:rPr lang="en-US" smtClean="0"/>
-              <a:t>7</a:t>
+              <a:t>8</a:t>
             </a:fld>
             <a:endParaRPr lang="en-US"/>
           </a:p>
@@ -2038,7 +2271,7 @@
           <a:p>
             <a:fld id="{91A6987C-0916-2242-A9EF-85F33DA03160}" type="slidenum">
               <a:rPr lang="en-US" smtClean="0"/>
-              <a:t>16</a:t>
+              <a:t>17</a:t>
             </a:fld>
             <a:endParaRPr lang="en-US"/>
           </a:p>
@@ -2146,7 +2379,7 @@
           <a:p>
             <a:fld id="{91A6987C-0916-2242-A9EF-85F33DA03160}" type="slidenum">
               <a:rPr lang="en-US" smtClean="0"/>
-              <a:t>17</a:t>
+              <a:t>18</a:t>
             </a:fld>
             <a:endParaRPr lang="en-US"/>
           </a:p>
@@ -5666,7 +5899,7 @@
           <p:cNvPr id="2" name="Title 1">
             <a:extLst>
               <a:ext uri="{FF2B5EF4-FFF2-40B4-BE49-F238E27FC236}">
-                <a16:creationId xmlns:a16="http://schemas.microsoft.com/office/drawing/2014/main" id="{8C47310E-BBEE-AD43-BCED-6A3B51E3949D}"/>
+                <a16:creationId xmlns:a16="http://schemas.microsoft.com/office/drawing/2014/main" id="{794F9F2B-A265-6643-BD51-85C0583F89CB}"/>
               </a:ext>
             </a:extLst>
           </p:cNvPr>
@@ -5684,7 +5917,7 @@
           <a:p>
             <a:r>
               <a:rPr lang="en-US" dirty="0"/>
-              <a:t>Model Architecture</a:t>
+              <a:t>Dataset and Features</a:t>
             </a:r>
           </a:p>
         </p:txBody>
@@ -5694,7 +5927,7 @@
           <p:cNvPr id="3" name="Content Placeholder 2">
             <a:extLst>
               <a:ext uri="{FF2B5EF4-FFF2-40B4-BE49-F238E27FC236}">
-                <a16:creationId xmlns:a16="http://schemas.microsoft.com/office/drawing/2014/main" id="{06CAA221-D0B4-F84A-B7BE-F2D1D4608958}"/>
+                <a16:creationId xmlns:a16="http://schemas.microsoft.com/office/drawing/2014/main" id="{311D028F-13E4-9145-BCD0-BC8C3176F733}"/>
               </a:ext>
             </a:extLst>
           </p:cNvPr>
@@ -5719,7 +5952,7 @@
           <p:cNvPr id="4" name="Slide Number Placeholder 3">
             <a:extLst>
               <a:ext uri="{FF2B5EF4-FFF2-40B4-BE49-F238E27FC236}">
-                <a16:creationId xmlns:a16="http://schemas.microsoft.com/office/drawing/2014/main" id="{74BAEEBF-AB5F-CC4E-8761-6BFC129CD191}"/>
+                <a16:creationId xmlns:a16="http://schemas.microsoft.com/office/drawing/2014/main" id="{BCF7DE2B-8C51-A94B-967B-6BDBC89367BD}"/>
               </a:ext>
             </a:extLst>
           </p:cNvPr>
@@ -5746,7 +5979,7 @@
     </p:spTree>
     <p:extLst>
       <p:ext uri="{BB962C8B-B14F-4D97-AF65-F5344CB8AC3E}">
-        <p14:creationId xmlns:p14="http://schemas.microsoft.com/office/powerpoint/2010/main" val="176311535"/>
+        <p14:creationId xmlns:p14="http://schemas.microsoft.com/office/powerpoint/2010/main" val="1976759143"/>
       </p:ext>
     </p:extLst>
   </p:cSld>
@@ -5778,7 +6011,7 @@
           <p:cNvPr id="2" name="Title 1">
             <a:extLst>
               <a:ext uri="{FF2B5EF4-FFF2-40B4-BE49-F238E27FC236}">
-                <a16:creationId xmlns:a16="http://schemas.microsoft.com/office/drawing/2014/main" id="{D0E2D6FC-E5BD-B543-9270-BF682F328639}"/>
+                <a16:creationId xmlns:a16="http://schemas.microsoft.com/office/drawing/2014/main" id="{8C47310E-BBEE-AD43-BCED-6A3B51E3949D}"/>
               </a:ext>
             </a:extLst>
           </p:cNvPr>
@@ -5795,12 +6028,8 @@
           <a:lstStyle/>
           <a:p>
             <a:r>
-              <a:rPr lang="en-US" dirty="0" err="1"/>
-              <a:t>DeepGRN</a:t>
-            </a:r>
-            <a:r>
               <a:rPr lang="en-US" dirty="0"/>
-              <a:t> w and w/o attention</a:t>
+              <a:t>Model Architecture</a:t>
             </a:r>
           </a:p>
         </p:txBody>
@@ -5810,7 +6039,7 @@
           <p:cNvPr id="3" name="Content Placeholder 2">
             <a:extLst>
               <a:ext uri="{FF2B5EF4-FFF2-40B4-BE49-F238E27FC236}">
-                <a16:creationId xmlns:a16="http://schemas.microsoft.com/office/drawing/2014/main" id="{9C50A7D8-91C9-844E-8909-399B864A36B4}"/>
+                <a16:creationId xmlns:a16="http://schemas.microsoft.com/office/drawing/2014/main" id="{06CAA221-D0B4-F84A-B7BE-F2D1D4608958}"/>
               </a:ext>
             </a:extLst>
           </p:cNvPr>
@@ -5835,7 +6064,7 @@
           <p:cNvPr id="4" name="Slide Number Placeholder 3">
             <a:extLst>
               <a:ext uri="{FF2B5EF4-FFF2-40B4-BE49-F238E27FC236}">
-                <a16:creationId xmlns:a16="http://schemas.microsoft.com/office/drawing/2014/main" id="{AFC33372-D0B9-CE47-8B84-AE1D73392216}"/>
+                <a16:creationId xmlns:a16="http://schemas.microsoft.com/office/drawing/2014/main" id="{74BAEEBF-AB5F-CC4E-8761-6BFC129CD191}"/>
               </a:ext>
             </a:extLst>
           </p:cNvPr>
@@ -5862,7 +6091,7 @@
     </p:spTree>
     <p:extLst>
       <p:ext uri="{BB962C8B-B14F-4D97-AF65-F5344CB8AC3E}">
-        <p14:creationId xmlns:p14="http://schemas.microsoft.com/office/powerpoint/2010/main" val="1473772075"/>
+        <p14:creationId xmlns:p14="http://schemas.microsoft.com/office/powerpoint/2010/main" val="176311535"/>
       </p:ext>
     </p:extLst>
   </p:cSld>
@@ -5894,7 +6123,7 @@
           <p:cNvPr id="2" name="Title 1">
             <a:extLst>
               <a:ext uri="{FF2B5EF4-FFF2-40B4-BE49-F238E27FC236}">
-                <a16:creationId xmlns:a16="http://schemas.microsoft.com/office/drawing/2014/main" id="{CCAE8EAA-4C2C-9C43-90EF-2FA73C8B2B07}"/>
+                <a16:creationId xmlns:a16="http://schemas.microsoft.com/office/drawing/2014/main" id="{D0E2D6FC-E5BD-B543-9270-BF682F328639}"/>
               </a:ext>
             </a:extLst>
           </p:cNvPr>
@@ -5916,7 +6145,7 @@
             </a:r>
             <a:r>
               <a:rPr lang="en-US" dirty="0"/>
-              <a:t> interpretation</a:t>
+              <a:t> w and w/o attention</a:t>
             </a:r>
           </a:p>
         </p:txBody>
@@ -5926,7 +6155,7 @@
           <p:cNvPr id="3" name="Content Placeholder 2">
             <a:extLst>
               <a:ext uri="{FF2B5EF4-FFF2-40B4-BE49-F238E27FC236}">
-                <a16:creationId xmlns:a16="http://schemas.microsoft.com/office/drawing/2014/main" id="{E48265D6-CC4E-5E42-A6D9-C7469398E8C0}"/>
+                <a16:creationId xmlns:a16="http://schemas.microsoft.com/office/drawing/2014/main" id="{9C50A7D8-91C9-844E-8909-399B864A36B4}"/>
               </a:ext>
             </a:extLst>
           </p:cNvPr>
@@ -5951,7 +6180,7 @@
           <p:cNvPr id="4" name="Slide Number Placeholder 3">
             <a:extLst>
               <a:ext uri="{FF2B5EF4-FFF2-40B4-BE49-F238E27FC236}">
-                <a16:creationId xmlns:a16="http://schemas.microsoft.com/office/drawing/2014/main" id="{49E6C4EE-3A4B-0548-8548-D06F96CCD32A}"/>
+                <a16:creationId xmlns:a16="http://schemas.microsoft.com/office/drawing/2014/main" id="{AFC33372-D0B9-CE47-8B84-AE1D73392216}"/>
               </a:ext>
             </a:extLst>
           </p:cNvPr>
@@ -5978,7 +6207,7 @@
     </p:spTree>
     <p:extLst>
       <p:ext uri="{BB962C8B-B14F-4D97-AF65-F5344CB8AC3E}">
-        <p14:creationId xmlns:p14="http://schemas.microsoft.com/office/powerpoint/2010/main" val="2582996409"/>
+        <p14:creationId xmlns:p14="http://schemas.microsoft.com/office/powerpoint/2010/main" val="1473772075"/>
       </p:ext>
     </p:extLst>
   </p:cSld>
@@ -6010,7 +6239,7 @@
           <p:cNvPr id="2" name="Title 1">
             <a:extLst>
               <a:ext uri="{FF2B5EF4-FFF2-40B4-BE49-F238E27FC236}">
-                <a16:creationId xmlns:a16="http://schemas.microsoft.com/office/drawing/2014/main" id="{26CD450E-121C-4A48-A026-1D3184DD0837}"/>
+                <a16:creationId xmlns:a16="http://schemas.microsoft.com/office/drawing/2014/main" id="{CCAE8EAA-4C2C-9C43-90EF-2FA73C8B2B07}"/>
               </a:ext>
             </a:extLst>
           </p:cNvPr>
@@ -6027,8 +6256,12 @@
           <a:lstStyle/>
           <a:p>
             <a:r>
+              <a:rPr lang="en-US" dirty="0" err="1"/>
+              <a:t>DeepGRN</a:t>
+            </a:r>
+            <a:r>
               <a:rPr lang="en-US" dirty="0"/>
-              <a:t>Thank you</a:t>
+              <a:t> interpretation</a:t>
             </a:r>
           </a:p>
         </p:txBody>
@@ -6038,7 +6271,7 @@
           <p:cNvPr id="3" name="Content Placeholder 2">
             <a:extLst>
               <a:ext uri="{FF2B5EF4-FFF2-40B4-BE49-F238E27FC236}">
-                <a16:creationId xmlns:a16="http://schemas.microsoft.com/office/drawing/2014/main" id="{550E4D85-0639-FE43-B011-0F321ECAC315}"/>
+                <a16:creationId xmlns:a16="http://schemas.microsoft.com/office/drawing/2014/main" id="{E48265D6-CC4E-5E42-A6D9-C7469398E8C0}"/>
               </a:ext>
             </a:extLst>
           </p:cNvPr>
@@ -6063,7 +6296,7 @@
           <p:cNvPr id="4" name="Slide Number Placeholder 3">
             <a:extLst>
               <a:ext uri="{FF2B5EF4-FFF2-40B4-BE49-F238E27FC236}">
-                <a16:creationId xmlns:a16="http://schemas.microsoft.com/office/drawing/2014/main" id="{CCA3A958-7F04-8341-960B-019233F25B09}"/>
+                <a16:creationId xmlns:a16="http://schemas.microsoft.com/office/drawing/2014/main" id="{49E6C4EE-3A4B-0548-8548-D06F96CCD32A}"/>
               </a:ext>
             </a:extLst>
           </p:cNvPr>
@@ -6090,7 +6323,7 @@
     </p:spTree>
     <p:extLst>
       <p:ext uri="{BB962C8B-B14F-4D97-AF65-F5344CB8AC3E}">
-        <p14:creationId xmlns:p14="http://schemas.microsoft.com/office/powerpoint/2010/main" val="844203302"/>
+        <p14:creationId xmlns:p14="http://schemas.microsoft.com/office/powerpoint/2010/main" val="2582996409"/>
       </p:ext>
     </p:extLst>
   </p:cSld>
@@ -6122,7 +6355,7 @@
           <p:cNvPr id="2" name="Title 1">
             <a:extLst>
               <a:ext uri="{FF2B5EF4-FFF2-40B4-BE49-F238E27FC236}">
-                <a16:creationId xmlns:a16="http://schemas.microsoft.com/office/drawing/2014/main" id="{A4944F15-95BB-F247-82FF-4410E020AC0D}"/>
+                <a16:creationId xmlns:a16="http://schemas.microsoft.com/office/drawing/2014/main" id="{26CD450E-121C-4A48-A026-1D3184DD0837}"/>
               </a:ext>
             </a:extLst>
           </p:cNvPr>
@@ -6140,7 +6373,7 @@
           <a:p>
             <a:r>
               <a:rPr lang="en-US" dirty="0"/>
-              <a:t>Appendix – MLP Formulation</a:t>
+              <a:t>Thank you</a:t>
             </a:r>
           </a:p>
         </p:txBody>
@@ -6150,7 +6383,7 @@
           <p:cNvPr id="3" name="Content Placeholder 2">
             <a:extLst>
               <a:ext uri="{FF2B5EF4-FFF2-40B4-BE49-F238E27FC236}">
-                <a16:creationId xmlns:a16="http://schemas.microsoft.com/office/drawing/2014/main" id="{BD20E304-92E6-684A-B96A-9DCD07FC2C01}"/>
+                <a16:creationId xmlns:a16="http://schemas.microsoft.com/office/drawing/2014/main" id="{550E4D85-0639-FE43-B011-0F321ECAC315}"/>
               </a:ext>
             </a:extLst>
           </p:cNvPr>
@@ -6175,7 +6408,7 @@
           <p:cNvPr id="4" name="Slide Number Placeholder 3">
             <a:extLst>
               <a:ext uri="{FF2B5EF4-FFF2-40B4-BE49-F238E27FC236}">
-                <a16:creationId xmlns:a16="http://schemas.microsoft.com/office/drawing/2014/main" id="{3701FDD8-8E46-124E-AAD7-02A24170CDC5}"/>
+                <a16:creationId xmlns:a16="http://schemas.microsoft.com/office/drawing/2014/main" id="{CCA3A958-7F04-8341-960B-019233F25B09}"/>
               </a:ext>
             </a:extLst>
           </p:cNvPr>
@@ -6202,7 +6435,7 @@
     </p:spTree>
     <p:extLst>
       <p:ext uri="{BB962C8B-B14F-4D97-AF65-F5344CB8AC3E}">
-        <p14:creationId xmlns:p14="http://schemas.microsoft.com/office/powerpoint/2010/main" val="3321573013"/>
+        <p14:creationId xmlns:p14="http://schemas.microsoft.com/office/powerpoint/2010/main" val="844203302"/>
       </p:ext>
     </p:extLst>
   </p:cSld>
@@ -6252,7 +6485,7 @@
           <a:p>
             <a:r>
               <a:rPr lang="en-US" dirty="0"/>
-              <a:t>Appendix – CNN Formulation</a:t>
+              <a:t>Appendix – MLP Formulation</a:t>
             </a:r>
           </a:p>
         </p:txBody>
@@ -6287,7 +6520,7 @@
           <p:cNvPr id="4" name="Slide Number Placeholder 3">
             <a:extLst>
               <a:ext uri="{FF2B5EF4-FFF2-40B4-BE49-F238E27FC236}">
-                <a16:creationId xmlns:a16="http://schemas.microsoft.com/office/drawing/2014/main" id="{C9F4F913-FF4A-9743-91DA-894CBCD1E438}"/>
+                <a16:creationId xmlns:a16="http://schemas.microsoft.com/office/drawing/2014/main" id="{3701FDD8-8E46-124E-AAD7-02A24170CDC5}"/>
               </a:ext>
             </a:extLst>
           </p:cNvPr>
@@ -6314,7 +6547,7 @@
     </p:spTree>
     <p:extLst>
       <p:ext uri="{BB962C8B-B14F-4D97-AF65-F5344CB8AC3E}">
-        <p14:creationId xmlns:p14="http://schemas.microsoft.com/office/powerpoint/2010/main" val="3392852354"/>
+        <p14:creationId xmlns:p14="http://schemas.microsoft.com/office/powerpoint/2010/main" val="3321573013"/>
       </p:ext>
     </p:extLst>
   </p:cSld>
@@ -6346,7 +6579,7 @@
           <p:cNvPr id="2" name="Title 1">
             <a:extLst>
               <a:ext uri="{FF2B5EF4-FFF2-40B4-BE49-F238E27FC236}">
-                <a16:creationId xmlns:a16="http://schemas.microsoft.com/office/drawing/2014/main" id="{695350FA-3885-EE40-BCDC-745345139DAD}"/>
+                <a16:creationId xmlns:a16="http://schemas.microsoft.com/office/drawing/2014/main" id="{A4944F15-95BB-F247-82FF-4410E020AC0D}"/>
               </a:ext>
             </a:extLst>
           </p:cNvPr>
@@ -6364,7 +6597,7 @@
           <a:p>
             <a:r>
               <a:rPr lang="en-US" dirty="0"/>
-              <a:t>Appendix – RNN Formulation</a:t>
+              <a:t>Appendix – CNN Formulation</a:t>
             </a:r>
           </a:p>
         </p:txBody>
@@ -6374,7 +6607,7 @@
           <p:cNvPr id="3" name="Content Placeholder 2">
             <a:extLst>
               <a:ext uri="{FF2B5EF4-FFF2-40B4-BE49-F238E27FC236}">
-                <a16:creationId xmlns:a16="http://schemas.microsoft.com/office/drawing/2014/main" id="{48782F35-0CDA-4041-A63D-57265A06F90C}"/>
+                <a16:creationId xmlns:a16="http://schemas.microsoft.com/office/drawing/2014/main" id="{BD20E304-92E6-684A-B96A-9DCD07FC2C01}"/>
               </a:ext>
             </a:extLst>
           </p:cNvPr>
@@ -6399,7 +6632,7 @@
           <p:cNvPr id="4" name="Slide Number Placeholder 3">
             <a:extLst>
               <a:ext uri="{FF2B5EF4-FFF2-40B4-BE49-F238E27FC236}">
-                <a16:creationId xmlns:a16="http://schemas.microsoft.com/office/drawing/2014/main" id="{9EB6C101-462B-1743-8859-93653A577D0D}"/>
+                <a16:creationId xmlns:a16="http://schemas.microsoft.com/office/drawing/2014/main" id="{C9F4F913-FF4A-9743-91DA-894CBCD1E438}"/>
               </a:ext>
             </a:extLst>
           </p:cNvPr>
@@ -6426,7 +6659,7 @@
     </p:spTree>
     <p:extLst>
       <p:ext uri="{BB962C8B-B14F-4D97-AF65-F5344CB8AC3E}">
-        <p14:creationId xmlns:p14="http://schemas.microsoft.com/office/powerpoint/2010/main" val="320255401"/>
+        <p14:creationId xmlns:p14="http://schemas.microsoft.com/office/powerpoint/2010/main" val="3392852354"/>
       </p:ext>
     </p:extLst>
   </p:cSld>
@@ -6458,7 +6691,7 @@
           <p:cNvPr id="2" name="Title 1">
             <a:extLst>
               <a:ext uri="{FF2B5EF4-FFF2-40B4-BE49-F238E27FC236}">
-                <a16:creationId xmlns:a16="http://schemas.microsoft.com/office/drawing/2014/main" id="{31F592F1-51D1-EE42-843D-312BE910798E}"/>
+                <a16:creationId xmlns:a16="http://schemas.microsoft.com/office/drawing/2014/main" id="{695350FA-3885-EE40-BCDC-745345139DAD}"/>
               </a:ext>
             </a:extLst>
           </p:cNvPr>
@@ -6476,7 +6709,7 @@
           <a:p>
             <a:r>
               <a:rPr lang="en-US" dirty="0"/>
-              <a:t>Appendix – LSTM formulation</a:t>
+              <a:t>Appendix – RNN Formulation</a:t>
             </a:r>
           </a:p>
         </p:txBody>
@@ -6486,7 +6719,7 @@
           <p:cNvPr id="3" name="Content Placeholder 2">
             <a:extLst>
               <a:ext uri="{FF2B5EF4-FFF2-40B4-BE49-F238E27FC236}">
-                <a16:creationId xmlns:a16="http://schemas.microsoft.com/office/drawing/2014/main" id="{40B27EE9-1614-F642-94EC-474B5DAB9F94}"/>
+                <a16:creationId xmlns:a16="http://schemas.microsoft.com/office/drawing/2014/main" id="{48782F35-0CDA-4041-A63D-57265A06F90C}"/>
               </a:ext>
             </a:extLst>
           </p:cNvPr>
@@ -6511,7 +6744,7 @@
           <p:cNvPr id="4" name="Slide Number Placeholder 3">
             <a:extLst>
               <a:ext uri="{FF2B5EF4-FFF2-40B4-BE49-F238E27FC236}">
-                <a16:creationId xmlns:a16="http://schemas.microsoft.com/office/drawing/2014/main" id="{2891E2B9-97C1-1149-81BE-15BF3E291F19}"/>
+                <a16:creationId xmlns:a16="http://schemas.microsoft.com/office/drawing/2014/main" id="{9EB6C101-462B-1743-8859-93653A577D0D}"/>
               </a:ext>
             </a:extLst>
           </p:cNvPr>
@@ -6538,7 +6771,7 @@
     </p:spTree>
     <p:extLst>
       <p:ext uri="{BB962C8B-B14F-4D97-AF65-F5344CB8AC3E}">
-        <p14:creationId xmlns:p14="http://schemas.microsoft.com/office/powerpoint/2010/main" val="1590013482"/>
+        <p14:creationId xmlns:p14="http://schemas.microsoft.com/office/powerpoint/2010/main" val="320255401"/>
       </p:ext>
     </p:extLst>
   </p:cSld>
@@ -6588,7 +6821,7 @@
           <a:p>
             <a:r>
               <a:rPr lang="en-US" dirty="0"/>
-              <a:t>Appendix – Attention formulation</a:t>
+              <a:t>Appendix – LSTM formulation</a:t>
             </a:r>
           </a:p>
         </p:txBody>
@@ -6623,7 +6856,7 @@
           <p:cNvPr id="4" name="Slide Number Placeholder 3">
             <a:extLst>
               <a:ext uri="{FF2B5EF4-FFF2-40B4-BE49-F238E27FC236}">
-                <a16:creationId xmlns:a16="http://schemas.microsoft.com/office/drawing/2014/main" id="{759F75E5-4290-7144-BE92-C5DEDF7041E0}"/>
+                <a16:creationId xmlns:a16="http://schemas.microsoft.com/office/drawing/2014/main" id="{2891E2B9-97C1-1149-81BE-15BF3E291F19}"/>
               </a:ext>
             </a:extLst>
           </p:cNvPr>
@@ -6650,7 +6883,7 @@
     </p:spTree>
     <p:extLst>
       <p:ext uri="{BB962C8B-B14F-4D97-AF65-F5344CB8AC3E}">
-        <p14:creationId xmlns:p14="http://schemas.microsoft.com/office/powerpoint/2010/main" val="2862041284"/>
+        <p14:creationId xmlns:p14="http://schemas.microsoft.com/office/powerpoint/2010/main" val="1590013482"/>
       </p:ext>
     </p:extLst>
   </p:cSld>
@@ -6682,7 +6915,7 @@
           <p:cNvPr id="2" name="Title 1">
             <a:extLst>
               <a:ext uri="{FF2B5EF4-FFF2-40B4-BE49-F238E27FC236}">
-                <a16:creationId xmlns:a16="http://schemas.microsoft.com/office/drawing/2014/main" id="{5EFC057E-3E3B-C742-822C-BAD0B2662930}"/>
+                <a16:creationId xmlns:a16="http://schemas.microsoft.com/office/drawing/2014/main" id="{96CF4C86-1A98-A340-9B6A-80B6ABEF8F10}"/>
               </a:ext>
             </a:extLst>
           </p:cNvPr>
@@ -6700,146 +6933,57 @@
           <a:p>
             <a:r>
               <a:rPr lang="en-US" dirty="0"/>
-              <a:t>Cell types differ due to gene expression differences</a:t>
-            </a:r>
-          </a:p>
-        </p:txBody>
-      </p:sp>
-      <p:pic>
-        <p:nvPicPr>
-          <p:cNvPr id="5" name="Content Placeholder 4" descr="Chart&#10;&#10;Description automatically generated with medium confidence">
-            <a:extLst>
-              <a:ext uri="{FF2B5EF4-FFF2-40B4-BE49-F238E27FC236}">
-                <a16:creationId xmlns:a16="http://schemas.microsoft.com/office/drawing/2014/main" id="{CCF9C7CD-7440-B94F-A5FC-B3B96A6E7F0B}"/>
-              </a:ext>
-            </a:extLst>
-          </p:cNvPr>
-          <p:cNvPicPr>
-            <a:picLocks noGrp="1" noChangeAspect="1"/>
-          </p:cNvPicPr>
+              <a:t>Reasons for choosing this paper</a:t>
+            </a:r>
+          </a:p>
+        </p:txBody>
+      </p:sp>
+      <p:sp>
+        <p:nvSpPr>
+          <p:cNvPr id="3" name="Content Placeholder 2">
+            <a:extLst>
+              <a:ext uri="{FF2B5EF4-FFF2-40B4-BE49-F238E27FC236}">
+                <a16:creationId xmlns:a16="http://schemas.microsoft.com/office/drawing/2014/main" id="{1BAD13D1-C77C-A64F-9557-2861DE3F0359}"/>
+              </a:ext>
+            </a:extLst>
+          </p:cNvPr>
+          <p:cNvSpPr>
+            <a:spLocks noGrp="1"/>
+          </p:cNvSpPr>
           <p:nvPr>
             <p:ph idx="1"/>
           </p:nvPr>
-        </p:nvPicPr>
-        <p:blipFill>
-          <a:blip r:embed="rId3"/>
-          <a:stretch>
-            <a:fillRect/>
-          </a:stretch>
-        </p:blipFill>
-        <p:spPr>
-          <a:xfrm>
-            <a:off x="455654" y="2514580"/>
-            <a:ext cx="5854605" cy="3316245"/>
-          </a:xfrm>
-        </p:spPr>
-      </p:pic>
-      <p:pic>
-        <p:nvPicPr>
-          <p:cNvPr id="7" name="Picture 6" descr="Diagram&#10;&#10;Description automatically generated">
-            <a:extLst>
-              <a:ext uri="{FF2B5EF4-FFF2-40B4-BE49-F238E27FC236}">
-                <a16:creationId xmlns:a16="http://schemas.microsoft.com/office/drawing/2014/main" id="{F1E91473-6B3E-0E43-989B-54282F16D993}"/>
-              </a:ext>
-            </a:extLst>
-          </p:cNvPr>
-          <p:cNvPicPr>
-            <a:picLocks noChangeAspect="1"/>
-          </p:cNvPicPr>
-          <p:nvPr/>
-        </p:nvPicPr>
-        <p:blipFill>
-          <a:blip r:embed="rId4"/>
-          <a:stretch>
-            <a:fillRect/>
-          </a:stretch>
-        </p:blipFill>
-        <p:spPr>
-          <a:xfrm>
-            <a:off x="6430354" y="2514579"/>
-            <a:ext cx="5305992" cy="3316245"/>
-          </a:xfrm>
-          <a:prstGeom prst="rect">
-            <a:avLst/>
-          </a:prstGeom>
-        </p:spPr>
-      </p:pic>
-      <p:sp>
-        <p:nvSpPr>
-          <p:cNvPr id="8" name="TextBox 7">
-            <a:extLst>
-              <a:ext uri="{FF2B5EF4-FFF2-40B4-BE49-F238E27FC236}">
-                <a16:creationId xmlns:a16="http://schemas.microsoft.com/office/drawing/2014/main" id="{DF7BD17F-3B2A-CE41-8CB6-826314AC5995}"/>
-              </a:ext>
-            </a:extLst>
-          </p:cNvPr>
-          <p:cNvSpPr txBox="1"/>
-          <p:nvPr/>
-        </p:nvSpPr>
-        <p:spPr>
-          <a:xfrm>
-            <a:off x="1806404" y="1938988"/>
-            <a:ext cx="3153103" cy="369332"/>
-          </a:xfrm>
-          <a:prstGeom prst="rect">
-            <a:avLst/>
-          </a:prstGeom>
-          <a:noFill/>
-        </p:spPr>
-        <p:txBody>
-          <a:bodyPr wrap="square" rtlCol="0">
-            <a:spAutoFit/>
-          </a:bodyPr>
+        </p:nvSpPr>
+        <p:spPr/>
+        <p:txBody>
+          <a:bodyPr/>
           <a:lstStyle/>
           <a:p>
             <a:r>
               <a:rPr lang="en-US" dirty="0"/>
-              <a:t>Same DNA – Different functions</a:t>
-            </a:r>
-          </a:p>
-        </p:txBody>
-      </p:sp>
-      <p:sp>
-        <p:nvSpPr>
-          <p:cNvPr id="9" name="TextBox 8">
-            <a:extLst>
-              <a:ext uri="{FF2B5EF4-FFF2-40B4-BE49-F238E27FC236}">
-                <a16:creationId xmlns:a16="http://schemas.microsoft.com/office/drawing/2014/main" id="{E6F8DD97-7EC0-F146-BAEF-57C5D926D0C0}"/>
-              </a:ext>
-            </a:extLst>
-          </p:cNvPr>
-          <p:cNvSpPr txBox="1"/>
-          <p:nvPr/>
-        </p:nvSpPr>
-        <p:spPr>
-          <a:xfrm>
-            <a:off x="7506798" y="1938988"/>
-            <a:ext cx="3360899" cy="369332"/>
-          </a:xfrm>
-          <a:prstGeom prst="rect">
-            <a:avLst/>
-          </a:prstGeom>
-          <a:noFill/>
-        </p:spPr>
-        <p:txBody>
-          <a:bodyPr wrap="square" rtlCol="0">
-            <a:spAutoFit/>
-          </a:bodyPr>
-          <a:lstStyle/>
+              <a:t>Directly aligned to our research area</a:t>
+            </a:r>
+          </a:p>
           <a:p>
             <a:r>
               <a:rPr lang="en-US" dirty="0"/>
-              <a:t>Various stages of Gene Regulation</a:t>
-            </a:r>
-          </a:p>
-        </p:txBody>
-      </p:sp>
-      <p:sp>
-        <p:nvSpPr>
-          <p:cNvPr id="3" name="Slide Number Placeholder 2">
-            <a:extLst>
-              <a:ext uri="{FF2B5EF4-FFF2-40B4-BE49-F238E27FC236}">
-                <a16:creationId xmlns:a16="http://schemas.microsoft.com/office/drawing/2014/main" id="{83293161-3E4F-6D4F-BD79-6776D6AB6F9F}"/>
+              <a:t>Supplements current state-of-the-art deep learning models with an attention mechanism and achieves comparable/superior performance</a:t>
+            </a:r>
+          </a:p>
+          <a:p>
+            <a:r>
+              <a:rPr lang="en-US" dirty="0"/>
+              <a:t>Claims that attention mechanism can improve model interpretation </a:t>
+            </a:r>
+          </a:p>
+        </p:txBody>
+      </p:sp>
+      <p:sp>
+        <p:nvSpPr>
+          <p:cNvPr id="4" name="Slide Number Placeholder 3">
+            <a:extLst>
+              <a:ext uri="{FF2B5EF4-FFF2-40B4-BE49-F238E27FC236}">
+                <a16:creationId xmlns:a16="http://schemas.microsoft.com/office/drawing/2014/main" id="{A1E29A4E-24AC-7545-A08E-00C9F3EBFD00}"/>
               </a:ext>
             </a:extLst>
           </p:cNvPr>
@@ -6866,7 +7010,7 @@
     </p:spTree>
     <p:extLst>
       <p:ext uri="{BB962C8B-B14F-4D97-AF65-F5344CB8AC3E}">
-        <p14:creationId xmlns:p14="http://schemas.microsoft.com/office/powerpoint/2010/main" val="2583680861"/>
+        <p14:creationId xmlns:p14="http://schemas.microsoft.com/office/powerpoint/2010/main" val="1667490555"/>
       </p:ext>
     </p:extLst>
   </p:cSld>
@@ -6916,7 +7060,7 @@
           <a:p>
             <a:r>
               <a:rPr lang="en-US" dirty="0"/>
-              <a:t>Appendix – Saliency Features</a:t>
+              <a:t>Appendix – Attention formulation</a:t>
             </a:r>
           </a:p>
         </p:txBody>
@@ -6951,7 +7095,7 @@
           <p:cNvPr id="4" name="Slide Number Placeholder 3">
             <a:extLst>
               <a:ext uri="{FF2B5EF4-FFF2-40B4-BE49-F238E27FC236}">
-                <a16:creationId xmlns:a16="http://schemas.microsoft.com/office/drawing/2014/main" id="{720CC7CA-AF39-1D4C-B2A5-3E6422600CE6}"/>
+                <a16:creationId xmlns:a16="http://schemas.microsoft.com/office/drawing/2014/main" id="{759F75E5-4290-7144-BE92-C5DEDF7041E0}"/>
               </a:ext>
             </a:extLst>
           </p:cNvPr>
@@ -6978,7 +7122,7 @@
     </p:spTree>
     <p:extLst>
       <p:ext uri="{BB962C8B-B14F-4D97-AF65-F5344CB8AC3E}">
-        <p14:creationId xmlns:p14="http://schemas.microsoft.com/office/powerpoint/2010/main" val="3180347128"/>
+        <p14:creationId xmlns:p14="http://schemas.microsoft.com/office/powerpoint/2010/main" val="2862041284"/>
       </p:ext>
     </p:extLst>
   </p:cSld>
@@ -7010,6 +7154,118 @@
           <p:cNvPr id="2" name="Title 1">
             <a:extLst>
               <a:ext uri="{FF2B5EF4-FFF2-40B4-BE49-F238E27FC236}">
+                <a16:creationId xmlns:a16="http://schemas.microsoft.com/office/drawing/2014/main" id="{31F592F1-51D1-EE42-843D-312BE910798E}"/>
+              </a:ext>
+            </a:extLst>
+          </p:cNvPr>
+          <p:cNvSpPr>
+            <a:spLocks noGrp="1"/>
+          </p:cNvSpPr>
+          <p:nvPr>
+            <p:ph type="title"/>
+          </p:nvPr>
+        </p:nvSpPr>
+        <p:spPr/>
+        <p:txBody>
+          <a:bodyPr/>
+          <a:lstStyle/>
+          <a:p>
+            <a:r>
+              <a:rPr lang="en-US" dirty="0"/>
+              <a:t>Appendix – Saliency Features</a:t>
+            </a:r>
+          </a:p>
+        </p:txBody>
+      </p:sp>
+      <p:sp>
+        <p:nvSpPr>
+          <p:cNvPr id="3" name="Content Placeholder 2">
+            <a:extLst>
+              <a:ext uri="{FF2B5EF4-FFF2-40B4-BE49-F238E27FC236}">
+                <a16:creationId xmlns:a16="http://schemas.microsoft.com/office/drawing/2014/main" id="{40B27EE9-1614-F642-94EC-474B5DAB9F94}"/>
+              </a:ext>
+            </a:extLst>
+          </p:cNvPr>
+          <p:cNvSpPr>
+            <a:spLocks noGrp="1"/>
+          </p:cNvSpPr>
+          <p:nvPr>
+            <p:ph idx="1"/>
+          </p:nvPr>
+        </p:nvSpPr>
+        <p:spPr/>
+        <p:txBody>
+          <a:bodyPr/>
+          <a:lstStyle/>
+          <a:p>
+            <a:endParaRPr lang="en-US"/>
+          </a:p>
+        </p:txBody>
+      </p:sp>
+      <p:sp>
+        <p:nvSpPr>
+          <p:cNvPr id="4" name="Slide Number Placeholder 3">
+            <a:extLst>
+              <a:ext uri="{FF2B5EF4-FFF2-40B4-BE49-F238E27FC236}">
+                <a16:creationId xmlns:a16="http://schemas.microsoft.com/office/drawing/2014/main" id="{720CC7CA-AF39-1D4C-B2A5-3E6422600CE6}"/>
+              </a:ext>
+            </a:extLst>
+          </p:cNvPr>
+          <p:cNvSpPr>
+            <a:spLocks noGrp="1"/>
+          </p:cNvSpPr>
+          <p:nvPr>
+            <p:ph type="sldNum" sz="quarter" idx="12"/>
+          </p:nvPr>
+        </p:nvSpPr>
+        <p:spPr/>
+        <p:txBody>
+          <a:bodyPr/>
+          <a:lstStyle/>
+          <a:p>
+            <a:fld id="{F5563628-00B8-654A-9E27-38F076219897}" type="slidenum">
+              <a:rPr lang="en-US" smtClean="0"/>
+              <a:t>21</a:t>
+            </a:fld>
+            <a:endParaRPr lang="en-US"/>
+          </a:p>
+        </p:txBody>
+      </p:sp>
+    </p:spTree>
+    <p:extLst>
+      <p:ext uri="{BB962C8B-B14F-4D97-AF65-F5344CB8AC3E}">
+        <p14:creationId xmlns:p14="http://schemas.microsoft.com/office/powerpoint/2010/main" val="3180347128"/>
+      </p:ext>
+    </p:extLst>
+  </p:cSld>
+  <p:clrMapOvr>
+    <a:masterClrMapping/>
+  </p:clrMapOvr>
+</p:sld>
+</file>
+
+<file path=ppt/slides/slide22.xml><?xml version="1.0" encoding="utf-8"?>
+<p:sld xmlns:a="http://schemas.openxmlformats.org/drawingml/2006/main" xmlns:r="http://schemas.openxmlformats.org/officeDocument/2006/relationships" xmlns:p="http://schemas.openxmlformats.org/presentationml/2006/main">
+  <p:cSld>
+    <p:spTree>
+      <p:nvGrpSpPr>
+        <p:cNvPr id="1" name=""/>
+        <p:cNvGrpSpPr/>
+        <p:nvPr/>
+      </p:nvGrpSpPr>
+      <p:grpSpPr>
+        <a:xfrm>
+          <a:off x="0" y="0"/>
+          <a:ext cx="0" cy="0"/>
+          <a:chOff x="0" y="0"/>
+          <a:chExt cx="0" cy="0"/>
+        </a:xfrm>
+      </p:grpSpPr>
+      <p:sp>
+        <p:nvSpPr>
+          <p:cNvPr id="2" name="Title 1">
+            <a:extLst>
+              <a:ext uri="{FF2B5EF4-FFF2-40B4-BE49-F238E27FC236}">
                 <a16:creationId xmlns:a16="http://schemas.microsoft.com/office/drawing/2014/main" id="{9A213C84-2B15-BF45-9E32-ABA28FDB5E86}"/>
               </a:ext>
             </a:extLst>
@@ -7106,7 +7362,7 @@
           <a:p>
             <a:fld id="{F5563628-00B8-654A-9E27-38F076219897}" type="slidenum">
               <a:rPr lang="en-US" smtClean="0"/>
-              <a:t>21</a:t>
+              <a:t>22</a:t>
             </a:fld>
             <a:endParaRPr lang="en-US"/>
           </a:p>
@@ -7165,6 +7421,222 @@
           <a:p>
             <a:r>
               <a:rPr lang="en-US" dirty="0"/>
+              <a:t>Cell types differ due to gene expression differences</a:t>
+            </a:r>
+          </a:p>
+        </p:txBody>
+      </p:sp>
+      <p:pic>
+        <p:nvPicPr>
+          <p:cNvPr id="5" name="Content Placeholder 4" descr="Chart&#10;&#10;Description automatically generated with medium confidence">
+            <a:extLst>
+              <a:ext uri="{FF2B5EF4-FFF2-40B4-BE49-F238E27FC236}">
+                <a16:creationId xmlns:a16="http://schemas.microsoft.com/office/drawing/2014/main" id="{CCF9C7CD-7440-B94F-A5FC-B3B96A6E7F0B}"/>
+              </a:ext>
+            </a:extLst>
+          </p:cNvPr>
+          <p:cNvPicPr>
+            <a:picLocks noGrp="1" noChangeAspect="1"/>
+          </p:cNvPicPr>
+          <p:nvPr>
+            <p:ph idx="1"/>
+          </p:nvPr>
+        </p:nvPicPr>
+        <p:blipFill>
+          <a:blip r:embed="rId3"/>
+          <a:stretch>
+            <a:fillRect/>
+          </a:stretch>
+        </p:blipFill>
+        <p:spPr>
+          <a:xfrm>
+            <a:off x="455654" y="2514580"/>
+            <a:ext cx="5854605" cy="3316245"/>
+          </a:xfrm>
+        </p:spPr>
+      </p:pic>
+      <p:pic>
+        <p:nvPicPr>
+          <p:cNvPr id="7" name="Picture 6" descr="Diagram&#10;&#10;Description automatically generated">
+            <a:extLst>
+              <a:ext uri="{FF2B5EF4-FFF2-40B4-BE49-F238E27FC236}">
+                <a16:creationId xmlns:a16="http://schemas.microsoft.com/office/drawing/2014/main" id="{F1E91473-6B3E-0E43-989B-54282F16D993}"/>
+              </a:ext>
+            </a:extLst>
+          </p:cNvPr>
+          <p:cNvPicPr>
+            <a:picLocks noChangeAspect="1"/>
+          </p:cNvPicPr>
+          <p:nvPr/>
+        </p:nvPicPr>
+        <p:blipFill>
+          <a:blip r:embed="rId4"/>
+          <a:stretch>
+            <a:fillRect/>
+          </a:stretch>
+        </p:blipFill>
+        <p:spPr>
+          <a:xfrm>
+            <a:off x="6430354" y="2514579"/>
+            <a:ext cx="5305992" cy="3316245"/>
+          </a:xfrm>
+          <a:prstGeom prst="rect">
+            <a:avLst/>
+          </a:prstGeom>
+        </p:spPr>
+      </p:pic>
+      <p:sp>
+        <p:nvSpPr>
+          <p:cNvPr id="8" name="TextBox 7">
+            <a:extLst>
+              <a:ext uri="{FF2B5EF4-FFF2-40B4-BE49-F238E27FC236}">
+                <a16:creationId xmlns:a16="http://schemas.microsoft.com/office/drawing/2014/main" id="{DF7BD17F-3B2A-CE41-8CB6-826314AC5995}"/>
+              </a:ext>
+            </a:extLst>
+          </p:cNvPr>
+          <p:cNvSpPr txBox="1"/>
+          <p:nvPr/>
+        </p:nvSpPr>
+        <p:spPr>
+          <a:xfrm>
+            <a:off x="1806404" y="1938988"/>
+            <a:ext cx="3153103" cy="369332"/>
+          </a:xfrm>
+          <a:prstGeom prst="rect">
+            <a:avLst/>
+          </a:prstGeom>
+          <a:noFill/>
+        </p:spPr>
+        <p:txBody>
+          <a:bodyPr wrap="square" rtlCol="0">
+            <a:spAutoFit/>
+          </a:bodyPr>
+          <a:lstStyle/>
+          <a:p>
+            <a:r>
+              <a:rPr lang="en-US" dirty="0"/>
+              <a:t>Same DNA – Different functions</a:t>
+            </a:r>
+          </a:p>
+        </p:txBody>
+      </p:sp>
+      <p:sp>
+        <p:nvSpPr>
+          <p:cNvPr id="9" name="TextBox 8">
+            <a:extLst>
+              <a:ext uri="{FF2B5EF4-FFF2-40B4-BE49-F238E27FC236}">
+                <a16:creationId xmlns:a16="http://schemas.microsoft.com/office/drawing/2014/main" id="{E6F8DD97-7EC0-F146-BAEF-57C5D926D0C0}"/>
+              </a:ext>
+            </a:extLst>
+          </p:cNvPr>
+          <p:cNvSpPr txBox="1"/>
+          <p:nvPr/>
+        </p:nvSpPr>
+        <p:spPr>
+          <a:xfrm>
+            <a:off x="7506798" y="1938988"/>
+            <a:ext cx="3360899" cy="369332"/>
+          </a:xfrm>
+          <a:prstGeom prst="rect">
+            <a:avLst/>
+          </a:prstGeom>
+          <a:noFill/>
+        </p:spPr>
+        <p:txBody>
+          <a:bodyPr wrap="square" rtlCol="0">
+            <a:spAutoFit/>
+          </a:bodyPr>
+          <a:lstStyle/>
+          <a:p>
+            <a:r>
+              <a:rPr lang="en-US" dirty="0"/>
+              <a:t>Various stages of Gene Regulation</a:t>
+            </a:r>
+          </a:p>
+        </p:txBody>
+      </p:sp>
+      <p:sp>
+        <p:nvSpPr>
+          <p:cNvPr id="3" name="Slide Number Placeholder 2">
+            <a:extLst>
+              <a:ext uri="{FF2B5EF4-FFF2-40B4-BE49-F238E27FC236}">
+                <a16:creationId xmlns:a16="http://schemas.microsoft.com/office/drawing/2014/main" id="{83293161-3E4F-6D4F-BD79-6776D6AB6F9F}"/>
+              </a:ext>
+            </a:extLst>
+          </p:cNvPr>
+          <p:cNvSpPr>
+            <a:spLocks noGrp="1"/>
+          </p:cNvSpPr>
+          <p:nvPr>
+            <p:ph type="sldNum" sz="quarter" idx="12"/>
+          </p:nvPr>
+        </p:nvSpPr>
+        <p:spPr/>
+        <p:txBody>
+          <a:bodyPr/>
+          <a:lstStyle/>
+          <a:p>
+            <a:fld id="{F5563628-00B8-654A-9E27-38F076219897}" type="slidenum">
+              <a:rPr lang="en-US" smtClean="0"/>
+              <a:t>3</a:t>
+            </a:fld>
+            <a:endParaRPr lang="en-US"/>
+          </a:p>
+        </p:txBody>
+      </p:sp>
+    </p:spTree>
+    <p:extLst>
+      <p:ext uri="{BB962C8B-B14F-4D97-AF65-F5344CB8AC3E}">
+        <p14:creationId xmlns:p14="http://schemas.microsoft.com/office/powerpoint/2010/main" val="2583680861"/>
+      </p:ext>
+    </p:extLst>
+  </p:cSld>
+  <p:clrMapOvr>
+    <a:masterClrMapping/>
+  </p:clrMapOvr>
+</p:sld>
+</file>
+
+<file path=ppt/slides/slide4.xml><?xml version="1.0" encoding="utf-8"?>
+<p:sld xmlns:a="http://schemas.openxmlformats.org/drawingml/2006/main" xmlns:r="http://schemas.openxmlformats.org/officeDocument/2006/relationships" xmlns:p="http://schemas.openxmlformats.org/presentationml/2006/main">
+  <p:cSld>
+    <p:spTree>
+      <p:nvGrpSpPr>
+        <p:cNvPr id="1" name=""/>
+        <p:cNvGrpSpPr/>
+        <p:nvPr/>
+      </p:nvGrpSpPr>
+      <p:grpSpPr>
+        <a:xfrm>
+          <a:off x="0" y="0"/>
+          <a:ext cx="0" cy="0"/>
+          <a:chOff x="0" y="0"/>
+          <a:chExt cx="0" cy="0"/>
+        </a:xfrm>
+      </p:grpSpPr>
+      <p:sp>
+        <p:nvSpPr>
+          <p:cNvPr id="2" name="Title 1">
+            <a:extLst>
+              <a:ext uri="{FF2B5EF4-FFF2-40B4-BE49-F238E27FC236}">
+                <a16:creationId xmlns:a16="http://schemas.microsoft.com/office/drawing/2014/main" id="{5EFC057E-3E3B-C742-822C-BAD0B2662930}"/>
+              </a:ext>
+            </a:extLst>
+          </p:cNvPr>
+          <p:cNvSpPr>
+            <a:spLocks noGrp="1"/>
+          </p:cNvSpPr>
+          <p:nvPr>
+            <p:ph type="title"/>
+          </p:nvPr>
+        </p:nvSpPr>
+        <p:spPr/>
+        <p:txBody>
+          <a:bodyPr/>
+          <a:lstStyle/>
+          <a:p>
+            <a:r>
+              <a:rPr lang="en-US" dirty="0"/>
               <a:t>Transcription Factors regulate gene transcription </a:t>
             </a:r>
           </a:p>
@@ -7268,7 +7740,7 @@
           <a:p>
             <a:fld id="{F5563628-00B8-654A-9E27-38F076219897}" type="slidenum">
               <a:rPr lang="en-US" smtClean="0"/>
-              <a:t>3</a:t>
+              <a:t>4</a:t>
             </a:fld>
             <a:endParaRPr lang="en-US"/>
           </a:p>
@@ -7287,7 +7759,7 @@
 </p:sld>
 </file>
 
-<file path=ppt/slides/slide4.xml><?xml version="1.0" encoding="utf-8"?>
+<file path=ppt/slides/slide5.xml><?xml version="1.0" encoding="utf-8"?>
 <p:sld xmlns:a="http://schemas.openxmlformats.org/drawingml/2006/main" xmlns:r="http://schemas.openxmlformats.org/officeDocument/2006/relationships" xmlns:p="http://schemas.openxmlformats.org/presentationml/2006/main">
   <p:cSld>
     <p:spTree>
@@ -7712,7 +8184,7 @@
           <a:p>
             <a:fld id="{F5563628-00B8-654A-9E27-38F076219897}" type="slidenum">
               <a:rPr lang="en-US" smtClean="0"/>
-              <a:t>4</a:t>
+              <a:t>5</a:t>
             </a:fld>
             <a:endParaRPr lang="en-US"/>
           </a:p>
@@ -7722,290 +8194,6 @@
     <p:extLst>
       <p:ext uri="{BB962C8B-B14F-4D97-AF65-F5344CB8AC3E}">
         <p14:creationId xmlns:p14="http://schemas.microsoft.com/office/powerpoint/2010/main" val="3633912530"/>
-      </p:ext>
-    </p:extLst>
-  </p:cSld>
-  <p:clrMapOvr>
-    <a:masterClrMapping/>
-  </p:clrMapOvr>
-</p:sld>
-</file>
-
-<file path=ppt/slides/slide5.xml><?xml version="1.0" encoding="utf-8"?>
-<p:sld xmlns:a="http://schemas.openxmlformats.org/drawingml/2006/main" xmlns:r="http://schemas.openxmlformats.org/officeDocument/2006/relationships" xmlns:p="http://schemas.openxmlformats.org/presentationml/2006/main">
-  <p:cSld>
-    <p:spTree>
-      <p:nvGrpSpPr>
-        <p:cNvPr id="1" name=""/>
-        <p:cNvGrpSpPr/>
-        <p:nvPr/>
-      </p:nvGrpSpPr>
-      <p:grpSpPr>
-        <a:xfrm>
-          <a:off x="0" y="0"/>
-          <a:ext cx="0" cy="0"/>
-          <a:chOff x="0" y="0"/>
-          <a:chExt cx="0" cy="0"/>
-        </a:xfrm>
-      </p:grpSpPr>
-      <p:sp>
-        <p:nvSpPr>
-          <p:cNvPr id="2" name="Title 1">
-            <a:extLst>
-              <a:ext uri="{FF2B5EF4-FFF2-40B4-BE49-F238E27FC236}">
-                <a16:creationId xmlns:a16="http://schemas.microsoft.com/office/drawing/2014/main" id="{922C5BC9-668A-0144-8EB9-32905554107B}"/>
-              </a:ext>
-            </a:extLst>
-          </p:cNvPr>
-          <p:cNvSpPr>
-            <a:spLocks noGrp="1"/>
-          </p:cNvSpPr>
-          <p:nvPr>
-            <p:ph type="title"/>
-          </p:nvPr>
-        </p:nvSpPr>
-        <p:spPr/>
-        <p:txBody>
-          <a:bodyPr/>
-          <a:lstStyle/>
-          <a:p>
-            <a:r>
-              <a:rPr lang="en-US" dirty="0"/>
-              <a:t>Multi-layer perceptron is good at summarizing tasks</a:t>
-            </a:r>
-          </a:p>
-        </p:txBody>
-      </p:sp>
-      <p:sp>
-        <p:nvSpPr>
-          <p:cNvPr id="3" name="Content Placeholder 2">
-            <a:extLst>
-              <a:ext uri="{FF2B5EF4-FFF2-40B4-BE49-F238E27FC236}">
-                <a16:creationId xmlns:a16="http://schemas.microsoft.com/office/drawing/2014/main" id="{4B90F795-25A0-F04C-8A79-B381B3C0986B}"/>
-              </a:ext>
-            </a:extLst>
-          </p:cNvPr>
-          <p:cNvSpPr>
-            <a:spLocks noGrp="1"/>
-          </p:cNvSpPr>
-          <p:nvPr>
-            <p:ph idx="1"/>
-          </p:nvPr>
-        </p:nvSpPr>
-        <p:spPr>
-          <a:xfrm>
-            <a:off x="675020" y="6032499"/>
-            <a:ext cx="10841966" cy="508001"/>
-          </a:xfrm>
-        </p:spPr>
-        <p:txBody>
-          <a:bodyPr/>
-          <a:lstStyle/>
-          <a:p>
-            <a:r>
-              <a:rPr lang="en-US" dirty="0"/>
-              <a:t>Also referred to as Feedforward networks/Dense layers/Fully connected layers</a:t>
-            </a:r>
-          </a:p>
-        </p:txBody>
-      </p:sp>
-      <p:pic>
-        <p:nvPicPr>
-          <p:cNvPr id="5" name="Picture 4" descr="Diagram&#10;&#10;Description automatically generated">
-            <a:extLst>
-              <a:ext uri="{FF2B5EF4-FFF2-40B4-BE49-F238E27FC236}">
-                <a16:creationId xmlns:a16="http://schemas.microsoft.com/office/drawing/2014/main" id="{AEBC21B1-0BE7-854F-BB0D-684FBEAD5CBD}"/>
-              </a:ext>
-            </a:extLst>
-          </p:cNvPr>
-          <p:cNvPicPr>
-            <a:picLocks noChangeAspect="1"/>
-          </p:cNvPicPr>
-          <p:nvPr/>
-        </p:nvPicPr>
-        <p:blipFill>
-          <a:blip r:embed="rId3"/>
-          <a:stretch>
-            <a:fillRect/>
-          </a:stretch>
-        </p:blipFill>
-        <p:spPr>
-          <a:xfrm>
-            <a:off x="3117849" y="1684172"/>
-            <a:ext cx="5340351" cy="3257820"/>
-          </a:xfrm>
-          <a:prstGeom prst="rect">
-            <a:avLst/>
-          </a:prstGeom>
-        </p:spPr>
-      </p:pic>
-      <p:sp>
-        <p:nvSpPr>
-          <p:cNvPr id="6" name="TextBox 5">
-            <a:extLst>
-              <a:ext uri="{FF2B5EF4-FFF2-40B4-BE49-F238E27FC236}">
-                <a16:creationId xmlns:a16="http://schemas.microsoft.com/office/drawing/2014/main" id="{8C634BAE-D574-F84B-9C87-CABE6202CE84}"/>
-              </a:ext>
-            </a:extLst>
-          </p:cNvPr>
-          <p:cNvSpPr txBox="1"/>
-          <p:nvPr/>
-        </p:nvSpPr>
-        <p:spPr>
-          <a:xfrm>
-            <a:off x="4074641" y="3901461"/>
-            <a:ext cx="1079500" cy="369332"/>
-          </a:xfrm>
-          <a:prstGeom prst="rect">
-            <a:avLst/>
-          </a:prstGeom>
-          <a:ln w="28575"/>
-        </p:spPr>
-        <p:style>
-          <a:lnRef idx="2">
-            <a:schemeClr val="accent5"/>
-          </a:lnRef>
-          <a:fillRef idx="1">
-            <a:schemeClr val="lt1"/>
-          </a:fillRef>
-          <a:effectRef idx="0">
-            <a:schemeClr val="accent5"/>
-          </a:effectRef>
-          <a:fontRef idx="minor">
-            <a:schemeClr val="dk1"/>
-          </a:fontRef>
-        </p:style>
-        <p:txBody>
-          <a:bodyPr wrap="square" rtlCol="0">
-            <a:spAutoFit/>
-          </a:bodyPr>
-          <a:lstStyle/>
-          <a:p>
-            <a:r>
-              <a:rPr lang="en-US" b="1" dirty="0"/>
-              <a:t>W</a:t>
-            </a:r>
-            <a:r>
-              <a:rPr lang="en-US" baseline="30000" dirty="0"/>
-              <a:t>T</a:t>
-            </a:r>
-            <a:r>
-              <a:rPr lang="en-US" dirty="0"/>
-              <a:t> . </a:t>
-            </a:r>
-            <a:r>
-              <a:rPr lang="en-US" b="1" dirty="0"/>
-              <a:t>x</a:t>
-            </a:r>
-            <a:r>
-              <a:rPr lang="en-US" dirty="0"/>
-              <a:t> + b </a:t>
-            </a:r>
-          </a:p>
-        </p:txBody>
-      </p:sp>
-      <p:sp>
-        <p:nvSpPr>
-          <p:cNvPr id="7" name="TextBox 6">
-            <a:extLst>
-              <a:ext uri="{FF2B5EF4-FFF2-40B4-BE49-F238E27FC236}">
-                <a16:creationId xmlns:a16="http://schemas.microsoft.com/office/drawing/2014/main" id="{1E3B5D3D-668E-EB49-BF18-C0ACCE8D7C6D}"/>
-              </a:ext>
-            </a:extLst>
-          </p:cNvPr>
-          <p:cNvSpPr txBox="1"/>
-          <p:nvPr/>
-        </p:nvSpPr>
-        <p:spPr>
-          <a:xfrm>
-            <a:off x="5099993" y="5092925"/>
-            <a:ext cx="1412019" cy="369332"/>
-          </a:xfrm>
-          <a:prstGeom prst="rect">
-            <a:avLst/>
-          </a:prstGeom>
-          <a:ln w="28575"/>
-        </p:spPr>
-        <p:style>
-          <a:lnRef idx="2">
-            <a:schemeClr val="accent5"/>
-          </a:lnRef>
-          <a:fillRef idx="1">
-            <a:schemeClr val="lt1"/>
-          </a:fillRef>
-          <a:effectRef idx="0">
-            <a:schemeClr val="accent5"/>
-          </a:effectRef>
-          <a:fontRef idx="minor">
-            <a:schemeClr val="dk1"/>
-          </a:fontRef>
-        </p:style>
-        <p:txBody>
-          <a:bodyPr wrap="square" rtlCol="0">
-            <a:spAutoFit/>
-          </a:bodyPr>
-          <a:lstStyle/>
-          <a:p>
-            <a:r>
-              <a:rPr lang="en-US" dirty="0"/>
-              <a:t>𝛔 (</a:t>
-            </a:r>
-            <a:r>
-              <a:rPr lang="en-US" b="1" dirty="0"/>
-              <a:t>W</a:t>
-            </a:r>
-            <a:r>
-              <a:rPr lang="en-US" baseline="30000" dirty="0"/>
-              <a:t>T</a:t>
-            </a:r>
-            <a:r>
-              <a:rPr lang="en-US" dirty="0"/>
-              <a:t> . </a:t>
-            </a:r>
-            <a:r>
-              <a:rPr lang="en-US" b="1" dirty="0"/>
-              <a:t>x</a:t>
-            </a:r>
-            <a:r>
-              <a:rPr lang="en-US" dirty="0"/>
-              <a:t> + b)</a:t>
-            </a:r>
-          </a:p>
-        </p:txBody>
-      </p:sp>
-      <p:sp>
-        <p:nvSpPr>
-          <p:cNvPr id="8" name="Slide Number Placeholder 7">
-            <a:extLst>
-              <a:ext uri="{FF2B5EF4-FFF2-40B4-BE49-F238E27FC236}">
-                <a16:creationId xmlns:a16="http://schemas.microsoft.com/office/drawing/2014/main" id="{69C1BCFB-2EE9-F44F-B1C3-4A086E47523B}"/>
-              </a:ext>
-            </a:extLst>
-          </p:cNvPr>
-          <p:cNvSpPr>
-            <a:spLocks noGrp="1"/>
-          </p:cNvSpPr>
-          <p:nvPr>
-            <p:ph type="sldNum" sz="quarter" idx="12"/>
-          </p:nvPr>
-        </p:nvSpPr>
-        <p:spPr/>
-        <p:txBody>
-          <a:bodyPr/>
-          <a:lstStyle/>
-          <a:p>
-            <a:fld id="{F5563628-00B8-654A-9E27-38F076219897}" type="slidenum">
-              <a:rPr lang="en-US" smtClean="0"/>
-              <a:t>5</a:t>
-            </a:fld>
-            <a:endParaRPr lang="en-US"/>
-          </a:p>
-        </p:txBody>
-      </p:sp>
-    </p:spTree>
-    <p:extLst>
-      <p:ext uri="{BB962C8B-B14F-4D97-AF65-F5344CB8AC3E}">
-        <p14:creationId xmlns:p14="http://schemas.microsoft.com/office/powerpoint/2010/main" val="897164461"/>
       </p:ext>
     </p:extLst>
   </p:cSld>
@@ -8055,7 +8243,7 @@
           <a:p>
             <a:r>
               <a:rPr lang="en-US" dirty="0"/>
-              <a:t>Convolutional Neural Network can find patterns</a:t>
+              <a:t>Multi-layer perceptron is good at summarizing tasks</a:t>
             </a:r>
           </a:p>
         </p:txBody>
@@ -8078,7 +8266,291 @@
         </p:nvSpPr>
         <p:spPr>
           <a:xfrm>
-            <a:off x="675020" y="5424615"/>
+            <a:off x="675020" y="6032499"/>
+            <a:ext cx="10841966" cy="508001"/>
+          </a:xfrm>
+        </p:spPr>
+        <p:txBody>
+          <a:bodyPr/>
+          <a:lstStyle/>
+          <a:p>
+            <a:r>
+              <a:rPr lang="en-US" dirty="0"/>
+              <a:t>Also referred to as Feedforward networks/Dense layers/Fully connected layers</a:t>
+            </a:r>
+          </a:p>
+        </p:txBody>
+      </p:sp>
+      <p:pic>
+        <p:nvPicPr>
+          <p:cNvPr id="5" name="Picture 4" descr="Diagram&#10;&#10;Description automatically generated">
+            <a:extLst>
+              <a:ext uri="{FF2B5EF4-FFF2-40B4-BE49-F238E27FC236}">
+                <a16:creationId xmlns:a16="http://schemas.microsoft.com/office/drawing/2014/main" id="{AEBC21B1-0BE7-854F-BB0D-684FBEAD5CBD}"/>
+              </a:ext>
+            </a:extLst>
+          </p:cNvPr>
+          <p:cNvPicPr>
+            <a:picLocks noChangeAspect="1"/>
+          </p:cNvPicPr>
+          <p:nvPr/>
+        </p:nvPicPr>
+        <p:blipFill>
+          <a:blip r:embed="rId3"/>
+          <a:stretch>
+            <a:fillRect/>
+          </a:stretch>
+        </p:blipFill>
+        <p:spPr>
+          <a:xfrm>
+            <a:off x="3117849" y="1684172"/>
+            <a:ext cx="5340351" cy="3257820"/>
+          </a:xfrm>
+          <a:prstGeom prst="rect">
+            <a:avLst/>
+          </a:prstGeom>
+        </p:spPr>
+      </p:pic>
+      <p:sp>
+        <p:nvSpPr>
+          <p:cNvPr id="6" name="TextBox 5">
+            <a:extLst>
+              <a:ext uri="{FF2B5EF4-FFF2-40B4-BE49-F238E27FC236}">
+                <a16:creationId xmlns:a16="http://schemas.microsoft.com/office/drawing/2014/main" id="{8C634BAE-D574-F84B-9C87-CABE6202CE84}"/>
+              </a:ext>
+            </a:extLst>
+          </p:cNvPr>
+          <p:cNvSpPr txBox="1"/>
+          <p:nvPr/>
+        </p:nvSpPr>
+        <p:spPr>
+          <a:xfrm>
+            <a:off x="4074641" y="3901461"/>
+            <a:ext cx="1079500" cy="369332"/>
+          </a:xfrm>
+          <a:prstGeom prst="rect">
+            <a:avLst/>
+          </a:prstGeom>
+          <a:ln w="28575"/>
+        </p:spPr>
+        <p:style>
+          <a:lnRef idx="2">
+            <a:schemeClr val="accent5"/>
+          </a:lnRef>
+          <a:fillRef idx="1">
+            <a:schemeClr val="lt1"/>
+          </a:fillRef>
+          <a:effectRef idx="0">
+            <a:schemeClr val="accent5"/>
+          </a:effectRef>
+          <a:fontRef idx="minor">
+            <a:schemeClr val="dk1"/>
+          </a:fontRef>
+        </p:style>
+        <p:txBody>
+          <a:bodyPr wrap="square" rtlCol="0">
+            <a:spAutoFit/>
+          </a:bodyPr>
+          <a:lstStyle/>
+          <a:p>
+            <a:r>
+              <a:rPr lang="en-US" b="1" dirty="0"/>
+              <a:t>W</a:t>
+            </a:r>
+            <a:r>
+              <a:rPr lang="en-US" baseline="30000" dirty="0"/>
+              <a:t>T</a:t>
+            </a:r>
+            <a:r>
+              <a:rPr lang="en-US" dirty="0"/>
+              <a:t> . </a:t>
+            </a:r>
+            <a:r>
+              <a:rPr lang="en-US" b="1" dirty="0"/>
+              <a:t>x</a:t>
+            </a:r>
+            <a:r>
+              <a:rPr lang="en-US" dirty="0"/>
+              <a:t> + b </a:t>
+            </a:r>
+          </a:p>
+        </p:txBody>
+      </p:sp>
+      <p:sp>
+        <p:nvSpPr>
+          <p:cNvPr id="7" name="TextBox 6">
+            <a:extLst>
+              <a:ext uri="{FF2B5EF4-FFF2-40B4-BE49-F238E27FC236}">
+                <a16:creationId xmlns:a16="http://schemas.microsoft.com/office/drawing/2014/main" id="{1E3B5D3D-668E-EB49-BF18-C0ACCE8D7C6D}"/>
+              </a:ext>
+            </a:extLst>
+          </p:cNvPr>
+          <p:cNvSpPr txBox="1"/>
+          <p:nvPr/>
+        </p:nvSpPr>
+        <p:spPr>
+          <a:xfrm>
+            <a:off x="5099993" y="5092925"/>
+            <a:ext cx="1412019" cy="369332"/>
+          </a:xfrm>
+          <a:prstGeom prst="rect">
+            <a:avLst/>
+          </a:prstGeom>
+          <a:ln w="28575"/>
+        </p:spPr>
+        <p:style>
+          <a:lnRef idx="2">
+            <a:schemeClr val="accent5"/>
+          </a:lnRef>
+          <a:fillRef idx="1">
+            <a:schemeClr val="lt1"/>
+          </a:fillRef>
+          <a:effectRef idx="0">
+            <a:schemeClr val="accent5"/>
+          </a:effectRef>
+          <a:fontRef idx="minor">
+            <a:schemeClr val="dk1"/>
+          </a:fontRef>
+        </p:style>
+        <p:txBody>
+          <a:bodyPr wrap="square" rtlCol="0">
+            <a:spAutoFit/>
+          </a:bodyPr>
+          <a:lstStyle/>
+          <a:p>
+            <a:r>
+              <a:rPr lang="en-US" dirty="0"/>
+              <a:t>𝛔 (</a:t>
+            </a:r>
+            <a:r>
+              <a:rPr lang="en-US" b="1" dirty="0"/>
+              <a:t>W</a:t>
+            </a:r>
+            <a:r>
+              <a:rPr lang="en-US" baseline="30000" dirty="0"/>
+              <a:t>T</a:t>
+            </a:r>
+            <a:r>
+              <a:rPr lang="en-US" dirty="0"/>
+              <a:t> . </a:t>
+            </a:r>
+            <a:r>
+              <a:rPr lang="en-US" b="1" dirty="0"/>
+              <a:t>x</a:t>
+            </a:r>
+            <a:r>
+              <a:rPr lang="en-US" dirty="0"/>
+              <a:t> + b)</a:t>
+            </a:r>
+          </a:p>
+        </p:txBody>
+      </p:sp>
+      <p:sp>
+        <p:nvSpPr>
+          <p:cNvPr id="8" name="Slide Number Placeholder 7">
+            <a:extLst>
+              <a:ext uri="{FF2B5EF4-FFF2-40B4-BE49-F238E27FC236}">
+                <a16:creationId xmlns:a16="http://schemas.microsoft.com/office/drawing/2014/main" id="{69C1BCFB-2EE9-F44F-B1C3-4A086E47523B}"/>
+              </a:ext>
+            </a:extLst>
+          </p:cNvPr>
+          <p:cNvSpPr>
+            <a:spLocks noGrp="1"/>
+          </p:cNvSpPr>
+          <p:nvPr>
+            <p:ph type="sldNum" sz="quarter" idx="12"/>
+          </p:nvPr>
+        </p:nvSpPr>
+        <p:spPr/>
+        <p:txBody>
+          <a:bodyPr/>
+          <a:lstStyle/>
+          <a:p>
+            <a:fld id="{F5563628-00B8-654A-9E27-38F076219897}" type="slidenum">
+              <a:rPr lang="en-US" smtClean="0"/>
+              <a:t>6</a:t>
+            </a:fld>
+            <a:endParaRPr lang="en-US"/>
+          </a:p>
+        </p:txBody>
+      </p:sp>
+    </p:spTree>
+    <p:extLst>
+      <p:ext uri="{BB962C8B-B14F-4D97-AF65-F5344CB8AC3E}">
+        <p14:creationId xmlns:p14="http://schemas.microsoft.com/office/powerpoint/2010/main" val="897164461"/>
+      </p:ext>
+    </p:extLst>
+  </p:cSld>
+  <p:clrMapOvr>
+    <a:masterClrMapping/>
+  </p:clrMapOvr>
+</p:sld>
+</file>
+
+<file path=ppt/slides/slide7.xml><?xml version="1.0" encoding="utf-8"?>
+<p:sld xmlns:a="http://schemas.openxmlformats.org/drawingml/2006/main" xmlns:r="http://schemas.openxmlformats.org/officeDocument/2006/relationships" xmlns:p="http://schemas.openxmlformats.org/presentationml/2006/main">
+  <p:cSld>
+    <p:spTree>
+      <p:nvGrpSpPr>
+        <p:cNvPr id="1" name=""/>
+        <p:cNvGrpSpPr/>
+        <p:nvPr/>
+      </p:nvGrpSpPr>
+      <p:grpSpPr>
+        <a:xfrm>
+          <a:off x="0" y="0"/>
+          <a:ext cx="0" cy="0"/>
+          <a:chOff x="0" y="0"/>
+          <a:chExt cx="0" cy="0"/>
+        </a:xfrm>
+      </p:grpSpPr>
+      <p:sp>
+        <p:nvSpPr>
+          <p:cNvPr id="2" name="Title 1">
+            <a:extLst>
+              <a:ext uri="{FF2B5EF4-FFF2-40B4-BE49-F238E27FC236}">
+                <a16:creationId xmlns:a16="http://schemas.microsoft.com/office/drawing/2014/main" id="{922C5BC9-668A-0144-8EB9-32905554107B}"/>
+              </a:ext>
+            </a:extLst>
+          </p:cNvPr>
+          <p:cNvSpPr>
+            <a:spLocks noGrp="1"/>
+          </p:cNvSpPr>
+          <p:nvPr>
+            <p:ph type="title"/>
+          </p:nvPr>
+        </p:nvSpPr>
+        <p:spPr/>
+        <p:txBody>
+          <a:bodyPr/>
+          <a:lstStyle/>
+          <a:p>
+            <a:r>
+              <a:rPr lang="en-US" dirty="0"/>
+              <a:t>Convolutional Neural Network can find patterns</a:t>
+            </a:r>
+          </a:p>
+        </p:txBody>
+      </p:sp>
+      <p:sp>
+        <p:nvSpPr>
+          <p:cNvPr id="3" name="Content Placeholder 2">
+            <a:extLst>
+              <a:ext uri="{FF2B5EF4-FFF2-40B4-BE49-F238E27FC236}">
+                <a16:creationId xmlns:a16="http://schemas.microsoft.com/office/drawing/2014/main" id="{4B90F795-25A0-F04C-8A79-B381B3C0986B}"/>
+              </a:ext>
+            </a:extLst>
+          </p:cNvPr>
+          <p:cNvSpPr>
+            <a:spLocks noGrp="1"/>
+          </p:cNvSpPr>
+          <p:nvPr>
+            <p:ph idx="1"/>
+          </p:nvPr>
+        </p:nvSpPr>
+        <p:spPr>
+          <a:xfrm>
+            <a:off x="675020" y="5593945"/>
             <a:ext cx="10841966" cy="717841"/>
           </a:xfrm>
         </p:spPr>
@@ -10148,7 +10620,7 @@
           <a:p>
             <a:fld id="{F5563628-00B8-654A-9E27-38F076219897}" type="slidenum">
               <a:rPr lang="en-US" smtClean="0"/>
-              <a:t>6</a:t>
+              <a:t>7</a:t>
             </a:fld>
             <a:endParaRPr lang="en-US"/>
           </a:p>
@@ -10503,7 +10975,7 @@
 </p:sld>
 </file>
 
-<file path=ppt/slides/slide7.xml><?xml version="1.0" encoding="utf-8"?>
+<file path=ppt/slides/slide8.xml><?xml version="1.0" encoding="utf-8"?>
 <p:sld xmlns:a="http://schemas.openxmlformats.org/drawingml/2006/main" xmlns:r="http://schemas.openxmlformats.org/officeDocument/2006/relationships" xmlns:p="http://schemas.openxmlformats.org/presentationml/2006/main">
   <p:cSld>
     <p:spTree>
@@ -10731,7 +11203,7 @@
           <a:p>
             <a:fld id="{F5563628-00B8-654A-9E27-38F076219897}" type="slidenum">
               <a:rPr lang="en-US" smtClean="0"/>
-              <a:t>7</a:t>
+              <a:t>8</a:t>
             </a:fld>
             <a:endParaRPr lang="en-US"/>
           </a:p>
@@ -13765,134 +14237,6 @@
 </p:sld>
 </file>
 
-<file path=ppt/slides/slide8.xml><?xml version="1.0" encoding="utf-8"?>
-<p:sld xmlns:a="http://schemas.openxmlformats.org/drawingml/2006/main" xmlns:r="http://schemas.openxmlformats.org/officeDocument/2006/relationships" xmlns:p="http://schemas.openxmlformats.org/presentationml/2006/main">
-  <p:cSld>
-    <p:spTree>
-      <p:nvGrpSpPr>
-        <p:cNvPr id="1" name=""/>
-        <p:cNvGrpSpPr/>
-        <p:nvPr/>
-      </p:nvGrpSpPr>
-      <p:grpSpPr>
-        <a:xfrm>
-          <a:off x="0" y="0"/>
-          <a:ext cx="0" cy="0"/>
-          <a:chOff x="0" y="0"/>
-          <a:chExt cx="0" cy="0"/>
-        </a:xfrm>
-      </p:grpSpPr>
-      <p:sp>
-        <p:nvSpPr>
-          <p:cNvPr id="2" name="Title 1">
-            <a:extLst>
-              <a:ext uri="{FF2B5EF4-FFF2-40B4-BE49-F238E27FC236}">
-                <a16:creationId xmlns:a16="http://schemas.microsoft.com/office/drawing/2014/main" id="{A1217F84-B84B-B845-9C11-FD8BCF84258A}"/>
-              </a:ext>
-            </a:extLst>
-          </p:cNvPr>
-          <p:cNvSpPr>
-            <a:spLocks noGrp="1"/>
-          </p:cNvSpPr>
-          <p:nvPr>
-            <p:ph type="title"/>
-          </p:nvPr>
-        </p:nvSpPr>
-        <p:spPr/>
-        <p:txBody>
-          <a:bodyPr/>
-          <a:lstStyle/>
-          <a:p>
-            <a:r>
-              <a:rPr lang="en-US" dirty="0"/>
-              <a:t>Current CNN-RNN state-of-the-art architecture</a:t>
-            </a:r>
-          </a:p>
-        </p:txBody>
-      </p:sp>
-      <p:sp>
-        <p:nvSpPr>
-          <p:cNvPr id="4" name="Slide Number Placeholder 3">
-            <a:extLst>
-              <a:ext uri="{FF2B5EF4-FFF2-40B4-BE49-F238E27FC236}">
-                <a16:creationId xmlns:a16="http://schemas.microsoft.com/office/drawing/2014/main" id="{FCADE965-A6A2-4946-934B-8330D69B1CD2}"/>
-              </a:ext>
-            </a:extLst>
-          </p:cNvPr>
-          <p:cNvSpPr>
-            <a:spLocks noGrp="1"/>
-          </p:cNvSpPr>
-          <p:nvPr>
-            <p:ph type="sldNum" sz="quarter" idx="12"/>
-          </p:nvPr>
-        </p:nvSpPr>
-        <p:spPr/>
-        <p:txBody>
-          <a:bodyPr/>
-          <a:lstStyle/>
-          <a:p>
-            <a:fld id="{F5563628-00B8-654A-9E27-38F076219897}" type="slidenum">
-              <a:rPr lang="en-US" smtClean="0"/>
-              <a:t>8</a:t>
-            </a:fld>
-            <a:endParaRPr lang="en-US"/>
-          </a:p>
-        </p:txBody>
-      </p:sp>
-      <p:sp>
-        <p:nvSpPr>
-          <p:cNvPr id="5" name="Content Placeholder 2">
-            <a:extLst>
-              <a:ext uri="{FF2B5EF4-FFF2-40B4-BE49-F238E27FC236}">
-                <a16:creationId xmlns:a16="http://schemas.microsoft.com/office/drawing/2014/main" id="{73740316-E664-7C49-9F6B-9CE55C7222C7}"/>
-              </a:ext>
-            </a:extLst>
-          </p:cNvPr>
-          <p:cNvSpPr>
-            <a:spLocks noGrp="1"/>
-          </p:cNvSpPr>
-          <p:nvPr>
-            <p:ph idx="1"/>
-          </p:nvPr>
-        </p:nvSpPr>
-        <p:spPr>
-          <a:xfrm>
-            <a:off x="675020" y="5271247"/>
-            <a:ext cx="10841966" cy="871209"/>
-          </a:xfrm>
-        </p:spPr>
-        <p:txBody>
-          <a:bodyPr>
-            <a:normAutofit lnSpcReduction="10000"/>
-          </a:bodyPr>
-          <a:lstStyle/>
-          <a:p>
-            <a:r>
-              <a:rPr lang="en-US" dirty="0"/>
-              <a:t>CNN will capture motif/motifs</a:t>
-            </a:r>
-          </a:p>
-          <a:p>
-            <a:r>
-              <a:rPr lang="en-US" dirty="0"/>
-              <a:t>RNN will capture contexts within and between motifs</a:t>
-            </a:r>
-          </a:p>
-        </p:txBody>
-      </p:sp>
-    </p:spTree>
-    <p:extLst>
-      <p:ext uri="{BB962C8B-B14F-4D97-AF65-F5344CB8AC3E}">
-        <p14:creationId xmlns:p14="http://schemas.microsoft.com/office/powerpoint/2010/main" val="995660219"/>
-      </p:ext>
-    </p:extLst>
-  </p:cSld>
-  <p:clrMapOvr>
-    <a:masterClrMapping/>
-  </p:clrMapOvr>
-</p:sld>
-</file>
-
 <file path=ppt/slides/slide9.xml><?xml version="1.0" encoding="utf-8"?>
 <p:sld xmlns:a="http://schemas.openxmlformats.org/drawingml/2006/main" xmlns:r="http://schemas.openxmlformats.org/officeDocument/2006/relationships" xmlns:p="http://schemas.openxmlformats.org/presentationml/2006/main">
   <p:cSld>
@@ -13915,7 +14259,7 @@
           <p:cNvPr id="2" name="Title 1">
             <a:extLst>
               <a:ext uri="{FF2B5EF4-FFF2-40B4-BE49-F238E27FC236}">
-                <a16:creationId xmlns:a16="http://schemas.microsoft.com/office/drawing/2014/main" id="{794F9F2B-A265-6643-BD51-85C0583F89CB}"/>
+                <a16:creationId xmlns:a16="http://schemas.microsoft.com/office/drawing/2014/main" id="{A1217F84-B84B-B845-9C11-FD8BCF84258A}"/>
               </a:ext>
             </a:extLst>
           </p:cNvPr>
@@ -13933,33 +14277,8 @@
           <a:p>
             <a:r>
               <a:rPr lang="en-US" dirty="0"/>
-              <a:t>Dataset and Features</a:t>
-            </a:r>
-          </a:p>
-        </p:txBody>
-      </p:sp>
-      <p:sp>
-        <p:nvSpPr>
-          <p:cNvPr id="3" name="Content Placeholder 2">
-            <a:extLst>
-              <a:ext uri="{FF2B5EF4-FFF2-40B4-BE49-F238E27FC236}">
-                <a16:creationId xmlns:a16="http://schemas.microsoft.com/office/drawing/2014/main" id="{311D028F-13E4-9145-BCD0-BC8C3176F733}"/>
-              </a:ext>
-            </a:extLst>
-          </p:cNvPr>
-          <p:cNvSpPr>
-            <a:spLocks noGrp="1"/>
-          </p:cNvSpPr>
-          <p:nvPr>
-            <p:ph idx="1"/>
-          </p:nvPr>
-        </p:nvSpPr>
-        <p:spPr/>
-        <p:txBody>
-          <a:bodyPr/>
-          <a:lstStyle/>
-          <a:p>
-            <a:endParaRPr lang="en-US"/>
+              <a:t>Current CNN-RNN state-of-the-art architecture</a:t>
+            </a:r>
           </a:p>
         </p:txBody>
       </p:sp>
@@ -13968,7 +14287,7 @@
           <p:cNvPr id="4" name="Slide Number Placeholder 3">
             <a:extLst>
               <a:ext uri="{FF2B5EF4-FFF2-40B4-BE49-F238E27FC236}">
-                <a16:creationId xmlns:a16="http://schemas.microsoft.com/office/drawing/2014/main" id="{BCF7DE2B-8C51-A94B-967B-6BDBC89367BD}"/>
+                <a16:creationId xmlns:a16="http://schemas.microsoft.com/office/drawing/2014/main" id="{FCADE965-A6A2-4946-934B-8330D69B1CD2}"/>
               </a:ext>
             </a:extLst>
           </p:cNvPr>
@@ -13992,10 +14311,725 @@
           </a:p>
         </p:txBody>
       </p:sp>
+      <p:sp>
+        <p:nvSpPr>
+          <p:cNvPr id="5" name="Content Placeholder 2">
+            <a:extLst>
+              <a:ext uri="{FF2B5EF4-FFF2-40B4-BE49-F238E27FC236}">
+                <a16:creationId xmlns:a16="http://schemas.microsoft.com/office/drawing/2014/main" id="{73740316-E664-7C49-9F6B-9CE55C7222C7}"/>
+              </a:ext>
+            </a:extLst>
+          </p:cNvPr>
+          <p:cNvSpPr>
+            <a:spLocks noGrp="1"/>
+          </p:cNvSpPr>
+          <p:nvPr>
+            <p:ph idx="1"/>
+          </p:nvPr>
+        </p:nvSpPr>
+        <p:spPr>
+          <a:xfrm>
+            <a:off x="675020" y="5474448"/>
+            <a:ext cx="10841966" cy="871209"/>
+          </a:xfrm>
+        </p:spPr>
+        <p:txBody>
+          <a:bodyPr>
+            <a:normAutofit lnSpcReduction="10000"/>
+          </a:bodyPr>
+          <a:lstStyle/>
+          <a:p>
+            <a:r>
+              <a:rPr lang="en-US" dirty="0"/>
+              <a:t>CNN will capture motif/motifs</a:t>
+            </a:r>
+          </a:p>
+          <a:p>
+            <a:r>
+              <a:rPr lang="en-US" dirty="0"/>
+              <a:t>RNN will capture context within and between motifs</a:t>
+            </a:r>
+          </a:p>
+        </p:txBody>
+      </p:sp>
+      <p:sp>
+        <p:nvSpPr>
+          <p:cNvPr id="3" name="TextBox 2">
+            <a:extLst>
+              <a:ext uri="{FF2B5EF4-FFF2-40B4-BE49-F238E27FC236}">
+                <a16:creationId xmlns:a16="http://schemas.microsoft.com/office/drawing/2014/main" id="{AB598458-C785-C646-9C39-F3E1B2CB4CAF}"/>
+              </a:ext>
+            </a:extLst>
+          </p:cNvPr>
+          <p:cNvSpPr txBox="1"/>
+          <p:nvPr/>
+        </p:nvSpPr>
+        <p:spPr>
+          <a:xfrm rot="16200000">
+            <a:off x="681136" y="2855612"/>
+            <a:ext cx="3352688" cy="553998"/>
+          </a:xfrm>
+          <a:prstGeom prst="rect">
+            <a:avLst/>
+          </a:prstGeom>
+          <a:noFill/>
+        </p:spPr>
+        <p:txBody>
+          <a:bodyPr wrap="square" rtlCol="0">
+            <a:spAutoFit/>
+          </a:bodyPr>
+          <a:lstStyle/>
+          <a:p>
+            <a:r>
+              <a:rPr lang="en-US" sz="3000" dirty="0">
+                <a:solidFill>
+                  <a:schemeClr val="accent1"/>
+                </a:solidFill>
+              </a:rPr>
+              <a:t>A</a:t>
+            </a:r>
+            <a:r>
+              <a:rPr lang="en-US" sz="3000" dirty="0">
+                <a:solidFill>
+                  <a:schemeClr val="accent4"/>
+                </a:solidFill>
+              </a:rPr>
+              <a:t>TT</a:t>
+            </a:r>
+            <a:r>
+              <a:rPr lang="en-US" sz="3000" dirty="0">
+                <a:solidFill>
+                  <a:schemeClr val="accent1"/>
+                </a:solidFill>
+              </a:rPr>
+              <a:t>AA</a:t>
+            </a:r>
+            <a:r>
+              <a:rPr lang="en-US" sz="3000" dirty="0">
+                <a:solidFill>
+                  <a:srgbClr val="00B050"/>
+                </a:solidFill>
+              </a:rPr>
+              <a:t>C</a:t>
+            </a:r>
+            <a:r>
+              <a:rPr lang="en-US" sz="3000" dirty="0">
+                <a:solidFill>
+                  <a:schemeClr val="accent1"/>
+                </a:solidFill>
+              </a:rPr>
+              <a:t>A</a:t>
+            </a:r>
+            <a:r>
+              <a:rPr lang="en-US" sz="3000" dirty="0">
+                <a:solidFill>
+                  <a:srgbClr val="00B050"/>
+                </a:solidFill>
+              </a:rPr>
+              <a:t>C</a:t>
+            </a:r>
+            <a:r>
+              <a:rPr lang="en-US" sz="3000" dirty="0">
+                <a:solidFill>
+                  <a:schemeClr val="accent1"/>
+                </a:solidFill>
+              </a:rPr>
+              <a:t>AA</a:t>
+            </a:r>
+            <a:r>
+              <a:rPr lang="en-US" sz="3000" dirty="0">
+                <a:solidFill>
+                  <a:schemeClr val="accent2"/>
+                </a:solidFill>
+              </a:rPr>
+              <a:t>G</a:t>
+            </a:r>
+            <a:r>
+              <a:rPr lang="en-US" sz="3000" dirty="0">
+                <a:solidFill>
+                  <a:schemeClr val="accent1"/>
+                </a:solidFill>
+              </a:rPr>
+              <a:t>AA</a:t>
+            </a:r>
+            <a:r>
+              <a:rPr lang="en-US" sz="3000" dirty="0">
+                <a:solidFill>
+                  <a:srgbClr val="00B050"/>
+                </a:solidFill>
+              </a:rPr>
+              <a:t>C</a:t>
+            </a:r>
+            <a:r>
+              <a:rPr lang="en-US" sz="3000" dirty="0">
+                <a:solidFill>
+                  <a:schemeClr val="accent1"/>
+                </a:solidFill>
+              </a:rPr>
+              <a:t>A</a:t>
+            </a:r>
+          </a:p>
+        </p:txBody>
+      </p:sp>
+      <p:sp>
+        <p:nvSpPr>
+          <p:cNvPr id="6" name="Right Arrow 5">
+            <a:extLst>
+              <a:ext uri="{FF2B5EF4-FFF2-40B4-BE49-F238E27FC236}">
+                <a16:creationId xmlns:a16="http://schemas.microsoft.com/office/drawing/2014/main" id="{3A7B4A21-64E7-4748-B9B4-6EC08CDC9FF9}"/>
+              </a:ext>
+            </a:extLst>
+          </p:cNvPr>
+          <p:cNvSpPr/>
+          <p:nvPr/>
+        </p:nvSpPr>
+        <p:spPr>
+          <a:xfrm>
+            <a:off x="2777064" y="2950577"/>
+            <a:ext cx="880533" cy="364067"/>
+          </a:xfrm>
+          <a:prstGeom prst="rightArrow">
+            <a:avLst/>
+          </a:prstGeom>
+          <a:noFill/>
+          <a:ln w="28575">
+            <a:solidFill>
+              <a:schemeClr val="tx2">
+                <a:lumMod val="75000"/>
+              </a:schemeClr>
+            </a:solidFill>
+          </a:ln>
+        </p:spPr>
+        <p:style>
+          <a:lnRef idx="2">
+            <a:schemeClr val="accent6"/>
+          </a:lnRef>
+          <a:fillRef idx="1">
+            <a:schemeClr val="lt1"/>
+          </a:fillRef>
+          <a:effectRef idx="0">
+            <a:schemeClr val="accent6"/>
+          </a:effectRef>
+          <a:fontRef idx="minor">
+            <a:schemeClr val="dk1"/>
+          </a:fontRef>
+        </p:style>
+        <p:txBody>
+          <a:bodyPr rtlCol="0" anchor="ctr"/>
+          <a:lstStyle/>
+          <a:p>
+            <a:pPr algn="ctr"/>
+            <a:endParaRPr lang="en-US"/>
+          </a:p>
+        </p:txBody>
+      </p:sp>
+      <p:sp>
+        <p:nvSpPr>
+          <p:cNvPr id="8" name="Rounded Rectangle 7">
+            <a:extLst>
+              <a:ext uri="{FF2B5EF4-FFF2-40B4-BE49-F238E27FC236}">
+                <a16:creationId xmlns:a16="http://schemas.microsoft.com/office/drawing/2014/main" id="{7F1B338F-BF51-F645-A69E-2D4E4EA86B6A}"/>
+              </a:ext>
+            </a:extLst>
+          </p:cNvPr>
+          <p:cNvSpPr/>
+          <p:nvPr/>
+        </p:nvSpPr>
+        <p:spPr>
+          <a:xfrm>
+            <a:off x="6214532" y="2362144"/>
+            <a:ext cx="948266" cy="1540933"/>
+          </a:xfrm>
+          <a:prstGeom prst="roundRect">
+            <a:avLst/>
+          </a:prstGeom>
+          <a:ln w="38100">
+            <a:solidFill>
+              <a:srgbClr val="002060"/>
+            </a:solidFill>
+          </a:ln>
+        </p:spPr>
+        <p:style>
+          <a:lnRef idx="2">
+            <a:schemeClr val="accent6"/>
+          </a:lnRef>
+          <a:fillRef idx="1">
+            <a:schemeClr val="lt1"/>
+          </a:fillRef>
+          <a:effectRef idx="0">
+            <a:schemeClr val="accent6"/>
+          </a:effectRef>
+          <a:fontRef idx="minor">
+            <a:schemeClr val="dk1"/>
+          </a:fontRef>
+        </p:style>
+        <p:txBody>
+          <a:bodyPr rtlCol="0" anchor="ctr"/>
+          <a:lstStyle/>
+          <a:p>
+            <a:pPr algn="ctr"/>
+            <a:r>
+              <a:rPr lang="en-US" dirty="0"/>
+              <a:t>RNN</a:t>
+            </a:r>
+          </a:p>
+        </p:txBody>
+      </p:sp>
+      <p:cxnSp>
+        <p:nvCxnSpPr>
+          <p:cNvPr id="10" name="Straight Arrow Connector 9">
+            <a:extLst>
+              <a:ext uri="{FF2B5EF4-FFF2-40B4-BE49-F238E27FC236}">
+                <a16:creationId xmlns:a16="http://schemas.microsoft.com/office/drawing/2014/main" id="{4BB69A74-B189-F749-B323-76B57E074E31}"/>
+              </a:ext>
+            </a:extLst>
+          </p:cNvPr>
+          <p:cNvCxnSpPr>
+            <a:cxnSpLocks/>
+          </p:cNvCxnSpPr>
+          <p:nvPr/>
+        </p:nvCxnSpPr>
+        <p:spPr>
+          <a:xfrm>
+            <a:off x="5520269" y="3132610"/>
+            <a:ext cx="694263" cy="1"/>
+          </a:xfrm>
+          <a:prstGeom prst="straightConnector1">
+            <a:avLst/>
+          </a:prstGeom>
+          <a:ln w="12700">
+            <a:tailEnd type="triangle"/>
+          </a:ln>
+        </p:spPr>
+        <p:style>
+          <a:lnRef idx="1">
+            <a:schemeClr val="accent1"/>
+          </a:lnRef>
+          <a:fillRef idx="0">
+            <a:schemeClr val="accent1"/>
+          </a:fillRef>
+          <a:effectRef idx="0">
+            <a:schemeClr val="accent1"/>
+          </a:effectRef>
+          <a:fontRef idx="minor">
+            <a:schemeClr val="tx1"/>
+          </a:fontRef>
+        </p:style>
+      </p:cxnSp>
+      <p:sp>
+        <p:nvSpPr>
+          <p:cNvPr id="11" name="Rectangle 10">
+            <a:extLst>
+              <a:ext uri="{FF2B5EF4-FFF2-40B4-BE49-F238E27FC236}">
+                <a16:creationId xmlns:a16="http://schemas.microsoft.com/office/drawing/2014/main" id="{2E999ECA-9F59-6B47-8FDA-644A3DC4F48A}"/>
+              </a:ext>
+            </a:extLst>
+          </p:cNvPr>
+          <p:cNvSpPr/>
+          <p:nvPr/>
+        </p:nvSpPr>
+        <p:spPr>
+          <a:xfrm>
+            <a:off x="7755464" y="1993843"/>
+            <a:ext cx="948266" cy="2277534"/>
+          </a:xfrm>
+          <a:prstGeom prst="rect">
+            <a:avLst/>
+          </a:prstGeom>
+          <a:ln w="38100">
+            <a:solidFill>
+              <a:srgbClr val="002060"/>
+            </a:solidFill>
+          </a:ln>
+        </p:spPr>
+        <p:style>
+          <a:lnRef idx="2">
+            <a:schemeClr val="accent1"/>
+          </a:lnRef>
+          <a:fillRef idx="1">
+            <a:schemeClr val="lt1"/>
+          </a:fillRef>
+          <a:effectRef idx="0">
+            <a:schemeClr val="accent1"/>
+          </a:effectRef>
+          <a:fontRef idx="minor">
+            <a:schemeClr val="dk1"/>
+          </a:fontRef>
+        </p:style>
+        <p:txBody>
+          <a:bodyPr rtlCol="0" anchor="ctr"/>
+          <a:lstStyle/>
+          <a:p>
+            <a:pPr algn="ctr"/>
+            <a:r>
+              <a:rPr lang="en-US" dirty="0"/>
+              <a:t>MLP</a:t>
+            </a:r>
+          </a:p>
+        </p:txBody>
+      </p:sp>
+      <p:cxnSp>
+        <p:nvCxnSpPr>
+          <p:cNvPr id="13" name="Straight Arrow Connector 12">
+            <a:extLst>
+              <a:ext uri="{FF2B5EF4-FFF2-40B4-BE49-F238E27FC236}">
+                <a16:creationId xmlns:a16="http://schemas.microsoft.com/office/drawing/2014/main" id="{F73F34FB-D61E-FD46-8E6B-57EDCFEDDCA2}"/>
+              </a:ext>
+            </a:extLst>
+          </p:cNvPr>
+          <p:cNvCxnSpPr>
+            <a:cxnSpLocks/>
+          </p:cNvCxnSpPr>
+          <p:nvPr/>
+        </p:nvCxnSpPr>
+        <p:spPr>
+          <a:xfrm flipV="1">
+            <a:off x="7162798" y="3132610"/>
+            <a:ext cx="592666" cy="1"/>
+          </a:xfrm>
+          <a:prstGeom prst="straightConnector1">
+            <a:avLst/>
+          </a:prstGeom>
+          <a:ln w="12700">
+            <a:tailEnd type="triangle"/>
+          </a:ln>
+        </p:spPr>
+        <p:style>
+          <a:lnRef idx="1">
+            <a:schemeClr val="accent1"/>
+          </a:lnRef>
+          <a:fillRef idx="0">
+            <a:schemeClr val="accent1"/>
+          </a:fillRef>
+          <a:effectRef idx="0">
+            <a:schemeClr val="accent1"/>
+          </a:effectRef>
+          <a:fontRef idx="minor">
+            <a:schemeClr val="tx1"/>
+          </a:fontRef>
+        </p:style>
+      </p:cxnSp>
+      <p:sp>
+        <p:nvSpPr>
+          <p:cNvPr id="14" name="Oval 13">
+            <a:extLst>
+              <a:ext uri="{FF2B5EF4-FFF2-40B4-BE49-F238E27FC236}">
+                <a16:creationId xmlns:a16="http://schemas.microsoft.com/office/drawing/2014/main" id="{6B09F2E1-F456-CF45-AEE2-BE585239B4BF}"/>
+              </a:ext>
+            </a:extLst>
+          </p:cNvPr>
+          <p:cNvSpPr/>
+          <p:nvPr/>
+        </p:nvSpPr>
+        <p:spPr>
+          <a:xfrm>
+            <a:off x="9194797" y="2777010"/>
+            <a:ext cx="711200" cy="711200"/>
+          </a:xfrm>
+          <a:prstGeom prst="ellipse">
+            <a:avLst/>
+          </a:prstGeom>
+          <a:ln w="38100">
+            <a:solidFill>
+              <a:srgbClr val="002060"/>
+            </a:solidFill>
+          </a:ln>
+        </p:spPr>
+        <p:style>
+          <a:lnRef idx="2">
+            <a:schemeClr val="accent6"/>
+          </a:lnRef>
+          <a:fillRef idx="1">
+            <a:schemeClr val="lt1"/>
+          </a:fillRef>
+          <a:effectRef idx="0">
+            <a:schemeClr val="accent6"/>
+          </a:effectRef>
+          <a:fontRef idx="minor">
+            <a:schemeClr val="dk1"/>
+          </a:fontRef>
+        </p:style>
+        <p:txBody>
+          <a:bodyPr rtlCol="0" anchor="ctr"/>
+          <a:lstStyle/>
+          <a:p>
+            <a:pPr algn="ctr"/>
+            <a:endParaRPr lang="en-US"/>
+          </a:p>
+        </p:txBody>
+      </p:sp>
+      <p:cxnSp>
+        <p:nvCxnSpPr>
+          <p:cNvPr id="16" name="Straight Arrow Connector 15">
+            <a:extLst>
+              <a:ext uri="{FF2B5EF4-FFF2-40B4-BE49-F238E27FC236}">
+                <a16:creationId xmlns:a16="http://schemas.microsoft.com/office/drawing/2014/main" id="{DDB4C5BC-1DF1-C445-B4F2-A1E64F780EB8}"/>
+              </a:ext>
+            </a:extLst>
+          </p:cNvPr>
+          <p:cNvCxnSpPr>
+            <a:cxnSpLocks/>
+          </p:cNvCxnSpPr>
+          <p:nvPr/>
+        </p:nvCxnSpPr>
+        <p:spPr>
+          <a:xfrm>
+            <a:off x="8703730" y="3132610"/>
+            <a:ext cx="491067" cy="0"/>
+          </a:xfrm>
+          <a:prstGeom prst="straightConnector1">
+            <a:avLst/>
+          </a:prstGeom>
+          <a:ln>
+            <a:tailEnd type="triangle"/>
+          </a:ln>
+        </p:spPr>
+        <p:style>
+          <a:lnRef idx="1">
+            <a:schemeClr val="accent1"/>
+          </a:lnRef>
+          <a:fillRef idx="0">
+            <a:schemeClr val="accent1"/>
+          </a:fillRef>
+          <a:effectRef idx="0">
+            <a:schemeClr val="accent1"/>
+          </a:effectRef>
+          <a:fontRef idx="minor">
+            <a:schemeClr val="tx1"/>
+          </a:fontRef>
+        </p:style>
+      </p:cxnSp>
+      <p:sp>
+        <p:nvSpPr>
+          <p:cNvPr id="18" name="TextBox 17">
+            <a:extLst>
+              <a:ext uri="{FF2B5EF4-FFF2-40B4-BE49-F238E27FC236}">
+                <a16:creationId xmlns:a16="http://schemas.microsoft.com/office/drawing/2014/main" id="{ADEE4983-D476-C149-934A-5A42571905DD}"/>
+              </a:ext>
+            </a:extLst>
+          </p:cNvPr>
+          <p:cNvSpPr txBox="1"/>
+          <p:nvPr/>
+        </p:nvSpPr>
+        <p:spPr>
+          <a:xfrm>
+            <a:off x="1947332" y="4927486"/>
+            <a:ext cx="846667" cy="369332"/>
+          </a:xfrm>
+          <a:prstGeom prst="rect">
+            <a:avLst/>
+          </a:prstGeom>
+          <a:noFill/>
+        </p:spPr>
+        <p:txBody>
+          <a:bodyPr wrap="square" rtlCol="0">
+            <a:spAutoFit/>
+          </a:bodyPr>
+          <a:lstStyle/>
+          <a:p>
+            <a:r>
+              <a:rPr lang="en-US" dirty="0"/>
+              <a:t>INPUT</a:t>
+            </a:r>
+          </a:p>
+        </p:txBody>
+      </p:sp>
+      <p:sp>
+        <p:nvSpPr>
+          <p:cNvPr id="19" name="TextBox 18">
+            <a:extLst>
+              <a:ext uri="{FF2B5EF4-FFF2-40B4-BE49-F238E27FC236}">
+                <a16:creationId xmlns:a16="http://schemas.microsoft.com/office/drawing/2014/main" id="{6E827203-3A03-9A46-A2B0-B07C080D1681}"/>
+              </a:ext>
+            </a:extLst>
+          </p:cNvPr>
+          <p:cNvSpPr txBox="1"/>
+          <p:nvPr/>
+        </p:nvSpPr>
+        <p:spPr>
+          <a:xfrm>
+            <a:off x="4449900" y="4921482"/>
+            <a:ext cx="609606" cy="369332"/>
+          </a:xfrm>
+          <a:prstGeom prst="rect">
+            <a:avLst/>
+          </a:prstGeom>
+          <a:noFill/>
+        </p:spPr>
+        <p:txBody>
+          <a:bodyPr wrap="square" rtlCol="0">
+            <a:spAutoFit/>
+          </a:bodyPr>
+          <a:lstStyle/>
+          <a:p>
+            <a:r>
+              <a:rPr lang="en-US" dirty="0"/>
+              <a:t>CNN</a:t>
+            </a:r>
+          </a:p>
+        </p:txBody>
+      </p:sp>
+      <p:sp>
+        <p:nvSpPr>
+          <p:cNvPr id="20" name="TextBox 19">
+            <a:extLst>
+              <a:ext uri="{FF2B5EF4-FFF2-40B4-BE49-F238E27FC236}">
+                <a16:creationId xmlns:a16="http://schemas.microsoft.com/office/drawing/2014/main" id="{0648F621-BE73-1446-BCD1-C7BCA2D56832}"/>
+              </a:ext>
+            </a:extLst>
+          </p:cNvPr>
+          <p:cNvSpPr txBox="1"/>
+          <p:nvPr/>
+        </p:nvSpPr>
+        <p:spPr>
+          <a:xfrm>
+            <a:off x="6383862" y="4927486"/>
+            <a:ext cx="609605" cy="369332"/>
+          </a:xfrm>
+          <a:prstGeom prst="rect">
+            <a:avLst/>
+          </a:prstGeom>
+          <a:noFill/>
+        </p:spPr>
+        <p:txBody>
+          <a:bodyPr wrap="square" rtlCol="0">
+            <a:spAutoFit/>
+          </a:bodyPr>
+          <a:lstStyle/>
+          <a:p>
+            <a:r>
+              <a:rPr lang="en-US" dirty="0"/>
+              <a:t>RNN</a:t>
+            </a:r>
+          </a:p>
+        </p:txBody>
+      </p:sp>
+      <p:sp>
+        <p:nvSpPr>
+          <p:cNvPr id="21" name="TextBox 20">
+            <a:extLst>
+              <a:ext uri="{FF2B5EF4-FFF2-40B4-BE49-F238E27FC236}">
+                <a16:creationId xmlns:a16="http://schemas.microsoft.com/office/drawing/2014/main" id="{021CFF05-9920-9444-B2F9-E6B9E89266C5}"/>
+              </a:ext>
+            </a:extLst>
+          </p:cNvPr>
+          <p:cNvSpPr txBox="1"/>
+          <p:nvPr/>
+        </p:nvSpPr>
+        <p:spPr>
+          <a:xfrm>
+            <a:off x="7924795" y="4927486"/>
+            <a:ext cx="609604" cy="369332"/>
+          </a:xfrm>
+          <a:prstGeom prst="rect">
+            <a:avLst/>
+          </a:prstGeom>
+          <a:noFill/>
+        </p:spPr>
+        <p:txBody>
+          <a:bodyPr wrap="square" rtlCol="0">
+            <a:spAutoFit/>
+          </a:bodyPr>
+          <a:lstStyle/>
+          <a:p>
+            <a:r>
+              <a:rPr lang="en-US" dirty="0"/>
+              <a:t>MLP</a:t>
+            </a:r>
+          </a:p>
+        </p:txBody>
+      </p:sp>
+      <p:sp>
+        <p:nvSpPr>
+          <p:cNvPr id="22" name="TextBox 21">
+            <a:extLst>
+              <a:ext uri="{FF2B5EF4-FFF2-40B4-BE49-F238E27FC236}">
+                <a16:creationId xmlns:a16="http://schemas.microsoft.com/office/drawing/2014/main" id="{20BD0159-8C3F-4E49-B2E3-4C71F8B80BF1}"/>
+              </a:ext>
+            </a:extLst>
+          </p:cNvPr>
+          <p:cNvSpPr txBox="1"/>
+          <p:nvPr/>
+        </p:nvSpPr>
+        <p:spPr>
+          <a:xfrm>
+            <a:off x="9033929" y="4927486"/>
+            <a:ext cx="1032935" cy="369332"/>
+          </a:xfrm>
+          <a:prstGeom prst="rect">
+            <a:avLst/>
+          </a:prstGeom>
+          <a:noFill/>
+        </p:spPr>
+        <p:txBody>
+          <a:bodyPr wrap="square" rtlCol="0">
+            <a:spAutoFit/>
+          </a:bodyPr>
+          <a:lstStyle/>
+          <a:p>
+            <a:r>
+              <a:rPr lang="en-US" dirty="0"/>
+              <a:t>OUTPUT</a:t>
+            </a:r>
+          </a:p>
+        </p:txBody>
+      </p:sp>
+      <p:sp>
+        <p:nvSpPr>
+          <p:cNvPr id="25" name="Rounded Rectangle 24">
+            <a:extLst>
+              <a:ext uri="{FF2B5EF4-FFF2-40B4-BE49-F238E27FC236}">
+                <a16:creationId xmlns:a16="http://schemas.microsoft.com/office/drawing/2014/main" id="{4CEA893A-3409-7D45-9F91-19C50A30326F}"/>
+              </a:ext>
+            </a:extLst>
+          </p:cNvPr>
+          <p:cNvSpPr/>
+          <p:nvPr/>
+        </p:nvSpPr>
+        <p:spPr>
+          <a:xfrm>
+            <a:off x="4039943" y="2362144"/>
+            <a:ext cx="1429521" cy="1540933"/>
+          </a:xfrm>
+          <a:prstGeom prst="roundRect">
+            <a:avLst/>
+          </a:prstGeom>
+          <a:ln w="38100">
+            <a:solidFill>
+              <a:srgbClr val="002060"/>
+            </a:solidFill>
+          </a:ln>
+        </p:spPr>
+        <p:style>
+          <a:lnRef idx="2">
+            <a:schemeClr val="accent6"/>
+          </a:lnRef>
+          <a:fillRef idx="1">
+            <a:schemeClr val="lt1"/>
+          </a:fillRef>
+          <a:effectRef idx="0">
+            <a:schemeClr val="accent6"/>
+          </a:effectRef>
+          <a:fontRef idx="minor">
+            <a:schemeClr val="dk1"/>
+          </a:fontRef>
+        </p:style>
+        <p:txBody>
+          <a:bodyPr rtlCol="0" anchor="ctr"/>
+          <a:lstStyle/>
+          <a:p>
+            <a:pPr algn="ctr"/>
+            <a:r>
+              <a:rPr lang="en-US" dirty="0"/>
+              <a:t>CNN</a:t>
+            </a:r>
+          </a:p>
+        </p:txBody>
+      </p:sp>
     </p:spTree>
     <p:extLst>
       <p:ext uri="{BB962C8B-B14F-4D97-AF65-F5344CB8AC3E}">
-        <p14:creationId xmlns:p14="http://schemas.microsoft.com/office/powerpoint/2010/main" val="1976759143"/>
+        <p14:creationId xmlns:p14="http://schemas.microsoft.com/office/powerpoint/2010/main" val="995660219"/>
       </p:ext>
     </p:extLst>
   </p:cSld>

--- a/Sep21/DeepGRN_092121.pptx
+++ b/Sep21/DeepGRN_092121.pptx
@@ -18,8 +18,8 @@
     <p:sldId id="261" r:id="rId9"/>
     <p:sldId id="259" r:id="rId10"/>
     <p:sldId id="262" r:id="rId11"/>
-    <p:sldId id="268" r:id="rId12"/>
-    <p:sldId id="269" r:id="rId13"/>
+    <p:sldId id="269" r:id="rId12"/>
+    <p:sldId id="268" r:id="rId13"/>
     <p:sldId id="270" r:id="rId14"/>
     <p:sldId id="271" r:id="rId15"/>
     <p:sldId id="263" r:id="rId16"/>
@@ -136,480 +136,6 @@
 </p:presentation>
 </file>
 
-<file path=ppt/revisionInfo.xml><?xml version="1.0" encoding="utf-8"?>
-<p1510:revInfo xmlns:a="http://schemas.openxmlformats.org/drawingml/2006/main" xmlns:r="http://schemas.openxmlformats.org/officeDocument/2006/relationships" xmlns:p1510="http://schemas.microsoft.com/office/powerpoint/2015/10/main">
-  <p1510:revLst>
-    <p1510:client id="{ADAF4B5B-B7C9-7E40-B4B1-49C187825132}" v="20" dt="2021-09-15T00:58:32.743"/>
-  </p1510:revLst>
-</p1510:revInfo>
-</file>
-
-<file path=ppt/changesInfos/changesInfo1.xml><?xml version="1.0" encoding="utf-8"?>
-<pc:chgInfo xmlns:a="http://schemas.openxmlformats.org/drawingml/2006/main" xmlns:r="http://schemas.openxmlformats.org/officeDocument/2006/relationships" xmlns:ac="http://schemas.microsoft.com/office/drawing/2013/main/command" xmlns:pc="http://schemas.microsoft.com/office/powerpoint/2013/main/command">
-  <pc:docChgLst>
-    <pc:chgData name="Banerjee, Deepro" userId="59bb156d-7516-4212-a860-9ec41fb041f7" providerId="ADAL" clId="{ADAF4B5B-B7C9-7E40-B4B1-49C187825132}"/>
-    <pc:docChg chg="undo custSel addSld modSld sldOrd">
-      <pc:chgData name="Banerjee, Deepro" userId="59bb156d-7516-4212-a860-9ec41fb041f7" providerId="ADAL" clId="{ADAF4B5B-B7C9-7E40-B4B1-49C187825132}" dt="2021-09-15T00:58:34.424" v="1426" actId="20577"/>
-      <pc:docMkLst>
-        <pc:docMk/>
-      </pc:docMkLst>
-      <pc:sldChg chg="modSp mod modNotesTx">
-        <pc:chgData name="Banerjee, Deepro" userId="59bb156d-7516-4212-a860-9ec41fb041f7" providerId="ADAL" clId="{ADAF4B5B-B7C9-7E40-B4B1-49C187825132}" dt="2021-09-05T21:35:51.086" v="650" actId="255"/>
-        <pc:sldMkLst>
-          <pc:docMk/>
-          <pc:sldMk cId="205687349" sldId="256"/>
-        </pc:sldMkLst>
-        <pc:spChg chg="mod">
-          <ac:chgData name="Banerjee, Deepro" userId="59bb156d-7516-4212-a860-9ec41fb041f7" providerId="ADAL" clId="{ADAF4B5B-B7C9-7E40-B4B1-49C187825132}" dt="2021-09-05T21:35:51.086" v="650" actId="255"/>
-          <ac:spMkLst>
-            <pc:docMk/>
-            <pc:sldMk cId="205687349" sldId="256"/>
-            <ac:spMk id="2" creationId="{4DED81EC-FC40-BD4F-904D-25782F775C52}"/>
-          </ac:spMkLst>
-        </pc:spChg>
-        <pc:spChg chg="mod">
-          <ac:chgData name="Banerjee, Deepro" userId="59bb156d-7516-4212-a860-9ec41fb041f7" providerId="ADAL" clId="{ADAF4B5B-B7C9-7E40-B4B1-49C187825132}" dt="2021-09-05T21:34:20.468" v="611" actId="1036"/>
-          <ac:spMkLst>
-            <pc:docMk/>
-            <pc:sldMk cId="205687349" sldId="256"/>
-            <ac:spMk id="3" creationId="{4FD27DDF-3261-0C47-A566-00E59E2D52BE}"/>
-          </ac:spMkLst>
-        </pc:spChg>
-      </pc:sldChg>
-      <pc:sldChg chg="modSp new mod">
-        <pc:chgData name="Banerjee, Deepro" userId="59bb156d-7516-4212-a860-9ec41fb041f7" providerId="ADAL" clId="{ADAF4B5B-B7C9-7E40-B4B1-49C187825132}" dt="2021-09-10T17:08:26.201" v="717" actId="20577"/>
-        <pc:sldMkLst>
-          <pc:docMk/>
-          <pc:sldMk cId="2583680861" sldId="257"/>
-        </pc:sldMkLst>
-        <pc:spChg chg="mod">
-          <ac:chgData name="Banerjee, Deepro" userId="59bb156d-7516-4212-a860-9ec41fb041f7" providerId="ADAL" clId="{ADAF4B5B-B7C9-7E40-B4B1-49C187825132}" dt="2021-09-10T17:08:26.201" v="717" actId="20577"/>
-          <ac:spMkLst>
-            <pc:docMk/>
-            <pc:sldMk cId="2583680861" sldId="257"/>
-            <ac:spMk id="2" creationId="{5EFC057E-3E3B-C742-822C-BAD0B2662930}"/>
-          </ac:spMkLst>
-        </pc:spChg>
-      </pc:sldChg>
-      <pc:sldChg chg="add">
-        <pc:chgData name="Banerjee, Deepro" userId="59bb156d-7516-4212-a860-9ec41fb041f7" providerId="ADAL" clId="{ADAF4B5B-B7C9-7E40-B4B1-49C187825132}" dt="2021-09-05T13:41:10.645" v="72" actId="2890"/>
-        <pc:sldMkLst>
-          <pc:docMk/>
-          <pc:sldMk cId="3633912530" sldId="258"/>
-        </pc:sldMkLst>
-      </pc:sldChg>
-      <pc:sldChg chg="addSp delSp modSp new mod">
-        <pc:chgData name="Banerjee, Deepro" userId="59bb156d-7516-4212-a860-9ec41fb041f7" providerId="ADAL" clId="{ADAF4B5B-B7C9-7E40-B4B1-49C187825132}" dt="2021-09-15T00:11:20.304" v="1309" actId="1076"/>
-        <pc:sldMkLst>
-          <pc:docMk/>
-          <pc:sldMk cId="995660219" sldId="259"/>
-        </pc:sldMkLst>
-        <pc:spChg chg="mod">
-          <ac:chgData name="Banerjee, Deepro" userId="59bb156d-7516-4212-a860-9ec41fb041f7" providerId="ADAL" clId="{ADAF4B5B-B7C9-7E40-B4B1-49C187825132}" dt="2021-09-14T23:39:54.675" v="878" actId="1076"/>
-          <ac:spMkLst>
-            <pc:docMk/>
-            <pc:sldMk cId="995660219" sldId="259"/>
-            <ac:spMk id="2" creationId="{A1217F84-B84B-B845-9C11-FD8BCF84258A}"/>
-          </ac:spMkLst>
-        </pc:spChg>
-        <pc:spChg chg="add mod">
-          <ac:chgData name="Banerjee, Deepro" userId="59bb156d-7516-4212-a860-9ec41fb041f7" providerId="ADAL" clId="{ADAF4B5B-B7C9-7E40-B4B1-49C187825132}" dt="2021-09-14T23:42:52.144" v="945" actId="1035"/>
-          <ac:spMkLst>
-            <pc:docMk/>
-            <pc:sldMk cId="995660219" sldId="259"/>
-            <ac:spMk id="3" creationId="{AB598458-C785-C646-9C39-F3E1B2CB4CAF}"/>
-          </ac:spMkLst>
-        </pc:spChg>
-        <pc:spChg chg="mod">
-          <ac:chgData name="Banerjee, Deepro" userId="59bb156d-7516-4212-a860-9ec41fb041f7" providerId="ADAL" clId="{ADAF4B5B-B7C9-7E40-B4B1-49C187825132}" dt="2021-09-14T23:48:34.273" v="960" actId="20577"/>
-          <ac:spMkLst>
-            <pc:docMk/>
-            <pc:sldMk cId="995660219" sldId="259"/>
-            <ac:spMk id="5" creationId="{73740316-E664-7C49-9F6B-9CE55C7222C7}"/>
-          </ac:spMkLst>
-        </pc:spChg>
-        <pc:spChg chg="add mod">
-          <ac:chgData name="Banerjee, Deepro" userId="59bb156d-7516-4212-a860-9ec41fb041f7" providerId="ADAL" clId="{ADAF4B5B-B7C9-7E40-B4B1-49C187825132}" dt="2021-09-14T23:42:52.144" v="945" actId="1035"/>
-          <ac:spMkLst>
-            <pc:docMk/>
-            <pc:sldMk cId="995660219" sldId="259"/>
-            <ac:spMk id="6" creationId="{3A7B4A21-64E7-4748-B9B4-6EC08CDC9FF9}"/>
-          </ac:spMkLst>
-        </pc:spChg>
-        <pc:spChg chg="add del mod">
-          <ac:chgData name="Banerjee, Deepro" userId="59bb156d-7516-4212-a860-9ec41fb041f7" providerId="ADAL" clId="{ADAF4B5B-B7C9-7E40-B4B1-49C187825132}" dt="2021-09-15T00:10:10.349" v="1296" actId="478"/>
-          <ac:spMkLst>
-            <pc:docMk/>
-            <pc:sldMk cId="995660219" sldId="259"/>
-            <ac:spMk id="7" creationId="{9E9450A3-EFD0-C145-9CA0-E19E59BC658C}"/>
-          </ac:spMkLst>
-        </pc:spChg>
-        <pc:spChg chg="add mod">
-          <ac:chgData name="Banerjee, Deepro" userId="59bb156d-7516-4212-a860-9ec41fb041f7" providerId="ADAL" clId="{ADAF4B5B-B7C9-7E40-B4B1-49C187825132}" dt="2021-09-14T23:42:52.144" v="945" actId="1035"/>
-          <ac:spMkLst>
-            <pc:docMk/>
-            <pc:sldMk cId="995660219" sldId="259"/>
-            <ac:spMk id="8" creationId="{7F1B338F-BF51-F645-A69E-2D4E4EA86B6A}"/>
-          </ac:spMkLst>
-        </pc:spChg>
-        <pc:spChg chg="add mod">
-          <ac:chgData name="Banerjee, Deepro" userId="59bb156d-7516-4212-a860-9ec41fb041f7" providerId="ADAL" clId="{ADAF4B5B-B7C9-7E40-B4B1-49C187825132}" dt="2021-09-14T23:42:52.144" v="945" actId="1035"/>
-          <ac:spMkLst>
-            <pc:docMk/>
-            <pc:sldMk cId="995660219" sldId="259"/>
-            <ac:spMk id="11" creationId="{2E999ECA-9F59-6B47-8FDA-644A3DC4F48A}"/>
-          </ac:spMkLst>
-        </pc:spChg>
-        <pc:spChg chg="add mod">
-          <ac:chgData name="Banerjee, Deepro" userId="59bb156d-7516-4212-a860-9ec41fb041f7" providerId="ADAL" clId="{ADAF4B5B-B7C9-7E40-B4B1-49C187825132}" dt="2021-09-14T23:42:52.144" v="945" actId="1035"/>
-          <ac:spMkLst>
-            <pc:docMk/>
-            <pc:sldMk cId="995660219" sldId="259"/>
-            <ac:spMk id="14" creationId="{6B09F2E1-F456-CF45-AEE2-BE585239B4BF}"/>
-          </ac:spMkLst>
-        </pc:spChg>
-        <pc:spChg chg="add del mod">
-          <ac:chgData name="Banerjee, Deepro" userId="59bb156d-7516-4212-a860-9ec41fb041f7" providerId="ADAL" clId="{ADAF4B5B-B7C9-7E40-B4B1-49C187825132}" dt="2021-09-14T23:40:01.284" v="881"/>
-          <ac:spMkLst>
-            <pc:docMk/>
-            <pc:sldMk cId="995660219" sldId="259"/>
-            <ac:spMk id="17" creationId="{5453CFCB-1629-0F4F-A475-9C2986922AEF}"/>
-          </ac:spMkLst>
-        </pc:spChg>
-        <pc:spChg chg="add mod">
-          <ac:chgData name="Banerjee, Deepro" userId="59bb156d-7516-4212-a860-9ec41fb041f7" providerId="ADAL" clId="{ADAF4B5B-B7C9-7E40-B4B1-49C187825132}" dt="2021-09-14T23:41:38.454" v="917" actId="1038"/>
-          <ac:spMkLst>
-            <pc:docMk/>
-            <pc:sldMk cId="995660219" sldId="259"/>
-            <ac:spMk id="18" creationId="{ADEE4983-D476-C149-934A-5A42571905DD}"/>
-          </ac:spMkLst>
-        </pc:spChg>
-        <pc:spChg chg="add mod">
-          <ac:chgData name="Banerjee, Deepro" userId="59bb156d-7516-4212-a860-9ec41fb041f7" providerId="ADAL" clId="{ADAF4B5B-B7C9-7E40-B4B1-49C187825132}" dt="2021-09-15T00:11:20.304" v="1309" actId="1076"/>
-          <ac:spMkLst>
-            <pc:docMk/>
-            <pc:sldMk cId="995660219" sldId="259"/>
-            <ac:spMk id="19" creationId="{6E827203-3A03-9A46-A2B0-B07C080D1681}"/>
-          </ac:spMkLst>
-        </pc:spChg>
-        <pc:spChg chg="add mod">
-          <ac:chgData name="Banerjee, Deepro" userId="59bb156d-7516-4212-a860-9ec41fb041f7" providerId="ADAL" clId="{ADAF4B5B-B7C9-7E40-B4B1-49C187825132}" dt="2021-09-14T23:43:30.733" v="957" actId="1076"/>
-          <ac:spMkLst>
-            <pc:docMk/>
-            <pc:sldMk cId="995660219" sldId="259"/>
-            <ac:spMk id="20" creationId="{0648F621-BE73-1446-BCD1-C7BCA2D56832}"/>
-          </ac:spMkLst>
-        </pc:spChg>
-        <pc:spChg chg="add mod">
-          <ac:chgData name="Banerjee, Deepro" userId="59bb156d-7516-4212-a860-9ec41fb041f7" providerId="ADAL" clId="{ADAF4B5B-B7C9-7E40-B4B1-49C187825132}" dt="2021-09-14T23:43:36.053" v="958" actId="1076"/>
-          <ac:spMkLst>
-            <pc:docMk/>
-            <pc:sldMk cId="995660219" sldId="259"/>
-            <ac:spMk id="21" creationId="{021CFF05-9920-9444-B2F9-E6B9E89266C5}"/>
-          </ac:spMkLst>
-        </pc:spChg>
-        <pc:spChg chg="add mod">
-          <ac:chgData name="Banerjee, Deepro" userId="59bb156d-7516-4212-a860-9ec41fb041f7" providerId="ADAL" clId="{ADAF4B5B-B7C9-7E40-B4B1-49C187825132}" dt="2021-09-14T23:43:40.780" v="959" actId="1076"/>
-          <ac:spMkLst>
-            <pc:docMk/>
-            <pc:sldMk cId="995660219" sldId="259"/>
-            <ac:spMk id="22" creationId="{20BD0159-8C3F-4E49-B2E3-4C71F8B80BF1}"/>
-          </ac:spMkLst>
-        </pc:spChg>
-        <pc:spChg chg="add del">
-          <ac:chgData name="Banerjee, Deepro" userId="59bb156d-7516-4212-a860-9ec41fb041f7" providerId="ADAL" clId="{ADAF4B5B-B7C9-7E40-B4B1-49C187825132}" dt="2021-09-15T00:10:06.634" v="1295" actId="478"/>
-          <ac:spMkLst>
-            <pc:docMk/>
-            <pc:sldMk cId="995660219" sldId="259"/>
-            <ac:spMk id="23" creationId="{E13F946C-F975-004B-9FB6-85528D1C5932}"/>
-          </ac:spMkLst>
-        </pc:spChg>
-        <pc:spChg chg="add del mod">
-          <ac:chgData name="Banerjee, Deepro" userId="59bb156d-7516-4212-a860-9ec41fb041f7" providerId="ADAL" clId="{ADAF4B5B-B7C9-7E40-B4B1-49C187825132}" dt="2021-09-15T00:10:51.379" v="1302" actId="478"/>
-          <ac:spMkLst>
-            <pc:docMk/>
-            <pc:sldMk cId="995660219" sldId="259"/>
-            <ac:spMk id="24" creationId="{BACB6023-065D-AA4E-8001-8AA1F31B39BE}"/>
-          </ac:spMkLst>
-        </pc:spChg>
-        <pc:spChg chg="add mod">
-          <ac:chgData name="Banerjee, Deepro" userId="59bb156d-7516-4212-a860-9ec41fb041f7" providerId="ADAL" clId="{ADAF4B5B-B7C9-7E40-B4B1-49C187825132}" dt="2021-09-15T00:11:10.339" v="1308" actId="20577"/>
-          <ac:spMkLst>
-            <pc:docMk/>
-            <pc:sldMk cId="995660219" sldId="259"/>
-            <ac:spMk id="25" creationId="{4CEA893A-3409-7D45-9F91-19C50A30326F}"/>
-          </ac:spMkLst>
-        </pc:spChg>
-        <pc:cxnChg chg="add mod">
-          <ac:chgData name="Banerjee, Deepro" userId="59bb156d-7516-4212-a860-9ec41fb041f7" providerId="ADAL" clId="{ADAF4B5B-B7C9-7E40-B4B1-49C187825132}" dt="2021-09-14T23:42:52.144" v="945" actId="1035"/>
-          <ac:cxnSpMkLst>
-            <pc:docMk/>
-            <pc:sldMk cId="995660219" sldId="259"/>
-            <ac:cxnSpMk id="10" creationId="{4BB69A74-B189-F749-B323-76B57E074E31}"/>
-          </ac:cxnSpMkLst>
-        </pc:cxnChg>
-        <pc:cxnChg chg="add mod">
-          <ac:chgData name="Banerjee, Deepro" userId="59bb156d-7516-4212-a860-9ec41fb041f7" providerId="ADAL" clId="{ADAF4B5B-B7C9-7E40-B4B1-49C187825132}" dt="2021-09-14T23:42:52.144" v="945" actId="1035"/>
-          <ac:cxnSpMkLst>
-            <pc:docMk/>
-            <pc:sldMk cId="995660219" sldId="259"/>
-            <ac:cxnSpMk id="13" creationId="{F73F34FB-D61E-FD46-8E6B-57EDCFEDDCA2}"/>
-          </ac:cxnSpMkLst>
-        </pc:cxnChg>
-        <pc:cxnChg chg="add mod">
-          <ac:chgData name="Banerjee, Deepro" userId="59bb156d-7516-4212-a860-9ec41fb041f7" providerId="ADAL" clId="{ADAF4B5B-B7C9-7E40-B4B1-49C187825132}" dt="2021-09-14T23:42:52.144" v="945" actId="1035"/>
-          <ac:cxnSpMkLst>
-            <pc:docMk/>
-            <pc:sldMk cId="995660219" sldId="259"/>
-            <ac:cxnSpMk id="16" creationId="{DDB4C5BC-1DF1-C445-B4F2-A1E64F780EB8}"/>
-          </ac:cxnSpMkLst>
-        </pc:cxnChg>
-      </pc:sldChg>
-      <pc:sldChg chg="modSp new mod">
-        <pc:chgData name="Banerjee, Deepro" userId="59bb156d-7516-4212-a860-9ec41fb041f7" providerId="ADAL" clId="{ADAF4B5B-B7C9-7E40-B4B1-49C187825132}" dt="2021-09-05T13:42:04.172" v="132" actId="20577"/>
-        <pc:sldMkLst>
-          <pc:docMk/>
-          <pc:sldMk cId="897164461" sldId="260"/>
-        </pc:sldMkLst>
-        <pc:spChg chg="mod">
-          <ac:chgData name="Banerjee, Deepro" userId="59bb156d-7516-4212-a860-9ec41fb041f7" providerId="ADAL" clId="{ADAF4B5B-B7C9-7E40-B4B1-49C187825132}" dt="2021-09-05T13:42:04.172" v="132" actId="20577"/>
-          <ac:spMkLst>
-            <pc:docMk/>
-            <pc:sldMk cId="897164461" sldId="260"/>
-            <ac:spMk id="2" creationId="{922C5BC9-668A-0144-8EB9-32905554107B}"/>
-          </ac:spMkLst>
-        </pc:spChg>
-      </pc:sldChg>
-      <pc:sldChg chg="modSp new mod">
-        <pc:chgData name="Banerjee, Deepro" userId="59bb156d-7516-4212-a860-9ec41fb041f7" providerId="ADAL" clId="{ADAF4B5B-B7C9-7E40-B4B1-49C187825132}" dt="2021-09-05T13:42:13.766" v="148" actId="20577"/>
-        <pc:sldMkLst>
-          <pc:docMk/>
-          <pc:sldMk cId="252940018" sldId="261"/>
-        </pc:sldMkLst>
-        <pc:spChg chg="mod">
-          <ac:chgData name="Banerjee, Deepro" userId="59bb156d-7516-4212-a860-9ec41fb041f7" providerId="ADAL" clId="{ADAF4B5B-B7C9-7E40-B4B1-49C187825132}" dt="2021-09-05T13:42:13.766" v="148" actId="20577"/>
-          <ac:spMkLst>
-            <pc:docMk/>
-            <pc:sldMk cId="252940018" sldId="261"/>
-            <ac:spMk id="2" creationId="{C4D78D97-1866-6142-AB77-7CCBC6225C14}"/>
-          </ac:spMkLst>
-        </pc:spChg>
-      </pc:sldChg>
-      <pc:sldChg chg="modSp new mod ord">
-        <pc:chgData name="Banerjee, Deepro" userId="59bb156d-7516-4212-a860-9ec41fb041f7" providerId="ADAL" clId="{ADAF4B5B-B7C9-7E40-B4B1-49C187825132}" dt="2021-09-15T00:22:45.761" v="1310" actId="20578"/>
-        <pc:sldMkLst>
-          <pc:docMk/>
-          <pc:sldMk cId="2364176863" sldId="262"/>
-        </pc:sldMkLst>
-        <pc:spChg chg="mod">
-          <ac:chgData name="Banerjee, Deepro" userId="59bb156d-7516-4212-a860-9ec41fb041f7" providerId="ADAL" clId="{ADAF4B5B-B7C9-7E40-B4B1-49C187825132}" dt="2021-09-05T13:42:36.141" v="165" actId="20577"/>
-          <ac:spMkLst>
-            <pc:docMk/>
-            <pc:sldMk cId="2364176863" sldId="262"/>
-            <ac:spMk id="2" creationId="{9937B675-7FB5-284F-A87F-5FE9BECBE7EB}"/>
-          </ac:spMkLst>
-        </pc:spChg>
-      </pc:sldChg>
-      <pc:sldChg chg="modSp new mod">
-        <pc:chgData name="Banerjee, Deepro" userId="59bb156d-7516-4212-a860-9ec41fb041f7" providerId="ADAL" clId="{ADAF4B5B-B7C9-7E40-B4B1-49C187825132}" dt="2021-09-05T13:42:47.604" v="177" actId="20577"/>
-        <pc:sldMkLst>
-          <pc:docMk/>
-          <pc:sldMk cId="844203302" sldId="263"/>
-        </pc:sldMkLst>
-        <pc:spChg chg="mod">
-          <ac:chgData name="Banerjee, Deepro" userId="59bb156d-7516-4212-a860-9ec41fb041f7" providerId="ADAL" clId="{ADAF4B5B-B7C9-7E40-B4B1-49C187825132}" dt="2021-09-05T13:42:47.604" v="177" actId="20577"/>
-          <ac:spMkLst>
-            <pc:docMk/>
-            <pc:sldMk cId="844203302" sldId="263"/>
-            <ac:spMk id="2" creationId="{26CD450E-121C-4A48-A026-1D3184DD0837}"/>
-          </ac:spMkLst>
-        </pc:spChg>
-      </pc:sldChg>
-      <pc:sldChg chg="modSp new mod">
-        <pc:chgData name="Banerjee, Deepro" userId="59bb156d-7516-4212-a860-9ec41fb041f7" providerId="ADAL" clId="{ADAF4B5B-B7C9-7E40-B4B1-49C187825132}" dt="2021-09-05T22:59:13.701" v="663" actId="20577"/>
-        <pc:sldMkLst>
-          <pc:docMk/>
-          <pc:sldMk cId="3321573013" sldId="264"/>
-        </pc:sldMkLst>
-        <pc:spChg chg="mod">
-          <ac:chgData name="Banerjee, Deepro" userId="59bb156d-7516-4212-a860-9ec41fb041f7" providerId="ADAL" clId="{ADAF4B5B-B7C9-7E40-B4B1-49C187825132}" dt="2021-09-05T22:59:13.701" v="663" actId="20577"/>
-          <ac:spMkLst>
-            <pc:docMk/>
-            <pc:sldMk cId="3321573013" sldId="264"/>
-            <ac:spMk id="2" creationId="{A4944F15-95BB-F247-82FF-4410E020AC0D}"/>
-          </ac:spMkLst>
-        </pc:spChg>
-      </pc:sldChg>
-      <pc:sldChg chg="modSp new mod">
-        <pc:chgData name="Banerjee, Deepro" userId="59bb156d-7516-4212-a860-9ec41fb041f7" providerId="ADAL" clId="{ADAF4B5B-B7C9-7E40-B4B1-49C187825132}" dt="2021-09-05T13:43:22.830" v="241" actId="20577"/>
-        <pc:sldMkLst>
-          <pc:docMk/>
-          <pc:sldMk cId="320255401" sldId="265"/>
-        </pc:sldMkLst>
-        <pc:spChg chg="mod">
-          <ac:chgData name="Banerjee, Deepro" userId="59bb156d-7516-4212-a860-9ec41fb041f7" providerId="ADAL" clId="{ADAF4B5B-B7C9-7E40-B4B1-49C187825132}" dt="2021-09-05T13:43:22.830" v="241" actId="20577"/>
-          <ac:spMkLst>
-            <pc:docMk/>
-            <pc:sldMk cId="320255401" sldId="265"/>
-            <ac:spMk id="2" creationId="{695350FA-3885-EE40-BCDC-745345139DAD}"/>
-          </ac:spMkLst>
-        </pc:spChg>
-      </pc:sldChg>
-      <pc:sldChg chg="modSp new mod">
-        <pc:chgData name="Banerjee, Deepro" userId="59bb156d-7516-4212-a860-9ec41fb041f7" providerId="ADAL" clId="{ADAF4B5B-B7C9-7E40-B4B1-49C187825132}" dt="2021-09-05T13:43:34.815" v="270" actId="20577"/>
-        <pc:sldMkLst>
-          <pc:docMk/>
-          <pc:sldMk cId="1590013482" sldId="266"/>
-        </pc:sldMkLst>
-        <pc:spChg chg="mod">
-          <ac:chgData name="Banerjee, Deepro" userId="59bb156d-7516-4212-a860-9ec41fb041f7" providerId="ADAL" clId="{ADAF4B5B-B7C9-7E40-B4B1-49C187825132}" dt="2021-09-05T13:43:34.815" v="270" actId="20577"/>
-          <ac:spMkLst>
-            <pc:docMk/>
-            <pc:sldMk cId="1590013482" sldId="266"/>
-            <ac:spMk id="2" creationId="{31F592F1-51D1-EE42-843D-312BE910798E}"/>
-          </ac:spMkLst>
-        </pc:spChg>
-      </pc:sldChg>
-      <pc:sldChg chg="modSp add mod">
-        <pc:chgData name="Banerjee, Deepro" userId="59bb156d-7516-4212-a860-9ec41fb041f7" providerId="ADAL" clId="{ADAF4B5B-B7C9-7E40-B4B1-49C187825132}" dt="2021-09-05T13:43:43.334" v="284" actId="20577"/>
-        <pc:sldMkLst>
-          <pc:docMk/>
-          <pc:sldMk cId="2862041284" sldId="267"/>
-        </pc:sldMkLst>
-        <pc:spChg chg="mod">
-          <ac:chgData name="Banerjee, Deepro" userId="59bb156d-7516-4212-a860-9ec41fb041f7" providerId="ADAL" clId="{ADAF4B5B-B7C9-7E40-B4B1-49C187825132}" dt="2021-09-05T13:43:43.334" v="284" actId="20577"/>
-          <ac:spMkLst>
-            <pc:docMk/>
-            <pc:sldMk cId="2862041284" sldId="267"/>
-            <ac:spMk id="2" creationId="{31F592F1-51D1-EE42-843D-312BE910798E}"/>
-          </ac:spMkLst>
-        </pc:spChg>
-      </pc:sldChg>
-      <pc:sldChg chg="modSp new mod">
-        <pc:chgData name="Banerjee, Deepro" userId="59bb156d-7516-4212-a860-9ec41fb041f7" providerId="ADAL" clId="{ADAF4B5B-B7C9-7E40-B4B1-49C187825132}" dt="2021-09-05T13:44:13.114" v="305" actId="20577"/>
-        <pc:sldMkLst>
-          <pc:docMk/>
-          <pc:sldMk cId="1976759143" sldId="268"/>
-        </pc:sldMkLst>
-        <pc:spChg chg="mod">
-          <ac:chgData name="Banerjee, Deepro" userId="59bb156d-7516-4212-a860-9ec41fb041f7" providerId="ADAL" clId="{ADAF4B5B-B7C9-7E40-B4B1-49C187825132}" dt="2021-09-05T13:44:13.114" v="305" actId="20577"/>
-          <ac:spMkLst>
-            <pc:docMk/>
-            <pc:sldMk cId="1976759143" sldId="268"/>
-            <ac:spMk id="2" creationId="{794F9F2B-A265-6643-BD51-85C0583F89CB}"/>
-          </ac:spMkLst>
-        </pc:spChg>
-      </pc:sldChg>
-      <pc:sldChg chg="modSp new mod">
-        <pc:chgData name="Banerjee, Deepro" userId="59bb156d-7516-4212-a860-9ec41fb041f7" providerId="ADAL" clId="{ADAF4B5B-B7C9-7E40-B4B1-49C187825132}" dt="2021-09-05T13:44:53.297" v="324" actId="20577"/>
-        <pc:sldMkLst>
-          <pc:docMk/>
-          <pc:sldMk cId="176311535" sldId="269"/>
-        </pc:sldMkLst>
-        <pc:spChg chg="mod">
-          <ac:chgData name="Banerjee, Deepro" userId="59bb156d-7516-4212-a860-9ec41fb041f7" providerId="ADAL" clId="{ADAF4B5B-B7C9-7E40-B4B1-49C187825132}" dt="2021-09-05T13:44:53.297" v="324" actId="20577"/>
-          <ac:spMkLst>
-            <pc:docMk/>
-            <pc:sldMk cId="176311535" sldId="269"/>
-            <ac:spMk id="2" creationId="{8C47310E-BBEE-AD43-BCED-6A3B51E3949D}"/>
-          </ac:spMkLst>
-        </pc:spChg>
-      </pc:sldChg>
-      <pc:sldChg chg="modSp new mod">
-        <pc:chgData name="Banerjee, Deepro" userId="59bb156d-7516-4212-a860-9ec41fb041f7" providerId="ADAL" clId="{ADAF4B5B-B7C9-7E40-B4B1-49C187825132}" dt="2021-09-05T13:48:29.175" v="352" actId="20577"/>
-        <pc:sldMkLst>
-          <pc:docMk/>
-          <pc:sldMk cId="1473772075" sldId="270"/>
-        </pc:sldMkLst>
-        <pc:spChg chg="mod">
-          <ac:chgData name="Banerjee, Deepro" userId="59bb156d-7516-4212-a860-9ec41fb041f7" providerId="ADAL" clId="{ADAF4B5B-B7C9-7E40-B4B1-49C187825132}" dt="2021-09-05T13:48:29.175" v="352" actId="20577"/>
-          <ac:spMkLst>
-            <pc:docMk/>
-            <pc:sldMk cId="1473772075" sldId="270"/>
-            <ac:spMk id="2" creationId="{D0E2D6FC-E5BD-B543-9270-BF682F328639}"/>
-          </ac:spMkLst>
-        </pc:spChg>
-      </pc:sldChg>
-      <pc:sldChg chg="modSp new mod">
-        <pc:chgData name="Banerjee, Deepro" userId="59bb156d-7516-4212-a860-9ec41fb041f7" providerId="ADAL" clId="{ADAF4B5B-B7C9-7E40-B4B1-49C187825132}" dt="2021-09-05T13:50:14.254" v="375" actId="20577"/>
-        <pc:sldMkLst>
-          <pc:docMk/>
-          <pc:sldMk cId="2582996409" sldId="271"/>
-        </pc:sldMkLst>
-        <pc:spChg chg="mod">
-          <ac:chgData name="Banerjee, Deepro" userId="59bb156d-7516-4212-a860-9ec41fb041f7" providerId="ADAL" clId="{ADAF4B5B-B7C9-7E40-B4B1-49C187825132}" dt="2021-09-05T13:50:14.254" v="375" actId="20577"/>
-          <ac:spMkLst>
-            <pc:docMk/>
-            <pc:sldMk cId="2582996409" sldId="271"/>
-            <ac:spMk id="2" creationId="{CCAE8EAA-4C2C-9C43-90EF-2FA73C8B2B07}"/>
-          </ac:spMkLst>
-        </pc:spChg>
-      </pc:sldChg>
-      <pc:sldChg chg="add">
-        <pc:chgData name="Banerjee, Deepro" userId="59bb156d-7516-4212-a860-9ec41fb041f7" providerId="ADAL" clId="{ADAF4B5B-B7C9-7E40-B4B1-49C187825132}" dt="2021-09-05T22:59:07.842" v="657" actId="2890"/>
-        <pc:sldMkLst>
-          <pc:docMk/>
-          <pc:sldMk cId="3392852354" sldId="272"/>
-        </pc:sldMkLst>
-      </pc:sldChg>
-      <pc:sldChg chg="modSp add mod modNotesTx">
-        <pc:chgData name="Banerjee, Deepro" userId="59bb156d-7516-4212-a860-9ec41fb041f7" providerId="ADAL" clId="{ADAF4B5B-B7C9-7E40-B4B1-49C187825132}" dt="2021-09-15T00:58:34.424" v="1426" actId="20577"/>
-        <pc:sldMkLst>
-          <pc:docMk/>
-          <pc:sldMk cId="3180347128" sldId="273"/>
-        </pc:sldMkLst>
-        <pc:spChg chg="mod">
-          <ac:chgData name="Banerjee, Deepro" userId="59bb156d-7516-4212-a860-9ec41fb041f7" providerId="ADAL" clId="{ADAF4B5B-B7C9-7E40-B4B1-49C187825132}" dt="2021-09-06T23:17:08.371" v="681" actId="20577"/>
-          <ac:spMkLst>
-            <pc:docMk/>
-            <pc:sldMk cId="3180347128" sldId="273"/>
-            <ac:spMk id="2" creationId="{31F592F1-51D1-EE42-843D-312BE910798E}"/>
-          </ac:spMkLst>
-        </pc:spChg>
-      </pc:sldChg>
-      <pc:sldChg chg="modSp mod">
-        <pc:chgData name="Banerjee, Deepro" userId="59bb156d-7516-4212-a860-9ec41fb041f7" providerId="ADAL" clId="{ADAF4B5B-B7C9-7E40-B4B1-49C187825132}" dt="2021-09-14T23:34:39.161" v="810" actId="1036"/>
-        <pc:sldMkLst>
-          <pc:docMk/>
-          <pc:sldMk cId="2925457027" sldId="276"/>
-        </pc:sldMkLst>
-        <pc:spChg chg="mod">
-          <ac:chgData name="Banerjee, Deepro" userId="59bb156d-7516-4212-a860-9ec41fb041f7" providerId="ADAL" clId="{ADAF4B5B-B7C9-7E40-B4B1-49C187825132}" dt="2021-09-14T23:34:39.161" v="810" actId="1036"/>
-          <ac:spMkLst>
-            <pc:docMk/>
-            <pc:sldMk cId="2925457027" sldId="276"/>
-            <ac:spMk id="3" creationId="{4B90F795-25A0-F04C-8A79-B381B3C0986B}"/>
-          </ac:spMkLst>
-        </pc:spChg>
-      </pc:sldChg>
-      <pc:sldChg chg="modSp new mod">
-        <pc:chgData name="Banerjee, Deepro" userId="59bb156d-7516-4212-a860-9ec41fb041f7" providerId="ADAL" clId="{ADAF4B5B-B7C9-7E40-B4B1-49C187825132}" dt="2021-09-14T23:57:35.478" v="1293" actId="20577"/>
-        <pc:sldMkLst>
-          <pc:docMk/>
-          <pc:sldMk cId="1667490555" sldId="277"/>
-        </pc:sldMkLst>
-        <pc:spChg chg="mod">
-          <ac:chgData name="Banerjee, Deepro" userId="59bb156d-7516-4212-a860-9ec41fb041f7" providerId="ADAL" clId="{ADAF4B5B-B7C9-7E40-B4B1-49C187825132}" dt="2021-09-14T23:54:58.333" v="992" actId="20577"/>
-          <ac:spMkLst>
-            <pc:docMk/>
-            <pc:sldMk cId="1667490555" sldId="277"/>
-            <ac:spMk id="2" creationId="{96CF4C86-1A98-A340-9B6A-80B6ABEF8F10}"/>
-          </ac:spMkLst>
-        </pc:spChg>
-        <pc:spChg chg="mod">
-          <ac:chgData name="Banerjee, Deepro" userId="59bb156d-7516-4212-a860-9ec41fb041f7" providerId="ADAL" clId="{ADAF4B5B-B7C9-7E40-B4B1-49C187825132}" dt="2021-09-14T23:57:35.478" v="1293" actId="20577"/>
-          <ac:spMkLst>
-            <pc:docMk/>
-            <pc:sldMk cId="1667490555" sldId="277"/>
-            <ac:spMk id="3" creationId="{1BAD13D1-C77C-A64F-9557-2861DE3F0359}"/>
-          </ac:spMkLst>
-        </pc:spChg>
-      </pc:sldChg>
-    </pc:docChg>
-  </pc:docChgLst>
-</pc:chgInfo>
-</file>
-
 <file path=ppt/notesMasters/notesMaster1.xml><?xml version="1.0" encoding="utf-8"?>
 <p:notesMaster xmlns:a="http://schemas.openxmlformats.org/drawingml/2006/main" xmlns:r="http://schemas.openxmlformats.org/officeDocument/2006/relationships" xmlns:p="http://schemas.openxmlformats.org/presentationml/2006/main">
   <p:cSld>
@@ -692,7 +218,7 @@
           <a:p>
             <a:fld id="{17BB30EC-248D-9548-A149-2237243CDE47}" type="datetimeFigureOut">
               <a:rPr lang="en-US" smtClean="0"/>
-              <a:t>9/14/21</a:t>
+              <a:t>9/15/21</a:t>
             </a:fld>
             <a:endParaRPr lang="en-US"/>
           </a:p>
@@ -1096,6 +622,114 @@
             </a:r>
             <a:r>
               <a:rPr lang="en-US" dirty="0" err="1"/>
+              <a:t>stanford.edu</a:t>
+            </a:r>
+            <a:r>
+              <a:rPr lang="en-US" dirty="0"/>
+              <a:t>/~</a:t>
+            </a:r>
+            <a:r>
+              <a:rPr lang="en-US" dirty="0" err="1"/>
+              <a:t>shervine</a:t>
+            </a:r>
+            <a:r>
+              <a:rPr lang="en-US" dirty="0"/>
+              <a:t>/teaching/cs-230/</a:t>
+            </a:r>
+            <a:r>
+              <a:rPr lang="en-US" dirty="0" err="1"/>
+              <a:t>cheatsheet-recurrent-neural-networks#attention</a:t>
+            </a:r>
+            <a:endParaRPr lang="en-US" dirty="0"/>
+          </a:p>
+        </p:txBody>
+      </p:sp>
+      <p:sp>
+        <p:nvSpPr>
+          <p:cNvPr id="4" name="Slide Number Placeholder 3"/>
+          <p:cNvSpPr>
+            <a:spLocks noGrp="1"/>
+          </p:cNvSpPr>
+          <p:nvPr>
+            <p:ph type="sldNum" sz="quarter" idx="5"/>
+          </p:nvPr>
+        </p:nvSpPr>
+        <p:spPr/>
+        <p:txBody>
+          <a:bodyPr/>
+          <a:lstStyle/>
+          <a:p>
+            <a:fld id="{91A6987C-0916-2242-A9EF-85F33DA03160}" type="slidenum">
+              <a:rPr lang="en-US" smtClean="0"/>
+              <a:t>18</a:t>
+            </a:fld>
+            <a:endParaRPr lang="en-US"/>
+          </a:p>
+        </p:txBody>
+      </p:sp>
+    </p:spTree>
+    <p:extLst>
+      <p:ext uri="{BB962C8B-B14F-4D97-AF65-F5344CB8AC3E}">
+        <p14:creationId xmlns:p14="http://schemas.microsoft.com/office/powerpoint/2010/main" val="1581291839"/>
+      </p:ext>
+    </p:extLst>
+  </p:cSld>
+  <p:clrMapOvr>
+    <a:masterClrMapping/>
+  </p:clrMapOvr>
+</p:notes>
+</file>
+
+<file path=ppt/notesSlides/notesSlide11.xml><?xml version="1.0" encoding="utf-8"?>
+<p:notes xmlns:a="http://schemas.openxmlformats.org/drawingml/2006/main" xmlns:r="http://schemas.openxmlformats.org/officeDocument/2006/relationships" xmlns:p="http://schemas.openxmlformats.org/presentationml/2006/main">
+  <p:cSld>
+    <p:spTree>
+      <p:nvGrpSpPr>
+        <p:cNvPr id="1" name=""/>
+        <p:cNvGrpSpPr/>
+        <p:nvPr/>
+      </p:nvGrpSpPr>
+      <p:grpSpPr>
+        <a:xfrm>
+          <a:off x="0" y="0"/>
+          <a:ext cx="0" cy="0"/>
+          <a:chOff x="0" y="0"/>
+          <a:chExt cx="0" cy="0"/>
+        </a:xfrm>
+      </p:grpSpPr>
+      <p:sp>
+        <p:nvSpPr>
+          <p:cNvPr id="2" name="Slide Image Placeholder 1"/>
+          <p:cNvSpPr>
+            <a:spLocks noGrp="1" noRot="1" noChangeAspect="1"/>
+          </p:cNvSpPr>
+          <p:nvPr>
+            <p:ph type="sldImg"/>
+          </p:nvPr>
+        </p:nvSpPr>
+        <p:spPr/>
+      </p:sp>
+      <p:sp>
+        <p:nvSpPr>
+          <p:cNvPr id="3" name="Notes Placeholder 2"/>
+          <p:cNvSpPr>
+            <a:spLocks noGrp="1"/>
+          </p:cNvSpPr>
+          <p:nvPr>
+            <p:ph type="body" idx="1"/>
+          </p:nvPr>
+        </p:nvSpPr>
+        <p:spPr/>
+        <p:txBody>
+          <a:bodyPr/>
+          <a:lstStyle/>
+          <a:p>
+            <a:r>
+              <a:rPr lang="en-US" dirty="0"/>
+              <a:t>https://</a:t>
+            </a:r>
+            <a:r>
+              <a:rPr lang="en-US" dirty="0" err="1"/>
               <a:t>towardsdatascience.com</a:t>
             </a:r>
             <a:r>
@@ -1141,7 +775,7 @@
 </p:notes>
 </file>
 
-<file path=ppt/notesSlides/notesSlide11.xml><?xml version="1.0" encoding="utf-8"?>
+<file path=ppt/notesSlides/notesSlide12.xml><?xml version="1.0" encoding="utf-8"?>
 <p:notes xmlns:a="http://schemas.openxmlformats.org/drawingml/2006/main" xmlns:r="http://schemas.openxmlformats.org/officeDocument/2006/relationships" xmlns:p="http://schemas.openxmlformats.org/presentationml/2006/main">
   <p:cSld>
     <p:spTree>
@@ -2241,16 +1875,56 @@
           <a:p>
             <a:r>
               <a:rPr lang="en-US" dirty="0"/>
+              <a:t>Original Attention Paper: https://</a:t>
+            </a:r>
+            <a:r>
+              <a:rPr lang="en-US" dirty="0" err="1"/>
+              <a:t>arxiv.org</a:t>
+            </a:r>
+            <a:r>
+              <a:rPr lang="en-US" dirty="0"/>
+              <a:t>/pdf/1409.0473.pdf</a:t>
+            </a:r>
+          </a:p>
+          <a:p>
+            <a:r>
+              <a:rPr lang="en-US" dirty="0"/>
+              <a:t>Transformer: https://</a:t>
+            </a:r>
+            <a:r>
+              <a:rPr lang="en-US" dirty="0" err="1"/>
+              <a:t>arxiv.org</a:t>
+            </a:r>
+            <a:r>
+              <a:rPr lang="en-US" dirty="0"/>
+              <a:t>/pdf/1706.03762.pdf</a:t>
+            </a:r>
+          </a:p>
+          <a:p>
+            <a:endParaRPr lang="en-US" dirty="0"/>
+          </a:p>
+          <a:p>
+            <a:r>
+              <a:rPr lang="en-US" dirty="0"/>
+              <a:t>Attention Mechanism Explanation:</a:t>
+            </a:r>
+          </a:p>
+          <a:p>
+            <a:r>
+              <a:rPr lang="en-US" dirty="0"/>
               <a:t>https://</a:t>
             </a:r>
             <a:r>
               <a:rPr lang="en-US" dirty="0" err="1"/>
-              <a:t>machinelearningmastery.com</a:t>
+              <a:t>towardsdatascience.com</a:t>
             </a:r>
             <a:r>
               <a:rPr lang="en-US" dirty="0"/>
-              <a:t>/convolutional-layers-for-deep-learning-neural-networks/</a:t>
-            </a:r>
+              <a:t>/intuitive-understanding-of-attention-mechanism-in-deep-learning-6c9482aecf4f</a:t>
+            </a:r>
+          </a:p>
+          <a:p>
+            <a:endParaRPr lang="en-US" dirty="0"/>
           </a:p>
         </p:txBody>
       </p:sp>
@@ -2271,7 +1945,7 @@
           <a:p>
             <a:fld id="{91A6987C-0916-2242-A9EF-85F33DA03160}" type="slidenum">
               <a:rPr lang="en-US" smtClean="0"/>
-              <a:t>17</a:t>
+              <a:t>10</a:t>
             </a:fld>
             <a:endParaRPr lang="en-US"/>
           </a:p>
@@ -2280,7 +1954,7 @@
     </p:spTree>
     <p:extLst>
       <p:ext uri="{BB962C8B-B14F-4D97-AF65-F5344CB8AC3E}">
-        <p14:creationId xmlns:p14="http://schemas.microsoft.com/office/powerpoint/2010/main" val="58297411"/>
+        <p14:creationId xmlns:p14="http://schemas.microsoft.com/office/powerpoint/2010/main" val="3541662564"/>
       </p:ext>
     </p:extLst>
   </p:cSld>
@@ -2340,25 +2014,12 @@
             </a:r>
             <a:r>
               <a:rPr lang="en-US" dirty="0" err="1"/>
-              <a:t>stanford.edu</a:t>
+              <a:t>machinelearningmastery.com</a:t>
             </a:r>
             <a:r>
               <a:rPr lang="en-US" dirty="0"/>
-              <a:t>/~</a:t>
-            </a:r>
-            <a:r>
-              <a:rPr lang="en-US" dirty="0" err="1"/>
-              <a:t>shervine</a:t>
-            </a:r>
-            <a:r>
-              <a:rPr lang="en-US" dirty="0"/>
-              <a:t>/teaching/cs-230/</a:t>
-            </a:r>
-            <a:r>
-              <a:rPr lang="en-US" dirty="0" err="1"/>
-              <a:t>cheatsheet-recurrent-neural-networks#attention</a:t>
-            </a:r>
-            <a:endParaRPr lang="en-US" dirty="0"/>
+              <a:t>/convolutional-layers-for-deep-learning-neural-networks/</a:t>
+            </a:r>
           </a:p>
         </p:txBody>
       </p:sp>
@@ -2379,7 +2040,7 @@
           <a:p>
             <a:fld id="{91A6987C-0916-2242-A9EF-85F33DA03160}" type="slidenum">
               <a:rPr lang="en-US" smtClean="0"/>
-              <a:t>18</a:t>
+              <a:t>17</a:t>
             </a:fld>
             <a:endParaRPr lang="en-US"/>
           </a:p>
@@ -2388,7 +2049,7 @@
     </p:spTree>
     <p:extLst>
       <p:ext uri="{BB962C8B-B14F-4D97-AF65-F5344CB8AC3E}">
-        <p14:creationId xmlns:p14="http://schemas.microsoft.com/office/powerpoint/2010/main" val="1581291839"/>
+        <p14:creationId xmlns:p14="http://schemas.microsoft.com/office/powerpoint/2010/main" val="58297411"/>
       </p:ext>
     </p:extLst>
   </p:cSld>
@@ -2545,7 +2206,7 @@
           <a:p>
             <a:fld id="{7F824BE5-6B3D-3943-8A0D-DAC60818D67D}" type="datetime1">
               <a:rPr lang="en-US" smtClean="0"/>
-              <a:t>9/14/21</a:t>
+              <a:t>9/15/21</a:t>
             </a:fld>
             <a:endParaRPr lang="en-US"/>
           </a:p>
@@ -2743,7 +2404,7 @@
           <a:p>
             <a:fld id="{773E0597-9138-F144-9B7E-EAC5FF8AF2B9}" type="datetime1">
               <a:rPr lang="en-US" smtClean="0"/>
-              <a:t>9/14/21</a:t>
+              <a:t>9/15/21</a:t>
             </a:fld>
             <a:endParaRPr lang="en-US"/>
           </a:p>
@@ -2951,7 +2612,7 @@
           <a:p>
             <a:fld id="{6DD9751E-BA62-F44C-AA9C-6F5FBD309BEE}" type="datetime1">
               <a:rPr lang="en-US" smtClean="0"/>
-              <a:t>9/14/21</a:t>
+              <a:t>9/15/21</a:t>
             </a:fld>
             <a:endParaRPr lang="en-US"/>
           </a:p>
@@ -3181,7 +2842,7 @@
           <a:p>
             <a:fld id="{238D2941-1887-C34D-A48B-B4EFDE1048FE}" type="datetime1">
               <a:rPr lang="en-US" smtClean="0"/>
-              <a:t>9/14/21</a:t>
+              <a:t>9/15/21</a:t>
             </a:fld>
             <a:endParaRPr lang="en-US"/>
           </a:p>
@@ -3456,7 +3117,7 @@
           <a:p>
             <a:fld id="{A9AEE1F5-0DFF-B24E-A414-84BBCBE2BC44}" type="datetime1">
               <a:rPr lang="en-US" smtClean="0"/>
-              <a:t>9/14/21</a:t>
+              <a:t>9/15/21</a:t>
             </a:fld>
             <a:endParaRPr lang="en-US"/>
           </a:p>
@@ -3721,7 +3382,7 @@
           <a:p>
             <a:fld id="{D4D49F1D-E1DF-5D41-A5D0-CD37F4E9690B}" type="datetime1">
               <a:rPr lang="en-US" smtClean="0"/>
-              <a:t>9/14/21</a:t>
+              <a:t>9/15/21</a:t>
             </a:fld>
             <a:endParaRPr lang="en-US"/>
           </a:p>
@@ -4133,7 +3794,7 @@
           <a:p>
             <a:fld id="{15BD0C9E-F411-0D48-9859-BC54788FC80E}" type="datetime1">
               <a:rPr lang="en-US" smtClean="0"/>
-              <a:t>9/14/21</a:t>
+              <a:t>9/15/21</a:t>
             </a:fld>
             <a:endParaRPr lang="en-US"/>
           </a:p>
@@ -4274,7 +3935,7 @@
           <a:p>
             <a:fld id="{19DAFD0C-2338-DE4D-9182-8F5F1E1DCD7E}" type="datetime1">
               <a:rPr lang="en-US" smtClean="0"/>
-              <a:t>9/14/21</a:t>
+              <a:t>9/15/21</a:t>
             </a:fld>
             <a:endParaRPr lang="en-US"/>
           </a:p>
@@ -4387,7 +4048,7 @@
           <a:p>
             <a:fld id="{ACB8853D-8CF5-A147-B532-E5D6509342B1}" type="datetime1">
               <a:rPr lang="en-US" smtClean="0"/>
-              <a:t>9/14/21</a:t>
+              <a:t>9/15/21</a:t>
             </a:fld>
             <a:endParaRPr lang="en-US"/>
           </a:p>
@@ -4698,7 +4359,7 @@
           <a:p>
             <a:fld id="{4AB64C3A-1CD1-4A48-BFB0-C835304BC9D7}" type="datetime1">
               <a:rPr lang="en-US" smtClean="0"/>
-              <a:t>9/14/21</a:t>
+              <a:t>9/15/21</a:t>
             </a:fld>
             <a:endParaRPr lang="en-US"/>
           </a:p>
@@ -4986,7 +4647,7 @@
           <a:p>
             <a:fld id="{EAE33091-925D-C245-8DCC-DF5C9B213AC0}" type="datetime1">
               <a:rPr lang="en-US" smtClean="0"/>
-              <a:t>9/14/21</a:t>
+              <a:t>9/15/21</a:t>
             </a:fld>
             <a:endParaRPr lang="en-US"/>
           </a:p>
@@ -5227,7 +4888,7 @@
           <a:p>
             <a:fld id="{147E7BCF-AA86-4D4A-9127-8ED86CE8D831}" type="datetime1">
               <a:rPr lang="en-US" smtClean="0"/>
-              <a:t>9/14/21</a:t>
+              <a:t>9/15/21</a:t>
             </a:fld>
             <a:endParaRPr lang="en-US"/>
           </a:p>
@@ -5805,33 +5466,8 @@
           <a:p>
             <a:r>
               <a:rPr lang="en-US" dirty="0"/>
-              <a:t>Attention Layers</a:t>
-            </a:r>
-          </a:p>
-        </p:txBody>
-      </p:sp>
-      <p:sp>
-        <p:nvSpPr>
-          <p:cNvPr id="3" name="Content Placeholder 2">
-            <a:extLst>
-              <a:ext uri="{FF2B5EF4-FFF2-40B4-BE49-F238E27FC236}">
-                <a16:creationId xmlns:a16="http://schemas.microsoft.com/office/drawing/2014/main" id="{A3C18CD8-8146-2E4B-A5A1-599113C26DFC}"/>
-              </a:ext>
-            </a:extLst>
-          </p:cNvPr>
-          <p:cNvSpPr>
-            <a:spLocks noGrp="1"/>
-          </p:cNvSpPr>
-          <p:nvPr>
-            <p:ph idx="1"/>
-          </p:nvPr>
-        </p:nvSpPr>
-        <p:spPr/>
-        <p:txBody>
-          <a:bodyPr/>
-          <a:lstStyle/>
-          <a:p>
-            <a:endParaRPr lang="en-US"/>
+              <a:t>Attention is all you need</a:t>
+            </a:r>
           </a:p>
         </p:txBody>
       </p:sp>
@@ -5861,6 +5497,2386 @@
               <a:t>10</a:t>
             </a:fld>
             <a:endParaRPr lang="en-US"/>
+          </a:p>
+        </p:txBody>
+      </p:sp>
+      <p:sp>
+        <p:nvSpPr>
+          <p:cNvPr id="5" name="Donut 4">
+            <a:extLst>
+              <a:ext uri="{FF2B5EF4-FFF2-40B4-BE49-F238E27FC236}">
+                <a16:creationId xmlns:a16="http://schemas.microsoft.com/office/drawing/2014/main" id="{2252D617-6A62-FC43-91D4-C3ADF690A0B7}"/>
+              </a:ext>
+            </a:extLst>
+          </p:cNvPr>
+          <p:cNvSpPr/>
+          <p:nvPr/>
+        </p:nvSpPr>
+        <p:spPr>
+          <a:xfrm>
+            <a:off x="4545112" y="5446056"/>
+            <a:ext cx="779930" cy="794625"/>
+          </a:xfrm>
+          <a:prstGeom prst="donut">
+            <a:avLst>
+              <a:gd name="adj" fmla="val 6510"/>
+            </a:avLst>
+          </a:prstGeom>
+          <a:solidFill>
+            <a:schemeClr val="accent1">
+              <a:lumMod val="75000"/>
+            </a:schemeClr>
+          </a:solidFill>
+        </p:spPr>
+        <p:style>
+          <a:lnRef idx="2">
+            <a:schemeClr val="accent1">
+              <a:shade val="50000"/>
+            </a:schemeClr>
+          </a:lnRef>
+          <a:fillRef idx="1">
+            <a:schemeClr val="accent1"/>
+          </a:fillRef>
+          <a:effectRef idx="0">
+            <a:schemeClr val="accent1"/>
+          </a:effectRef>
+          <a:fontRef idx="minor">
+            <a:schemeClr val="lt1"/>
+          </a:fontRef>
+        </p:style>
+        <p:txBody>
+          <a:bodyPr rtlCol="0" anchor="ctr"/>
+          <a:lstStyle/>
+          <a:p>
+            <a:pPr algn="ctr"/>
+            <a:r>
+              <a:rPr lang="en-US" dirty="0">
+                <a:solidFill>
+                  <a:schemeClr val="tx1"/>
+                </a:solidFill>
+              </a:rPr>
+              <a:t>X</a:t>
+            </a:r>
+            <a:r>
+              <a:rPr lang="en-US" baseline="-25000" dirty="0">
+                <a:solidFill>
+                  <a:schemeClr val="tx1"/>
+                </a:solidFill>
+              </a:rPr>
+              <a:t>1</a:t>
+            </a:r>
+            <a:endParaRPr lang="en-US" dirty="0">
+              <a:solidFill>
+                <a:schemeClr val="tx1"/>
+              </a:solidFill>
+            </a:endParaRPr>
+          </a:p>
+        </p:txBody>
+      </p:sp>
+      <p:sp>
+        <p:nvSpPr>
+          <p:cNvPr id="7" name="Donut 6">
+            <a:extLst>
+              <a:ext uri="{FF2B5EF4-FFF2-40B4-BE49-F238E27FC236}">
+                <a16:creationId xmlns:a16="http://schemas.microsoft.com/office/drawing/2014/main" id="{CEE64D54-A3C0-1F4C-8E3F-2167A2F9033F}"/>
+              </a:ext>
+            </a:extLst>
+          </p:cNvPr>
+          <p:cNvSpPr/>
+          <p:nvPr/>
+        </p:nvSpPr>
+        <p:spPr>
+          <a:xfrm>
+            <a:off x="4545112" y="4330319"/>
+            <a:ext cx="779930" cy="794625"/>
+          </a:xfrm>
+          <a:prstGeom prst="donut">
+            <a:avLst>
+              <a:gd name="adj" fmla="val 6510"/>
+            </a:avLst>
+          </a:prstGeom>
+          <a:solidFill>
+            <a:schemeClr val="accent6">
+              <a:lumMod val="40000"/>
+              <a:lumOff val="60000"/>
+            </a:schemeClr>
+          </a:solidFill>
+        </p:spPr>
+        <p:style>
+          <a:lnRef idx="2">
+            <a:schemeClr val="accent1">
+              <a:shade val="50000"/>
+            </a:schemeClr>
+          </a:lnRef>
+          <a:fillRef idx="1">
+            <a:schemeClr val="accent1"/>
+          </a:fillRef>
+          <a:effectRef idx="0">
+            <a:schemeClr val="accent1"/>
+          </a:effectRef>
+          <a:fontRef idx="minor">
+            <a:schemeClr val="lt1"/>
+          </a:fontRef>
+        </p:style>
+        <p:txBody>
+          <a:bodyPr rtlCol="0" anchor="ctr"/>
+          <a:lstStyle/>
+          <a:p>
+            <a:pPr algn="ctr"/>
+            <a:endParaRPr lang="en-US">
+              <a:solidFill>
+                <a:schemeClr val="tx1"/>
+              </a:solidFill>
+            </a:endParaRPr>
+          </a:p>
+        </p:txBody>
+      </p:sp>
+      <p:cxnSp>
+        <p:nvCxnSpPr>
+          <p:cNvPr id="8" name="Straight Arrow Connector 7">
+            <a:extLst>
+              <a:ext uri="{FF2B5EF4-FFF2-40B4-BE49-F238E27FC236}">
+                <a16:creationId xmlns:a16="http://schemas.microsoft.com/office/drawing/2014/main" id="{1FEC52D1-9693-9145-AE59-7CCF7F45ED7B}"/>
+              </a:ext>
+            </a:extLst>
+          </p:cNvPr>
+          <p:cNvCxnSpPr>
+            <a:stCxn id="5" idx="0"/>
+            <a:endCxn id="7" idx="4"/>
+          </p:cNvCxnSpPr>
+          <p:nvPr/>
+        </p:nvCxnSpPr>
+        <p:spPr>
+          <a:xfrm flipV="1">
+            <a:off x="4935077" y="5124944"/>
+            <a:ext cx="0" cy="321112"/>
+          </a:xfrm>
+          <a:prstGeom prst="straightConnector1">
+            <a:avLst/>
+          </a:prstGeom>
+          <a:ln w="9525">
+            <a:tailEnd type="triangle"/>
+          </a:ln>
+        </p:spPr>
+        <p:style>
+          <a:lnRef idx="1">
+            <a:schemeClr val="accent1"/>
+          </a:lnRef>
+          <a:fillRef idx="0">
+            <a:schemeClr val="accent1"/>
+          </a:fillRef>
+          <a:effectRef idx="0">
+            <a:schemeClr val="accent1"/>
+          </a:effectRef>
+          <a:fontRef idx="minor">
+            <a:schemeClr val="tx1"/>
+          </a:fontRef>
+        </p:style>
+      </p:cxnSp>
+      <p:sp>
+        <p:nvSpPr>
+          <p:cNvPr id="10" name="Donut 9">
+            <a:extLst>
+              <a:ext uri="{FF2B5EF4-FFF2-40B4-BE49-F238E27FC236}">
+                <a16:creationId xmlns:a16="http://schemas.microsoft.com/office/drawing/2014/main" id="{A08CE597-8119-4640-A9D5-5DE7465B6C56}"/>
+              </a:ext>
+            </a:extLst>
+          </p:cNvPr>
+          <p:cNvSpPr/>
+          <p:nvPr/>
+        </p:nvSpPr>
+        <p:spPr>
+          <a:xfrm>
+            <a:off x="5587259" y="5446056"/>
+            <a:ext cx="779930" cy="794625"/>
+          </a:xfrm>
+          <a:prstGeom prst="donut">
+            <a:avLst>
+              <a:gd name="adj" fmla="val 6510"/>
+            </a:avLst>
+          </a:prstGeom>
+          <a:solidFill>
+            <a:schemeClr val="accent1">
+              <a:lumMod val="75000"/>
+            </a:schemeClr>
+          </a:solidFill>
+        </p:spPr>
+        <p:style>
+          <a:lnRef idx="2">
+            <a:schemeClr val="accent1">
+              <a:shade val="50000"/>
+            </a:schemeClr>
+          </a:lnRef>
+          <a:fillRef idx="1">
+            <a:schemeClr val="accent1"/>
+          </a:fillRef>
+          <a:effectRef idx="0">
+            <a:schemeClr val="accent1"/>
+          </a:effectRef>
+          <a:fontRef idx="minor">
+            <a:schemeClr val="lt1"/>
+          </a:fontRef>
+        </p:style>
+        <p:txBody>
+          <a:bodyPr rtlCol="0" anchor="ctr"/>
+          <a:lstStyle/>
+          <a:p>
+            <a:pPr algn="ctr"/>
+            <a:r>
+              <a:rPr lang="en-US" dirty="0">
+                <a:solidFill>
+                  <a:schemeClr val="tx1"/>
+                </a:solidFill>
+              </a:rPr>
+              <a:t>X</a:t>
+            </a:r>
+            <a:r>
+              <a:rPr lang="en-US" baseline="-25000" dirty="0">
+                <a:solidFill>
+                  <a:schemeClr val="tx1"/>
+                </a:solidFill>
+              </a:rPr>
+              <a:t>2</a:t>
+            </a:r>
+            <a:endParaRPr lang="en-US" dirty="0">
+              <a:solidFill>
+                <a:schemeClr val="tx1"/>
+              </a:solidFill>
+            </a:endParaRPr>
+          </a:p>
+        </p:txBody>
+      </p:sp>
+      <p:sp>
+        <p:nvSpPr>
+          <p:cNvPr id="12" name="Donut 11">
+            <a:extLst>
+              <a:ext uri="{FF2B5EF4-FFF2-40B4-BE49-F238E27FC236}">
+                <a16:creationId xmlns:a16="http://schemas.microsoft.com/office/drawing/2014/main" id="{F125A761-7618-6C4C-8303-FC3B2468F754}"/>
+              </a:ext>
+            </a:extLst>
+          </p:cNvPr>
+          <p:cNvSpPr/>
+          <p:nvPr/>
+        </p:nvSpPr>
+        <p:spPr>
+          <a:xfrm>
+            <a:off x="5587259" y="4330319"/>
+            <a:ext cx="779930" cy="794625"/>
+          </a:xfrm>
+          <a:prstGeom prst="donut">
+            <a:avLst>
+              <a:gd name="adj" fmla="val 6510"/>
+            </a:avLst>
+          </a:prstGeom>
+          <a:solidFill>
+            <a:schemeClr val="accent6">
+              <a:lumMod val="40000"/>
+              <a:lumOff val="60000"/>
+            </a:schemeClr>
+          </a:solidFill>
+        </p:spPr>
+        <p:style>
+          <a:lnRef idx="2">
+            <a:schemeClr val="accent1">
+              <a:shade val="50000"/>
+            </a:schemeClr>
+          </a:lnRef>
+          <a:fillRef idx="1">
+            <a:schemeClr val="accent1"/>
+          </a:fillRef>
+          <a:effectRef idx="0">
+            <a:schemeClr val="accent1"/>
+          </a:effectRef>
+          <a:fontRef idx="minor">
+            <a:schemeClr val="lt1"/>
+          </a:fontRef>
+        </p:style>
+        <p:txBody>
+          <a:bodyPr rtlCol="0" anchor="ctr"/>
+          <a:lstStyle/>
+          <a:p>
+            <a:pPr algn="ctr"/>
+            <a:endParaRPr lang="en-US">
+              <a:solidFill>
+                <a:schemeClr val="tx1"/>
+              </a:solidFill>
+            </a:endParaRPr>
+          </a:p>
+        </p:txBody>
+      </p:sp>
+      <p:cxnSp>
+        <p:nvCxnSpPr>
+          <p:cNvPr id="13" name="Straight Arrow Connector 12">
+            <a:extLst>
+              <a:ext uri="{FF2B5EF4-FFF2-40B4-BE49-F238E27FC236}">
+                <a16:creationId xmlns:a16="http://schemas.microsoft.com/office/drawing/2014/main" id="{E89244A1-0015-3741-BB39-DF8E473EB071}"/>
+              </a:ext>
+            </a:extLst>
+          </p:cNvPr>
+          <p:cNvCxnSpPr>
+            <a:cxnSpLocks/>
+            <a:stCxn id="10" idx="0"/>
+            <a:endCxn id="12" idx="4"/>
+          </p:cNvCxnSpPr>
+          <p:nvPr/>
+        </p:nvCxnSpPr>
+        <p:spPr>
+          <a:xfrm flipV="1">
+            <a:off x="5977224" y="5124944"/>
+            <a:ext cx="0" cy="321112"/>
+          </a:xfrm>
+          <a:prstGeom prst="straightConnector1">
+            <a:avLst/>
+          </a:prstGeom>
+          <a:ln w="9525">
+            <a:tailEnd type="triangle"/>
+          </a:ln>
+        </p:spPr>
+        <p:style>
+          <a:lnRef idx="1">
+            <a:schemeClr val="accent1"/>
+          </a:lnRef>
+          <a:fillRef idx="0">
+            <a:schemeClr val="accent1"/>
+          </a:fillRef>
+          <a:effectRef idx="0">
+            <a:schemeClr val="accent1"/>
+          </a:effectRef>
+          <a:fontRef idx="minor">
+            <a:schemeClr val="tx1"/>
+          </a:fontRef>
+        </p:style>
+      </p:cxnSp>
+      <p:sp>
+        <p:nvSpPr>
+          <p:cNvPr id="15" name="Donut 14">
+            <a:extLst>
+              <a:ext uri="{FF2B5EF4-FFF2-40B4-BE49-F238E27FC236}">
+                <a16:creationId xmlns:a16="http://schemas.microsoft.com/office/drawing/2014/main" id="{58D234FC-6D7E-DC43-8221-EF390A424EEB}"/>
+              </a:ext>
+            </a:extLst>
+          </p:cNvPr>
+          <p:cNvSpPr/>
+          <p:nvPr/>
+        </p:nvSpPr>
+        <p:spPr>
+          <a:xfrm>
+            <a:off x="7169105" y="5446056"/>
+            <a:ext cx="779930" cy="794625"/>
+          </a:xfrm>
+          <a:prstGeom prst="donut">
+            <a:avLst>
+              <a:gd name="adj" fmla="val 6510"/>
+            </a:avLst>
+          </a:prstGeom>
+          <a:solidFill>
+            <a:schemeClr val="accent1">
+              <a:lumMod val="75000"/>
+            </a:schemeClr>
+          </a:solidFill>
+        </p:spPr>
+        <p:style>
+          <a:lnRef idx="2">
+            <a:schemeClr val="accent1">
+              <a:shade val="50000"/>
+            </a:schemeClr>
+          </a:lnRef>
+          <a:fillRef idx="1">
+            <a:schemeClr val="accent1"/>
+          </a:fillRef>
+          <a:effectRef idx="0">
+            <a:schemeClr val="accent1"/>
+          </a:effectRef>
+          <a:fontRef idx="minor">
+            <a:schemeClr val="lt1"/>
+          </a:fontRef>
+        </p:style>
+        <p:txBody>
+          <a:bodyPr rtlCol="0" anchor="ctr"/>
+          <a:lstStyle/>
+          <a:p>
+            <a:pPr algn="ctr"/>
+            <a:r>
+              <a:rPr lang="en-US" dirty="0">
+                <a:solidFill>
+                  <a:schemeClr val="tx1"/>
+                </a:solidFill>
+              </a:rPr>
+              <a:t>X</a:t>
+            </a:r>
+            <a:r>
+              <a:rPr lang="en-US" baseline="-25000" dirty="0">
+                <a:solidFill>
+                  <a:schemeClr val="tx1"/>
+                </a:solidFill>
+              </a:rPr>
+              <a:t>t-1</a:t>
+            </a:r>
+            <a:endParaRPr lang="en-US" dirty="0">
+              <a:solidFill>
+                <a:schemeClr val="tx1"/>
+              </a:solidFill>
+            </a:endParaRPr>
+          </a:p>
+        </p:txBody>
+      </p:sp>
+      <p:sp>
+        <p:nvSpPr>
+          <p:cNvPr id="17" name="Donut 16">
+            <a:extLst>
+              <a:ext uri="{FF2B5EF4-FFF2-40B4-BE49-F238E27FC236}">
+                <a16:creationId xmlns:a16="http://schemas.microsoft.com/office/drawing/2014/main" id="{E5847E53-9B73-064F-B100-52D4ACBA34A7}"/>
+              </a:ext>
+            </a:extLst>
+          </p:cNvPr>
+          <p:cNvSpPr/>
+          <p:nvPr/>
+        </p:nvSpPr>
+        <p:spPr>
+          <a:xfrm>
+            <a:off x="7169105" y="4330319"/>
+            <a:ext cx="779930" cy="794625"/>
+          </a:xfrm>
+          <a:prstGeom prst="donut">
+            <a:avLst>
+              <a:gd name="adj" fmla="val 6510"/>
+            </a:avLst>
+          </a:prstGeom>
+          <a:solidFill>
+            <a:schemeClr val="accent6">
+              <a:lumMod val="40000"/>
+              <a:lumOff val="60000"/>
+            </a:schemeClr>
+          </a:solidFill>
+        </p:spPr>
+        <p:style>
+          <a:lnRef idx="2">
+            <a:schemeClr val="accent1">
+              <a:shade val="50000"/>
+            </a:schemeClr>
+          </a:lnRef>
+          <a:fillRef idx="1">
+            <a:schemeClr val="accent1"/>
+          </a:fillRef>
+          <a:effectRef idx="0">
+            <a:schemeClr val="accent1"/>
+          </a:effectRef>
+          <a:fontRef idx="minor">
+            <a:schemeClr val="lt1"/>
+          </a:fontRef>
+        </p:style>
+        <p:txBody>
+          <a:bodyPr rtlCol="0" anchor="ctr"/>
+          <a:lstStyle/>
+          <a:p>
+            <a:pPr algn="ctr"/>
+            <a:endParaRPr lang="en-US">
+              <a:solidFill>
+                <a:schemeClr val="tx1"/>
+              </a:solidFill>
+            </a:endParaRPr>
+          </a:p>
+        </p:txBody>
+      </p:sp>
+      <p:cxnSp>
+        <p:nvCxnSpPr>
+          <p:cNvPr id="18" name="Straight Arrow Connector 17">
+            <a:extLst>
+              <a:ext uri="{FF2B5EF4-FFF2-40B4-BE49-F238E27FC236}">
+                <a16:creationId xmlns:a16="http://schemas.microsoft.com/office/drawing/2014/main" id="{E72639A2-8497-A640-9847-22FA68396FAA}"/>
+              </a:ext>
+            </a:extLst>
+          </p:cNvPr>
+          <p:cNvCxnSpPr>
+            <a:cxnSpLocks/>
+            <a:stCxn id="15" idx="0"/>
+            <a:endCxn id="17" idx="4"/>
+          </p:cNvCxnSpPr>
+          <p:nvPr/>
+        </p:nvCxnSpPr>
+        <p:spPr>
+          <a:xfrm flipV="1">
+            <a:off x="7559070" y="5124944"/>
+            <a:ext cx="0" cy="321112"/>
+          </a:xfrm>
+          <a:prstGeom prst="straightConnector1">
+            <a:avLst/>
+          </a:prstGeom>
+          <a:ln w="9525">
+            <a:tailEnd type="triangle"/>
+          </a:ln>
+        </p:spPr>
+        <p:style>
+          <a:lnRef idx="1">
+            <a:schemeClr val="accent1"/>
+          </a:lnRef>
+          <a:fillRef idx="0">
+            <a:schemeClr val="accent1"/>
+          </a:fillRef>
+          <a:effectRef idx="0">
+            <a:schemeClr val="accent1"/>
+          </a:effectRef>
+          <a:fontRef idx="minor">
+            <a:schemeClr val="tx1"/>
+          </a:fontRef>
+        </p:style>
+      </p:cxnSp>
+      <p:sp>
+        <p:nvSpPr>
+          <p:cNvPr id="20" name="Donut 19">
+            <a:extLst>
+              <a:ext uri="{FF2B5EF4-FFF2-40B4-BE49-F238E27FC236}">
+                <a16:creationId xmlns:a16="http://schemas.microsoft.com/office/drawing/2014/main" id="{DE398FFC-A914-6F4E-9A9C-5E711FB8D9D4}"/>
+              </a:ext>
+            </a:extLst>
+          </p:cNvPr>
+          <p:cNvSpPr/>
+          <p:nvPr/>
+        </p:nvSpPr>
+        <p:spPr>
+          <a:xfrm>
+            <a:off x="8177634" y="5446056"/>
+            <a:ext cx="779930" cy="794625"/>
+          </a:xfrm>
+          <a:prstGeom prst="donut">
+            <a:avLst>
+              <a:gd name="adj" fmla="val 6510"/>
+            </a:avLst>
+          </a:prstGeom>
+          <a:solidFill>
+            <a:schemeClr val="accent1">
+              <a:lumMod val="75000"/>
+            </a:schemeClr>
+          </a:solidFill>
+        </p:spPr>
+        <p:style>
+          <a:lnRef idx="2">
+            <a:schemeClr val="accent1">
+              <a:shade val="50000"/>
+            </a:schemeClr>
+          </a:lnRef>
+          <a:fillRef idx="1">
+            <a:schemeClr val="accent1"/>
+          </a:fillRef>
+          <a:effectRef idx="0">
+            <a:schemeClr val="accent1"/>
+          </a:effectRef>
+          <a:fontRef idx="minor">
+            <a:schemeClr val="lt1"/>
+          </a:fontRef>
+        </p:style>
+        <p:txBody>
+          <a:bodyPr rtlCol="0" anchor="ctr"/>
+          <a:lstStyle/>
+          <a:p>
+            <a:pPr algn="ctr"/>
+            <a:r>
+              <a:rPr lang="en-US" dirty="0">
+                <a:solidFill>
+                  <a:schemeClr val="tx1"/>
+                </a:solidFill>
+              </a:rPr>
+              <a:t>X</a:t>
+            </a:r>
+            <a:r>
+              <a:rPr lang="en-US" baseline="-25000" dirty="0">
+                <a:solidFill>
+                  <a:schemeClr val="tx1"/>
+                </a:solidFill>
+              </a:rPr>
+              <a:t>t</a:t>
+            </a:r>
+            <a:endParaRPr lang="en-US" dirty="0">
+              <a:solidFill>
+                <a:schemeClr val="tx1"/>
+              </a:solidFill>
+            </a:endParaRPr>
+          </a:p>
+        </p:txBody>
+      </p:sp>
+      <p:sp>
+        <p:nvSpPr>
+          <p:cNvPr id="22" name="Donut 21">
+            <a:extLst>
+              <a:ext uri="{FF2B5EF4-FFF2-40B4-BE49-F238E27FC236}">
+                <a16:creationId xmlns:a16="http://schemas.microsoft.com/office/drawing/2014/main" id="{95903DFC-1174-BE44-9C4B-C1C59F341055}"/>
+              </a:ext>
+            </a:extLst>
+          </p:cNvPr>
+          <p:cNvSpPr/>
+          <p:nvPr/>
+        </p:nvSpPr>
+        <p:spPr>
+          <a:xfrm>
+            <a:off x="8177634" y="4330319"/>
+            <a:ext cx="779930" cy="794625"/>
+          </a:xfrm>
+          <a:prstGeom prst="donut">
+            <a:avLst>
+              <a:gd name="adj" fmla="val 6510"/>
+            </a:avLst>
+          </a:prstGeom>
+          <a:solidFill>
+            <a:schemeClr val="accent6">
+              <a:lumMod val="40000"/>
+              <a:lumOff val="60000"/>
+            </a:schemeClr>
+          </a:solidFill>
+        </p:spPr>
+        <p:style>
+          <a:lnRef idx="2">
+            <a:schemeClr val="accent1">
+              <a:shade val="50000"/>
+            </a:schemeClr>
+          </a:lnRef>
+          <a:fillRef idx="1">
+            <a:schemeClr val="accent1"/>
+          </a:fillRef>
+          <a:effectRef idx="0">
+            <a:schemeClr val="accent1"/>
+          </a:effectRef>
+          <a:fontRef idx="minor">
+            <a:schemeClr val="lt1"/>
+          </a:fontRef>
+        </p:style>
+        <p:txBody>
+          <a:bodyPr rtlCol="0" anchor="ctr"/>
+          <a:lstStyle/>
+          <a:p>
+            <a:pPr algn="ctr"/>
+            <a:endParaRPr lang="en-US">
+              <a:solidFill>
+                <a:schemeClr val="tx1"/>
+              </a:solidFill>
+            </a:endParaRPr>
+          </a:p>
+        </p:txBody>
+      </p:sp>
+      <p:cxnSp>
+        <p:nvCxnSpPr>
+          <p:cNvPr id="23" name="Straight Arrow Connector 22">
+            <a:extLst>
+              <a:ext uri="{FF2B5EF4-FFF2-40B4-BE49-F238E27FC236}">
+                <a16:creationId xmlns:a16="http://schemas.microsoft.com/office/drawing/2014/main" id="{DE7966A7-27B7-1043-A343-774F3ECEA51D}"/>
+              </a:ext>
+            </a:extLst>
+          </p:cNvPr>
+          <p:cNvCxnSpPr>
+            <a:stCxn id="20" idx="0"/>
+            <a:endCxn id="22" idx="4"/>
+          </p:cNvCxnSpPr>
+          <p:nvPr/>
+        </p:nvCxnSpPr>
+        <p:spPr>
+          <a:xfrm flipV="1">
+            <a:off x="8567599" y="5124944"/>
+            <a:ext cx="0" cy="321112"/>
+          </a:xfrm>
+          <a:prstGeom prst="straightConnector1">
+            <a:avLst/>
+          </a:prstGeom>
+          <a:ln w="9525">
+            <a:tailEnd type="triangle"/>
+          </a:ln>
+        </p:spPr>
+        <p:style>
+          <a:lnRef idx="1">
+            <a:schemeClr val="accent1"/>
+          </a:lnRef>
+          <a:fillRef idx="0">
+            <a:schemeClr val="accent1"/>
+          </a:fillRef>
+          <a:effectRef idx="0">
+            <a:schemeClr val="accent1"/>
+          </a:effectRef>
+          <a:fontRef idx="minor">
+            <a:schemeClr val="tx1"/>
+          </a:fontRef>
+        </p:style>
+      </p:cxnSp>
+      <p:sp>
+        <p:nvSpPr>
+          <p:cNvPr id="25" name="Donut 24">
+            <a:extLst>
+              <a:ext uri="{FF2B5EF4-FFF2-40B4-BE49-F238E27FC236}">
+                <a16:creationId xmlns:a16="http://schemas.microsoft.com/office/drawing/2014/main" id="{25BBDC2E-5190-914F-8F90-0BDF8697C15B}"/>
+              </a:ext>
+            </a:extLst>
+          </p:cNvPr>
+          <p:cNvSpPr/>
+          <p:nvPr/>
+        </p:nvSpPr>
+        <p:spPr>
+          <a:xfrm>
+            <a:off x="9957129" y="5446056"/>
+            <a:ext cx="779930" cy="794625"/>
+          </a:xfrm>
+          <a:prstGeom prst="donut">
+            <a:avLst>
+              <a:gd name="adj" fmla="val 6510"/>
+            </a:avLst>
+          </a:prstGeom>
+          <a:solidFill>
+            <a:schemeClr val="accent1">
+              <a:lumMod val="75000"/>
+            </a:schemeClr>
+          </a:solidFill>
+        </p:spPr>
+        <p:style>
+          <a:lnRef idx="2">
+            <a:schemeClr val="accent1">
+              <a:shade val="50000"/>
+            </a:schemeClr>
+          </a:lnRef>
+          <a:fillRef idx="1">
+            <a:schemeClr val="accent1"/>
+          </a:fillRef>
+          <a:effectRef idx="0">
+            <a:schemeClr val="accent1"/>
+          </a:effectRef>
+          <a:fontRef idx="minor">
+            <a:schemeClr val="lt1"/>
+          </a:fontRef>
+        </p:style>
+        <p:txBody>
+          <a:bodyPr rtlCol="0" anchor="ctr"/>
+          <a:lstStyle/>
+          <a:p>
+            <a:pPr algn="ctr"/>
+            <a:r>
+              <a:rPr lang="en-US" dirty="0">
+                <a:solidFill>
+                  <a:schemeClr val="tx1"/>
+                </a:solidFill>
+              </a:rPr>
+              <a:t>X</a:t>
+            </a:r>
+            <a:r>
+              <a:rPr lang="en-US" baseline="-25000" dirty="0">
+                <a:solidFill>
+                  <a:schemeClr val="tx1"/>
+                </a:solidFill>
+              </a:rPr>
+              <a:t>n</a:t>
+            </a:r>
+            <a:endParaRPr lang="en-US" dirty="0">
+              <a:solidFill>
+                <a:schemeClr val="tx1"/>
+              </a:solidFill>
+            </a:endParaRPr>
+          </a:p>
+        </p:txBody>
+      </p:sp>
+      <p:sp>
+        <p:nvSpPr>
+          <p:cNvPr id="26" name="Donut 25">
+            <a:extLst>
+              <a:ext uri="{FF2B5EF4-FFF2-40B4-BE49-F238E27FC236}">
+                <a16:creationId xmlns:a16="http://schemas.microsoft.com/office/drawing/2014/main" id="{7B2A835B-85C4-B54A-AB8D-735ED3999F56}"/>
+              </a:ext>
+            </a:extLst>
+          </p:cNvPr>
+          <p:cNvSpPr/>
+          <p:nvPr/>
+        </p:nvSpPr>
+        <p:spPr>
+          <a:xfrm>
+            <a:off x="9957129" y="3214582"/>
+            <a:ext cx="779930" cy="794625"/>
+          </a:xfrm>
+          <a:prstGeom prst="donut">
+            <a:avLst>
+              <a:gd name="adj" fmla="val 6510"/>
+            </a:avLst>
+          </a:prstGeom>
+          <a:solidFill>
+            <a:srgbClr val="00B0F0"/>
+          </a:solidFill>
+        </p:spPr>
+        <p:style>
+          <a:lnRef idx="2">
+            <a:schemeClr val="accent1">
+              <a:shade val="50000"/>
+            </a:schemeClr>
+          </a:lnRef>
+          <a:fillRef idx="1">
+            <a:schemeClr val="accent1"/>
+          </a:fillRef>
+          <a:effectRef idx="0">
+            <a:schemeClr val="accent1"/>
+          </a:effectRef>
+          <a:fontRef idx="minor">
+            <a:schemeClr val="lt1"/>
+          </a:fontRef>
+        </p:style>
+        <p:txBody>
+          <a:bodyPr rtlCol="0" anchor="ctr"/>
+          <a:lstStyle/>
+          <a:p>
+            <a:pPr algn="ctr"/>
+            <a:r>
+              <a:rPr lang="en-US" dirty="0">
+                <a:solidFill>
+                  <a:schemeClr val="tx1"/>
+                </a:solidFill>
+              </a:rPr>
+              <a:t>Y</a:t>
+            </a:r>
+          </a:p>
+        </p:txBody>
+      </p:sp>
+      <p:sp>
+        <p:nvSpPr>
+          <p:cNvPr id="27" name="Donut 26">
+            <a:extLst>
+              <a:ext uri="{FF2B5EF4-FFF2-40B4-BE49-F238E27FC236}">
+                <a16:creationId xmlns:a16="http://schemas.microsoft.com/office/drawing/2014/main" id="{47086385-2320-CA42-910D-5FF3C11EABCA}"/>
+              </a:ext>
+            </a:extLst>
+          </p:cNvPr>
+          <p:cNvSpPr/>
+          <p:nvPr/>
+        </p:nvSpPr>
+        <p:spPr>
+          <a:xfrm>
+            <a:off x="9957129" y="4330319"/>
+            <a:ext cx="779930" cy="794625"/>
+          </a:xfrm>
+          <a:prstGeom prst="donut">
+            <a:avLst>
+              <a:gd name="adj" fmla="val 6510"/>
+            </a:avLst>
+          </a:prstGeom>
+          <a:solidFill>
+            <a:schemeClr val="accent6">
+              <a:lumMod val="40000"/>
+              <a:lumOff val="60000"/>
+            </a:schemeClr>
+          </a:solidFill>
+        </p:spPr>
+        <p:style>
+          <a:lnRef idx="2">
+            <a:schemeClr val="accent1">
+              <a:shade val="50000"/>
+            </a:schemeClr>
+          </a:lnRef>
+          <a:fillRef idx="1">
+            <a:schemeClr val="accent1"/>
+          </a:fillRef>
+          <a:effectRef idx="0">
+            <a:schemeClr val="accent1"/>
+          </a:effectRef>
+          <a:fontRef idx="minor">
+            <a:schemeClr val="lt1"/>
+          </a:fontRef>
+        </p:style>
+        <p:txBody>
+          <a:bodyPr rtlCol="0" anchor="ctr"/>
+          <a:lstStyle/>
+          <a:p>
+            <a:pPr algn="ctr"/>
+            <a:endParaRPr lang="en-US">
+              <a:solidFill>
+                <a:schemeClr val="tx1"/>
+              </a:solidFill>
+            </a:endParaRPr>
+          </a:p>
+        </p:txBody>
+      </p:sp>
+      <p:cxnSp>
+        <p:nvCxnSpPr>
+          <p:cNvPr id="28" name="Straight Arrow Connector 27">
+            <a:extLst>
+              <a:ext uri="{FF2B5EF4-FFF2-40B4-BE49-F238E27FC236}">
+                <a16:creationId xmlns:a16="http://schemas.microsoft.com/office/drawing/2014/main" id="{316DF3D0-8CF6-A34D-B002-95F0B0531587}"/>
+              </a:ext>
+            </a:extLst>
+          </p:cNvPr>
+          <p:cNvCxnSpPr>
+            <a:stCxn id="25" idx="0"/>
+            <a:endCxn id="27" idx="4"/>
+          </p:cNvCxnSpPr>
+          <p:nvPr/>
+        </p:nvCxnSpPr>
+        <p:spPr>
+          <a:xfrm flipV="1">
+            <a:off x="10347094" y="5124944"/>
+            <a:ext cx="0" cy="321112"/>
+          </a:xfrm>
+          <a:prstGeom prst="straightConnector1">
+            <a:avLst/>
+          </a:prstGeom>
+          <a:ln w="9525">
+            <a:tailEnd type="triangle"/>
+          </a:ln>
+        </p:spPr>
+        <p:style>
+          <a:lnRef idx="1">
+            <a:schemeClr val="accent1"/>
+          </a:lnRef>
+          <a:fillRef idx="0">
+            <a:schemeClr val="accent1"/>
+          </a:fillRef>
+          <a:effectRef idx="0">
+            <a:schemeClr val="accent1"/>
+          </a:effectRef>
+          <a:fontRef idx="minor">
+            <a:schemeClr val="tx1"/>
+          </a:fontRef>
+        </p:style>
+      </p:cxnSp>
+      <p:cxnSp>
+        <p:nvCxnSpPr>
+          <p:cNvPr id="29" name="Straight Arrow Connector 28">
+            <a:extLst>
+              <a:ext uri="{FF2B5EF4-FFF2-40B4-BE49-F238E27FC236}">
+                <a16:creationId xmlns:a16="http://schemas.microsoft.com/office/drawing/2014/main" id="{B4EEB869-96B8-954B-BE93-7C280743C689}"/>
+              </a:ext>
+            </a:extLst>
+          </p:cNvPr>
+          <p:cNvCxnSpPr>
+            <a:stCxn id="27" idx="0"/>
+            <a:endCxn id="26" idx="4"/>
+          </p:cNvCxnSpPr>
+          <p:nvPr/>
+        </p:nvCxnSpPr>
+        <p:spPr>
+          <a:xfrm flipV="1">
+            <a:off x="10347094" y="4009207"/>
+            <a:ext cx="0" cy="321112"/>
+          </a:xfrm>
+          <a:prstGeom prst="straightConnector1">
+            <a:avLst/>
+          </a:prstGeom>
+          <a:ln>
+            <a:tailEnd type="triangle"/>
+          </a:ln>
+        </p:spPr>
+        <p:style>
+          <a:lnRef idx="1">
+            <a:schemeClr val="accent1"/>
+          </a:lnRef>
+          <a:fillRef idx="0">
+            <a:schemeClr val="accent1"/>
+          </a:fillRef>
+          <a:effectRef idx="0">
+            <a:schemeClr val="accent1"/>
+          </a:effectRef>
+          <a:fontRef idx="minor">
+            <a:schemeClr val="tx1"/>
+          </a:fontRef>
+        </p:style>
+      </p:cxnSp>
+      <p:sp>
+        <p:nvSpPr>
+          <p:cNvPr id="30" name="TextBox 29">
+            <a:extLst>
+              <a:ext uri="{FF2B5EF4-FFF2-40B4-BE49-F238E27FC236}">
+                <a16:creationId xmlns:a16="http://schemas.microsoft.com/office/drawing/2014/main" id="{56BD6DB1-EB92-C543-98A7-041F0938A0B2}"/>
+              </a:ext>
+            </a:extLst>
+          </p:cNvPr>
+          <p:cNvSpPr txBox="1"/>
+          <p:nvPr/>
+        </p:nvSpPr>
+        <p:spPr>
+          <a:xfrm>
+            <a:off x="6534642" y="4488081"/>
+            <a:ext cx="551330" cy="523220"/>
+          </a:xfrm>
+          <a:prstGeom prst="rect">
+            <a:avLst/>
+          </a:prstGeom>
+          <a:noFill/>
+        </p:spPr>
+        <p:txBody>
+          <a:bodyPr wrap="square" rtlCol="0">
+            <a:spAutoFit/>
+          </a:bodyPr>
+          <a:lstStyle/>
+          <a:p>
+            <a:r>
+              <a:rPr lang="en-US" sz="2800" dirty="0"/>
+              <a:t>…</a:t>
+            </a:r>
+          </a:p>
+        </p:txBody>
+      </p:sp>
+      <p:sp>
+        <p:nvSpPr>
+          <p:cNvPr id="31" name="TextBox 30">
+            <a:extLst>
+              <a:ext uri="{FF2B5EF4-FFF2-40B4-BE49-F238E27FC236}">
+                <a16:creationId xmlns:a16="http://schemas.microsoft.com/office/drawing/2014/main" id="{4BE83D55-CC16-9241-B2AF-32E7E8A57B16}"/>
+              </a:ext>
+            </a:extLst>
+          </p:cNvPr>
+          <p:cNvSpPr txBox="1"/>
+          <p:nvPr/>
+        </p:nvSpPr>
+        <p:spPr>
+          <a:xfrm>
+            <a:off x="9181681" y="4488081"/>
+            <a:ext cx="551330" cy="523220"/>
+          </a:xfrm>
+          <a:prstGeom prst="rect">
+            <a:avLst/>
+          </a:prstGeom>
+          <a:noFill/>
+        </p:spPr>
+        <p:txBody>
+          <a:bodyPr wrap="square" rtlCol="0">
+            <a:spAutoFit/>
+          </a:bodyPr>
+          <a:lstStyle/>
+          <a:p>
+            <a:r>
+              <a:rPr lang="en-US" sz="2800" dirty="0"/>
+              <a:t>…</a:t>
+            </a:r>
+          </a:p>
+        </p:txBody>
+      </p:sp>
+      <p:cxnSp>
+        <p:nvCxnSpPr>
+          <p:cNvPr id="32" name="Straight Arrow Connector 31">
+            <a:extLst>
+              <a:ext uri="{FF2B5EF4-FFF2-40B4-BE49-F238E27FC236}">
+                <a16:creationId xmlns:a16="http://schemas.microsoft.com/office/drawing/2014/main" id="{65FCF82D-4AF1-E54C-A0EE-D18FCAF6E23E}"/>
+              </a:ext>
+            </a:extLst>
+          </p:cNvPr>
+          <p:cNvCxnSpPr>
+            <a:stCxn id="7" idx="6"/>
+            <a:endCxn id="12" idx="2"/>
+          </p:cNvCxnSpPr>
+          <p:nvPr/>
+        </p:nvCxnSpPr>
+        <p:spPr>
+          <a:xfrm>
+            <a:off x="5325042" y="4727632"/>
+            <a:ext cx="262217" cy="0"/>
+          </a:xfrm>
+          <a:prstGeom prst="straightConnector1">
+            <a:avLst/>
+          </a:prstGeom>
+          <a:ln>
+            <a:tailEnd type="triangle"/>
+          </a:ln>
+        </p:spPr>
+        <p:style>
+          <a:lnRef idx="1">
+            <a:schemeClr val="accent1"/>
+          </a:lnRef>
+          <a:fillRef idx="0">
+            <a:schemeClr val="accent1"/>
+          </a:fillRef>
+          <a:effectRef idx="0">
+            <a:schemeClr val="accent1"/>
+          </a:effectRef>
+          <a:fontRef idx="minor">
+            <a:schemeClr val="tx1"/>
+          </a:fontRef>
+        </p:style>
+      </p:cxnSp>
+      <p:cxnSp>
+        <p:nvCxnSpPr>
+          <p:cNvPr id="33" name="Straight Arrow Connector 32">
+            <a:extLst>
+              <a:ext uri="{FF2B5EF4-FFF2-40B4-BE49-F238E27FC236}">
+                <a16:creationId xmlns:a16="http://schemas.microsoft.com/office/drawing/2014/main" id="{DB650C95-5281-344F-BC78-D8446ADD9F75}"/>
+              </a:ext>
+            </a:extLst>
+          </p:cNvPr>
+          <p:cNvCxnSpPr>
+            <a:stCxn id="17" idx="6"/>
+            <a:endCxn id="22" idx="2"/>
+          </p:cNvCxnSpPr>
+          <p:nvPr/>
+        </p:nvCxnSpPr>
+        <p:spPr>
+          <a:xfrm>
+            <a:off x="7949035" y="4727632"/>
+            <a:ext cx="228599" cy="0"/>
+          </a:xfrm>
+          <a:prstGeom prst="straightConnector1">
+            <a:avLst/>
+          </a:prstGeom>
+          <a:ln>
+            <a:tailEnd type="triangle"/>
+          </a:ln>
+        </p:spPr>
+        <p:style>
+          <a:lnRef idx="1">
+            <a:schemeClr val="accent1"/>
+          </a:lnRef>
+          <a:fillRef idx="0">
+            <a:schemeClr val="accent1"/>
+          </a:fillRef>
+          <a:effectRef idx="0">
+            <a:schemeClr val="accent1"/>
+          </a:effectRef>
+          <a:fontRef idx="minor">
+            <a:schemeClr val="tx1"/>
+          </a:fontRef>
+        </p:style>
+      </p:cxnSp>
+      <p:cxnSp>
+        <p:nvCxnSpPr>
+          <p:cNvPr id="34" name="Straight Arrow Connector 33">
+            <a:extLst>
+              <a:ext uri="{FF2B5EF4-FFF2-40B4-BE49-F238E27FC236}">
+                <a16:creationId xmlns:a16="http://schemas.microsoft.com/office/drawing/2014/main" id="{378F618C-6A33-854A-9569-37486BC4A5B7}"/>
+              </a:ext>
+            </a:extLst>
+          </p:cNvPr>
+          <p:cNvCxnSpPr>
+            <a:stCxn id="22" idx="6"/>
+          </p:cNvCxnSpPr>
+          <p:nvPr/>
+        </p:nvCxnSpPr>
+        <p:spPr>
+          <a:xfrm flipV="1">
+            <a:off x="8957564" y="4727631"/>
+            <a:ext cx="499782" cy="1"/>
+          </a:xfrm>
+          <a:prstGeom prst="straightConnector1">
+            <a:avLst/>
+          </a:prstGeom>
+          <a:ln>
+            <a:tailEnd type="triangle"/>
+          </a:ln>
+        </p:spPr>
+        <p:style>
+          <a:lnRef idx="1">
+            <a:schemeClr val="accent1"/>
+          </a:lnRef>
+          <a:fillRef idx="0">
+            <a:schemeClr val="accent1"/>
+          </a:fillRef>
+          <a:effectRef idx="0">
+            <a:schemeClr val="accent1"/>
+          </a:effectRef>
+          <a:fontRef idx="minor">
+            <a:schemeClr val="tx1"/>
+          </a:fontRef>
+        </p:style>
+      </p:cxnSp>
+      <p:cxnSp>
+        <p:nvCxnSpPr>
+          <p:cNvPr id="35" name="Straight Arrow Connector 34">
+            <a:extLst>
+              <a:ext uri="{FF2B5EF4-FFF2-40B4-BE49-F238E27FC236}">
+                <a16:creationId xmlns:a16="http://schemas.microsoft.com/office/drawing/2014/main" id="{0149B9CC-1334-A04B-ACEA-EC995654C8A7}"/>
+              </a:ext>
+            </a:extLst>
+          </p:cNvPr>
+          <p:cNvCxnSpPr/>
+          <p:nvPr/>
+        </p:nvCxnSpPr>
+        <p:spPr>
+          <a:xfrm>
+            <a:off x="6367189" y="4727631"/>
+            <a:ext cx="389543" cy="0"/>
+          </a:xfrm>
+          <a:prstGeom prst="straightConnector1">
+            <a:avLst/>
+          </a:prstGeom>
+          <a:ln>
+            <a:tailEnd type="triangle"/>
+          </a:ln>
+        </p:spPr>
+        <p:style>
+          <a:lnRef idx="1">
+            <a:schemeClr val="accent1"/>
+          </a:lnRef>
+          <a:fillRef idx="0">
+            <a:schemeClr val="accent1"/>
+          </a:fillRef>
+          <a:effectRef idx="0">
+            <a:schemeClr val="accent1"/>
+          </a:effectRef>
+          <a:fontRef idx="minor">
+            <a:schemeClr val="tx1"/>
+          </a:fontRef>
+        </p:style>
+      </p:cxnSp>
+      <p:pic>
+        <p:nvPicPr>
+          <p:cNvPr id="36" name="Picture 35" descr="Shape&#10;&#10;Description automatically generated">
+            <a:extLst>
+              <a:ext uri="{FF2B5EF4-FFF2-40B4-BE49-F238E27FC236}">
+                <a16:creationId xmlns:a16="http://schemas.microsoft.com/office/drawing/2014/main" id="{C461ACA2-310D-B94B-895E-8F663CB43245}"/>
+              </a:ext>
+            </a:extLst>
+          </p:cNvPr>
+          <p:cNvPicPr>
+            <a:picLocks noChangeAspect="1"/>
+          </p:cNvPicPr>
+          <p:nvPr/>
+        </p:nvPicPr>
+        <p:blipFill>
+          <a:blip r:embed="rId3"/>
+          <a:stretch>
+            <a:fillRect/>
+          </a:stretch>
+        </p:blipFill>
+        <p:spPr>
+          <a:xfrm>
+            <a:off x="244716" y="2789269"/>
+            <a:ext cx="2895600" cy="3505200"/>
+          </a:xfrm>
+          <a:prstGeom prst="rect">
+            <a:avLst/>
+          </a:prstGeom>
+        </p:spPr>
+      </p:pic>
+      <p:sp>
+        <p:nvSpPr>
+          <p:cNvPr id="37" name="Equal 36">
+            <a:extLst>
+              <a:ext uri="{FF2B5EF4-FFF2-40B4-BE49-F238E27FC236}">
+                <a16:creationId xmlns:a16="http://schemas.microsoft.com/office/drawing/2014/main" id="{E91D2BC5-AFC3-BD4F-866E-8E353BFBAC51}"/>
+              </a:ext>
+            </a:extLst>
+          </p:cNvPr>
+          <p:cNvSpPr/>
+          <p:nvPr/>
+        </p:nvSpPr>
+        <p:spPr>
+          <a:xfrm>
+            <a:off x="3227299" y="4498295"/>
+            <a:ext cx="739588" cy="366304"/>
+          </a:xfrm>
+          <a:prstGeom prst="mathEqual">
+            <a:avLst/>
+          </a:prstGeom>
+        </p:spPr>
+        <p:style>
+          <a:lnRef idx="2">
+            <a:schemeClr val="accent1">
+              <a:shade val="50000"/>
+            </a:schemeClr>
+          </a:lnRef>
+          <a:fillRef idx="1">
+            <a:schemeClr val="accent1"/>
+          </a:fillRef>
+          <a:effectRef idx="0">
+            <a:schemeClr val="accent1"/>
+          </a:effectRef>
+          <a:fontRef idx="minor">
+            <a:schemeClr val="lt1"/>
+          </a:fontRef>
+        </p:style>
+        <p:txBody>
+          <a:bodyPr rtlCol="0" anchor="ctr"/>
+          <a:lstStyle/>
+          <a:p>
+            <a:pPr algn="ctr"/>
+            <a:endParaRPr lang="en-US">
+              <a:solidFill>
+                <a:schemeClr val="tx1"/>
+              </a:solidFill>
+            </a:endParaRPr>
+          </a:p>
+        </p:txBody>
+      </p:sp>
+      <p:sp>
+        <p:nvSpPr>
+          <p:cNvPr id="38" name="Rounded Rectangle 37">
+            <a:extLst>
+              <a:ext uri="{FF2B5EF4-FFF2-40B4-BE49-F238E27FC236}">
+                <a16:creationId xmlns:a16="http://schemas.microsoft.com/office/drawing/2014/main" id="{CC8C1BEC-67B2-784F-8D5A-2AF787838F4C}"/>
+              </a:ext>
+            </a:extLst>
+          </p:cNvPr>
+          <p:cNvSpPr/>
+          <p:nvPr/>
+        </p:nvSpPr>
+        <p:spPr>
+          <a:xfrm>
+            <a:off x="6239435" y="3186949"/>
+            <a:ext cx="2942246" cy="726141"/>
+          </a:xfrm>
+          <a:prstGeom prst="roundRect">
+            <a:avLst/>
+          </a:prstGeom>
+          <a:ln w="38100">
+            <a:solidFill>
+              <a:srgbClr val="002060"/>
+            </a:solidFill>
+          </a:ln>
+        </p:spPr>
+        <p:style>
+          <a:lnRef idx="2">
+            <a:schemeClr val="accent1"/>
+          </a:lnRef>
+          <a:fillRef idx="1">
+            <a:schemeClr val="lt1"/>
+          </a:fillRef>
+          <a:effectRef idx="0">
+            <a:schemeClr val="accent1"/>
+          </a:effectRef>
+          <a:fontRef idx="minor">
+            <a:schemeClr val="dk1"/>
+          </a:fontRef>
+        </p:style>
+        <p:txBody>
+          <a:bodyPr rtlCol="0" anchor="ctr"/>
+          <a:lstStyle/>
+          <a:p>
+            <a:pPr algn="ctr"/>
+            <a:r>
+              <a:rPr lang="en-US" dirty="0"/>
+              <a:t>MLP</a:t>
+            </a:r>
+          </a:p>
+        </p:txBody>
+      </p:sp>
+      <p:sp>
+        <p:nvSpPr>
+          <p:cNvPr id="39" name="Donut 38">
+            <a:extLst>
+              <a:ext uri="{FF2B5EF4-FFF2-40B4-BE49-F238E27FC236}">
+                <a16:creationId xmlns:a16="http://schemas.microsoft.com/office/drawing/2014/main" id="{FD48A6BF-7425-4046-BBB0-4E30ABE3A2C2}"/>
+              </a:ext>
+            </a:extLst>
+          </p:cNvPr>
+          <p:cNvSpPr/>
+          <p:nvPr/>
+        </p:nvSpPr>
+        <p:spPr>
+          <a:xfrm>
+            <a:off x="4545112" y="1954671"/>
+            <a:ext cx="779930" cy="794625"/>
+          </a:xfrm>
+          <a:prstGeom prst="donut">
+            <a:avLst>
+              <a:gd name="adj" fmla="val 6510"/>
+            </a:avLst>
+          </a:prstGeom>
+          <a:solidFill>
+            <a:schemeClr val="accent6">
+              <a:lumMod val="40000"/>
+              <a:lumOff val="60000"/>
+            </a:schemeClr>
+          </a:solidFill>
+        </p:spPr>
+        <p:style>
+          <a:lnRef idx="2">
+            <a:schemeClr val="accent1">
+              <a:shade val="50000"/>
+            </a:schemeClr>
+          </a:lnRef>
+          <a:fillRef idx="1">
+            <a:schemeClr val="accent1"/>
+          </a:fillRef>
+          <a:effectRef idx="0">
+            <a:schemeClr val="accent1"/>
+          </a:effectRef>
+          <a:fontRef idx="minor">
+            <a:schemeClr val="lt1"/>
+          </a:fontRef>
+        </p:style>
+        <p:txBody>
+          <a:bodyPr rtlCol="0" anchor="ctr"/>
+          <a:lstStyle/>
+          <a:p>
+            <a:pPr algn="ctr"/>
+            <a:endParaRPr lang="en-US">
+              <a:solidFill>
+                <a:schemeClr val="tx1"/>
+              </a:solidFill>
+            </a:endParaRPr>
+          </a:p>
+        </p:txBody>
+      </p:sp>
+      <p:sp>
+        <p:nvSpPr>
+          <p:cNvPr id="40" name="Donut 39">
+            <a:extLst>
+              <a:ext uri="{FF2B5EF4-FFF2-40B4-BE49-F238E27FC236}">
+                <a16:creationId xmlns:a16="http://schemas.microsoft.com/office/drawing/2014/main" id="{67B417FC-A2B1-8449-9A4A-2C84868751A2}"/>
+              </a:ext>
+            </a:extLst>
+          </p:cNvPr>
+          <p:cNvSpPr/>
+          <p:nvPr/>
+        </p:nvSpPr>
+        <p:spPr>
+          <a:xfrm>
+            <a:off x="5587259" y="1954671"/>
+            <a:ext cx="779930" cy="794625"/>
+          </a:xfrm>
+          <a:prstGeom prst="donut">
+            <a:avLst>
+              <a:gd name="adj" fmla="val 6510"/>
+            </a:avLst>
+          </a:prstGeom>
+          <a:solidFill>
+            <a:schemeClr val="accent6">
+              <a:lumMod val="40000"/>
+              <a:lumOff val="60000"/>
+            </a:schemeClr>
+          </a:solidFill>
+        </p:spPr>
+        <p:style>
+          <a:lnRef idx="2">
+            <a:schemeClr val="accent1">
+              <a:shade val="50000"/>
+            </a:schemeClr>
+          </a:lnRef>
+          <a:fillRef idx="1">
+            <a:schemeClr val="accent1"/>
+          </a:fillRef>
+          <a:effectRef idx="0">
+            <a:schemeClr val="accent1"/>
+          </a:effectRef>
+          <a:fontRef idx="minor">
+            <a:schemeClr val="lt1"/>
+          </a:fontRef>
+        </p:style>
+        <p:txBody>
+          <a:bodyPr rtlCol="0" anchor="ctr"/>
+          <a:lstStyle/>
+          <a:p>
+            <a:pPr algn="ctr"/>
+            <a:endParaRPr lang="en-US">
+              <a:solidFill>
+                <a:schemeClr val="tx1"/>
+              </a:solidFill>
+            </a:endParaRPr>
+          </a:p>
+        </p:txBody>
+      </p:sp>
+      <p:sp>
+        <p:nvSpPr>
+          <p:cNvPr id="41" name="Donut 40">
+            <a:extLst>
+              <a:ext uri="{FF2B5EF4-FFF2-40B4-BE49-F238E27FC236}">
+                <a16:creationId xmlns:a16="http://schemas.microsoft.com/office/drawing/2014/main" id="{165370F2-7DE2-A246-AEF6-A9D937E4CF0F}"/>
+              </a:ext>
+            </a:extLst>
+          </p:cNvPr>
+          <p:cNvSpPr/>
+          <p:nvPr/>
+        </p:nvSpPr>
+        <p:spPr>
+          <a:xfrm>
+            <a:off x="7169105" y="1954671"/>
+            <a:ext cx="779930" cy="794625"/>
+          </a:xfrm>
+          <a:prstGeom prst="donut">
+            <a:avLst>
+              <a:gd name="adj" fmla="val 6510"/>
+            </a:avLst>
+          </a:prstGeom>
+          <a:solidFill>
+            <a:schemeClr val="accent6">
+              <a:lumMod val="40000"/>
+              <a:lumOff val="60000"/>
+            </a:schemeClr>
+          </a:solidFill>
+        </p:spPr>
+        <p:style>
+          <a:lnRef idx="2">
+            <a:schemeClr val="accent1">
+              <a:shade val="50000"/>
+            </a:schemeClr>
+          </a:lnRef>
+          <a:fillRef idx="1">
+            <a:schemeClr val="accent1"/>
+          </a:fillRef>
+          <a:effectRef idx="0">
+            <a:schemeClr val="accent1"/>
+          </a:effectRef>
+          <a:fontRef idx="minor">
+            <a:schemeClr val="lt1"/>
+          </a:fontRef>
+        </p:style>
+        <p:txBody>
+          <a:bodyPr rtlCol="0" anchor="ctr"/>
+          <a:lstStyle/>
+          <a:p>
+            <a:pPr algn="ctr"/>
+            <a:endParaRPr lang="en-US">
+              <a:solidFill>
+                <a:schemeClr val="tx1"/>
+              </a:solidFill>
+            </a:endParaRPr>
+          </a:p>
+        </p:txBody>
+      </p:sp>
+      <p:sp>
+        <p:nvSpPr>
+          <p:cNvPr id="42" name="Donut 41">
+            <a:extLst>
+              <a:ext uri="{FF2B5EF4-FFF2-40B4-BE49-F238E27FC236}">
+                <a16:creationId xmlns:a16="http://schemas.microsoft.com/office/drawing/2014/main" id="{EB8B265A-2E5F-2541-91D6-C0A1553FA688}"/>
+              </a:ext>
+            </a:extLst>
+          </p:cNvPr>
+          <p:cNvSpPr/>
+          <p:nvPr/>
+        </p:nvSpPr>
+        <p:spPr>
+          <a:xfrm>
+            <a:off x="8177634" y="1954671"/>
+            <a:ext cx="779930" cy="794625"/>
+          </a:xfrm>
+          <a:prstGeom prst="donut">
+            <a:avLst>
+              <a:gd name="adj" fmla="val 6510"/>
+            </a:avLst>
+          </a:prstGeom>
+          <a:solidFill>
+            <a:schemeClr val="accent6">
+              <a:lumMod val="40000"/>
+              <a:lumOff val="60000"/>
+            </a:schemeClr>
+          </a:solidFill>
+        </p:spPr>
+        <p:style>
+          <a:lnRef idx="2">
+            <a:schemeClr val="accent1">
+              <a:shade val="50000"/>
+            </a:schemeClr>
+          </a:lnRef>
+          <a:fillRef idx="1">
+            <a:schemeClr val="accent1"/>
+          </a:fillRef>
+          <a:effectRef idx="0">
+            <a:schemeClr val="accent1"/>
+          </a:effectRef>
+          <a:fontRef idx="minor">
+            <a:schemeClr val="lt1"/>
+          </a:fontRef>
+        </p:style>
+        <p:txBody>
+          <a:bodyPr rtlCol="0" anchor="ctr"/>
+          <a:lstStyle/>
+          <a:p>
+            <a:pPr algn="ctr"/>
+            <a:endParaRPr lang="en-US">
+              <a:solidFill>
+                <a:schemeClr val="tx1"/>
+              </a:solidFill>
+            </a:endParaRPr>
+          </a:p>
+        </p:txBody>
+      </p:sp>
+      <p:sp>
+        <p:nvSpPr>
+          <p:cNvPr id="43" name="Donut 42">
+            <a:extLst>
+              <a:ext uri="{FF2B5EF4-FFF2-40B4-BE49-F238E27FC236}">
+                <a16:creationId xmlns:a16="http://schemas.microsoft.com/office/drawing/2014/main" id="{1965AE7F-E815-C544-89DC-5D57355C8DA4}"/>
+              </a:ext>
+            </a:extLst>
+          </p:cNvPr>
+          <p:cNvSpPr/>
+          <p:nvPr/>
+        </p:nvSpPr>
+        <p:spPr>
+          <a:xfrm>
+            <a:off x="9957129" y="1954671"/>
+            <a:ext cx="779930" cy="794625"/>
+          </a:xfrm>
+          <a:prstGeom prst="donut">
+            <a:avLst>
+              <a:gd name="adj" fmla="val 6510"/>
+            </a:avLst>
+          </a:prstGeom>
+          <a:solidFill>
+            <a:schemeClr val="accent6">
+              <a:lumMod val="40000"/>
+              <a:lumOff val="60000"/>
+            </a:schemeClr>
+          </a:solidFill>
+        </p:spPr>
+        <p:style>
+          <a:lnRef idx="2">
+            <a:schemeClr val="accent1">
+              <a:shade val="50000"/>
+            </a:schemeClr>
+          </a:lnRef>
+          <a:fillRef idx="1">
+            <a:schemeClr val="accent1"/>
+          </a:fillRef>
+          <a:effectRef idx="0">
+            <a:schemeClr val="accent1"/>
+          </a:effectRef>
+          <a:fontRef idx="minor">
+            <a:schemeClr val="lt1"/>
+          </a:fontRef>
+        </p:style>
+        <p:txBody>
+          <a:bodyPr rtlCol="0" anchor="ctr"/>
+          <a:lstStyle/>
+          <a:p>
+            <a:pPr algn="ctr"/>
+            <a:endParaRPr lang="en-US">
+              <a:solidFill>
+                <a:schemeClr val="tx1"/>
+              </a:solidFill>
+            </a:endParaRPr>
+          </a:p>
+        </p:txBody>
+      </p:sp>
+      <p:sp>
+        <p:nvSpPr>
+          <p:cNvPr id="44" name="Donut 43">
+            <a:extLst>
+              <a:ext uri="{FF2B5EF4-FFF2-40B4-BE49-F238E27FC236}">
+                <a16:creationId xmlns:a16="http://schemas.microsoft.com/office/drawing/2014/main" id="{E06328EC-94B8-7441-98CC-BCE595D88B0C}"/>
+              </a:ext>
+            </a:extLst>
+          </p:cNvPr>
+          <p:cNvSpPr/>
+          <p:nvPr/>
+        </p:nvSpPr>
+        <p:spPr>
+          <a:xfrm>
+            <a:off x="7169105" y="585055"/>
+            <a:ext cx="779930" cy="794625"/>
+          </a:xfrm>
+          <a:prstGeom prst="donut">
+            <a:avLst>
+              <a:gd name="adj" fmla="val 6510"/>
+            </a:avLst>
+          </a:prstGeom>
+          <a:solidFill>
+            <a:srgbClr val="00B0F0"/>
+          </a:solidFill>
+        </p:spPr>
+        <p:style>
+          <a:lnRef idx="2">
+            <a:schemeClr val="accent1">
+              <a:shade val="50000"/>
+            </a:schemeClr>
+          </a:lnRef>
+          <a:fillRef idx="1">
+            <a:schemeClr val="accent1"/>
+          </a:fillRef>
+          <a:effectRef idx="0">
+            <a:schemeClr val="accent1"/>
+          </a:effectRef>
+          <a:fontRef idx="minor">
+            <a:schemeClr val="lt1"/>
+          </a:fontRef>
+        </p:style>
+        <p:txBody>
+          <a:bodyPr rtlCol="0" anchor="ctr"/>
+          <a:lstStyle/>
+          <a:p>
+            <a:pPr algn="ctr"/>
+            <a:r>
+              <a:rPr lang="en-US" dirty="0">
+                <a:solidFill>
+                  <a:schemeClr val="tx1"/>
+                </a:solidFill>
+              </a:rPr>
+              <a:t>Y</a:t>
+            </a:r>
+          </a:p>
+        </p:txBody>
+      </p:sp>
+      <p:cxnSp>
+        <p:nvCxnSpPr>
+          <p:cNvPr id="46" name="Straight Arrow Connector 45">
+            <a:extLst>
+              <a:ext uri="{FF2B5EF4-FFF2-40B4-BE49-F238E27FC236}">
+                <a16:creationId xmlns:a16="http://schemas.microsoft.com/office/drawing/2014/main" id="{E422FA1D-70EF-054F-AA88-021BD4FF3E14}"/>
+              </a:ext>
+            </a:extLst>
+          </p:cNvPr>
+          <p:cNvCxnSpPr>
+            <a:stCxn id="7" idx="0"/>
+            <a:endCxn id="38" idx="2"/>
+          </p:cNvCxnSpPr>
+          <p:nvPr/>
+        </p:nvCxnSpPr>
+        <p:spPr>
+          <a:xfrm flipV="1">
+            <a:off x="4935077" y="3913090"/>
+            <a:ext cx="2775481" cy="417229"/>
+          </a:xfrm>
+          <a:prstGeom prst="straightConnector1">
+            <a:avLst/>
+          </a:prstGeom>
+          <a:ln>
+            <a:tailEnd type="triangle"/>
+          </a:ln>
+        </p:spPr>
+        <p:style>
+          <a:lnRef idx="1">
+            <a:schemeClr val="accent1"/>
+          </a:lnRef>
+          <a:fillRef idx="0">
+            <a:schemeClr val="accent1"/>
+          </a:fillRef>
+          <a:effectRef idx="0">
+            <a:schemeClr val="accent1"/>
+          </a:effectRef>
+          <a:fontRef idx="minor">
+            <a:schemeClr val="tx1"/>
+          </a:fontRef>
+        </p:style>
+      </p:cxnSp>
+      <p:cxnSp>
+        <p:nvCxnSpPr>
+          <p:cNvPr id="48" name="Straight Arrow Connector 47">
+            <a:extLst>
+              <a:ext uri="{FF2B5EF4-FFF2-40B4-BE49-F238E27FC236}">
+                <a16:creationId xmlns:a16="http://schemas.microsoft.com/office/drawing/2014/main" id="{7B9566D1-ECCA-7C4A-8529-E26E5CBA784B}"/>
+              </a:ext>
+            </a:extLst>
+          </p:cNvPr>
+          <p:cNvCxnSpPr>
+            <a:stCxn id="12" idx="0"/>
+            <a:endCxn id="38" idx="2"/>
+          </p:cNvCxnSpPr>
+          <p:nvPr/>
+        </p:nvCxnSpPr>
+        <p:spPr>
+          <a:xfrm flipV="1">
+            <a:off x="5977224" y="3913090"/>
+            <a:ext cx="1733334" cy="417229"/>
+          </a:xfrm>
+          <a:prstGeom prst="straightConnector1">
+            <a:avLst/>
+          </a:prstGeom>
+          <a:ln>
+            <a:tailEnd type="triangle"/>
+          </a:ln>
+        </p:spPr>
+        <p:style>
+          <a:lnRef idx="1">
+            <a:schemeClr val="accent1"/>
+          </a:lnRef>
+          <a:fillRef idx="0">
+            <a:schemeClr val="accent1"/>
+          </a:fillRef>
+          <a:effectRef idx="0">
+            <a:schemeClr val="accent1"/>
+          </a:effectRef>
+          <a:fontRef idx="minor">
+            <a:schemeClr val="tx1"/>
+          </a:fontRef>
+        </p:style>
+      </p:cxnSp>
+      <p:cxnSp>
+        <p:nvCxnSpPr>
+          <p:cNvPr id="50" name="Straight Arrow Connector 49">
+            <a:extLst>
+              <a:ext uri="{FF2B5EF4-FFF2-40B4-BE49-F238E27FC236}">
+                <a16:creationId xmlns:a16="http://schemas.microsoft.com/office/drawing/2014/main" id="{649BDAC6-112B-DD49-94C1-C5486F057C70}"/>
+              </a:ext>
+            </a:extLst>
+          </p:cNvPr>
+          <p:cNvCxnSpPr>
+            <a:stCxn id="17" idx="0"/>
+            <a:endCxn id="38" idx="2"/>
+          </p:cNvCxnSpPr>
+          <p:nvPr/>
+        </p:nvCxnSpPr>
+        <p:spPr>
+          <a:xfrm flipV="1">
+            <a:off x="7559070" y="3913090"/>
+            <a:ext cx="151488" cy="417229"/>
+          </a:xfrm>
+          <a:prstGeom prst="straightConnector1">
+            <a:avLst/>
+          </a:prstGeom>
+          <a:ln>
+            <a:tailEnd type="triangle"/>
+          </a:ln>
+        </p:spPr>
+        <p:style>
+          <a:lnRef idx="1">
+            <a:schemeClr val="accent1"/>
+          </a:lnRef>
+          <a:fillRef idx="0">
+            <a:schemeClr val="accent1"/>
+          </a:fillRef>
+          <a:effectRef idx="0">
+            <a:schemeClr val="accent1"/>
+          </a:effectRef>
+          <a:fontRef idx="minor">
+            <a:schemeClr val="tx1"/>
+          </a:fontRef>
+        </p:style>
+      </p:cxnSp>
+      <p:cxnSp>
+        <p:nvCxnSpPr>
+          <p:cNvPr id="52" name="Straight Arrow Connector 51">
+            <a:extLst>
+              <a:ext uri="{FF2B5EF4-FFF2-40B4-BE49-F238E27FC236}">
+                <a16:creationId xmlns:a16="http://schemas.microsoft.com/office/drawing/2014/main" id="{399ED24C-882C-294F-B40A-7FFBFA0ADB47}"/>
+              </a:ext>
+            </a:extLst>
+          </p:cNvPr>
+          <p:cNvCxnSpPr>
+            <a:stCxn id="22" idx="0"/>
+            <a:endCxn id="38" idx="2"/>
+          </p:cNvCxnSpPr>
+          <p:nvPr/>
+        </p:nvCxnSpPr>
+        <p:spPr>
+          <a:xfrm flipH="1" flipV="1">
+            <a:off x="7710558" y="3913090"/>
+            <a:ext cx="857041" cy="417229"/>
+          </a:xfrm>
+          <a:prstGeom prst="straightConnector1">
+            <a:avLst/>
+          </a:prstGeom>
+          <a:ln>
+            <a:tailEnd type="triangle"/>
+          </a:ln>
+        </p:spPr>
+        <p:style>
+          <a:lnRef idx="1">
+            <a:schemeClr val="accent1"/>
+          </a:lnRef>
+          <a:fillRef idx="0">
+            <a:schemeClr val="accent1"/>
+          </a:fillRef>
+          <a:effectRef idx="0">
+            <a:schemeClr val="accent1"/>
+          </a:effectRef>
+          <a:fontRef idx="minor">
+            <a:schemeClr val="tx1"/>
+          </a:fontRef>
+        </p:style>
+      </p:cxnSp>
+      <p:cxnSp>
+        <p:nvCxnSpPr>
+          <p:cNvPr id="54" name="Straight Arrow Connector 53">
+            <a:extLst>
+              <a:ext uri="{FF2B5EF4-FFF2-40B4-BE49-F238E27FC236}">
+                <a16:creationId xmlns:a16="http://schemas.microsoft.com/office/drawing/2014/main" id="{A1C60E24-1C1A-F945-9CE6-B8B0B1F3EA01}"/>
+              </a:ext>
+            </a:extLst>
+          </p:cNvPr>
+          <p:cNvCxnSpPr>
+            <a:stCxn id="27" idx="0"/>
+            <a:endCxn id="38" idx="2"/>
+          </p:cNvCxnSpPr>
+          <p:nvPr/>
+        </p:nvCxnSpPr>
+        <p:spPr>
+          <a:xfrm flipH="1" flipV="1">
+            <a:off x="7710558" y="3913090"/>
+            <a:ext cx="2636536" cy="417229"/>
+          </a:xfrm>
+          <a:prstGeom prst="straightConnector1">
+            <a:avLst/>
+          </a:prstGeom>
+          <a:ln>
+            <a:tailEnd type="triangle"/>
+          </a:ln>
+        </p:spPr>
+        <p:style>
+          <a:lnRef idx="1">
+            <a:schemeClr val="accent1"/>
+          </a:lnRef>
+          <a:fillRef idx="0">
+            <a:schemeClr val="accent1"/>
+          </a:fillRef>
+          <a:effectRef idx="0">
+            <a:schemeClr val="accent1"/>
+          </a:effectRef>
+          <a:fontRef idx="minor">
+            <a:schemeClr val="tx1"/>
+          </a:fontRef>
+        </p:style>
+      </p:cxnSp>
+      <p:cxnSp>
+        <p:nvCxnSpPr>
+          <p:cNvPr id="56" name="Straight Arrow Connector 55">
+            <a:extLst>
+              <a:ext uri="{FF2B5EF4-FFF2-40B4-BE49-F238E27FC236}">
+                <a16:creationId xmlns:a16="http://schemas.microsoft.com/office/drawing/2014/main" id="{D313201F-BABF-EA48-806D-F7F4D6B44510}"/>
+              </a:ext>
+            </a:extLst>
+          </p:cNvPr>
+          <p:cNvCxnSpPr>
+            <a:stCxn id="38" idx="0"/>
+            <a:endCxn id="39" idx="4"/>
+          </p:cNvCxnSpPr>
+          <p:nvPr/>
+        </p:nvCxnSpPr>
+        <p:spPr>
+          <a:xfrm flipH="1" flipV="1">
+            <a:off x="4935077" y="2749296"/>
+            <a:ext cx="2775481" cy="437653"/>
+          </a:xfrm>
+          <a:prstGeom prst="straightConnector1">
+            <a:avLst/>
+          </a:prstGeom>
+          <a:ln>
+            <a:tailEnd type="triangle"/>
+          </a:ln>
+        </p:spPr>
+        <p:style>
+          <a:lnRef idx="1">
+            <a:schemeClr val="accent1"/>
+          </a:lnRef>
+          <a:fillRef idx="0">
+            <a:schemeClr val="accent1"/>
+          </a:fillRef>
+          <a:effectRef idx="0">
+            <a:schemeClr val="accent1"/>
+          </a:effectRef>
+          <a:fontRef idx="minor">
+            <a:schemeClr val="tx1"/>
+          </a:fontRef>
+        </p:style>
+      </p:cxnSp>
+      <p:cxnSp>
+        <p:nvCxnSpPr>
+          <p:cNvPr id="58" name="Straight Arrow Connector 57">
+            <a:extLst>
+              <a:ext uri="{FF2B5EF4-FFF2-40B4-BE49-F238E27FC236}">
+                <a16:creationId xmlns:a16="http://schemas.microsoft.com/office/drawing/2014/main" id="{53315021-8B48-C74F-AEA7-12E378E2B20F}"/>
+              </a:ext>
+            </a:extLst>
+          </p:cNvPr>
+          <p:cNvCxnSpPr>
+            <a:stCxn id="38" idx="0"/>
+            <a:endCxn id="40" idx="4"/>
+          </p:cNvCxnSpPr>
+          <p:nvPr/>
+        </p:nvCxnSpPr>
+        <p:spPr>
+          <a:xfrm flipH="1" flipV="1">
+            <a:off x="5977224" y="2749296"/>
+            <a:ext cx="1733334" cy="437653"/>
+          </a:xfrm>
+          <a:prstGeom prst="straightConnector1">
+            <a:avLst/>
+          </a:prstGeom>
+          <a:ln>
+            <a:tailEnd type="triangle"/>
+          </a:ln>
+        </p:spPr>
+        <p:style>
+          <a:lnRef idx="1">
+            <a:schemeClr val="accent1"/>
+          </a:lnRef>
+          <a:fillRef idx="0">
+            <a:schemeClr val="accent1"/>
+          </a:fillRef>
+          <a:effectRef idx="0">
+            <a:schemeClr val="accent1"/>
+          </a:effectRef>
+          <a:fontRef idx="minor">
+            <a:schemeClr val="tx1"/>
+          </a:fontRef>
+        </p:style>
+      </p:cxnSp>
+      <p:cxnSp>
+        <p:nvCxnSpPr>
+          <p:cNvPr id="60" name="Straight Arrow Connector 59">
+            <a:extLst>
+              <a:ext uri="{FF2B5EF4-FFF2-40B4-BE49-F238E27FC236}">
+                <a16:creationId xmlns:a16="http://schemas.microsoft.com/office/drawing/2014/main" id="{0C469728-C8E4-E04D-A0F9-3674E5DA3BDB}"/>
+              </a:ext>
+            </a:extLst>
+          </p:cNvPr>
+          <p:cNvCxnSpPr>
+            <a:stCxn id="38" idx="0"/>
+            <a:endCxn id="41" idx="4"/>
+          </p:cNvCxnSpPr>
+          <p:nvPr/>
+        </p:nvCxnSpPr>
+        <p:spPr>
+          <a:xfrm flipH="1" flipV="1">
+            <a:off x="7559070" y="2749296"/>
+            <a:ext cx="151488" cy="437653"/>
+          </a:xfrm>
+          <a:prstGeom prst="straightConnector1">
+            <a:avLst/>
+          </a:prstGeom>
+          <a:ln>
+            <a:tailEnd type="triangle"/>
+          </a:ln>
+        </p:spPr>
+        <p:style>
+          <a:lnRef idx="1">
+            <a:schemeClr val="accent1"/>
+          </a:lnRef>
+          <a:fillRef idx="0">
+            <a:schemeClr val="accent1"/>
+          </a:fillRef>
+          <a:effectRef idx="0">
+            <a:schemeClr val="accent1"/>
+          </a:effectRef>
+          <a:fontRef idx="minor">
+            <a:schemeClr val="tx1"/>
+          </a:fontRef>
+        </p:style>
+      </p:cxnSp>
+      <p:cxnSp>
+        <p:nvCxnSpPr>
+          <p:cNvPr id="62" name="Straight Arrow Connector 61">
+            <a:extLst>
+              <a:ext uri="{FF2B5EF4-FFF2-40B4-BE49-F238E27FC236}">
+                <a16:creationId xmlns:a16="http://schemas.microsoft.com/office/drawing/2014/main" id="{ADEB37B1-739F-D143-9C13-64A93DFE848D}"/>
+              </a:ext>
+            </a:extLst>
+          </p:cNvPr>
+          <p:cNvCxnSpPr>
+            <a:stCxn id="38" idx="0"/>
+            <a:endCxn id="42" idx="4"/>
+          </p:cNvCxnSpPr>
+          <p:nvPr/>
+        </p:nvCxnSpPr>
+        <p:spPr>
+          <a:xfrm flipV="1">
+            <a:off x="7710558" y="2749296"/>
+            <a:ext cx="857041" cy="437653"/>
+          </a:xfrm>
+          <a:prstGeom prst="straightConnector1">
+            <a:avLst/>
+          </a:prstGeom>
+          <a:ln>
+            <a:tailEnd type="triangle"/>
+          </a:ln>
+        </p:spPr>
+        <p:style>
+          <a:lnRef idx="1">
+            <a:schemeClr val="accent1"/>
+          </a:lnRef>
+          <a:fillRef idx="0">
+            <a:schemeClr val="accent1"/>
+          </a:fillRef>
+          <a:effectRef idx="0">
+            <a:schemeClr val="accent1"/>
+          </a:effectRef>
+          <a:fontRef idx="minor">
+            <a:schemeClr val="tx1"/>
+          </a:fontRef>
+        </p:style>
+      </p:cxnSp>
+      <p:cxnSp>
+        <p:nvCxnSpPr>
+          <p:cNvPr id="64" name="Straight Arrow Connector 63">
+            <a:extLst>
+              <a:ext uri="{FF2B5EF4-FFF2-40B4-BE49-F238E27FC236}">
+                <a16:creationId xmlns:a16="http://schemas.microsoft.com/office/drawing/2014/main" id="{6F1A08E8-491A-B74F-A545-1C7C5B3C54D8}"/>
+              </a:ext>
+            </a:extLst>
+          </p:cNvPr>
+          <p:cNvCxnSpPr>
+            <a:stCxn id="38" idx="0"/>
+            <a:endCxn id="43" idx="4"/>
+          </p:cNvCxnSpPr>
+          <p:nvPr/>
+        </p:nvCxnSpPr>
+        <p:spPr>
+          <a:xfrm flipV="1">
+            <a:off x="7710558" y="2749296"/>
+            <a:ext cx="2636536" cy="437653"/>
+          </a:xfrm>
+          <a:prstGeom prst="straightConnector1">
+            <a:avLst/>
+          </a:prstGeom>
+          <a:ln>
+            <a:tailEnd type="triangle"/>
+          </a:ln>
+        </p:spPr>
+        <p:style>
+          <a:lnRef idx="1">
+            <a:schemeClr val="accent1"/>
+          </a:lnRef>
+          <a:fillRef idx="0">
+            <a:schemeClr val="accent1"/>
+          </a:fillRef>
+          <a:effectRef idx="0">
+            <a:schemeClr val="accent1"/>
+          </a:effectRef>
+          <a:fontRef idx="minor">
+            <a:schemeClr val="tx1"/>
+          </a:fontRef>
+        </p:style>
+      </p:cxnSp>
+      <p:cxnSp>
+        <p:nvCxnSpPr>
+          <p:cNvPr id="66" name="Straight Arrow Connector 65">
+            <a:extLst>
+              <a:ext uri="{FF2B5EF4-FFF2-40B4-BE49-F238E27FC236}">
+                <a16:creationId xmlns:a16="http://schemas.microsoft.com/office/drawing/2014/main" id="{472D9A20-51B5-BA49-A53C-864E6A1D1CA8}"/>
+              </a:ext>
+            </a:extLst>
+          </p:cNvPr>
+          <p:cNvCxnSpPr>
+            <a:endCxn id="44" idx="4"/>
+          </p:cNvCxnSpPr>
+          <p:nvPr/>
+        </p:nvCxnSpPr>
+        <p:spPr>
+          <a:xfrm flipV="1">
+            <a:off x="4935077" y="1379680"/>
+            <a:ext cx="2623993" cy="574991"/>
+          </a:xfrm>
+          <a:prstGeom prst="straightConnector1">
+            <a:avLst/>
+          </a:prstGeom>
+          <a:ln>
+            <a:tailEnd type="triangle"/>
+          </a:ln>
+        </p:spPr>
+        <p:style>
+          <a:lnRef idx="1">
+            <a:schemeClr val="accent1"/>
+          </a:lnRef>
+          <a:fillRef idx="0">
+            <a:schemeClr val="accent1"/>
+          </a:fillRef>
+          <a:effectRef idx="0">
+            <a:schemeClr val="accent1"/>
+          </a:effectRef>
+          <a:fontRef idx="minor">
+            <a:schemeClr val="tx1"/>
+          </a:fontRef>
+        </p:style>
+      </p:cxnSp>
+      <p:cxnSp>
+        <p:nvCxnSpPr>
+          <p:cNvPr id="68" name="Straight Arrow Connector 67">
+            <a:extLst>
+              <a:ext uri="{FF2B5EF4-FFF2-40B4-BE49-F238E27FC236}">
+                <a16:creationId xmlns:a16="http://schemas.microsoft.com/office/drawing/2014/main" id="{45D1CA22-A276-C64F-BE75-7057F32251D1}"/>
+              </a:ext>
+            </a:extLst>
+          </p:cNvPr>
+          <p:cNvCxnSpPr>
+            <a:cxnSpLocks/>
+            <a:stCxn id="40" idx="0"/>
+            <a:endCxn id="44" idx="4"/>
+          </p:cNvCxnSpPr>
+          <p:nvPr/>
+        </p:nvCxnSpPr>
+        <p:spPr>
+          <a:xfrm flipV="1">
+            <a:off x="5977224" y="1379680"/>
+            <a:ext cx="1581846" cy="574991"/>
+          </a:xfrm>
+          <a:prstGeom prst="straightConnector1">
+            <a:avLst/>
+          </a:prstGeom>
+          <a:ln>
+            <a:tailEnd type="triangle"/>
+          </a:ln>
+        </p:spPr>
+        <p:style>
+          <a:lnRef idx="1">
+            <a:schemeClr val="accent1"/>
+          </a:lnRef>
+          <a:fillRef idx="0">
+            <a:schemeClr val="accent1"/>
+          </a:fillRef>
+          <a:effectRef idx="0">
+            <a:schemeClr val="accent1"/>
+          </a:effectRef>
+          <a:fontRef idx="minor">
+            <a:schemeClr val="tx1"/>
+          </a:fontRef>
+        </p:style>
+      </p:cxnSp>
+      <p:cxnSp>
+        <p:nvCxnSpPr>
+          <p:cNvPr id="70" name="Straight Arrow Connector 69">
+            <a:extLst>
+              <a:ext uri="{FF2B5EF4-FFF2-40B4-BE49-F238E27FC236}">
+                <a16:creationId xmlns:a16="http://schemas.microsoft.com/office/drawing/2014/main" id="{A8423863-B5B5-2345-BC02-0F45F6599416}"/>
+              </a:ext>
+            </a:extLst>
+          </p:cNvPr>
+          <p:cNvCxnSpPr>
+            <a:endCxn id="44" idx="4"/>
+          </p:cNvCxnSpPr>
+          <p:nvPr/>
+        </p:nvCxnSpPr>
+        <p:spPr>
+          <a:xfrm flipV="1">
+            <a:off x="7559070" y="1379680"/>
+            <a:ext cx="0" cy="565033"/>
+          </a:xfrm>
+          <a:prstGeom prst="straightConnector1">
+            <a:avLst/>
+          </a:prstGeom>
+          <a:ln>
+            <a:tailEnd type="triangle"/>
+          </a:ln>
+        </p:spPr>
+        <p:style>
+          <a:lnRef idx="1">
+            <a:schemeClr val="accent1"/>
+          </a:lnRef>
+          <a:fillRef idx="0">
+            <a:schemeClr val="accent1"/>
+          </a:fillRef>
+          <a:effectRef idx="0">
+            <a:schemeClr val="accent1"/>
+          </a:effectRef>
+          <a:fontRef idx="minor">
+            <a:schemeClr val="tx1"/>
+          </a:fontRef>
+        </p:style>
+      </p:cxnSp>
+      <p:cxnSp>
+        <p:nvCxnSpPr>
+          <p:cNvPr id="72" name="Straight Arrow Connector 71">
+            <a:extLst>
+              <a:ext uri="{FF2B5EF4-FFF2-40B4-BE49-F238E27FC236}">
+                <a16:creationId xmlns:a16="http://schemas.microsoft.com/office/drawing/2014/main" id="{D8D98CD7-C3C2-A642-A4EF-ADB785518924}"/>
+              </a:ext>
+            </a:extLst>
+          </p:cNvPr>
+          <p:cNvCxnSpPr>
+            <a:cxnSpLocks/>
+            <a:stCxn id="42" idx="0"/>
+            <a:endCxn id="44" idx="4"/>
+          </p:cNvCxnSpPr>
+          <p:nvPr/>
+        </p:nvCxnSpPr>
+        <p:spPr>
+          <a:xfrm flipH="1" flipV="1">
+            <a:off x="7559070" y="1379680"/>
+            <a:ext cx="1008529" cy="574991"/>
+          </a:xfrm>
+          <a:prstGeom prst="straightConnector1">
+            <a:avLst/>
+          </a:prstGeom>
+          <a:ln>
+            <a:tailEnd type="triangle"/>
+          </a:ln>
+        </p:spPr>
+        <p:style>
+          <a:lnRef idx="1">
+            <a:schemeClr val="accent1"/>
+          </a:lnRef>
+          <a:fillRef idx="0">
+            <a:schemeClr val="accent1"/>
+          </a:fillRef>
+          <a:effectRef idx="0">
+            <a:schemeClr val="accent1"/>
+          </a:effectRef>
+          <a:fontRef idx="minor">
+            <a:schemeClr val="tx1"/>
+          </a:fontRef>
+        </p:style>
+      </p:cxnSp>
+      <p:cxnSp>
+        <p:nvCxnSpPr>
+          <p:cNvPr id="74" name="Straight Arrow Connector 73">
+            <a:extLst>
+              <a:ext uri="{FF2B5EF4-FFF2-40B4-BE49-F238E27FC236}">
+                <a16:creationId xmlns:a16="http://schemas.microsoft.com/office/drawing/2014/main" id="{D0964B26-3BDD-1948-91B4-A04BA9AD1315}"/>
+              </a:ext>
+            </a:extLst>
+          </p:cNvPr>
+          <p:cNvCxnSpPr>
+            <a:endCxn id="44" idx="4"/>
+          </p:cNvCxnSpPr>
+          <p:nvPr/>
+        </p:nvCxnSpPr>
+        <p:spPr>
+          <a:xfrm flipH="1" flipV="1">
+            <a:off x="7559070" y="1379680"/>
+            <a:ext cx="2788024" cy="565033"/>
+          </a:xfrm>
+          <a:prstGeom prst="straightConnector1">
+            <a:avLst/>
+          </a:prstGeom>
+          <a:ln>
+            <a:tailEnd type="triangle"/>
+          </a:ln>
+        </p:spPr>
+        <p:style>
+          <a:lnRef idx="1">
+            <a:schemeClr val="accent1"/>
+          </a:lnRef>
+          <a:fillRef idx="0">
+            <a:schemeClr val="accent1"/>
+          </a:fillRef>
+          <a:effectRef idx="0">
+            <a:schemeClr val="accent1"/>
+          </a:effectRef>
+          <a:fontRef idx="minor">
+            <a:schemeClr val="tx1"/>
+          </a:fontRef>
+        </p:style>
+      </p:cxnSp>
+      <p:sp>
+        <p:nvSpPr>
+          <p:cNvPr id="76" name="TextBox 75">
+            <a:extLst>
+              <a:ext uri="{FF2B5EF4-FFF2-40B4-BE49-F238E27FC236}">
+                <a16:creationId xmlns:a16="http://schemas.microsoft.com/office/drawing/2014/main" id="{7B8619EF-1FCF-ED49-BF5B-9D3B65295942}"/>
+              </a:ext>
+            </a:extLst>
+          </p:cNvPr>
+          <p:cNvSpPr txBox="1"/>
+          <p:nvPr/>
+        </p:nvSpPr>
+        <p:spPr>
+          <a:xfrm>
+            <a:off x="6534642" y="2071212"/>
+            <a:ext cx="551330" cy="523220"/>
+          </a:xfrm>
+          <a:prstGeom prst="rect">
+            <a:avLst/>
+          </a:prstGeom>
+          <a:noFill/>
+        </p:spPr>
+        <p:txBody>
+          <a:bodyPr wrap="square" rtlCol="0">
+            <a:spAutoFit/>
+          </a:bodyPr>
+          <a:lstStyle/>
+          <a:p>
+            <a:r>
+              <a:rPr lang="en-US" sz="2800" dirty="0"/>
+              <a:t>…</a:t>
+            </a:r>
+          </a:p>
+        </p:txBody>
+      </p:sp>
+      <p:sp>
+        <p:nvSpPr>
+          <p:cNvPr id="77" name="TextBox 76">
+            <a:extLst>
+              <a:ext uri="{FF2B5EF4-FFF2-40B4-BE49-F238E27FC236}">
+                <a16:creationId xmlns:a16="http://schemas.microsoft.com/office/drawing/2014/main" id="{5C4811EA-E751-3B4E-812D-AFD3B0D6DD76}"/>
+              </a:ext>
+            </a:extLst>
+          </p:cNvPr>
+          <p:cNvSpPr txBox="1"/>
+          <p:nvPr/>
+        </p:nvSpPr>
+        <p:spPr>
+          <a:xfrm>
+            <a:off x="9181681" y="2043104"/>
+            <a:ext cx="551330" cy="523220"/>
+          </a:xfrm>
+          <a:prstGeom prst="rect">
+            <a:avLst/>
+          </a:prstGeom>
+          <a:noFill/>
+        </p:spPr>
+        <p:txBody>
+          <a:bodyPr wrap="square" rtlCol="0">
+            <a:spAutoFit/>
+          </a:bodyPr>
+          <a:lstStyle/>
+          <a:p>
+            <a:r>
+              <a:rPr lang="en-US" sz="2800" dirty="0"/>
+              <a:t>…</a:t>
+            </a:r>
           </a:p>
         </p:txBody>
       </p:sp>
@@ -5874,6 +7890,822 @@
   <p:clrMapOvr>
     <a:masterClrMapping/>
   </p:clrMapOvr>
+  <p:timing>
+    <p:tnLst>
+      <p:par>
+        <p:cTn id="1" dur="indefinite" restart="never" nodeType="tmRoot">
+          <p:childTnLst>
+            <p:seq concurrent="1" nextAc="seek">
+              <p:cTn id="2" dur="indefinite" nodeType="mainSeq">
+                <p:childTnLst>
+                  <p:par>
+                    <p:cTn id="3" fill="hold">
+                      <p:stCondLst>
+                        <p:cond delay="indefinite"/>
+                      </p:stCondLst>
+                      <p:childTnLst>
+                        <p:par>
+                          <p:cTn id="4" fill="hold">
+                            <p:stCondLst>
+                              <p:cond delay="0"/>
+                            </p:stCondLst>
+                            <p:childTnLst>
+                              <p:par>
+                                <p:cTn id="5" presetID="1" presetClass="exit" presetSubtype="0" fill="hold" nodeType="clickEffect">
+                                  <p:stCondLst>
+                                    <p:cond delay="0"/>
+                                  </p:stCondLst>
+                                  <p:childTnLst>
+                                    <p:set>
+                                      <p:cBhvr>
+                                        <p:cTn id="6" dur="1" fill="hold">
+                                          <p:stCondLst>
+                                            <p:cond delay="0"/>
+                                          </p:stCondLst>
+                                        </p:cTn>
+                                        <p:tgtEl>
+                                          <p:spTgt spid="29"/>
+                                        </p:tgtEl>
+                                        <p:attrNameLst>
+                                          <p:attrName>style.visibility</p:attrName>
+                                        </p:attrNameLst>
+                                      </p:cBhvr>
+                                      <p:to>
+                                        <p:strVal val="hidden"/>
+                                      </p:to>
+                                    </p:set>
+                                  </p:childTnLst>
+                                </p:cTn>
+                              </p:par>
+                              <p:par>
+                                <p:cTn id="7" presetID="1" presetClass="exit" presetSubtype="0" fill="hold" grpId="0" nodeType="withEffect">
+                                  <p:stCondLst>
+                                    <p:cond delay="0"/>
+                                  </p:stCondLst>
+                                  <p:childTnLst>
+                                    <p:set>
+                                      <p:cBhvr>
+                                        <p:cTn id="8" dur="1" fill="hold">
+                                          <p:stCondLst>
+                                            <p:cond delay="0"/>
+                                          </p:stCondLst>
+                                        </p:cTn>
+                                        <p:tgtEl>
+                                          <p:spTgt spid="26"/>
+                                        </p:tgtEl>
+                                        <p:attrNameLst>
+                                          <p:attrName>style.visibility</p:attrName>
+                                        </p:attrNameLst>
+                                      </p:cBhvr>
+                                      <p:to>
+                                        <p:strVal val="hidden"/>
+                                      </p:to>
+                                    </p:set>
+                                  </p:childTnLst>
+                                </p:cTn>
+                              </p:par>
+                            </p:childTnLst>
+                          </p:cTn>
+                        </p:par>
+                      </p:childTnLst>
+                    </p:cTn>
+                  </p:par>
+                  <p:par>
+                    <p:cTn id="9" fill="hold">
+                      <p:stCondLst>
+                        <p:cond delay="indefinite"/>
+                      </p:stCondLst>
+                      <p:childTnLst>
+                        <p:par>
+                          <p:cTn id="10" fill="hold">
+                            <p:stCondLst>
+                              <p:cond delay="0"/>
+                            </p:stCondLst>
+                            <p:childTnLst>
+                              <p:par>
+                                <p:cTn id="11" presetID="1" presetClass="entr" presetSubtype="0" fill="hold" nodeType="clickEffect">
+                                  <p:stCondLst>
+                                    <p:cond delay="0"/>
+                                  </p:stCondLst>
+                                  <p:childTnLst>
+                                    <p:set>
+                                      <p:cBhvr>
+                                        <p:cTn id="12" dur="1" fill="hold">
+                                          <p:stCondLst>
+                                            <p:cond delay="0"/>
+                                          </p:stCondLst>
+                                        </p:cTn>
+                                        <p:tgtEl>
+                                          <p:spTgt spid="46"/>
+                                        </p:tgtEl>
+                                        <p:attrNameLst>
+                                          <p:attrName>style.visibility</p:attrName>
+                                        </p:attrNameLst>
+                                      </p:cBhvr>
+                                      <p:to>
+                                        <p:strVal val="visible"/>
+                                      </p:to>
+                                    </p:set>
+                                  </p:childTnLst>
+                                </p:cTn>
+                              </p:par>
+                              <p:par>
+                                <p:cTn id="13" presetID="1" presetClass="entr" presetSubtype="0" fill="hold" nodeType="withEffect">
+                                  <p:stCondLst>
+                                    <p:cond delay="0"/>
+                                  </p:stCondLst>
+                                  <p:childTnLst>
+                                    <p:set>
+                                      <p:cBhvr>
+                                        <p:cTn id="14" dur="1" fill="hold">
+                                          <p:stCondLst>
+                                            <p:cond delay="0"/>
+                                          </p:stCondLst>
+                                        </p:cTn>
+                                        <p:tgtEl>
+                                          <p:spTgt spid="48"/>
+                                        </p:tgtEl>
+                                        <p:attrNameLst>
+                                          <p:attrName>style.visibility</p:attrName>
+                                        </p:attrNameLst>
+                                      </p:cBhvr>
+                                      <p:to>
+                                        <p:strVal val="visible"/>
+                                      </p:to>
+                                    </p:set>
+                                  </p:childTnLst>
+                                </p:cTn>
+                              </p:par>
+                              <p:par>
+                                <p:cTn id="15" presetID="1" presetClass="entr" presetSubtype="0" fill="hold" nodeType="withEffect">
+                                  <p:stCondLst>
+                                    <p:cond delay="0"/>
+                                  </p:stCondLst>
+                                  <p:childTnLst>
+                                    <p:set>
+                                      <p:cBhvr>
+                                        <p:cTn id="16" dur="1" fill="hold">
+                                          <p:stCondLst>
+                                            <p:cond delay="0"/>
+                                          </p:stCondLst>
+                                        </p:cTn>
+                                        <p:tgtEl>
+                                          <p:spTgt spid="50"/>
+                                        </p:tgtEl>
+                                        <p:attrNameLst>
+                                          <p:attrName>style.visibility</p:attrName>
+                                        </p:attrNameLst>
+                                      </p:cBhvr>
+                                      <p:to>
+                                        <p:strVal val="visible"/>
+                                      </p:to>
+                                    </p:set>
+                                  </p:childTnLst>
+                                </p:cTn>
+                              </p:par>
+                              <p:par>
+                                <p:cTn id="17" presetID="1" presetClass="entr" presetSubtype="0" fill="hold" nodeType="withEffect">
+                                  <p:stCondLst>
+                                    <p:cond delay="0"/>
+                                  </p:stCondLst>
+                                  <p:childTnLst>
+                                    <p:set>
+                                      <p:cBhvr>
+                                        <p:cTn id="18" dur="1" fill="hold">
+                                          <p:stCondLst>
+                                            <p:cond delay="0"/>
+                                          </p:stCondLst>
+                                        </p:cTn>
+                                        <p:tgtEl>
+                                          <p:spTgt spid="52"/>
+                                        </p:tgtEl>
+                                        <p:attrNameLst>
+                                          <p:attrName>style.visibility</p:attrName>
+                                        </p:attrNameLst>
+                                      </p:cBhvr>
+                                      <p:to>
+                                        <p:strVal val="visible"/>
+                                      </p:to>
+                                    </p:set>
+                                  </p:childTnLst>
+                                </p:cTn>
+                              </p:par>
+                              <p:par>
+                                <p:cTn id="19" presetID="1" presetClass="entr" presetSubtype="0" fill="hold" nodeType="withEffect">
+                                  <p:stCondLst>
+                                    <p:cond delay="0"/>
+                                  </p:stCondLst>
+                                  <p:childTnLst>
+                                    <p:set>
+                                      <p:cBhvr>
+                                        <p:cTn id="20" dur="1" fill="hold">
+                                          <p:stCondLst>
+                                            <p:cond delay="0"/>
+                                          </p:stCondLst>
+                                        </p:cTn>
+                                        <p:tgtEl>
+                                          <p:spTgt spid="54"/>
+                                        </p:tgtEl>
+                                        <p:attrNameLst>
+                                          <p:attrName>style.visibility</p:attrName>
+                                        </p:attrNameLst>
+                                      </p:cBhvr>
+                                      <p:to>
+                                        <p:strVal val="visible"/>
+                                      </p:to>
+                                    </p:set>
+                                  </p:childTnLst>
+                                </p:cTn>
+                              </p:par>
+                              <p:par>
+                                <p:cTn id="21" presetID="1" presetClass="entr" presetSubtype="0" fill="hold" grpId="0" nodeType="withEffect">
+                                  <p:stCondLst>
+                                    <p:cond delay="0"/>
+                                  </p:stCondLst>
+                                  <p:childTnLst>
+                                    <p:set>
+                                      <p:cBhvr>
+                                        <p:cTn id="22" dur="1" fill="hold">
+                                          <p:stCondLst>
+                                            <p:cond delay="0"/>
+                                          </p:stCondLst>
+                                        </p:cTn>
+                                        <p:tgtEl>
+                                          <p:spTgt spid="38"/>
+                                        </p:tgtEl>
+                                        <p:attrNameLst>
+                                          <p:attrName>style.visibility</p:attrName>
+                                        </p:attrNameLst>
+                                      </p:cBhvr>
+                                      <p:to>
+                                        <p:strVal val="visible"/>
+                                      </p:to>
+                                    </p:set>
+                                  </p:childTnLst>
+                                </p:cTn>
+                              </p:par>
+                            </p:childTnLst>
+                          </p:cTn>
+                        </p:par>
+                      </p:childTnLst>
+                    </p:cTn>
+                  </p:par>
+                  <p:par>
+                    <p:cTn id="23" fill="hold">
+                      <p:stCondLst>
+                        <p:cond delay="indefinite"/>
+                      </p:stCondLst>
+                      <p:childTnLst>
+                        <p:par>
+                          <p:cTn id="24" fill="hold">
+                            <p:stCondLst>
+                              <p:cond delay="0"/>
+                            </p:stCondLst>
+                            <p:childTnLst>
+                              <p:par>
+                                <p:cTn id="25" presetID="1" presetClass="entr" presetSubtype="0" fill="hold" nodeType="clickEffect">
+                                  <p:stCondLst>
+                                    <p:cond delay="0"/>
+                                  </p:stCondLst>
+                                  <p:childTnLst>
+                                    <p:set>
+                                      <p:cBhvr>
+                                        <p:cTn id="26" dur="1" fill="hold">
+                                          <p:stCondLst>
+                                            <p:cond delay="0"/>
+                                          </p:stCondLst>
+                                        </p:cTn>
+                                        <p:tgtEl>
+                                          <p:spTgt spid="64"/>
+                                        </p:tgtEl>
+                                        <p:attrNameLst>
+                                          <p:attrName>style.visibility</p:attrName>
+                                        </p:attrNameLst>
+                                      </p:cBhvr>
+                                      <p:to>
+                                        <p:strVal val="visible"/>
+                                      </p:to>
+                                    </p:set>
+                                  </p:childTnLst>
+                                </p:cTn>
+                              </p:par>
+                              <p:par>
+                                <p:cTn id="27" presetID="1" presetClass="entr" presetSubtype="0" fill="hold" nodeType="withEffect">
+                                  <p:stCondLst>
+                                    <p:cond delay="0"/>
+                                  </p:stCondLst>
+                                  <p:childTnLst>
+                                    <p:set>
+                                      <p:cBhvr>
+                                        <p:cTn id="28" dur="1" fill="hold">
+                                          <p:stCondLst>
+                                            <p:cond delay="0"/>
+                                          </p:stCondLst>
+                                        </p:cTn>
+                                        <p:tgtEl>
+                                          <p:spTgt spid="62"/>
+                                        </p:tgtEl>
+                                        <p:attrNameLst>
+                                          <p:attrName>style.visibility</p:attrName>
+                                        </p:attrNameLst>
+                                      </p:cBhvr>
+                                      <p:to>
+                                        <p:strVal val="visible"/>
+                                      </p:to>
+                                    </p:set>
+                                  </p:childTnLst>
+                                </p:cTn>
+                              </p:par>
+                              <p:par>
+                                <p:cTn id="29" presetID="1" presetClass="entr" presetSubtype="0" fill="hold" nodeType="withEffect">
+                                  <p:stCondLst>
+                                    <p:cond delay="0"/>
+                                  </p:stCondLst>
+                                  <p:childTnLst>
+                                    <p:set>
+                                      <p:cBhvr>
+                                        <p:cTn id="30" dur="1" fill="hold">
+                                          <p:stCondLst>
+                                            <p:cond delay="0"/>
+                                          </p:stCondLst>
+                                        </p:cTn>
+                                        <p:tgtEl>
+                                          <p:spTgt spid="60"/>
+                                        </p:tgtEl>
+                                        <p:attrNameLst>
+                                          <p:attrName>style.visibility</p:attrName>
+                                        </p:attrNameLst>
+                                      </p:cBhvr>
+                                      <p:to>
+                                        <p:strVal val="visible"/>
+                                      </p:to>
+                                    </p:set>
+                                  </p:childTnLst>
+                                </p:cTn>
+                              </p:par>
+                              <p:par>
+                                <p:cTn id="31" presetID="1" presetClass="entr" presetSubtype="0" fill="hold" nodeType="withEffect">
+                                  <p:stCondLst>
+                                    <p:cond delay="0"/>
+                                  </p:stCondLst>
+                                  <p:childTnLst>
+                                    <p:set>
+                                      <p:cBhvr>
+                                        <p:cTn id="32" dur="1" fill="hold">
+                                          <p:stCondLst>
+                                            <p:cond delay="0"/>
+                                          </p:stCondLst>
+                                        </p:cTn>
+                                        <p:tgtEl>
+                                          <p:spTgt spid="58"/>
+                                        </p:tgtEl>
+                                        <p:attrNameLst>
+                                          <p:attrName>style.visibility</p:attrName>
+                                        </p:attrNameLst>
+                                      </p:cBhvr>
+                                      <p:to>
+                                        <p:strVal val="visible"/>
+                                      </p:to>
+                                    </p:set>
+                                  </p:childTnLst>
+                                </p:cTn>
+                              </p:par>
+                              <p:par>
+                                <p:cTn id="33" presetID="1" presetClass="entr" presetSubtype="0" fill="hold" nodeType="withEffect">
+                                  <p:stCondLst>
+                                    <p:cond delay="0"/>
+                                  </p:stCondLst>
+                                  <p:childTnLst>
+                                    <p:set>
+                                      <p:cBhvr>
+                                        <p:cTn id="34" dur="1" fill="hold">
+                                          <p:stCondLst>
+                                            <p:cond delay="0"/>
+                                          </p:stCondLst>
+                                        </p:cTn>
+                                        <p:tgtEl>
+                                          <p:spTgt spid="56"/>
+                                        </p:tgtEl>
+                                        <p:attrNameLst>
+                                          <p:attrName>style.visibility</p:attrName>
+                                        </p:attrNameLst>
+                                      </p:cBhvr>
+                                      <p:to>
+                                        <p:strVal val="visible"/>
+                                      </p:to>
+                                    </p:set>
+                                  </p:childTnLst>
+                                </p:cTn>
+                              </p:par>
+                              <p:par>
+                                <p:cTn id="35" presetID="1" presetClass="entr" presetSubtype="0" fill="hold" grpId="0" nodeType="withEffect">
+                                  <p:stCondLst>
+                                    <p:cond delay="0"/>
+                                  </p:stCondLst>
+                                  <p:childTnLst>
+                                    <p:set>
+                                      <p:cBhvr>
+                                        <p:cTn id="36" dur="1" fill="hold">
+                                          <p:stCondLst>
+                                            <p:cond delay="0"/>
+                                          </p:stCondLst>
+                                        </p:cTn>
+                                        <p:tgtEl>
+                                          <p:spTgt spid="39"/>
+                                        </p:tgtEl>
+                                        <p:attrNameLst>
+                                          <p:attrName>style.visibility</p:attrName>
+                                        </p:attrNameLst>
+                                      </p:cBhvr>
+                                      <p:to>
+                                        <p:strVal val="visible"/>
+                                      </p:to>
+                                    </p:set>
+                                  </p:childTnLst>
+                                </p:cTn>
+                              </p:par>
+                              <p:par>
+                                <p:cTn id="37" presetID="1" presetClass="entr" presetSubtype="0" fill="hold" grpId="0" nodeType="withEffect">
+                                  <p:stCondLst>
+                                    <p:cond delay="0"/>
+                                  </p:stCondLst>
+                                  <p:childTnLst>
+                                    <p:set>
+                                      <p:cBhvr>
+                                        <p:cTn id="38" dur="1" fill="hold">
+                                          <p:stCondLst>
+                                            <p:cond delay="0"/>
+                                          </p:stCondLst>
+                                        </p:cTn>
+                                        <p:tgtEl>
+                                          <p:spTgt spid="40"/>
+                                        </p:tgtEl>
+                                        <p:attrNameLst>
+                                          <p:attrName>style.visibility</p:attrName>
+                                        </p:attrNameLst>
+                                      </p:cBhvr>
+                                      <p:to>
+                                        <p:strVal val="visible"/>
+                                      </p:to>
+                                    </p:set>
+                                  </p:childTnLst>
+                                </p:cTn>
+                              </p:par>
+                              <p:par>
+                                <p:cTn id="39" presetID="1" presetClass="entr" presetSubtype="0" fill="hold" grpId="0" nodeType="withEffect">
+                                  <p:stCondLst>
+                                    <p:cond delay="0"/>
+                                  </p:stCondLst>
+                                  <p:childTnLst>
+                                    <p:set>
+                                      <p:cBhvr>
+                                        <p:cTn id="40" dur="1" fill="hold">
+                                          <p:stCondLst>
+                                            <p:cond delay="0"/>
+                                          </p:stCondLst>
+                                        </p:cTn>
+                                        <p:tgtEl>
+                                          <p:spTgt spid="76"/>
+                                        </p:tgtEl>
+                                        <p:attrNameLst>
+                                          <p:attrName>style.visibility</p:attrName>
+                                        </p:attrNameLst>
+                                      </p:cBhvr>
+                                      <p:to>
+                                        <p:strVal val="visible"/>
+                                      </p:to>
+                                    </p:set>
+                                  </p:childTnLst>
+                                </p:cTn>
+                              </p:par>
+                              <p:par>
+                                <p:cTn id="41" presetID="1" presetClass="entr" presetSubtype="0" fill="hold" grpId="0" nodeType="withEffect">
+                                  <p:stCondLst>
+                                    <p:cond delay="0"/>
+                                  </p:stCondLst>
+                                  <p:childTnLst>
+                                    <p:set>
+                                      <p:cBhvr>
+                                        <p:cTn id="42" dur="1" fill="hold">
+                                          <p:stCondLst>
+                                            <p:cond delay="0"/>
+                                          </p:stCondLst>
+                                        </p:cTn>
+                                        <p:tgtEl>
+                                          <p:spTgt spid="41"/>
+                                        </p:tgtEl>
+                                        <p:attrNameLst>
+                                          <p:attrName>style.visibility</p:attrName>
+                                        </p:attrNameLst>
+                                      </p:cBhvr>
+                                      <p:to>
+                                        <p:strVal val="visible"/>
+                                      </p:to>
+                                    </p:set>
+                                  </p:childTnLst>
+                                </p:cTn>
+                              </p:par>
+                              <p:par>
+                                <p:cTn id="43" presetID="1" presetClass="entr" presetSubtype="0" fill="hold" grpId="0" nodeType="withEffect">
+                                  <p:stCondLst>
+                                    <p:cond delay="0"/>
+                                  </p:stCondLst>
+                                  <p:childTnLst>
+                                    <p:set>
+                                      <p:cBhvr>
+                                        <p:cTn id="44" dur="1" fill="hold">
+                                          <p:stCondLst>
+                                            <p:cond delay="0"/>
+                                          </p:stCondLst>
+                                        </p:cTn>
+                                        <p:tgtEl>
+                                          <p:spTgt spid="42"/>
+                                        </p:tgtEl>
+                                        <p:attrNameLst>
+                                          <p:attrName>style.visibility</p:attrName>
+                                        </p:attrNameLst>
+                                      </p:cBhvr>
+                                      <p:to>
+                                        <p:strVal val="visible"/>
+                                      </p:to>
+                                    </p:set>
+                                  </p:childTnLst>
+                                </p:cTn>
+                              </p:par>
+                              <p:par>
+                                <p:cTn id="45" presetID="1" presetClass="entr" presetSubtype="0" fill="hold" grpId="0" nodeType="withEffect">
+                                  <p:stCondLst>
+                                    <p:cond delay="0"/>
+                                  </p:stCondLst>
+                                  <p:childTnLst>
+                                    <p:set>
+                                      <p:cBhvr>
+                                        <p:cTn id="46" dur="1" fill="hold">
+                                          <p:stCondLst>
+                                            <p:cond delay="0"/>
+                                          </p:stCondLst>
+                                        </p:cTn>
+                                        <p:tgtEl>
+                                          <p:spTgt spid="77"/>
+                                        </p:tgtEl>
+                                        <p:attrNameLst>
+                                          <p:attrName>style.visibility</p:attrName>
+                                        </p:attrNameLst>
+                                      </p:cBhvr>
+                                      <p:to>
+                                        <p:strVal val="visible"/>
+                                      </p:to>
+                                    </p:set>
+                                  </p:childTnLst>
+                                </p:cTn>
+                              </p:par>
+                              <p:par>
+                                <p:cTn id="47" presetID="1" presetClass="entr" presetSubtype="0" fill="hold" grpId="0" nodeType="withEffect">
+                                  <p:stCondLst>
+                                    <p:cond delay="0"/>
+                                  </p:stCondLst>
+                                  <p:childTnLst>
+                                    <p:set>
+                                      <p:cBhvr>
+                                        <p:cTn id="48" dur="1" fill="hold">
+                                          <p:stCondLst>
+                                            <p:cond delay="0"/>
+                                          </p:stCondLst>
+                                        </p:cTn>
+                                        <p:tgtEl>
+                                          <p:spTgt spid="43"/>
+                                        </p:tgtEl>
+                                        <p:attrNameLst>
+                                          <p:attrName>style.visibility</p:attrName>
+                                        </p:attrNameLst>
+                                      </p:cBhvr>
+                                      <p:to>
+                                        <p:strVal val="visible"/>
+                                      </p:to>
+                                    </p:set>
+                                  </p:childTnLst>
+                                </p:cTn>
+                              </p:par>
+                            </p:childTnLst>
+                          </p:cTn>
+                        </p:par>
+                      </p:childTnLst>
+                    </p:cTn>
+                  </p:par>
+                  <p:par>
+                    <p:cTn id="49" fill="hold">
+                      <p:stCondLst>
+                        <p:cond delay="indefinite"/>
+                      </p:stCondLst>
+                      <p:childTnLst>
+                        <p:par>
+                          <p:cTn id="50" fill="hold">
+                            <p:stCondLst>
+                              <p:cond delay="0"/>
+                            </p:stCondLst>
+                            <p:childTnLst>
+                              <p:par>
+                                <p:cTn id="51" presetID="1" presetClass="entr" presetSubtype="0" fill="hold" nodeType="clickEffect">
+                                  <p:stCondLst>
+                                    <p:cond delay="0"/>
+                                  </p:stCondLst>
+                                  <p:childTnLst>
+                                    <p:set>
+                                      <p:cBhvr>
+                                        <p:cTn id="52" dur="1" fill="hold">
+                                          <p:stCondLst>
+                                            <p:cond delay="0"/>
+                                          </p:stCondLst>
+                                        </p:cTn>
+                                        <p:tgtEl>
+                                          <p:spTgt spid="68"/>
+                                        </p:tgtEl>
+                                        <p:attrNameLst>
+                                          <p:attrName>style.visibility</p:attrName>
+                                        </p:attrNameLst>
+                                      </p:cBhvr>
+                                      <p:to>
+                                        <p:strVal val="visible"/>
+                                      </p:to>
+                                    </p:set>
+                                  </p:childTnLst>
+                                </p:cTn>
+                              </p:par>
+                              <p:par>
+                                <p:cTn id="53" presetID="1" presetClass="entr" presetSubtype="0" fill="hold" nodeType="withEffect">
+                                  <p:stCondLst>
+                                    <p:cond delay="0"/>
+                                  </p:stCondLst>
+                                  <p:childTnLst>
+                                    <p:set>
+                                      <p:cBhvr>
+                                        <p:cTn id="54" dur="1" fill="hold">
+                                          <p:stCondLst>
+                                            <p:cond delay="0"/>
+                                          </p:stCondLst>
+                                        </p:cTn>
+                                        <p:tgtEl>
+                                          <p:spTgt spid="66"/>
+                                        </p:tgtEl>
+                                        <p:attrNameLst>
+                                          <p:attrName>style.visibility</p:attrName>
+                                        </p:attrNameLst>
+                                      </p:cBhvr>
+                                      <p:to>
+                                        <p:strVal val="visible"/>
+                                      </p:to>
+                                    </p:set>
+                                  </p:childTnLst>
+                                </p:cTn>
+                              </p:par>
+                              <p:par>
+                                <p:cTn id="55" presetID="1" presetClass="entr" presetSubtype="0" fill="hold" nodeType="withEffect">
+                                  <p:stCondLst>
+                                    <p:cond delay="0"/>
+                                  </p:stCondLst>
+                                  <p:childTnLst>
+                                    <p:set>
+                                      <p:cBhvr>
+                                        <p:cTn id="56" dur="1" fill="hold">
+                                          <p:stCondLst>
+                                            <p:cond delay="0"/>
+                                          </p:stCondLst>
+                                        </p:cTn>
+                                        <p:tgtEl>
+                                          <p:spTgt spid="72"/>
+                                        </p:tgtEl>
+                                        <p:attrNameLst>
+                                          <p:attrName>style.visibility</p:attrName>
+                                        </p:attrNameLst>
+                                      </p:cBhvr>
+                                      <p:to>
+                                        <p:strVal val="visible"/>
+                                      </p:to>
+                                    </p:set>
+                                  </p:childTnLst>
+                                </p:cTn>
+                              </p:par>
+                              <p:par>
+                                <p:cTn id="57" presetID="1" presetClass="entr" presetSubtype="0" fill="hold" nodeType="withEffect">
+                                  <p:stCondLst>
+                                    <p:cond delay="0"/>
+                                  </p:stCondLst>
+                                  <p:childTnLst>
+                                    <p:set>
+                                      <p:cBhvr>
+                                        <p:cTn id="58" dur="1" fill="hold">
+                                          <p:stCondLst>
+                                            <p:cond delay="0"/>
+                                          </p:stCondLst>
+                                        </p:cTn>
+                                        <p:tgtEl>
+                                          <p:spTgt spid="70"/>
+                                        </p:tgtEl>
+                                        <p:attrNameLst>
+                                          <p:attrName>style.visibility</p:attrName>
+                                        </p:attrNameLst>
+                                      </p:cBhvr>
+                                      <p:to>
+                                        <p:strVal val="visible"/>
+                                      </p:to>
+                                    </p:set>
+                                  </p:childTnLst>
+                                </p:cTn>
+                              </p:par>
+                              <p:par>
+                                <p:cTn id="59" presetID="1" presetClass="entr" presetSubtype="0" fill="hold" nodeType="withEffect">
+                                  <p:stCondLst>
+                                    <p:cond delay="0"/>
+                                  </p:stCondLst>
+                                  <p:childTnLst>
+                                    <p:set>
+                                      <p:cBhvr>
+                                        <p:cTn id="60" dur="1" fill="hold">
+                                          <p:stCondLst>
+                                            <p:cond delay="0"/>
+                                          </p:stCondLst>
+                                        </p:cTn>
+                                        <p:tgtEl>
+                                          <p:spTgt spid="74"/>
+                                        </p:tgtEl>
+                                        <p:attrNameLst>
+                                          <p:attrName>style.visibility</p:attrName>
+                                        </p:attrNameLst>
+                                      </p:cBhvr>
+                                      <p:to>
+                                        <p:strVal val="visible"/>
+                                      </p:to>
+                                    </p:set>
+                                  </p:childTnLst>
+                                </p:cTn>
+                              </p:par>
+                              <p:par>
+                                <p:cTn id="61" presetID="1" presetClass="entr" presetSubtype="0" fill="hold" grpId="0" nodeType="withEffect">
+                                  <p:stCondLst>
+                                    <p:cond delay="0"/>
+                                  </p:stCondLst>
+                                  <p:childTnLst>
+                                    <p:set>
+                                      <p:cBhvr>
+                                        <p:cTn id="62" dur="1" fill="hold">
+                                          <p:stCondLst>
+                                            <p:cond delay="0"/>
+                                          </p:stCondLst>
+                                        </p:cTn>
+                                        <p:tgtEl>
+                                          <p:spTgt spid="44"/>
+                                        </p:tgtEl>
+                                        <p:attrNameLst>
+                                          <p:attrName>style.visibility</p:attrName>
+                                        </p:attrNameLst>
+                                      </p:cBhvr>
+                                      <p:to>
+                                        <p:strVal val="visible"/>
+                                      </p:to>
+                                    </p:set>
+                                  </p:childTnLst>
+                                </p:cTn>
+                              </p:par>
+                            </p:childTnLst>
+                          </p:cTn>
+                        </p:par>
+                      </p:childTnLst>
+                    </p:cTn>
+                  </p:par>
+                </p:childTnLst>
+              </p:cTn>
+              <p:prevCondLst>
+                <p:cond evt="onPrev" delay="0">
+                  <p:tgtEl>
+                    <p:sldTgt/>
+                  </p:tgtEl>
+                </p:cond>
+              </p:prevCondLst>
+              <p:nextCondLst>
+                <p:cond evt="onNext" delay="0">
+                  <p:tgtEl>
+                    <p:sldTgt/>
+                  </p:tgtEl>
+                </p:cond>
+              </p:nextCondLst>
+            </p:seq>
+          </p:childTnLst>
+        </p:cTn>
+      </p:par>
+    </p:tnLst>
+    <p:bldLst>
+      <p:bldP spid="26" grpId="0" animBg="1"/>
+      <p:bldP spid="38" grpId="0" animBg="1"/>
+      <p:bldP spid="39" grpId="0" animBg="1"/>
+      <p:bldP spid="40" grpId="0" animBg="1"/>
+      <p:bldP spid="41" grpId="0" animBg="1"/>
+      <p:bldP spid="42" grpId="0" animBg="1"/>
+      <p:bldP spid="43" grpId="0" animBg="1"/>
+      <p:bldP spid="44" grpId="0" animBg="1"/>
+      <p:bldP spid="76" grpId="0"/>
+      <p:bldP spid="77" grpId="0"/>
+    </p:bldLst>
+  </p:timing>
 </p:sld>
 </file>
 
@@ -5899,7 +8731,7 @@
           <p:cNvPr id="2" name="Title 1">
             <a:extLst>
               <a:ext uri="{FF2B5EF4-FFF2-40B4-BE49-F238E27FC236}">
-                <a16:creationId xmlns:a16="http://schemas.microsoft.com/office/drawing/2014/main" id="{794F9F2B-A265-6643-BD51-85C0583F89CB}"/>
+                <a16:creationId xmlns:a16="http://schemas.microsoft.com/office/drawing/2014/main" id="{8C47310E-BBEE-AD43-BCED-6A3B51E3949D}"/>
               </a:ext>
             </a:extLst>
           </p:cNvPr>
@@ -5917,7 +8749,7 @@
           <a:p>
             <a:r>
               <a:rPr lang="en-US" dirty="0"/>
-              <a:t>Dataset and Features</a:t>
+              <a:t>Model Architecture</a:t>
             </a:r>
           </a:p>
         </p:txBody>
@@ -5927,7 +8759,7 @@
           <p:cNvPr id="3" name="Content Placeholder 2">
             <a:extLst>
               <a:ext uri="{FF2B5EF4-FFF2-40B4-BE49-F238E27FC236}">
-                <a16:creationId xmlns:a16="http://schemas.microsoft.com/office/drawing/2014/main" id="{311D028F-13E4-9145-BCD0-BC8C3176F733}"/>
+                <a16:creationId xmlns:a16="http://schemas.microsoft.com/office/drawing/2014/main" id="{06CAA221-D0B4-F84A-B7BE-F2D1D4608958}"/>
               </a:ext>
             </a:extLst>
           </p:cNvPr>
@@ -5943,7 +8775,7 @@
           <a:bodyPr/>
           <a:lstStyle/>
           <a:p>
-            <a:endParaRPr lang="en-US"/>
+            <a:endParaRPr lang="en-US" dirty="0"/>
           </a:p>
         </p:txBody>
       </p:sp>
@@ -5952,7 +8784,7 @@
           <p:cNvPr id="4" name="Slide Number Placeholder 3">
             <a:extLst>
               <a:ext uri="{FF2B5EF4-FFF2-40B4-BE49-F238E27FC236}">
-                <a16:creationId xmlns:a16="http://schemas.microsoft.com/office/drawing/2014/main" id="{BCF7DE2B-8C51-A94B-967B-6BDBC89367BD}"/>
+                <a16:creationId xmlns:a16="http://schemas.microsoft.com/office/drawing/2014/main" id="{74BAEEBF-AB5F-CC4E-8761-6BFC129CD191}"/>
               </a:ext>
             </a:extLst>
           </p:cNvPr>
@@ -5979,7 +8811,7 @@
     </p:spTree>
     <p:extLst>
       <p:ext uri="{BB962C8B-B14F-4D97-AF65-F5344CB8AC3E}">
-        <p14:creationId xmlns:p14="http://schemas.microsoft.com/office/powerpoint/2010/main" val="1976759143"/>
+        <p14:creationId xmlns:p14="http://schemas.microsoft.com/office/powerpoint/2010/main" val="176311535"/>
       </p:ext>
     </p:extLst>
   </p:cSld>
@@ -6011,7 +8843,7 @@
           <p:cNvPr id="2" name="Title 1">
             <a:extLst>
               <a:ext uri="{FF2B5EF4-FFF2-40B4-BE49-F238E27FC236}">
-                <a16:creationId xmlns:a16="http://schemas.microsoft.com/office/drawing/2014/main" id="{8C47310E-BBEE-AD43-BCED-6A3B51E3949D}"/>
+                <a16:creationId xmlns:a16="http://schemas.microsoft.com/office/drawing/2014/main" id="{794F9F2B-A265-6643-BD51-85C0583F89CB}"/>
               </a:ext>
             </a:extLst>
           </p:cNvPr>
@@ -6029,7 +8861,7 @@
           <a:p>
             <a:r>
               <a:rPr lang="en-US" dirty="0"/>
-              <a:t>Model Architecture</a:t>
+              <a:t>Study Design</a:t>
             </a:r>
           </a:p>
         </p:txBody>
@@ -6039,7 +8871,7 @@
           <p:cNvPr id="3" name="Content Placeholder 2">
             <a:extLst>
               <a:ext uri="{FF2B5EF4-FFF2-40B4-BE49-F238E27FC236}">
-                <a16:creationId xmlns:a16="http://schemas.microsoft.com/office/drawing/2014/main" id="{06CAA221-D0B4-F84A-B7BE-F2D1D4608958}"/>
+                <a16:creationId xmlns:a16="http://schemas.microsoft.com/office/drawing/2014/main" id="{311D028F-13E4-9145-BCD0-BC8C3176F733}"/>
               </a:ext>
             </a:extLst>
           </p:cNvPr>
@@ -6064,7 +8896,7 @@
           <p:cNvPr id="4" name="Slide Number Placeholder 3">
             <a:extLst>
               <a:ext uri="{FF2B5EF4-FFF2-40B4-BE49-F238E27FC236}">
-                <a16:creationId xmlns:a16="http://schemas.microsoft.com/office/drawing/2014/main" id="{74BAEEBF-AB5F-CC4E-8761-6BFC129CD191}"/>
+                <a16:creationId xmlns:a16="http://schemas.microsoft.com/office/drawing/2014/main" id="{BCF7DE2B-8C51-A94B-967B-6BDBC89367BD}"/>
               </a:ext>
             </a:extLst>
           </p:cNvPr>
@@ -6091,7 +8923,7 @@
     </p:spTree>
     <p:extLst>
       <p:ext uri="{BB962C8B-B14F-4D97-AF65-F5344CB8AC3E}">
-        <p14:creationId xmlns:p14="http://schemas.microsoft.com/office/powerpoint/2010/main" val="176311535"/>
+        <p14:creationId xmlns:p14="http://schemas.microsoft.com/office/powerpoint/2010/main" val="1976759143"/>
       </p:ext>
     </p:extLst>
   </p:cSld>
@@ -14586,13 +17418,14 @@
           </p:cNvPr>
           <p:cNvCxnSpPr>
             <a:cxnSpLocks/>
+            <a:endCxn id="8" idx="1"/>
           </p:cNvCxnSpPr>
           <p:nvPr/>
         </p:nvCxnSpPr>
         <p:spPr>
           <a:xfrm>
-            <a:off x="5520269" y="3132610"/>
-            <a:ext cx="694263" cy="1"/>
+            <a:off x="5493375" y="3132610"/>
+            <a:ext cx="721157" cy="1"/>
           </a:xfrm>
           <a:prstGeom prst="straightConnector1">
             <a:avLst/>

--- a/Sep21/DeepGRN_092121.pptx
+++ b/Sep21/DeepGRN_092121.pptx
@@ -134,6 +134,66 @@
     </p:ext>
   </p:extLst>
 </p:presentation>
+</file>
+
+<file path=ppt/revisionInfo.xml><?xml version="1.0" encoding="utf-8"?>
+<p1510:revInfo xmlns:a="http://schemas.openxmlformats.org/drawingml/2006/main" xmlns:r="http://schemas.openxmlformats.org/officeDocument/2006/relationships" xmlns:p1510="http://schemas.microsoft.com/office/powerpoint/2015/10/main">
+  <p1510:revLst>
+    <p1510:client id="{ADAF4B5B-B7C9-7E40-B4B1-49C187825132}" v="1" dt="2021-09-15T18:20:13.367"/>
+  </p1510:revLst>
+</p1510:revInfo>
+</file>
+
+<file path=ppt/changesInfos/changesInfo1.xml><?xml version="1.0" encoding="utf-8"?>
+<pc:chgInfo xmlns:a="http://schemas.openxmlformats.org/drawingml/2006/main" xmlns:r="http://schemas.openxmlformats.org/officeDocument/2006/relationships" xmlns:ac="http://schemas.microsoft.com/office/drawing/2013/main/command" xmlns:pc="http://schemas.microsoft.com/office/powerpoint/2013/main/command">
+  <pc:docChgLst>
+    <pc:chgData name="Banerjee, Deepro" userId="59bb156d-7516-4212-a860-9ec41fb041f7" providerId="ADAL" clId="{ADAF4B5B-B7C9-7E40-B4B1-49C187825132}"/>
+    <pc:docChg chg="custSel modSld">
+      <pc:chgData name="Banerjee, Deepro" userId="59bb156d-7516-4212-a860-9ec41fb041f7" providerId="ADAL" clId="{ADAF4B5B-B7C9-7E40-B4B1-49C187825132}" dt="2021-09-15T18:20:46.785" v="12" actId="478"/>
+      <pc:docMkLst>
+        <pc:docMk/>
+      </pc:docMkLst>
+      <pc:sldChg chg="delSp mod">
+        <pc:chgData name="Banerjee, Deepro" userId="59bb156d-7516-4212-a860-9ec41fb041f7" providerId="ADAL" clId="{ADAF4B5B-B7C9-7E40-B4B1-49C187825132}" dt="2021-09-15T18:20:46.785" v="12" actId="478"/>
+        <pc:sldMkLst>
+          <pc:docMk/>
+          <pc:sldMk cId="1976759143" sldId="268"/>
+        </pc:sldMkLst>
+        <pc:spChg chg="del">
+          <ac:chgData name="Banerjee, Deepro" userId="59bb156d-7516-4212-a860-9ec41fb041f7" providerId="ADAL" clId="{ADAF4B5B-B7C9-7E40-B4B1-49C187825132}" dt="2021-09-15T18:20:46.785" v="12" actId="478"/>
+          <ac:spMkLst>
+            <pc:docMk/>
+            <pc:sldMk cId="1976759143" sldId="268"/>
+            <ac:spMk id="3" creationId="{311D028F-13E4-9145-BCD0-BC8C3176F733}"/>
+          </ac:spMkLst>
+        </pc:spChg>
+      </pc:sldChg>
+      <pc:sldChg chg="addSp delSp modSp mod">
+        <pc:chgData name="Banerjee, Deepro" userId="59bb156d-7516-4212-a860-9ec41fb041f7" providerId="ADAL" clId="{ADAF4B5B-B7C9-7E40-B4B1-49C187825132}" dt="2021-09-15T18:20:20.110" v="11" actId="1035"/>
+        <pc:sldMkLst>
+          <pc:docMk/>
+          <pc:sldMk cId="176311535" sldId="269"/>
+        </pc:sldMkLst>
+        <pc:spChg chg="del">
+          <ac:chgData name="Banerjee, Deepro" userId="59bb156d-7516-4212-a860-9ec41fb041f7" providerId="ADAL" clId="{ADAF4B5B-B7C9-7E40-B4B1-49C187825132}" dt="2021-09-15T18:20:13.366" v="0" actId="931"/>
+          <ac:spMkLst>
+            <pc:docMk/>
+            <pc:sldMk cId="176311535" sldId="269"/>
+            <ac:spMk id="3" creationId="{06CAA221-D0B4-F84A-B7BE-F2D1D4608958}"/>
+          </ac:spMkLst>
+        </pc:spChg>
+        <pc:picChg chg="add mod">
+          <ac:chgData name="Banerjee, Deepro" userId="59bb156d-7516-4212-a860-9ec41fb041f7" providerId="ADAL" clId="{ADAF4B5B-B7C9-7E40-B4B1-49C187825132}" dt="2021-09-15T18:20:20.110" v="11" actId="1035"/>
+          <ac:picMkLst>
+            <pc:docMk/>
+            <pc:sldMk cId="176311535" sldId="269"/>
+            <ac:picMk id="6" creationId="{DAB5CC40-E4CD-C84A-8D0C-814729953DFB}"/>
+          </ac:picMkLst>
+        </pc:picChg>
+      </pc:sldChg>
+    </pc:docChg>
+  </pc:docChgLst>
+</pc:chgInfo>
 </file>
 
 <file path=ppt/notesMasters/notesMaster1.xml><?xml version="1.0" encoding="utf-8"?>
@@ -8754,31 +8814,35 @@
           </a:p>
         </p:txBody>
       </p:sp>
-      <p:sp>
-        <p:nvSpPr>
-          <p:cNvPr id="3" name="Content Placeholder 2">
-            <a:extLst>
-              <a:ext uri="{FF2B5EF4-FFF2-40B4-BE49-F238E27FC236}">
-                <a16:creationId xmlns:a16="http://schemas.microsoft.com/office/drawing/2014/main" id="{06CAA221-D0B4-F84A-B7BE-F2D1D4608958}"/>
-              </a:ext>
-            </a:extLst>
-          </p:cNvPr>
-          <p:cNvSpPr>
-            <a:spLocks noGrp="1"/>
-          </p:cNvSpPr>
+      <p:pic>
+        <p:nvPicPr>
+          <p:cNvPr id="6" name="Content Placeholder 5" descr="Diagram&#10;&#10;Description automatically generated">
+            <a:extLst>
+              <a:ext uri="{FF2B5EF4-FFF2-40B4-BE49-F238E27FC236}">
+                <a16:creationId xmlns:a16="http://schemas.microsoft.com/office/drawing/2014/main" id="{DAB5CC40-E4CD-C84A-8D0C-814729953DFB}"/>
+              </a:ext>
+            </a:extLst>
+          </p:cNvPr>
+          <p:cNvPicPr>
+            <a:picLocks noGrp="1" noChangeAspect="1"/>
+          </p:cNvPicPr>
           <p:nvPr>
             <p:ph idx="1"/>
           </p:nvPr>
-        </p:nvSpPr>
-        <p:spPr/>
-        <p:txBody>
-          <a:bodyPr/>
-          <a:lstStyle/>
-          <a:p>
-            <a:endParaRPr lang="en-US" dirty="0"/>
-          </a:p>
-        </p:txBody>
-      </p:sp>
+        </p:nvPicPr>
+        <p:blipFill>
+          <a:blip r:embed="rId2"/>
+          <a:stretch>
+            <a:fillRect/>
+          </a:stretch>
+        </p:blipFill>
+        <p:spPr>
+          <a:xfrm>
+            <a:off x="674688" y="1773444"/>
+            <a:ext cx="10842625" cy="4081056"/>
+          </a:xfrm>
+        </p:spPr>
+      </p:pic>
       <p:sp>
         <p:nvSpPr>
           <p:cNvPr id="4" name="Slide Number Placeholder 3">
@@ -8863,31 +8927,6 @@
               <a:rPr lang="en-US" dirty="0"/>
               <a:t>Study Design</a:t>
             </a:r>
-          </a:p>
-        </p:txBody>
-      </p:sp>
-      <p:sp>
-        <p:nvSpPr>
-          <p:cNvPr id="3" name="Content Placeholder 2">
-            <a:extLst>
-              <a:ext uri="{FF2B5EF4-FFF2-40B4-BE49-F238E27FC236}">
-                <a16:creationId xmlns:a16="http://schemas.microsoft.com/office/drawing/2014/main" id="{311D028F-13E4-9145-BCD0-BC8C3176F733}"/>
-              </a:ext>
-            </a:extLst>
-          </p:cNvPr>
-          <p:cNvSpPr>
-            <a:spLocks noGrp="1"/>
-          </p:cNvSpPr>
-          <p:nvPr>
-            <p:ph idx="1"/>
-          </p:nvPr>
-        </p:nvSpPr>
-        <p:spPr/>
-        <p:txBody>
-          <a:bodyPr/>
-          <a:lstStyle/>
-          <a:p>
-            <a:endParaRPr lang="en-US"/>
           </a:p>
         </p:txBody>
       </p:sp>

--- a/Sep21/DeepGRN_092121.pptx
+++ b/Sep21/DeepGRN_092121.pptx
@@ -678,29 +678,22 @@
           <a:p>
             <a:r>
               <a:rPr lang="en-US" dirty="0"/>
+              <a:t>Saliency Maps:</a:t>
+            </a:r>
+          </a:p>
+          <a:p>
+            <a:r>
+              <a:rPr lang="en-US" dirty="0"/>
               <a:t>https://</a:t>
             </a:r>
             <a:r>
               <a:rPr lang="en-US" dirty="0" err="1"/>
-              <a:t>stanford.edu</a:t>
+              <a:t>towardsdatascience.com</a:t>
             </a:r>
             <a:r>
               <a:rPr lang="en-US" dirty="0"/>
-              <a:t>/~</a:t>
-            </a:r>
-            <a:r>
-              <a:rPr lang="en-US" dirty="0" err="1"/>
-              <a:t>shervine</a:t>
-            </a:r>
-            <a:r>
-              <a:rPr lang="en-US" dirty="0"/>
-              <a:t>/teaching/cs-230/</a:t>
-            </a:r>
-            <a:r>
-              <a:rPr lang="en-US" dirty="0" err="1"/>
-              <a:t>cheatsheet-recurrent-neural-networks#attention</a:t>
-            </a:r>
-            <a:endParaRPr lang="en-US" dirty="0"/>
+              <a:t>/saliency-map-using-pytorch-68270fe45e80</a:t>
+            </a:r>
           </a:p>
         </p:txBody>
       </p:sp>
@@ -721,7 +714,7 @@
           <a:p>
             <a:fld id="{91A6987C-0916-2242-A9EF-85F33DA03160}" type="slidenum">
               <a:rPr lang="en-US" smtClean="0"/>
-              <a:t>18</a:t>
+              <a:t>14</a:t>
             </a:fld>
             <a:endParaRPr lang="en-US"/>
           </a:p>
@@ -730,7 +723,7 @@
     </p:spTree>
     <p:extLst>
       <p:ext uri="{BB962C8B-B14F-4D97-AF65-F5344CB8AC3E}">
-        <p14:creationId xmlns:p14="http://schemas.microsoft.com/office/powerpoint/2010/main" val="1581291839"/>
+        <p14:creationId xmlns:p14="http://schemas.microsoft.com/office/powerpoint/2010/main" val="4213738336"/>
       </p:ext>
     </p:extLst>
   </p:cSld>
@@ -790,11 +783,11 @@
             </a:r>
             <a:r>
               <a:rPr lang="en-US" dirty="0" err="1"/>
-              <a:t>towardsdatascience.com</a:t>
+              <a:t>machinelearningmastery.com</a:t>
             </a:r>
             <a:r>
               <a:rPr lang="en-US" dirty="0"/>
-              <a:t>/intuitive-understanding-of-attention-mechanism-in-deep-learning-6c9482aecf4f</a:t>
+              <a:t>/convolutional-layers-for-deep-learning-neural-networks/</a:t>
             </a:r>
           </a:p>
         </p:txBody>
@@ -816,7 +809,7 @@
           <a:p>
             <a:fld id="{91A6987C-0916-2242-A9EF-85F33DA03160}" type="slidenum">
               <a:rPr lang="en-US" smtClean="0"/>
-              <a:t>20</a:t>
+              <a:t>17</a:t>
             </a:fld>
             <a:endParaRPr lang="en-US"/>
           </a:p>
@@ -825,7 +818,7 @@
     </p:spTree>
     <p:extLst>
       <p:ext uri="{BB962C8B-B14F-4D97-AF65-F5344CB8AC3E}">
-        <p14:creationId xmlns:p14="http://schemas.microsoft.com/office/powerpoint/2010/main" val="308812898"/>
+        <p14:creationId xmlns:p14="http://schemas.microsoft.com/office/powerpoint/2010/main" val="58297411"/>
       </p:ext>
     </p:extLst>
   </p:cSld>
@@ -885,6 +878,209 @@
             </a:r>
             <a:r>
               <a:rPr lang="en-US" dirty="0" err="1"/>
+              <a:t>stanford.edu</a:t>
+            </a:r>
+            <a:r>
+              <a:rPr lang="en-US" dirty="0"/>
+              <a:t>/~</a:t>
+            </a:r>
+            <a:r>
+              <a:rPr lang="en-US" dirty="0" err="1"/>
+              <a:t>shervine</a:t>
+            </a:r>
+            <a:r>
+              <a:rPr lang="en-US" dirty="0"/>
+              <a:t>/teaching/cs-230/</a:t>
+            </a:r>
+            <a:r>
+              <a:rPr lang="en-US" dirty="0" err="1"/>
+              <a:t>cheatsheet-recurrent-neural-networks#attention</a:t>
+            </a:r>
+            <a:endParaRPr lang="en-US" dirty="0"/>
+          </a:p>
+        </p:txBody>
+      </p:sp>
+      <p:sp>
+        <p:nvSpPr>
+          <p:cNvPr id="4" name="Slide Number Placeholder 3"/>
+          <p:cNvSpPr>
+            <a:spLocks noGrp="1"/>
+          </p:cNvSpPr>
+          <p:nvPr>
+            <p:ph type="sldNum" sz="quarter" idx="5"/>
+          </p:nvPr>
+        </p:nvSpPr>
+        <p:spPr/>
+        <p:txBody>
+          <a:bodyPr/>
+          <a:lstStyle/>
+          <a:p>
+            <a:fld id="{91A6987C-0916-2242-A9EF-85F33DA03160}" type="slidenum">
+              <a:rPr lang="en-US" smtClean="0"/>
+              <a:t>18</a:t>
+            </a:fld>
+            <a:endParaRPr lang="en-US"/>
+          </a:p>
+        </p:txBody>
+      </p:sp>
+    </p:spTree>
+    <p:extLst>
+      <p:ext uri="{BB962C8B-B14F-4D97-AF65-F5344CB8AC3E}">
+        <p14:creationId xmlns:p14="http://schemas.microsoft.com/office/powerpoint/2010/main" val="1581291839"/>
+      </p:ext>
+    </p:extLst>
+  </p:cSld>
+  <p:clrMapOvr>
+    <a:masterClrMapping/>
+  </p:clrMapOvr>
+</p:notes>
+</file>
+
+<file path=ppt/notesSlides/notesSlide13.xml><?xml version="1.0" encoding="utf-8"?>
+<p:notes xmlns:a="http://schemas.openxmlformats.org/drawingml/2006/main" xmlns:r="http://schemas.openxmlformats.org/officeDocument/2006/relationships" xmlns:p="http://schemas.openxmlformats.org/presentationml/2006/main">
+  <p:cSld>
+    <p:spTree>
+      <p:nvGrpSpPr>
+        <p:cNvPr id="1" name=""/>
+        <p:cNvGrpSpPr/>
+        <p:nvPr/>
+      </p:nvGrpSpPr>
+      <p:grpSpPr>
+        <a:xfrm>
+          <a:off x="0" y="0"/>
+          <a:ext cx="0" cy="0"/>
+          <a:chOff x="0" y="0"/>
+          <a:chExt cx="0" cy="0"/>
+        </a:xfrm>
+      </p:grpSpPr>
+      <p:sp>
+        <p:nvSpPr>
+          <p:cNvPr id="2" name="Slide Image Placeholder 1"/>
+          <p:cNvSpPr>
+            <a:spLocks noGrp="1" noRot="1" noChangeAspect="1"/>
+          </p:cNvSpPr>
+          <p:nvPr>
+            <p:ph type="sldImg"/>
+          </p:nvPr>
+        </p:nvSpPr>
+        <p:spPr/>
+      </p:sp>
+      <p:sp>
+        <p:nvSpPr>
+          <p:cNvPr id="3" name="Notes Placeholder 2"/>
+          <p:cNvSpPr>
+            <a:spLocks noGrp="1"/>
+          </p:cNvSpPr>
+          <p:nvPr>
+            <p:ph type="body" idx="1"/>
+          </p:nvPr>
+        </p:nvSpPr>
+        <p:spPr/>
+        <p:txBody>
+          <a:bodyPr/>
+          <a:lstStyle/>
+          <a:p>
+            <a:r>
+              <a:rPr lang="en-US" dirty="0"/>
+              <a:t>https://</a:t>
+            </a:r>
+            <a:r>
+              <a:rPr lang="en-US" dirty="0" err="1"/>
+              <a:t>towardsdatascience.com</a:t>
+            </a:r>
+            <a:r>
+              <a:rPr lang="en-US" dirty="0"/>
+              <a:t>/intuitive-understanding-of-attention-mechanism-in-deep-learning-6c9482aecf4f</a:t>
+            </a:r>
+          </a:p>
+        </p:txBody>
+      </p:sp>
+      <p:sp>
+        <p:nvSpPr>
+          <p:cNvPr id="4" name="Slide Number Placeholder 3"/>
+          <p:cNvSpPr>
+            <a:spLocks noGrp="1"/>
+          </p:cNvSpPr>
+          <p:nvPr>
+            <p:ph type="sldNum" sz="quarter" idx="5"/>
+          </p:nvPr>
+        </p:nvSpPr>
+        <p:spPr/>
+        <p:txBody>
+          <a:bodyPr/>
+          <a:lstStyle/>
+          <a:p>
+            <a:fld id="{91A6987C-0916-2242-A9EF-85F33DA03160}" type="slidenum">
+              <a:rPr lang="en-US" smtClean="0"/>
+              <a:t>20</a:t>
+            </a:fld>
+            <a:endParaRPr lang="en-US"/>
+          </a:p>
+        </p:txBody>
+      </p:sp>
+    </p:spTree>
+    <p:extLst>
+      <p:ext uri="{BB962C8B-B14F-4D97-AF65-F5344CB8AC3E}">
+        <p14:creationId xmlns:p14="http://schemas.microsoft.com/office/powerpoint/2010/main" val="308812898"/>
+      </p:ext>
+    </p:extLst>
+  </p:cSld>
+  <p:clrMapOvr>
+    <a:masterClrMapping/>
+  </p:clrMapOvr>
+</p:notes>
+</file>
+
+<file path=ppt/notesSlides/notesSlide14.xml><?xml version="1.0" encoding="utf-8"?>
+<p:notes xmlns:a="http://schemas.openxmlformats.org/drawingml/2006/main" xmlns:r="http://schemas.openxmlformats.org/officeDocument/2006/relationships" xmlns:p="http://schemas.openxmlformats.org/presentationml/2006/main">
+  <p:cSld>
+    <p:spTree>
+      <p:nvGrpSpPr>
+        <p:cNvPr id="1" name=""/>
+        <p:cNvGrpSpPr/>
+        <p:nvPr/>
+      </p:nvGrpSpPr>
+      <p:grpSpPr>
+        <a:xfrm>
+          <a:off x="0" y="0"/>
+          <a:ext cx="0" cy="0"/>
+          <a:chOff x="0" y="0"/>
+          <a:chExt cx="0" cy="0"/>
+        </a:xfrm>
+      </p:grpSpPr>
+      <p:sp>
+        <p:nvSpPr>
+          <p:cNvPr id="2" name="Slide Image Placeholder 1"/>
+          <p:cNvSpPr>
+            <a:spLocks noGrp="1" noRot="1" noChangeAspect="1"/>
+          </p:cNvSpPr>
+          <p:nvPr>
+            <p:ph type="sldImg"/>
+          </p:nvPr>
+        </p:nvSpPr>
+        <p:spPr/>
+      </p:sp>
+      <p:sp>
+        <p:nvSpPr>
+          <p:cNvPr id="3" name="Notes Placeholder 2"/>
+          <p:cNvSpPr>
+            <a:spLocks noGrp="1"/>
+          </p:cNvSpPr>
+          <p:nvPr>
+            <p:ph type="body" idx="1"/>
+          </p:nvPr>
+        </p:nvSpPr>
+        <p:spPr/>
+        <p:txBody>
+          <a:bodyPr/>
+          <a:lstStyle/>
+          <a:p>
+            <a:r>
+              <a:rPr lang="en-US" dirty="0"/>
+              <a:t>https://</a:t>
+            </a:r>
+            <a:r>
+              <a:rPr lang="en-US" dirty="0" err="1"/>
               <a:t>arxiv.org</a:t>
             </a:r>
             <a:r>
@@ -929,6 +1125,20 @@
             </a:r>
           </a:p>
           <a:p>
+            <a:r>
+              <a:rPr lang="en-US" dirty="0"/>
+              <a:t>https://</a:t>
+            </a:r>
+            <a:r>
+              <a:rPr lang="en-US" dirty="0" err="1"/>
+              <a:t>towardsdatascience.com</a:t>
+            </a:r>
+            <a:r>
+              <a:rPr lang="en-US" dirty="0"/>
+              <a:t>/saliency-map-using-pytorch-68270fe45e80</a:t>
+            </a:r>
+          </a:p>
+          <a:p>
             <a:endParaRPr lang="en-US" dirty="0"/>
           </a:p>
           <a:p>
@@ -941,7 +1151,7 @@
               <a:t>en.wikipedia.org</a:t>
             </a:r>
             <a:r>
-              <a:rPr lang="en-US"/>
+              <a:rPr lang="en-US" dirty="0"/>
               <a:t>/wiki/Taylor%27s_theorem</a:t>
             </a:r>
           </a:p>
@@ -2068,18 +2278,7 @@
           <a:bodyPr/>
           <a:lstStyle/>
           <a:p>
-            <a:r>
-              <a:rPr lang="en-US" dirty="0"/>
-              <a:t>https://</a:t>
-            </a:r>
-            <a:r>
-              <a:rPr lang="en-US" dirty="0" err="1"/>
-              <a:t>machinelearningmastery.com</a:t>
-            </a:r>
-            <a:r>
-              <a:rPr lang="en-US" dirty="0"/>
-              <a:t>/convolutional-layers-for-deep-learning-neural-networks/</a:t>
-            </a:r>
+            <a:endParaRPr lang="en-US" dirty="0"/>
           </a:p>
         </p:txBody>
       </p:sp>
@@ -2100,7 +2299,7 @@
           <a:p>
             <a:fld id="{91A6987C-0916-2242-A9EF-85F33DA03160}" type="slidenum">
               <a:rPr lang="en-US" smtClean="0"/>
-              <a:t>17</a:t>
+              <a:t>13</a:t>
             </a:fld>
             <a:endParaRPr lang="en-US"/>
           </a:p>
@@ -2109,7 +2308,7 @@
     </p:spTree>
     <p:extLst>
       <p:ext uri="{BB962C8B-B14F-4D97-AF65-F5344CB8AC3E}">
-        <p14:creationId xmlns:p14="http://schemas.microsoft.com/office/powerpoint/2010/main" val="58297411"/>
+        <p14:creationId xmlns:p14="http://schemas.microsoft.com/office/powerpoint/2010/main" val="38088767"/>
       </p:ext>
     </p:extLst>
   </p:cSld>
@@ -8838,7 +9037,7 @@
         </p:blipFill>
         <p:spPr>
           <a:xfrm>
-            <a:off x="674688" y="1773444"/>
+            <a:off x="674688" y="1713484"/>
             <a:ext cx="10842625" cy="4081056"/>
           </a:xfrm>
         </p:spPr>
@@ -8925,7 +9124,7 @@
           <a:p>
             <a:r>
               <a:rPr lang="en-US" dirty="0"/>
-              <a:t>Study Design</a:t>
+              <a:t>Study Design under DREAM challenge restrictions</a:t>
             </a:r>
           </a:p>
         </p:txBody>
@@ -8959,6 +9158,925 @@
           </a:p>
         </p:txBody>
       </p:sp>
+      <p:sp>
+        <p:nvSpPr>
+          <p:cNvPr id="3" name="Rectangle 2">
+            <a:extLst>
+              <a:ext uri="{FF2B5EF4-FFF2-40B4-BE49-F238E27FC236}">
+                <a16:creationId xmlns:a16="http://schemas.microsoft.com/office/drawing/2014/main" id="{D8A1F6B4-E962-1D4F-A660-B9425817AD8B}"/>
+              </a:ext>
+            </a:extLst>
+          </p:cNvPr>
+          <p:cNvSpPr/>
+          <p:nvPr/>
+        </p:nvSpPr>
+        <p:spPr>
+          <a:xfrm>
+            <a:off x="839449" y="1684172"/>
+            <a:ext cx="10403174" cy="4672178"/>
+          </a:xfrm>
+          <a:prstGeom prst="rect">
+            <a:avLst/>
+          </a:prstGeom>
+          <a:ln w="38100">
+            <a:solidFill>
+              <a:srgbClr val="002060"/>
+            </a:solidFill>
+          </a:ln>
+        </p:spPr>
+        <p:style>
+          <a:lnRef idx="2">
+            <a:schemeClr val="accent6"/>
+          </a:lnRef>
+          <a:fillRef idx="1">
+            <a:schemeClr val="lt1"/>
+          </a:fillRef>
+          <a:effectRef idx="0">
+            <a:schemeClr val="accent6"/>
+          </a:effectRef>
+          <a:fontRef idx="minor">
+            <a:schemeClr val="dk1"/>
+          </a:fontRef>
+        </p:style>
+        <p:txBody>
+          <a:bodyPr rtlCol="0" anchor="ctr"/>
+          <a:lstStyle/>
+          <a:p>
+            <a:pPr algn="ctr"/>
+            <a:endParaRPr lang="en-US"/>
+          </a:p>
+        </p:txBody>
+      </p:sp>
+      <p:sp>
+        <p:nvSpPr>
+          <p:cNvPr id="5" name="TextBox 4">
+            <a:extLst>
+              <a:ext uri="{FF2B5EF4-FFF2-40B4-BE49-F238E27FC236}">
+                <a16:creationId xmlns:a16="http://schemas.microsoft.com/office/drawing/2014/main" id="{836A8FC9-0EC5-A043-87A3-FA8EBCFF565C}"/>
+              </a:ext>
+            </a:extLst>
+          </p:cNvPr>
+          <p:cNvSpPr txBox="1"/>
+          <p:nvPr/>
+        </p:nvSpPr>
+        <p:spPr>
+          <a:xfrm>
+            <a:off x="914399" y="1744132"/>
+            <a:ext cx="10223292" cy="1200329"/>
+          </a:xfrm>
+          <a:prstGeom prst="rect">
+            <a:avLst/>
+          </a:prstGeom>
+          <a:noFill/>
+        </p:spPr>
+        <p:txBody>
+          <a:bodyPr wrap="square" rtlCol="0">
+            <a:spAutoFit/>
+          </a:bodyPr>
+          <a:lstStyle/>
+          <a:p>
+            <a:r>
+              <a:rPr lang="en-US" sz="2400" b="1" dirty="0">
+                <a:solidFill>
+                  <a:schemeClr val="bg2">
+                    <a:lumMod val="10000"/>
+                  </a:schemeClr>
+                </a:solidFill>
+              </a:rPr>
+              <a:t>Problem Statement</a:t>
+            </a:r>
+            <a:r>
+              <a:rPr lang="en-US" sz="2400" b="1" dirty="0"/>
+              <a:t>: </a:t>
+            </a:r>
+            <a:r>
+              <a:rPr lang="en-US" sz="2400" dirty="0"/>
+              <a:t>Transcription Factor binding prediction across cell types</a:t>
+            </a:r>
+          </a:p>
+          <a:p>
+            <a:r>
+              <a:rPr lang="en-US" sz="2400" b="1" dirty="0"/>
+              <a:t>Features:</a:t>
+            </a:r>
+            <a:r>
+              <a:rPr lang="en-US" sz="2400" dirty="0"/>
+              <a:t> DNA Sequence (S), DNase-Seq (S), RNA-Seq (NS) </a:t>
+            </a:r>
+          </a:p>
+          <a:p>
+            <a:r>
+              <a:rPr lang="en-US" sz="2400" b="1" dirty="0"/>
+              <a:t>Target:</a:t>
+            </a:r>
+            <a:r>
+              <a:rPr lang="en-US" sz="2400" dirty="0"/>
+              <a:t> Bound/Unbound</a:t>
+            </a:r>
+          </a:p>
+        </p:txBody>
+      </p:sp>
+      <p:grpSp>
+        <p:nvGrpSpPr>
+          <p:cNvPr id="20" name="Group 19">
+            <a:extLst>
+              <a:ext uri="{FF2B5EF4-FFF2-40B4-BE49-F238E27FC236}">
+                <a16:creationId xmlns:a16="http://schemas.microsoft.com/office/drawing/2014/main" id="{15D06744-B984-6546-9B75-985D48336A7F}"/>
+              </a:ext>
+            </a:extLst>
+          </p:cNvPr>
+          <p:cNvGrpSpPr/>
+          <p:nvPr/>
+        </p:nvGrpSpPr>
+        <p:grpSpPr>
+          <a:xfrm>
+            <a:off x="1144249" y="3252862"/>
+            <a:ext cx="2723212" cy="2743200"/>
+            <a:chOff x="1054309" y="2563318"/>
+            <a:chExt cx="2723212" cy="2743200"/>
+          </a:xfrm>
+        </p:grpSpPr>
+        <p:sp>
+          <p:nvSpPr>
+            <p:cNvPr id="6" name="Rounded Rectangle 5">
+              <a:extLst>
+                <a:ext uri="{FF2B5EF4-FFF2-40B4-BE49-F238E27FC236}">
+                  <a16:creationId xmlns:a16="http://schemas.microsoft.com/office/drawing/2014/main" id="{5AA4DF46-32D7-FA43-B344-337D7930E937}"/>
+                </a:ext>
+              </a:extLst>
+            </p:cNvPr>
+            <p:cNvSpPr/>
+            <p:nvPr/>
+          </p:nvSpPr>
+          <p:spPr>
+            <a:xfrm>
+              <a:off x="1054309" y="2563318"/>
+              <a:ext cx="2723212" cy="2743200"/>
+            </a:xfrm>
+            <a:prstGeom prst="roundRect">
+              <a:avLst/>
+            </a:prstGeom>
+            <a:ln w="19050">
+              <a:solidFill>
+                <a:srgbClr val="002060"/>
+              </a:solidFill>
+            </a:ln>
+          </p:spPr>
+          <p:style>
+            <a:lnRef idx="2">
+              <a:schemeClr val="accent6"/>
+            </a:lnRef>
+            <a:fillRef idx="1">
+              <a:schemeClr val="lt1"/>
+            </a:fillRef>
+            <a:effectRef idx="0">
+              <a:schemeClr val="accent6"/>
+            </a:effectRef>
+            <a:fontRef idx="minor">
+              <a:schemeClr val="dk1"/>
+            </a:fontRef>
+          </p:style>
+          <p:txBody>
+            <a:bodyPr rtlCol="0" anchor="ctr"/>
+            <a:lstStyle/>
+            <a:p>
+              <a:pPr algn="ctr"/>
+              <a:endParaRPr lang="en-US" dirty="0"/>
+            </a:p>
+            <a:p>
+              <a:pPr algn="ctr"/>
+              <a:r>
+                <a:rPr lang="en-US" dirty="0"/>
+                <a:t>Training</a:t>
+              </a:r>
+            </a:p>
+            <a:p>
+              <a:pPr algn="ctr"/>
+              <a:r>
+                <a:rPr lang="en-US" sz="1400" dirty="0"/>
+                <a:t>All </a:t>
+              </a:r>
+              <a:r>
+                <a:rPr lang="en-US" sz="1400" dirty="0" err="1"/>
+                <a:t>Chrm</a:t>
+              </a:r>
+              <a:r>
+                <a:rPr lang="en-US" sz="1400" dirty="0"/>
+                <a:t> except 1,8,11,21</a:t>
+              </a:r>
+            </a:p>
+            <a:p>
+              <a:pPr algn="ctr"/>
+              <a:endParaRPr lang="en-US" dirty="0"/>
+            </a:p>
+            <a:p>
+              <a:pPr algn="ctr"/>
+              <a:endParaRPr lang="en-US" dirty="0"/>
+            </a:p>
+            <a:p>
+              <a:pPr algn="ctr"/>
+              <a:endParaRPr lang="en-US" dirty="0"/>
+            </a:p>
+            <a:p>
+              <a:pPr algn="ctr"/>
+              <a:endParaRPr lang="en-US" dirty="0"/>
+            </a:p>
+            <a:p>
+              <a:pPr algn="ctr"/>
+              <a:endParaRPr lang="en-US" dirty="0"/>
+            </a:p>
+            <a:p>
+              <a:pPr algn="ctr"/>
+              <a:endParaRPr lang="en-US" dirty="0"/>
+            </a:p>
+            <a:p>
+              <a:pPr algn="ctr"/>
+              <a:endParaRPr lang="en-US" dirty="0"/>
+            </a:p>
+            <a:p>
+              <a:pPr algn="ctr"/>
+              <a:endParaRPr lang="en-US" dirty="0"/>
+            </a:p>
+            <a:p>
+              <a:pPr algn="ctr"/>
+              <a:endParaRPr lang="en-US" dirty="0"/>
+            </a:p>
+          </p:txBody>
+        </p:sp>
+        <p:sp>
+          <p:nvSpPr>
+            <p:cNvPr id="7" name="Rounded Rectangle 6">
+              <a:extLst>
+                <a:ext uri="{FF2B5EF4-FFF2-40B4-BE49-F238E27FC236}">
+                  <a16:creationId xmlns:a16="http://schemas.microsoft.com/office/drawing/2014/main" id="{7F37C683-067B-6A4E-A7E4-67440C1A11E2}"/>
+                </a:ext>
+              </a:extLst>
+            </p:cNvPr>
+            <p:cNvSpPr/>
+            <p:nvPr/>
+          </p:nvSpPr>
+          <p:spPr>
+            <a:xfrm>
+              <a:off x="1419069" y="3260348"/>
+              <a:ext cx="1993691" cy="363511"/>
+            </a:xfrm>
+            <a:prstGeom prst="roundRect">
+              <a:avLst/>
+            </a:prstGeom>
+          </p:spPr>
+          <p:style>
+            <a:lnRef idx="2">
+              <a:schemeClr val="accent1">
+                <a:shade val="50000"/>
+              </a:schemeClr>
+            </a:lnRef>
+            <a:fillRef idx="1">
+              <a:schemeClr val="accent1"/>
+            </a:fillRef>
+            <a:effectRef idx="0">
+              <a:schemeClr val="accent1"/>
+            </a:effectRef>
+            <a:fontRef idx="minor">
+              <a:schemeClr val="lt1"/>
+            </a:fontRef>
+          </p:style>
+          <p:txBody>
+            <a:bodyPr rtlCol="0" anchor="ctr"/>
+            <a:lstStyle/>
+            <a:p>
+              <a:pPr algn="ctr"/>
+              <a:r>
+                <a:rPr lang="en-US" dirty="0"/>
+                <a:t>Cell type 1</a:t>
+              </a:r>
+            </a:p>
+          </p:txBody>
+        </p:sp>
+        <p:sp>
+          <p:nvSpPr>
+            <p:cNvPr id="8" name="Rounded Rectangle 7">
+              <a:extLst>
+                <a:ext uri="{FF2B5EF4-FFF2-40B4-BE49-F238E27FC236}">
+                  <a16:creationId xmlns:a16="http://schemas.microsoft.com/office/drawing/2014/main" id="{3F4F1BCE-E5C7-C74A-8367-11A74008D444}"/>
+                </a:ext>
+              </a:extLst>
+            </p:cNvPr>
+            <p:cNvSpPr/>
+            <p:nvPr/>
+          </p:nvSpPr>
+          <p:spPr>
+            <a:xfrm>
+              <a:off x="1419067" y="3760879"/>
+              <a:ext cx="1993691" cy="363511"/>
+            </a:xfrm>
+            <a:prstGeom prst="roundRect">
+              <a:avLst/>
+            </a:prstGeom>
+          </p:spPr>
+          <p:style>
+            <a:lnRef idx="2">
+              <a:schemeClr val="accent1">
+                <a:shade val="50000"/>
+              </a:schemeClr>
+            </a:lnRef>
+            <a:fillRef idx="1">
+              <a:schemeClr val="accent1"/>
+            </a:fillRef>
+            <a:effectRef idx="0">
+              <a:schemeClr val="accent1"/>
+            </a:effectRef>
+            <a:fontRef idx="minor">
+              <a:schemeClr val="lt1"/>
+            </a:fontRef>
+          </p:style>
+          <p:txBody>
+            <a:bodyPr rtlCol="0" anchor="ctr"/>
+            <a:lstStyle/>
+            <a:p>
+              <a:pPr algn="ctr"/>
+              <a:r>
+                <a:rPr lang="en-US" dirty="0"/>
+                <a:t>Cell type 2</a:t>
+              </a:r>
+            </a:p>
+          </p:txBody>
+        </p:sp>
+        <p:sp>
+          <p:nvSpPr>
+            <p:cNvPr id="10" name="Rounded Rectangle 9">
+              <a:extLst>
+                <a:ext uri="{FF2B5EF4-FFF2-40B4-BE49-F238E27FC236}">
+                  <a16:creationId xmlns:a16="http://schemas.microsoft.com/office/drawing/2014/main" id="{60B10A90-F1ED-9541-8408-8FF796F1B6D2}"/>
+                </a:ext>
+              </a:extLst>
+            </p:cNvPr>
+            <p:cNvSpPr/>
+            <p:nvPr/>
+          </p:nvSpPr>
+          <p:spPr>
+            <a:xfrm>
+              <a:off x="1419068" y="4789315"/>
+              <a:ext cx="1993691" cy="363511"/>
+            </a:xfrm>
+            <a:prstGeom prst="roundRect">
+              <a:avLst/>
+            </a:prstGeom>
+          </p:spPr>
+          <p:style>
+            <a:lnRef idx="2">
+              <a:schemeClr val="accent1">
+                <a:shade val="50000"/>
+              </a:schemeClr>
+            </a:lnRef>
+            <a:fillRef idx="1">
+              <a:schemeClr val="accent1"/>
+            </a:fillRef>
+            <a:effectRef idx="0">
+              <a:schemeClr val="accent1"/>
+            </a:effectRef>
+            <a:fontRef idx="minor">
+              <a:schemeClr val="lt1"/>
+            </a:fontRef>
+          </p:style>
+          <p:txBody>
+            <a:bodyPr rtlCol="0" anchor="ctr"/>
+            <a:lstStyle/>
+            <a:p>
+              <a:pPr algn="ctr"/>
+              <a:r>
+                <a:rPr lang="en-US" dirty="0"/>
+                <a:t>Cell type k</a:t>
+              </a:r>
+            </a:p>
+          </p:txBody>
+        </p:sp>
+        <p:sp>
+          <p:nvSpPr>
+            <p:cNvPr id="11" name="TextBox 10">
+              <a:extLst>
+                <a:ext uri="{FF2B5EF4-FFF2-40B4-BE49-F238E27FC236}">
+                  <a16:creationId xmlns:a16="http://schemas.microsoft.com/office/drawing/2014/main" id="{E86A3860-D19F-784D-A21F-DA03654BBD8A}"/>
+                </a:ext>
+              </a:extLst>
+            </p:cNvPr>
+            <p:cNvSpPr txBox="1"/>
+            <p:nvPr/>
+          </p:nvSpPr>
+          <p:spPr>
+            <a:xfrm>
+              <a:off x="2293495" y="4066092"/>
+              <a:ext cx="524656" cy="646331"/>
+            </a:xfrm>
+            <a:prstGeom prst="rect">
+              <a:avLst/>
+            </a:prstGeom>
+            <a:noFill/>
+          </p:spPr>
+          <p:txBody>
+            <a:bodyPr wrap="square" rtlCol="0">
+              <a:spAutoFit/>
+            </a:bodyPr>
+            <a:lstStyle/>
+            <a:p>
+              <a:r>
+                <a:rPr lang="en-US" dirty="0"/>
+                <a:t>.</a:t>
+              </a:r>
+            </a:p>
+            <a:p>
+              <a:r>
+                <a:rPr lang="en-US" dirty="0"/>
+                <a:t>.</a:t>
+              </a:r>
+            </a:p>
+          </p:txBody>
+        </p:sp>
+      </p:grpSp>
+      <p:grpSp>
+        <p:nvGrpSpPr>
+          <p:cNvPr id="19" name="Group 18">
+            <a:extLst>
+              <a:ext uri="{FF2B5EF4-FFF2-40B4-BE49-F238E27FC236}">
+                <a16:creationId xmlns:a16="http://schemas.microsoft.com/office/drawing/2014/main" id="{85906B2D-A178-954A-B8D2-419C2A9E43C7}"/>
+              </a:ext>
+            </a:extLst>
+          </p:cNvPr>
+          <p:cNvGrpSpPr/>
+          <p:nvPr/>
+        </p:nvGrpSpPr>
+        <p:grpSpPr>
+          <a:xfrm>
+            <a:off x="4690784" y="3252862"/>
+            <a:ext cx="2723212" cy="2743200"/>
+            <a:chOff x="4142279" y="2563318"/>
+            <a:chExt cx="2723212" cy="2743200"/>
+          </a:xfrm>
+        </p:grpSpPr>
+        <p:sp>
+          <p:nvSpPr>
+            <p:cNvPr id="12" name="Rounded Rectangle 11">
+              <a:extLst>
+                <a:ext uri="{FF2B5EF4-FFF2-40B4-BE49-F238E27FC236}">
+                  <a16:creationId xmlns:a16="http://schemas.microsoft.com/office/drawing/2014/main" id="{F52F0186-5435-C745-AD3B-4AC0BF570046}"/>
+                </a:ext>
+              </a:extLst>
+            </p:cNvPr>
+            <p:cNvSpPr/>
+            <p:nvPr/>
+          </p:nvSpPr>
+          <p:spPr>
+            <a:xfrm>
+              <a:off x="4142279" y="2563318"/>
+              <a:ext cx="2723212" cy="2743200"/>
+            </a:xfrm>
+            <a:prstGeom prst="roundRect">
+              <a:avLst/>
+            </a:prstGeom>
+            <a:ln w="19050">
+              <a:solidFill>
+                <a:srgbClr val="002060"/>
+              </a:solidFill>
+            </a:ln>
+          </p:spPr>
+          <p:style>
+            <a:lnRef idx="2">
+              <a:schemeClr val="accent6"/>
+            </a:lnRef>
+            <a:fillRef idx="1">
+              <a:schemeClr val="lt1"/>
+            </a:fillRef>
+            <a:effectRef idx="0">
+              <a:schemeClr val="accent6"/>
+            </a:effectRef>
+            <a:fontRef idx="minor">
+              <a:schemeClr val="dk1"/>
+            </a:fontRef>
+          </p:style>
+          <p:txBody>
+            <a:bodyPr rtlCol="0" anchor="ctr"/>
+            <a:lstStyle/>
+            <a:p>
+              <a:pPr algn="ctr"/>
+              <a:endParaRPr lang="en-US" dirty="0"/>
+            </a:p>
+            <a:p>
+              <a:pPr algn="ctr"/>
+              <a:r>
+                <a:rPr lang="en-US" dirty="0"/>
+                <a:t>Validation</a:t>
+              </a:r>
+            </a:p>
+            <a:p>
+              <a:pPr algn="ctr"/>
+              <a:r>
+                <a:rPr lang="en-US" sz="1400" dirty="0" err="1"/>
+                <a:t>Chrm</a:t>
+              </a:r>
+              <a:r>
+                <a:rPr lang="en-US" sz="1400" dirty="0"/>
+                <a:t> 11</a:t>
+              </a:r>
+            </a:p>
+            <a:p>
+              <a:pPr algn="ctr"/>
+              <a:endParaRPr lang="en-US" dirty="0"/>
+            </a:p>
+            <a:p>
+              <a:pPr algn="ctr"/>
+              <a:endParaRPr lang="en-US" dirty="0"/>
+            </a:p>
+            <a:p>
+              <a:pPr algn="ctr"/>
+              <a:endParaRPr lang="en-US" dirty="0"/>
+            </a:p>
+            <a:p>
+              <a:pPr algn="ctr"/>
+              <a:endParaRPr lang="en-US" dirty="0"/>
+            </a:p>
+            <a:p>
+              <a:pPr algn="ctr"/>
+              <a:endParaRPr lang="en-US" dirty="0"/>
+            </a:p>
+            <a:p>
+              <a:pPr algn="ctr"/>
+              <a:endParaRPr lang="en-US" dirty="0"/>
+            </a:p>
+            <a:p>
+              <a:pPr algn="ctr"/>
+              <a:endParaRPr lang="en-US" dirty="0"/>
+            </a:p>
+            <a:p>
+              <a:pPr algn="ctr"/>
+              <a:endParaRPr lang="en-US" dirty="0"/>
+            </a:p>
+            <a:p>
+              <a:pPr algn="ctr"/>
+              <a:endParaRPr lang="en-US" dirty="0"/>
+            </a:p>
+          </p:txBody>
+        </p:sp>
+        <p:sp>
+          <p:nvSpPr>
+            <p:cNvPr id="13" name="Rounded Rectangle 12">
+              <a:extLst>
+                <a:ext uri="{FF2B5EF4-FFF2-40B4-BE49-F238E27FC236}">
+                  <a16:creationId xmlns:a16="http://schemas.microsoft.com/office/drawing/2014/main" id="{07076956-2451-A44F-BC1D-5874032A5003}"/>
+                </a:ext>
+              </a:extLst>
+            </p:cNvPr>
+            <p:cNvSpPr/>
+            <p:nvPr/>
+          </p:nvSpPr>
+          <p:spPr>
+            <a:xfrm>
+              <a:off x="4549742" y="3260348"/>
+              <a:ext cx="1993691" cy="363511"/>
+            </a:xfrm>
+            <a:prstGeom prst="roundRect">
+              <a:avLst/>
+            </a:prstGeom>
+          </p:spPr>
+          <p:style>
+            <a:lnRef idx="2">
+              <a:schemeClr val="accent1">
+                <a:shade val="50000"/>
+              </a:schemeClr>
+            </a:lnRef>
+            <a:fillRef idx="1">
+              <a:schemeClr val="accent1"/>
+            </a:fillRef>
+            <a:effectRef idx="0">
+              <a:schemeClr val="accent1"/>
+            </a:effectRef>
+            <a:fontRef idx="minor">
+              <a:schemeClr val="lt1"/>
+            </a:fontRef>
+          </p:style>
+          <p:txBody>
+            <a:bodyPr rtlCol="0" anchor="ctr"/>
+            <a:lstStyle/>
+            <a:p>
+              <a:pPr algn="ctr"/>
+              <a:r>
+                <a:rPr lang="en-US" dirty="0"/>
+                <a:t>Cell type 1</a:t>
+              </a:r>
+            </a:p>
+          </p:txBody>
+        </p:sp>
+        <p:sp>
+          <p:nvSpPr>
+            <p:cNvPr id="14" name="Rounded Rectangle 13">
+              <a:extLst>
+                <a:ext uri="{FF2B5EF4-FFF2-40B4-BE49-F238E27FC236}">
+                  <a16:creationId xmlns:a16="http://schemas.microsoft.com/office/drawing/2014/main" id="{742D6CF4-3352-EF48-8323-99AC9A14E361}"/>
+                </a:ext>
+              </a:extLst>
+            </p:cNvPr>
+            <p:cNvSpPr/>
+            <p:nvPr/>
+          </p:nvSpPr>
+          <p:spPr>
+            <a:xfrm>
+              <a:off x="4549740" y="3760879"/>
+              <a:ext cx="1993691" cy="363511"/>
+            </a:xfrm>
+            <a:prstGeom prst="roundRect">
+              <a:avLst/>
+            </a:prstGeom>
+          </p:spPr>
+          <p:style>
+            <a:lnRef idx="2">
+              <a:schemeClr val="accent1">
+                <a:shade val="50000"/>
+              </a:schemeClr>
+            </a:lnRef>
+            <a:fillRef idx="1">
+              <a:schemeClr val="accent1"/>
+            </a:fillRef>
+            <a:effectRef idx="0">
+              <a:schemeClr val="accent1"/>
+            </a:effectRef>
+            <a:fontRef idx="minor">
+              <a:schemeClr val="lt1"/>
+            </a:fontRef>
+          </p:style>
+          <p:txBody>
+            <a:bodyPr rtlCol="0" anchor="ctr"/>
+            <a:lstStyle/>
+            <a:p>
+              <a:pPr algn="ctr"/>
+              <a:r>
+                <a:rPr lang="en-US" dirty="0"/>
+                <a:t>Cell type 2</a:t>
+              </a:r>
+            </a:p>
+          </p:txBody>
+        </p:sp>
+        <p:sp>
+          <p:nvSpPr>
+            <p:cNvPr id="15" name="Rounded Rectangle 14">
+              <a:extLst>
+                <a:ext uri="{FF2B5EF4-FFF2-40B4-BE49-F238E27FC236}">
+                  <a16:creationId xmlns:a16="http://schemas.microsoft.com/office/drawing/2014/main" id="{3FD5E7D7-9809-9B41-87E3-F5189210D8EF}"/>
+                </a:ext>
+              </a:extLst>
+            </p:cNvPr>
+            <p:cNvSpPr/>
+            <p:nvPr/>
+          </p:nvSpPr>
+          <p:spPr>
+            <a:xfrm>
+              <a:off x="4549741" y="4789315"/>
+              <a:ext cx="1993691" cy="363511"/>
+            </a:xfrm>
+            <a:prstGeom prst="roundRect">
+              <a:avLst/>
+            </a:prstGeom>
+          </p:spPr>
+          <p:style>
+            <a:lnRef idx="2">
+              <a:schemeClr val="accent1">
+                <a:shade val="50000"/>
+              </a:schemeClr>
+            </a:lnRef>
+            <a:fillRef idx="1">
+              <a:schemeClr val="accent1"/>
+            </a:fillRef>
+            <a:effectRef idx="0">
+              <a:schemeClr val="accent1"/>
+            </a:effectRef>
+            <a:fontRef idx="minor">
+              <a:schemeClr val="lt1"/>
+            </a:fontRef>
+          </p:style>
+          <p:txBody>
+            <a:bodyPr rtlCol="0" anchor="ctr"/>
+            <a:lstStyle/>
+            <a:p>
+              <a:pPr algn="ctr"/>
+              <a:r>
+                <a:rPr lang="en-US" dirty="0"/>
+                <a:t>Cell type k</a:t>
+              </a:r>
+            </a:p>
+          </p:txBody>
+        </p:sp>
+        <p:sp>
+          <p:nvSpPr>
+            <p:cNvPr id="16" name="TextBox 15">
+              <a:extLst>
+                <a:ext uri="{FF2B5EF4-FFF2-40B4-BE49-F238E27FC236}">
+                  <a16:creationId xmlns:a16="http://schemas.microsoft.com/office/drawing/2014/main" id="{9806FB58-5131-B340-BAF2-8DE8A256E41F}"/>
+                </a:ext>
+              </a:extLst>
+            </p:cNvPr>
+            <p:cNvSpPr txBox="1"/>
+            <p:nvPr/>
+          </p:nvSpPr>
+          <p:spPr>
+            <a:xfrm>
+              <a:off x="5424168" y="4066092"/>
+              <a:ext cx="524656" cy="646331"/>
+            </a:xfrm>
+            <a:prstGeom prst="rect">
+              <a:avLst/>
+            </a:prstGeom>
+            <a:noFill/>
+          </p:spPr>
+          <p:txBody>
+            <a:bodyPr wrap="square" rtlCol="0">
+              <a:spAutoFit/>
+            </a:bodyPr>
+            <a:lstStyle/>
+            <a:p>
+              <a:r>
+                <a:rPr lang="en-US" dirty="0"/>
+                <a:t>.</a:t>
+              </a:r>
+            </a:p>
+            <a:p>
+              <a:r>
+                <a:rPr lang="en-US" dirty="0"/>
+                <a:t>.</a:t>
+              </a:r>
+            </a:p>
+          </p:txBody>
+        </p:sp>
+      </p:grpSp>
+      <p:grpSp>
+        <p:nvGrpSpPr>
+          <p:cNvPr id="21" name="Group 20">
+            <a:extLst>
+              <a:ext uri="{FF2B5EF4-FFF2-40B4-BE49-F238E27FC236}">
+                <a16:creationId xmlns:a16="http://schemas.microsoft.com/office/drawing/2014/main" id="{551CDF66-CD6E-154B-9BA0-DC3B9B8414B3}"/>
+              </a:ext>
+            </a:extLst>
+          </p:cNvPr>
+          <p:cNvGrpSpPr/>
+          <p:nvPr/>
+        </p:nvGrpSpPr>
+        <p:grpSpPr>
+          <a:xfrm>
+            <a:off x="8237320" y="3252862"/>
+            <a:ext cx="2723212" cy="2743200"/>
+            <a:chOff x="8147380" y="2563318"/>
+            <a:chExt cx="2723212" cy="2743200"/>
+          </a:xfrm>
+        </p:grpSpPr>
+        <p:sp>
+          <p:nvSpPr>
+            <p:cNvPr id="17" name="Rounded Rectangle 16">
+              <a:extLst>
+                <a:ext uri="{FF2B5EF4-FFF2-40B4-BE49-F238E27FC236}">
+                  <a16:creationId xmlns:a16="http://schemas.microsoft.com/office/drawing/2014/main" id="{F437D3D6-F689-E64E-AE4D-A04E9535B717}"/>
+                </a:ext>
+              </a:extLst>
+            </p:cNvPr>
+            <p:cNvSpPr/>
+            <p:nvPr/>
+          </p:nvSpPr>
+          <p:spPr>
+            <a:xfrm>
+              <a:off x="8147380" y="2563318"/>
+              <a:ext cx="2723212" cy="2743200"/>
+            </a:xfrm>
+            <a:prstGeom prst="roundRect">
+              <a:avLst/>
+            </a:prstGeom>
+            <a:ln w="19050">
+              <a:solidFill>
+                <a:srgbClr val="002060"/>
+              </a:solidFill>
+            </a:ln>
+          </p:spPr>
+          <p:style>
+            <a:lnRef idx="2">
+              <a:schemeClr val="accent6"/>
+            </a:lnRef>
+            <a:fillRef idx="1">
+              <a:schemeClr val="lt1"/>
+            </a:fillRef>
+            <a:effectRef idx="0">
+              <a:schemeClr val="accent6"/>
+            </a:effectRef>
+            <a:fontRef idx="minor">
+              <a:schemeClr val="dk1"/>
+            </a:fontRef>
+          </p:style>
+          <p:txBody>
+            <a:bodyPr rtlCol="0" anchor="ctr"/>
+            <a:lstStyle/>
+            <a:p>
+              <a:pPr algn="ctr"/>
+              <a:endParaRPr lang="en-US" dirty="0"/>
+            </a:p>
+            <a:p>
+              <a:pPr algn="ctr"/>
+              <a:r>
+                <a:rPr lang="en-US" dirty="0"/>
+                <a:t>Test</a:t>
+              </a:r>
+            </a:p>
+            <a:p>
+              <a:pPr algn="ctr"/>
+              <a:r>
+                <a:rPr lang="en-US" sz="1400" dirty="0" err="1"/>
+                <a:t>Chrm</a:t>
+              </a:r>
+              <a:r>
+                <a:rPr lang="en-US" sz="1400" dirty="0"/>
+                <a:t> 1, 8, 21</a:t>
+              </a:r>
+            </a:p>
+            <a:p>
+              <a:pPr algn="ctr"/>
+              <a:endParaRPr lang="en-US" dirty="0"/>
+            </a:p>
+            <a:p>
+              <a:pPr algn="ctr"/>
+              <a:endParaRPr lang="en-US" dirty="0"/>
+            </a:p>
+            <a:p>
+              <a:pPr algn="ctr"/>
+              <a:endParaRPr lang="en-US" dirty="0"/>
+            </a:p>
+            <a:p>
+              <a:pPr algn="ctr"/>
+              <a:endParaRPr lang="en-US" dirty="0"/>
+            </a:p>
+            <a:p>
+              <a:pPr algn="ctr"/>
+              <a:endParaRPr lang="en-US" dirty="0"/>
+            </a:p>
+            <a:p>
+              <a:pPr algn="ctr"/>
+              <a:endParaRPr lang="en-US" dirty="0"/>
+            </a:p>
+            <a:p>
+              <a:pPr algn="ctr"/>
+              <a:endParaRPr lang="en-US" dirty="0"/>
+            </a:p>
+            <a:p>
+              <a:pPr algn="ctr"/>
+              <a:endParaRPr lang="en-US" dirty="0"/>
+            </a:p>
+            <a:p>
+              <a:pPr algn="ctr"/>
+              <a:endParaRPr lang="en-US" dirty="0"/>
+            </a:p>
+          </p:txBody>
+        </p:sp>
+        <p:sp>
+          <p:nvSpPr>
+            <p:cNvPr id="18" name="Rounded Rectangle 17">
+              <a:extLst>
+                <a:ext uri="{FF2B5EF4-FFF2-40B4-BE49-F238E27FC236}">
+                  <a16:creationId xmlns:a16="http://schemas.microsoft.com/office/drawing/2014/main" id="{C948D0F7-12BF-8B43-89AA-DAEB2878ECA0}"/>
+                </a:ext>
+              </a:extLst>
+            </p:cNvPr>
+            <p:cNvSpPr/>
+            <p:nvPr/>
+          </p:nvSpPr>
+          <p:spPr>
+            <a:xfrm>
+              <a:off x="8554843" y="3260348"/>
+              <a:ext cx="1993691" cy="363511"/>
+            </a:xfrm>
+            <a:prstGeom prst="roundRect">
+              <a:avLst/>
+            </a:prstGeom>
+          </p:spPr>
+          <p:style>
+            <a:lnRef idx="2">
+              <a:schemeClr val="accent1">
+                <a:shade val="50000"/>
+              </a:schemeClr>
+            </a:lnRef>
+            <a:fillRef idx="1">
+              <a:schemeClr val="accent1"/>
+            </a:fillRef>
+            <a:effectRef idx="0">
+              <a:schemeClr val="accent1"/>
+            </a:effectRef>
+            <a:fontRef idx="minor">
+              <a:schemeClr val="lt1"/>
+            </a:fontRef>
+          </p:style>
+          <p:txBody>
+            <a:bodyPr rtlCol="0" anchor="ctr"/>
+            <a:lstStyle/>
+            <a:p>
+              <a:pPr algn="ctr"/>
+              <a:r>
+                <a:rPr lang="en-US" dirty="0"/>
+                <a:t>Cell type “test”</a:t>
+              </a:r>
+            </a:p>
+          </p:txBody>
+        </p:sp>
+      </p:grpSp>
     </p:spTree>
     <p:extLst>
       <p:ext uri="{BB962C8B-B14F-4D97-AF65-F5344CB8AC3E}">
@@ -9023,31 +10141,6 @@
       </p:sp>
       <p:sp>
         <p:nvSpPr>
-          <p:cNvPr id="3" name="Content Placeholder 2">
-            <a:extLst>
-              <a:ext uri="{FF2B5EF4-FFF2-40B4-BE49-F238E27FC236}">
-                <a16:creationId xmlns:a16="http://schemas.microsoft.com/office/drawing/2014/main" id="{9C50A7D8-91C9-844E-8909-399B864A36B4}"/>
-              </a:ext>
-            </a:extLst>
-          </p:cNvPr>
-          <p:cNvSpPr>
-            <a:spLocks noGrp="1"/>
-          </p:cNvSpPr>
-          <p:nvPr>
-            <p:ph idx="1"/>
-          </p:nvPr>
-        </p:nvSpPr>
-        <p:spPr/>
-        <p:txBody>
-          <a:bodyPr/>
-          <a:lstStyle/>
-          <a:p>
-            <a:endParaRPr lang="en-US"/>
-          </a:p>
-        </p:txBody>
-      </p:sp>
-      <p:sp>
-        <p:nvSpPr>
           <p:cNvPr id="4" name="Slide Number Placeholder 3">
             <a:extLst>
               <a:ext uri="{FF2B5EF4-FFF2-40B4-BE49-F238E27FC236}">
@@ -9075,6 +10168,36 @@
           </a:p>
         </p:txBody>
       </p:sp>
+      <p:pic>
+        <p:nvPicPr>
+          <p:cNvPr id="6" name="Picture 5" descr="Chart, scatter chart&#10;&#10;Description automatically generated">
+            <a:extLst>
+              <a:ext uri="{FF2B5EF4-FFF2-40B4-BE49-F238E27FC236}">
+                <a16:creationId xmlns:a16="http://schemas.microsoft.com/office/drawing/2014/main" id="{5331765E-662F-9047-820C-00DABCF4C8F4}"/>
+              </a:ext>
+            </a:extLst>
+          </p:cNvPr>
+          <p:cNvPicPr>
+            <a:picLocks noChangeAspect="1"/>
+          </p:cNvPicPr>
+          <p:nvPr/>
+        </p:nvPicPr>
+        <p:blipFill>
+          <a:blip r:embed="rId3"/>
+          <a:stretch>
+            <a:fillRect/>
+          </a:stretch>
+        </p:blipFill>
+        <p:spPr>
+          <a:xfrm>
+            <a:off x="2791762" y="1684172"/>
+            <a:ext cx="6608476" cy="4756419"/>
+          </a:xfrm>
+          <a:prstGeom prst="rect">
+            <a:avLst/>
+          </a:prstGeom>
+        </p:spPr>
+      </p:pic>
     </p:spTree>
     <p:extLst>
       <p:ext uri="{BB962C8B-B14F-4D97-AF65-F5344CB8AC3E}">
